--- a/5. Semester/IoT/iot/powerPoint.pptx
+++ b/5. Semester/IoT/iot/powerPoint.pptx
@@ -1,38 +1,134 @@
 
 <file path=ppt/presentation.xml><?xml version="1.0" encoding="utf-8"?>
-<p:presentation xmlns:a="http://schemas.openxmlformats.org/drawingml/2006/main" xmlns:p="http://schemas.openxmlformats.org/presentationml/2006/main" xmlns:r="http://schemas.openxmlformats.org/officeDocument/2006/relationships" xmlns:p14="http://schemas.microsoft.com/office/powerpoint/2010/main" xmlns:p15="http://schemas.microsoft.com/office/powerpoint/2012/main" xmlns:mc="http://schemas.openxmlformats.org/markup-compatibility/2006">
+<p:presentation xmlns:a="http://schemas.openxmlformats.org/drawingml/2006/main" xmlns:r="http://schemas.openxmlformats.org/officeDocument/2006/relationships" xmlns:p="http://schemas.openxmlformats.org/presentationml/2006/main">
   <p:sldMasterIdLst>
-    <p:sldMasterId id="2147483648" r:id="rId2"/>
-    <p:sldMasterId id="2147483661" r:id="rId3"/>
+    <p:sldMasterId id="2147483648" r:id="rId1"/>
+    <p:sldMasterId id="2147483661" r:id="rId2"/>
   </p:sldMasterIdLst>
   <p:sldIdLst>
-    <p:sldId id="256" r:id="rId4"/>
-    <p:sldId id="257" r:id="rId5"/>
-    <p:sldId id="258" r:id="rId6"/>
-    <p:sldId id="259" r:id="rId7"/>
-    <p:sldId id="260" r:id="rId8"/>
-    <p:sldId id="261" r:id="rId9"/>
-    <p:sldId id="262" r:id="rId10"/>
-    <p:sldId id="263" r:id="rId11"/>
-    <p:sldId id="264" r:id="rId12"/>
-    <p:sldId id="265" r:id="rId13"/>
-    <p:sldId id="266" r:id="rId14"/>
-    <p:sldId id="267" r:id="rId15"/>
-    <p:sldId id="268" r:id="rId16"/>
-    <p:sldId id="269" r:id="rId17"/>
-    <p:sldId id="270" r:id="rId18"/>
-    <p:sldId id="271" r:id="rId19"/>
-    <p:sldId id="272" r:id="rId20"/>
-    <p:sldId id="273" r:id="rId21"/>
+    <p:sldId id="256" r:id="rId3"/>
+    <p:sldId id="257" r:id="rId4"/>
+    <p:sldId id="258" r:id="rId5"/>
+    <p:sldId id="259" r:id="rId6"/>
+    <p:sldId id="260" r:id="rId7"/>
+    <p:sldId id="261" r:id="rId8"/>
+    <p:sldId id="262" r:id="rId9"/>
+    <p:sldId id="263" r:id="rId10"/>
+    <p:sldId id="264" r:id="rId11"/>
+    <p:sldId id="265" r:id="rId12"/>
+    <p:sldId id="266" r:id="rId13"/>
+    <p:sldId id="267" r:id="rId14"/>
+    <p:sldId id="268" r:id="rId15"/>
+    <p:sldId id="269" r:id="rId16"/>
+    <p:sldId id="270" r:id="rId17"/>
+    <p:sldId id="271" r:id="rId18"/>
+    <p:sldId id="272" r:id="rId19"/>
+    <p:sldId id="273" r:id="rId20"/>
+    <p:sldId id="276" r:id="rId21"/>
     <p:sldId id="274" r:id="rId22"/>
   </p:sldIdLst>
   <p:sldSz cx="12192000" cy="6858000"/>
-  <p:notesSz cx="7559675" cy="10691812"/>
+  <p:notesSz cx="7559675" cy="10691813"/>
+  <p:defaultTextStyle>
+    <a:defPPr>
+      <a:defRPr lang="de-DE"/>
+    </a:defPPr>
+    <a:lvl1pPr marL="0" algn="l" defTabSz="914400" rtl="0" eaLnBrk="1" latinLnBrk="0" hangingPunct="1">
+      <a:defRPr sz="1800" kern="1200">
+        <a:solidFill>
+          <a:schemeClr val="tx1"/>
+        </a:solidFill>
+        <a:latin typeface="+mn-lt"/>
+        <a:ea typeface="+mn-ea"/>
+        <a:cs typeface="+mn-cs"/>
+      </a:defRPr>
+    </a:lvl1pPr>
+    <a:lvl2pPr marL="457200" algn="l" defTabSz="914400" rtl="0" eaLnBrk="1" latinLnBrk="0" hangingPunct="1">
+      <a:defRPr sz="1800" kern="1200">
+        <a:solidFill>
+          <a:schemeClr val="tx1"/>
+        </a:solidFill>
+        <a:latin typeface="+mn-lt"/>
+        <a:ea typeface="+mn-ea"/>
+        <a:cs typeface="+mn-cs"/>
+      </a:defRPr>
+    </a:lvl2pPr>
+    <a:lvl3pPr marL="914400" algn="l" defTabSz="914400" rtl="0" eaLnBrk="1" latinLnBrk="0" hangingPunct="1">
+      <a:defRPr sz="1800" kern="1200">
+        <a:solidFill>
+          <a:schemeClr val="tx1"/>
+        </a:solidFill>
+        <a:latin typeface="+mn-lt"/>
+        <a:ea typeface="+mn-ea"/>
+        <a:cs typeface="+mn-cs"/>
+      </a:defRPr>
+    </a:lvl3pPr>
+    <a:lvl4pPr marL="1371600" algn="l" defTabSz="914400" rtl="0" eaLnBrk="1" latinLnBrk="0" hangingPunct="1">
+      <a:defRPr sz="1800" kern="1200">
+        <a:solidFill>
+          <a:schemeClr val="tx1"/>
+        </a:solidFill>
+        <a:latin typeface="+mn-lt"/>
+        <a:ea typeface="+mn-ea"/>
+        <a:cs typeface="+mn-cs"/>
+      </a:defRPr>
+    </a:lvl4pPr>
+    <a:lvl5pPr marL="1828800" algn="l" defTabSz="914400" rtl="0" eaLnBrk="1" latinLnBrk="0" hangingPunct="1">
+      <a:defRPr sz="1800" kern="1200">
+        <a:solidFill>
+          <a:schemeClr val="tx1"/>
+        </a:solidFill>
+        <a:latin typeface="+mn-lt"/>
+        <a:ea typeface="+mn-ea"/>
+        <a:cs typeface="+mn-cs"/>
+      </a:defRPr>
+    </a:lvl5pPr>
+    <a:lvl6pPr marL="2286000" algn="l" defTabSz="914400" rtl="0" eaLnBrk="1" latinLnBrk="0" hangingPunct="1">
+      <a:defRPr sz="1800" kern="1200">
+        <a:solidFill>
+          <a:schemeClr val="tx1"/>
+        </a:solidFill>
+        <a:latin typeface="+mn-lt"/>
+        <a:ea typeface="+mn-ea"/>
+        <a:cs typeface="+mn-cs"/>
+      </a:defRPr>
+    </a:lvl6pPr>
+    <a:lvl7pPr marL="2743200" algn="l" defTabSz="914400" rtl="0" eaLnBrk="1" latinLnBrk="0" hangingPunct="1">
+      <a:defRPr sz="1800" kern="1200">
+        <a:solidFill>
+          <a:schemeClr val="tx1"/>
+        </a:solidFill>
+        <a:latin typeface="+mn-lt"/>
+        <a:ea typeface="+mn-ea"/>
+        <a:cs typeface="+mn-cs"/>
+      </a:defRPr>
+    </a:lvl7pPr>
+    <a:lvl8pPr marL="3200400" algn="l" defTabSz="914400" rtl="0" eaLnBrk="1" latinLnBrk="0" hangingPunct="1">
+      <a:defRPr sz="1800" kern="1200">
+        <a:solidFill>
+          <a:schemeClr val="tx1"/>
+        </a:solidFill>
+        <a:latin typeface="+mn-lt"/>
+        <a:ea typeface="+mn-ea"/>
+        <a:cs typeface="+mn-cs"/>
+      </a:defRPr>
+    </a:lvl8pPr>
+    <a:lvl9pPr marL="3657600" algn="l" defTabSz="914400" rtl="0" eaLnBrk="1" latinLnBrk="0" hangingPunct="1">
+      <a:defRPr sz="1800" kern="1200">
+        <a:solidFill>
+          <a:schemeClr val="tx1"/>
+        </a:solidFill>
+        <a:latin typeface="+mn-lt"/>
+        <a:ea typeface="+mn-ea"/>
+        <a:cs typeface="+mn-cs"/>
+      </a:defRPr>
+    </a:lvl9pPr>
+  </p:defaultTextStyle>
 </p:presentation>
 </file>
 
 <file path=ppt/slideLayouts/slideLayout1.xml><?xml version="1.0" encoding="utf-8"?>
-<p:sldLayout xmlns:a="http://schemas.openxmlformats.org/drawingml/2006/main" xmlns:p="http://schemas.openxmlformats.org/presentationml/2006/main" xmlns:r="http://schemas.openxmlformats.org/officeDocument/2006/relationships" xmlns:p14="http://schemas.microsoft.com/office/powerpoint/2010/main" xmlns:p15="http://schemas.microsoft.com/office/powerpoint/2012/main" xmlns:mc="http://schemas.openxmlformats.org/markup-compatibility/2006" type="blank" preserve="1">
+<p:sldLayout xmlns:a="http://schemas.openxmlformats.org/drawingml/2006/main" xmlns:r="http://schemas.openxmlformats.org/officeDocument/2006/relationships" xmlns:p="http://schemas.openxmlformats.org/presentationml/2006/main" type="blank" preserve="1">
   <p:cSld name="Blank Slide">
     <p:spTree>
       <p:nvGrpSpPr>
@@ -50,11 +146,14 @@
       </p:grpSpPr>
     </p:spTree>
   </p:cSld>
+  <p:clrMapOvr>
+    <a:masterClrMapping/>
+  </p:clrMapOvr>
 </p:sldLayout>
 </file>
 
 <file path=ppt/slideLayouts/slideLayout10.xml><?xml version="1.0" encoding="utf-8"?>
-<p:sldLayout xmlns:a="http://schemas.openxmlformats.org/drawingml/2006/main" xmlns:p="http://schemas.openxmlformats.org/presentationml/2006/main" xmlns:r="http://schemas.openxmlformats.org/officeDocument/2006/relationships" xmlns:p14="http://schemas.microsoft.com/office/powerpoint/2010/main" xmlns:p15="http://schemas.microsoft.com/office/powerpoint/2012/main" xmlns:mc="http://schemas.openxmlformats.org/markup-compatibility/2006" type="objOverTx" preserve="1">
+<p:sldLayout xmlns:a="http://schemas.openxmlformats.org/drawingml/2006/main" xmlns:r="http://schemas.openxmlformats.org/officeDocument/2006/relationships" xmlns:p="http://schemas.openxmlformats.org/presentationml/2006/main" type="objOverTx" preserve="1">
   <p:cSld name="Title, Content over Content">
     <p:spTree>
       <p:nvGrpSpPr>
@@ -90,9 +189,10 @@
           </a:prstGeom>
         </p:spPr>
         <p:txBody>
-          <a:bodyPr lIns="0" rIns="0" tIns="0" bIns="0" anchor="ctr"/>
-          <a:p>
-            <a:endParaRPr b="0" lang="en-US" sz="1800" spc="-1" strike="noStrike">
+          <a:bodyPr lIns="0" tIns="0" rIns="0" bIns="0" anchor="ctr"/>
+          <a:lstStyle/>
+          <a:p>
+            <a:endParaRPr lang="en-US" sz="1800" b="0" strike="noStrike" spc="-1">
               <a:solidFill>
                 <a:srgbClr val="000000"/>
               </a:solidFill>
@@ -121,11 +221,12 @@
           </a:prstGeom>
         </p:spPr>
         <p:txBody>
-          <a:bodyPr lIns="0" rIns="0" tIns="0" bIns="0">
+          <a:bodyPr lIns="0" tIns="0" rIns="0" bIns="0">
             <a:normAutofit/>
           </a:bodyPr>
-          <a:p>
-            <a:endParaRPr b="0" lang="en-US" sz="1800" spc="-1" strike="noStrike">
+          <a:lstStyle/>
+          <a:p>
+            <a:endParaRPr lang="en-US" sz="1800" b="0" strike="noStrike" spc="-1">
               <a:solidFill>
                 <a:srgbClr val="404040"/>
               </a:solidFill>
@@ -154,11 +255,12 @@
           </a:prstGeom>
         </p:spPr>
         <p:txBody>
-          <a:bodyPr lIns="0" rIns="0" tIns="0" bIns="0">
+          <a:bodyPr lIns="0" tIns="0" rIns="0" bIns="0">
             <a:normAutofit/>
           </a:bodyPr>
-          <a:p>
-            <a:endParaRPr b="0" lang="en-US" sz="1800" spc="-1" strike="noStrike">
+          <a:lstStyle/>
+          <a:p>
+            <a:endParaRPr lang="en-US" sz="1800" b="0" strike="noStrike" spc="-1">
               <a:solidFill>
                 <a:srgbClr val="404040"/>
               </a:solidFill>
@@ -169,11 +271,14 @@
       </p:sp>
     </p:spTree>
   </p:cSld>
+  <p:clrMapOvr>
+    <a:masterClrMapping/>
+  </p:clrMapOvr>
 </p:sldLayout>
 </file>
 
 <file path=ppt/slideLayouts/slideLayout11.xml><?xml version="1.0" encoding="utf-8"?>
-<p:sldLayout xmlns:a="http://schemas.openxmlformats.org/drawingml/2006/main" xmlns:p="http://schemas.openxmlformats.org/presentationml/2006/main" xmlns:r="http://schemas.openxmlformats.org/officeDocument/2006/relationships" xmlns:p14="http://schemas.microsoft.com/office/powerpoint/2010/main" xmlns:p15="http://schemas.microsoft.com/office/powerpoint/2012/main" xmlns:mc="http://schemas.openxmlformats.org/markup-compatibility/2006" type="fourObj" preserve="1">
+<p:sldLayout xmlns:a="http://schemas.openxmlformats.org/drawingml/2006/main" xmlns:r="http://schemas.openxmlformats.org/officeDocument/2006/relationships" xmlns:p="http://schemas.openxmlformats.org/presentationml/2006/main" type="fourObj" preserve="1">
   <p:cSld name="Title, 4 Content">
     <p:spTree>
       <p:nvGrpSpPr>
@@ -209,9 +314,10 @@
           </a:prstGeom>
         </p:spPr>
         <p:txBody>
-          <a:bodyPr lIns="0" rIns="0" tIns="0" bIns="0" anchor="ctr"/>
-          <a:p>
-            <a:endParaRPr b="0" lang="en-US" sz="1800" spc="-1" strike="noStrike">
+          <a:bodyPr lIns="0" tIns="0" rIns="0" bIns="0" anchor="ctr"/>
+          <a:lstStyle/>
+          <a:p>
+            <a:endParaRPr lang="en-US" sz="1800" b="0" strike="noStrike" spc="-1">
               <a:solidFill>
                 <a:srgbClr val="000000"/>
               </a:solidFill>
@@ -240,11 +346,12 @@
           </a:prstGeom>
         </p:spPr>
         <p:txBody>
-          <a:bodyPr lIns="0" rIns="0" tIns="0" bIns="0">
+          <a:bodyPr lIns="0" tIns="0" rIns="0" bIns="0">
             <a:normAutofit/>
           </a:bodyPr>
-          <a:p>
-            <a:endParaRPr b="0" lang="en-US" sz="1800" spc="-1" strike="noStrike">
+          <a:lstStyle/>
+          <a:p>
+            <a:endParaRPr lang="en-US" sz="1800" b="0" strike="noStrike" spc="-1">
               <a:solidFill>
                 <a:srgbClr val="404040"/>
               </a:solidFill>
@@ -273,11 +380,12 @@
           </a:prstGeom>
         </p:spPr>
         <p:txBody>
-          <a:bodyPr lIns="0" rIns="0" tIns="0" bIns="0">
+          <a:bodyPr lIns="0" tIns="0" rIns="0" bIns="0">
             <a:normAutofit/>
           </a:bodyPr>
-          <a:p>
-            <a:endParaRPr b="0" lang="en-US" sz="1800" spc="-1" strike="noStrike">
+          <a:lstStyle/>
+          <a:p>
+            <a:endParaRPr lang="en-US" sz="1800" b="0" strike="noStrike" spc="-1">
               <a:solidFill>
                 <a:srgbClr val="404040"/>
               </a:solidFill>
@@ -306,11 +414,12 @@
           </a:prstGeom>
         </p:spPr>
         <p:txBody>
-          <a:bodyPr lIns="0" rIns="0" tIns="0" bIns="0">
+          <a:bodyPr lIns="0" tIns="0" rIns="0" bIns="0">
             <a:normAutofit/>
           </a:bodyPr>
-          <a:p>
-            <a:endParaRPr b="0" lang="en-US" sz="1800" spc="-1" strike="noStrike">
+          <a:lstStyle/>
+          <a:p>
+            <a:endParaRPr lang="en-US" sz="1800" b="0" strike="noStrike" spc="-1">
               <a:solidFill>
                 <a:srgbClr val="404040"/>
               </a:solidFill>
@@ -339,11 +448,12 @@
           </a:prstGeom>
         </p:spPr>
         <p:txBody>
-          <a:bodyPr lIns="0" rIns="0" tIns="0" bIns="0">
+          <a:bodyPr lIns="0" tIns="0" rIns="0" bIns="0">
             <a:normAutofit/>
           </a:bodyPr>
-          <a:p>
-            <a:endParaRPr b="0" lang="en-US" sz="1800" spc="-1" strike="noStrike">
+          <a:lstStyle/>
+          <a:p>
+            <a:endParaRPr lang="en-US" sz="1800" b="0" strike="noStrike" spc="-1">
               <a:solidFill>
                 <a:srgbClr val="404040"/>
               </a:solidFill>
@@ -354,11 +464,14 @@
       </p:sp>
     </p:spTree>
   </p:cSld>
+  <p:clrMapOvr>
+    <a:masterClrMapping/>
+  </p:clrMapOvr>
 </p:sldLayout>
 </file>
 
 <file path=ppt/slideLayouts/slideLayout12.xml><?xml version="1.0" encoding="utf-8"?>
-<p:sldLayout xmlns:a="http://schemas.openxmlformats.org/drawingml/2006/main" xmlns:p="http://schemas.openxmlformats.org/presentationml/2006/main" xmlns:r="http://schemas.openxmlformats.org/officeDocument/2006/relationships" xmlns:p14="http://schemas.microsoft.com/office/powerpoint/2010/main" xmlns:p15="http://schemas.microsoft.com/office/powerpoint/2012/main" xmlns:mc="http://schemas.openxmlformats.org/markup-compatibility/2006" type="blank" preserve="1">
+<p:sldLayout xmlns:a="http://schemas.openxmlformats.org/drawingml/2006/main" xmlns:r="http://schemas.openxmlformats.org/officeDocument/2006/relationships" xmlns:p="http://schemas.openxmlformats.org/presentationml/2006/main" type="blank" preserve="1">
   <p:cSld name="Title, 6 Content">
     <p:spTree>
       <p:nvGrpSpPr>
@@ -394,9 +507,10 @@
           </a:prstGeom>
         </p:spPr>
         <p:txBody>
-          <a:bodyPr lIns="0" rIns="0" tIns="0" bIns="0" anchor="ctr"/>
-          <a:p>
-            <a:endParaRPr b="0" lang="en-US" sz="1800" spc="-1" strike="noStrike">
+          <a:bodyPr lIns="0" tIns="0" rIns="0" bIns="0" anchor="ctr"/>
+          <a:lstStyle/>
+          <a:p>
+            <a:endParaRPr lang="en-US" sz="1800" b="0" strike="noStrike" spc="-1">
               <a:solidFill>
                 <a:srgbClr val="000000"/>
               </a:solidFill>
@@ -425,11 +539,12 @@
           </a:prstGeom>
         </p:spPr>
         <p:txBody>
-          <a:bodyPr lIns="0" rIns="0" tIns="0" bIns="0">
+          <a:bodyPr lIns="0" tIns="0" rIns="0" bIns="0">
             <a:normAutofit/>
           </a:bodyPr>
-          <a:p>
-            <a:endParaRPr b="0" lang="en-US" sz="1800" spc="-1" strike="noStrike">
+          <a:lstStyle/>
+          <a:p>
+            <a:endParaRPr lang="en-US" sz="1800" b="0" strike="noStrike" spc="-1">
               <a:solidFill>
                 <a:srgbClr val="404040"/>
               </a:solidFill>
@@ -458,11 +573,12 @@
           </a:prstGeom>
         </p:spPr>
         <p:txBody>
-          <a:bodyPr lIns="0" rIns="0" tIns="0" bIns="0">
+          <a:bodyPr lIns="0" tIns="0" rIns="0" bIns="0">
             <a:normAutofit/>
           </a:bodyPr>
-          <a:p>
-            <a:endParaRPr b="0" lang="en-US" sz="1800" spc="-1" strike="noStrike">
+          <a:lstStyle/>
+          <a:p>
+            <a:endParaRPr lang="en-US" sz="1800" b="0" strike="noStrike" spc="-1">
               <a:solidFill>
                 <a:srgbClr val="404040"/>
               </a:solidFill>
@@ -491,11 +607,12 @@
           </a:prstGeom>
         </p:spPr>
         <p:txBody>
-          <a:bodyPr lIns="0" rIns="0" tIns="0" bIns="0">
+          <a:bodyPr lIns="0" tIns="0" rIns="0" bIns="0">
             <a:normAutofit/>
           </a:bodyPr>
-          <a:p>
-            <a:endParaRPr b="0" lang="en-US" sz="1800" spc="-1" strike="noStrike">
+          <a:lstStyle/>
+          <a:p>
+            <a:endParaRPr lang="en-US" sz="1800" b="0" strike="noStrike" spc="-1">
               <a:solidFill>
                 <a:srgbClr val="404040"/>
               </a:solidFill>
@@ -524,11 +641,12 @@
           </a:prstGeom>
         </p:spPr>
         <p:txBody>
-          <a:bodyPr lIns="0" rIns="0" tIns="0" bIns="0">
+          <a:bodyPr lIns="0" tIns="0" rIns="0" bIns="0">
             <a:normAutofit/>
           </a:bodyPr>
-          <a:p>
-            <a:endParaRPr b="0" lang="en-US" sz="1800" spc="-1" strike="noStrike">
+          <a:lstStyle/>
+          <a:p>
+            <a:endParaRPr lang="en-US" sz="1800" b="0" strike="noStrike" spc="-1">
               <a:solidFill>
                 <a:srgbClr val="404040"/>
               </a:solidFill>
@@ -557,11 +675,12 @@
           </a:prstGeom>
         </p:spPr>
         <p:txBody>
-          <a:bodyPr lIns="0" rIns="0" tIns="0" bIns="0">
+          <a:bodyPr lIns="0" tIns="0" rIns="0" bIns="0">
             <a:normAutofit/>
           </a:bodyPr>
-          <a:p>
-            <a:endParaRPr b="0" lang="en-US" sz="1800" spc="-1" strike="noStrike">
+          <a:lstStyle/>
+          <a:p>
+            <a:endParaRPr lang="en-US" sz="1800" b="0" strike="noStrike" spc="-1">
               <a:solidFill>
                 <a:srgbClr val="404040"/>
               </a:solidFill>
@@ -590,11 +709,12 @@
           </a:prstGeom>
         </p:spPr>
         <p:txBody>
-          <a:bodyPr lIns="0" rIns="0" tIns="0" bIns="0">
+          <a:bodyPr lIns="0" tIns="0" rIns="0" bIns="0">
             <a:normAutofit/>
           </a:bodyPr>
-          <a:p>
-            <a:endParaRPr b="0" lang="en-US" sz="1800" spc="-1" strike="noStrike">
+          <a:lstStyle/>
+          <a:p>
+            <a:endParaRPr lang="en-US" sz="1800" b="0" strike="noStrike" spc="-1">
               <a:solidFill>
                 <a:srgbClr val="404040"/>
               </a:solidFill>
@@ -605,11 +725,14 @@
       </p:sp>
     </p:spTree>
   </p:cSld>
+  <p:clrMapOvr>
+    <a:masterClrMapping/>
+  </p:clrMapOvr>
 </p:sldLayout>
 </file>
 
 <file path=ppt/slideLayouts/slideLayout13.xml><?xml version="1.0" encoding="utf-8"?>
-<p:sldLayout xmlns:a="http://schemas.openxmlformats.org/drawingml/2006/main" xmlns:p="http://schemas.openxmlformats.org/presentationml/2006/main" xmlns:r="http://schemas.openxmlformats.org/officeDocument/2006/relationships" xmlns:p14="http://schemas.microsoft.com/office/powerpoint/2010/main" xmlns:p15="http://schemas.microsoft.com/office/powerpoint/2012/main" xmlns:mc="http://schemas.openxmlformats.org/markup-compatibility/2006" type="blank" preserve="1">
+<p:sldLayout xmlns:a="http://schemas.openxmlformats.org/drawingml/2006/main" xmlns:r="http://schemas.openxmlformats.org/officeDocument/2006/relationships" xmlns:p="http://schemas.openxmlformats.org/presentationml/2006/main" type="blank" preserve="1">
   <p:cSld name="Blank Slide">
     <p:spTree>
       <p:nvGrpSpPr>
@@ -627,11 +750,14 @@
       </p:grpSpPr>
     </p:spTree>
   </p:cSld>
+  <p:clrMapOvr>
+    <a:masterClrMapping/>
+  </p:clrMapOvr>
 </p:sldLayout>
 </file>
 
 <file path=ppt/slideLayouts/slideLayout14.xml><?xml version="1.0" encoding="utf-8"?>
-<p:sldLayout xmlns:a="http://schemas.openxmlformats.org/drawingml/2006/main" xmlns:p="http://schemas.openxmlformats.org/presentationml/2006/main" xmlns:r="http://schemas.openxmlformats.org/officeDocument/2006/relationships" xmlns:p14="http://schemas.microsoft.com/office/powerpoint/2010/main" xmlns:p15="http://schemas.microsoft.com/office/powerpoint/2012/main" xmlns:mc="http://schemas.openxmlformats.org/markup-compatibility/2006" type="tx" preserve="1">
+<p:sldLayout xmlns:a="http://schemas.openxmlformats.org/drawingml/2006/main" xmlns:r="http://schemas.openxmlformats.org/officeDocument/2006/relationships" xmlns:p="http://schemas.openxmlformats.org/presentationml/2006/main" type="tx" preserve="1">
   <p:cSld name="Title Slide">
     <p:spTree>
       <p:nvGrpSpPr>
@@ -667,9 +793,10 @@
           </a:prstGeom>
         </p:spPr>
         <p:txBody>
-          <a:bodyPr lIns="0" rIns="0" tIns="0" bIns="0" anchor="ctr"/>
-          <a:p>
-            <a:endParaRPr b="0" lang="en-US" sz="1800" spc="-1" strike="noStrike">
+          <a:bodyPr lIns="0" tIns="0" rIns="0" bIns="0" anchor="ctr"/>
+          <a:lstStyle/>
+          <a:p>
+            <a:endParaRPr lang="en-US" sz="1800" b="0" strike="noStrike" spc="-1">
               <a:solidFill>
                 <a:srgbClr val="000000"/>
               </a:solidFill>
@@ -698,10 +825,11 @@
           </a:prstGeom>
         </p:spPr>
         <p:txBody>
-          <a:bodyPr lIns="0" rIns="0" tIns="0" bIns="0" anchor="ctr"/>
+          <a:bodyPr lIns="0" tIns="0" rIns="0" bIns="0" anchor="ctr"/>
+          <a:lstStyle/>
           <a:p>
             <a:pPr algn="ctr"/>
-            <a:endParaRPr b="0" lang="en-US" sz="3200" spc="-1" strike="noStrike">
+            <a:endParaRPr lang="en-US" sz="3200" b="0" strike="noStrike" spc="-1">
               <a:latin typeface="Arial"/>
             </a:endParaRPr>
           </a:p>
@@ -709,11 +837,14 @@
       </p:sp>
     </p:spTree>
   </p:cSld>
+  <p:clrMapOvr>
+    <a:masterClrMapping/>
+  </p:clrMapOvr>
 </p:sldLayout>
 </file>
 
 <file path=ppt/slideLayouts/slideLayout15.xml><?xml version="1.0" encoding="utf-8"?>
-<p:sldLayout xmlns:a="http://schemas.openxmlformats.org/drawingml/2006/main" xmlns:p="http://schemas.openxmlformats.org/presentationml/2006/main" xmlns:r="http://schemas.openxmlformats.org/officeDocument/2006/relationships" xmlns:p14="http://schemas.microsoft.com/office/powerpoint/2010/main" xmlns:p15="http://schemas.microsoft.com/office/powerpoint/2012/main" xmlns:mc="http://schemas.openxmlformats.org/markup-compatibility/2006" type="obj" preserve="1">
+<p:sldLayout xmlns:a="http://schemas.openxmlformats.org/drawingml/2006/main" xmlns:r="http://schemas.openxmlformats.org/officeDocument/2006/relationships" xmlns:p="http://schemas.openxmlformats.org/presentationml/2006/main" type="obj" preserve="1">
   <p:cSld name="Title, Content">
     <p:spTree>
       <p:nvGrpSpPr>
@@ -749,9 +880,10 @@
           </a:prstGeom>
         </p:spPr>
         <p:txBody>
-          <a:bodyPr lIns="0" rIns="0" tIns="0" bIns="0" anchor="ctr"/>
-          <a:p>
-            <a:endParaRPr b="0" lang="en-US" sz="1800" spc="-1" strike="noStrike">
+          <a:bodyPr lIns="0" tIns="0" rIns="0" bIns="0" anchor="ctr"/>
+          <a:lstStyle/>
+          <a:p>
+            <a:endParaRPr lang="en-US" sz="1800" b="0" strike="noStrike" spc="-1">
               <a:solidFill>
                 <a:srgbClr val="000000"/>
               </a:solidFill>
@@ -780,11 +912,12 @@
           </a:prstGeom>
         </p:spPr>
         <p:txBody>
-          <a:bodyPr lIns="0" rIns="0" tIns="0" bIns="0">
+          <a:bodyPr lIns="0" tIns="0" rIns="0" bIns="0">
             <a:normAutofit/>
           </a:bodyPr>
-          <a:p>
-            <a:endParaRPr b="0" lang="en-US" sz="1800" spc="-1" strike="noStrike">
+          <a:lstStyle/>
+          <a:p>
+            <a:endParaRPr lang="en-US" sz="1800" b="0" strike="noStrike" spc="-1">
               <a:solidFill>
                 <a:srgbClr val="404040"/>
               </a:solidFill>
@@ -795,11 +928,14 @@
       </p:sp>
     </p:spTree>
   </p:cSld>
+  <p:clrMapOvr>
+    <a:masterClrMapping/>
+  </p:clrMapOvr>
 </p:sldLayout>
 </file>
 
 <file path=ppt/slideLayouts/slideLayout16.xml><?xml version="1.0" encoding="utf-8"?>
-<p:sldLayout xmlns:a="http://schemas.openxmlformats.org/drawingml/2006/main" xmlns:p="http://schemas.openxmlformats.org/presentationml/2006/main" xmlns:r="http://schemas.openxmlformats.org/officeDocument/2006/relationships" xmlns:p14="http://schemas.microsoft.com/office/powerpoint/2010/main" xmlns:p15="http://schemas.microsoft.com/office/powerpoint/2012/main" xmlns:mc="http://schemas.openxmlformats.org/markup-compatibility/2006" type="twoObj" preserve="1">
+<p:sldLayout xmlns:a="http://schemas.openxmlformats.org/drawingml/2006/main" xmlns:r="http://schemas.openxmlformats.org/officeDocument/2006/relationships" xmlns:p="http://schemas.openxmlformats.org/presentationml/2006/main" type="twoObj" preserve="1">
   <p:cSld name="Title, 2 Content">
     <p:spTree>
       <p:nvGrpSpPr>
@@ -835,9 +971,10 @@
           </a:prstGeom>
         </p:spPr>
         <p:txBody>
-          <a:bodyPr lIns="0" rIns="0" tIns="0" bIns="0" anchor="ctr"/>
-          <a:p>
-            <a:endParaRPr b="0" lang="en-US" sz="1800" spc="-1" strike="noStrike">
+          <a:bodyPr lIns="0" tIns="0" rIns="0" bIns="0" anchor="ctr"/>
+          <a:lstStyle/>
+          <a:p>
+            <a:endParaRPr lang="en-US" sz="1800" b="0" strike="noStrike" spc="-1">
               <a:solidFill>
                 <a:srgbClr val="000000"/>
               </a:solidFill>
@@ -866,11 +1003,12 @@
           </a:prstGeom>
         </p:spPr>
         <p:txBody>
-          <a:bodyPr lIns="0" rIns="0" tIns="0" bIns="0">
+          <a:bodyPr lIns="0" tIns="0" rIns="0" bIns="0">
             <a:normAutofit/>
           </a:bodyPr>
-          <a:p>
-            <a:endParaRPr b="0" lang="en-US" sz="1800" spc="-1" strike="noStrike">
+          <a:lstStyle/>
+          <a:p>
+            <a:endParaRPr lang="en-US" sz="1800" b="0" strike="noStrike" spc="-1">
               <a:solidFill>
                 <a:srgbClr val="404040"/>
               </a:solidFill>
@@ -899,11 +1037,12 @@
           </a:prstGeom>
         </p:spPr>
         <p:txBody>
-          <a:bodyPr lIns="0" rIns="0" tIns="0" bIns="0">
+          <a:bodyPr lIns="0" tIns="0" rIns="0" bIns="0">
             <a:normAutofit/>
           </a:bodyPr>
-          <a:p>
-            <a:endParaRPr b="0" lang="en-US" sz="1800" spc="-1" strike="noStrike">
+          <a:lstStyle/>
+          <a:p>
+            <a:endParaRPr lang="en-US" sz="1800" b="0" strike="noStrike" spc="-1">
               <a:solidFill>
                 <a:srgbClr val="404040"/>
               </a:solidFill>
@@ -914,11 +1053,14 @@
       </p:sp>
     </p:spTree>
   </p:cSld>
+  <p:clrMapOvr>
+    <a:masterClrMapping/>
+  </p:clrMapOvr>
 </p:sldLayout>
 </file>
 
 <file path=ppt/slideLayouts/slideLayout17.xml><?xml version="1.0" encoding="utf-8"?>
-<p:sldLayout xmlns:a="http://schemas.openxmlformats.org/drawingml/2006/main" xmlns:p="http://schemas.openxmlformats.org/presentationml/2006/main" xmlns:r="http://schemas.openxmlformats.org/officeDocument/2006/relationships" xmlns:p14="http://schemas.microsoft.com/office/powerpoint/2010/main" xmlns:p15="http://schemas.microsoft.com/office/powerpoint/2012/main" xmlns:mc="http://schemas.openxmlformats.org/markup-compatibility/2006" type="titleOnly" preserve="1">
+<p:sldLayout xmlns:a="http://schemas.openxmlformats.org/drawingml/2006/main" xmlns:r="http://schemas.openxmlformats.org/officeDocument/2006/relationships" xmlns:p="http://schemas.openxmlformats.org/presentationml/2006/main" type="titleOnly" preserve="1">
   <p:cSld name="Title Only">
     <p:spTree>
       <p:nvGrpSpPr>
@@ -954,9 +1096,10 @@
           </a:prstGeom>
         </p:spPr>
         <p:txBody>
-          <a:bodyPr lIns="0" rIns="0" tIns="0" bIns="0" anchor="ctr"/>
-          <a:p>
-            <a:endParaRPr b="0" lang="en-US" sz="1800" spc="-1" strike="noStrike">
+          <a:bodyPr lIns="0" tIns="0" rIns="0" bIns="0" anchor="ctr"/>
+          <a:lstStyle/>
+          <a:p>
+            <a:endParaRPr lang="en-US" sz="1800" b="0" strike="noStrike" spc="-1">
               <a:solidFill>
                 <a:srgbClr val="000000"/>
               </a:solidFill>
@@ -967,11 +1110,14 @@
       </p:sp>
     </p:spTree>
   </p:cSld>
+  <p:clrMapOvr>
+    <a:masterClrMapping/>
+  </p:clrMapOvr>
 </p:sldLayout>
 </file>
 
 <file path=ppt/slideLayouts/slideLayout18.xml><?xml version="1.0" encoding="utf-8"?>
-<p:sldLayout xmlns:a="http://schemas.openxmlformats.org/drawingml/2006/main" xmlns:p="http://schemas.openxmlformats.org/presentationml/2006/main" xmlns:r="http://schemas.openxmlformats.org/officeDocument/2006/relationships" xmlns:p14="http://schemas.microsoft.com/office/powerpoint/2010/main" xmlns:p15="http://schemas.microsoft.com/office/powerpoint/2012/main" xmlns:mc="http://schemas.openxmlformats.org/markup-compatibility/2006" type="objOnly" preserve="1">
+<p:sldLayout xmlns:a="http://schemas.openxmlformats.org/drawingml/2006/main" xmlns:r="http://schemas.openxmlformats.org/officeDocument/2006/relationships" xmlns:p="http://schemas.openxmlformats.org/presentationml/2006/main" type="objOnly" preserve="1">
   <p:cSld name="Centered Text">
     <p:spTree>
       <p:nvGrpSpPr>
@@ -1007,10 +1153,11 @@
           </a:prstGeom>
         </p:spPr>
         <p:txBody>
-          <a:bodyPr lIns="0" rIns="0" tIns="0" bIns="0" anchor="ctr"/>
+          <a:bodyPr lIns="0" tIns="0" rIns="0" bIns="0" anchor="ctr"/>
+          <a:lstStyle/>
           <a:p>
             <a:pPr algn="ctr"/>
-            <a:endParaRPr b="0" lang="en-US" sz="3200" spc="-1" strike="noStrike">
+            <a:endParaRPr lang="en-US" sz="3200" b="0" strike="noStrike" spc="-1">
               <a:latin typeface="Arial"/>
             </a:endParaRPr>
           </a:p>
@@ -1018,11 +1165,14 @@
       </p:sp>
     </p:spTree>
   </p:cSld>
+  <p:clrMapOvr>
+    <a:masterClrMapping/>
+  </p:clrMapOvr>
 </p:sldLayout>
 </file>
 
 <file path=ppt/slideLayouts/slideLayout19.xml><?xml version="1.0" encoding="utf-8"?>
-<p:sldLayout xmlns:a="http://schemas.openxmlformats.org/drawingml/2006/main" xmlns:p="http://schemas.openxmlformats.org/presentationml/2006/main" xmlns:r="http://schemas.openxmlformats.org/officeDocument/2006/relationships" xmlns:p14="http://schemas.microsoft.com/office/powerpoint/2010/main" xmlns:p15="http://schemas.microsoft.com/office/powerpoint/2012/main" xmlns:mc="http://schemas.openxmlformats.org/markup-compatibility/2006" type="twoObjAndObj" preserve="1">
+<p:sldLayout xmlns:a="http://schemas.openxmlformats.org/drawingml/2006/main" xmlns:r="http://schemas.openxmlformats.org/officeDocument/2006/relationships" xmlns:p="http://schemas.openxmlformats.org/presentationml/2006/main" type="twoObjAndObj" preserve="1">
   <p:cSld name="Title, 2 Content and Content">
     <p:spTree>
       <p:nvGrpSpPr>
@@ -1058,9 +1208,10 @@
           </a:prstGeom>
         </p:spPr>
         <p:txBody>
-          <a:bodyPr lIns="0" rIns="0" tIns="0" bIns="0" anchor="ctr"/>
-          <a:p>
-            <a:endParaRPr b="0" lang="en-US" sz="1800" spc="-1" strike="noStrike">
+          <a:bodyPr lIns="0" tIns="0" rIns="0" bIns="0" anchor="ctr"/>
+          <a:lstStyle/>
+          <a:p>
+            <a:endParaRPr lang="en-US" sz="1800" b="0" strike="noStrike" spc="-1">
               <a:solidFill>
                 <a:srgbClr val="000000"/>
               </a:solidFill>
@@ -1089,11 +1240,12 @@
           </a:prstGeom>
         </p:spPr>
         <p:txBody>
-          <a:bodyPr lIns="0" rIns="0" tIns="0" bIns="0">
+          <a:bodyPr lIns="0" tIns="0" rIns="0" bIns="0">
             <a:normAutofit/>
           </a:bodyPr>
-          <a:p>
-            <a:endParaRPr b="0" lang="en-US" sz="1800" spc="-1" strike="noStrike">
+          <a:lstStyle/>
+          <a:p>
+            <a:endParaRPr lang="en-US" sz="1800" b="0" strike="noStrike" spc="-1">
               <a:solidFill>
                 <a:srgbClr val="404040"/>
               </a:solidFill>
@@ -1122,11 +1274,12 @@
           </a:prstGeom>
         </p:spPr>
         <p:txBody>
-          <a:bodyPr lIns="0" rIns="0" tIns="0" bIns="0">
+          <a:bodyPr lIns="0" tIns="0" rIns="0" bIns="0">
             <a:normAutofit/>
           </a:bodyPr>
-          <a:p>
-            <a:endParaRPr b="0" lang="en-US" sz="1800" spc="-1" strike="noStrike">
+          <a:lstStyle/>
+          <a:p>
+            <a:endParaRPr lang="en-US" sz="1800" b="0" strike="noStrike" spc="-1">
               <a:solidFill>
                 <a:srgbClr val="404040"/>
               </a:solidFill>
@@ -1155,11 +1308,12 @@
           </a:prstGeom>
         </p:spPr>
         <p:txBody>
-          <a:bodyPr lIns="0" rIns="0" tIns="0" bIns="0">
+          <a:bodyPr lIns="0" tIns="0" rIns="0" bIns="0">
             <a:normAutofit/>
           </a:bodyPr>
-          <a:p>
-            <a:endParaRPr b="0" lang="en-US" sz="1800" spc="-1" strike="noStrike">
+          <a:lstStyle/>
+          <a:p>
+            <a:endParaRPr lang="en-US" sz="1800" b="0" strike="noStrike" spc="-1">
               <a:solidFill>
                 <a:srgbClr val="404040"/>
               </a:solidFill>
@@ -1170,11 +1324,14 @@
       </p:sp>
     </p:spTree>
   </p:cSld>
+  <p:clrMapOvr>
+    <a:masterClrMapping/>
+  </p:clrMapOvr>
 </p:sldLayout>
 </file>
 
 <file path=ppt/slideLayouts/slideLayout2.xml><?xml version="1.0" encoding="utf-8"?>
-<p:sldLayout xmlns:a="http://schemas.openxmlformats.org/drawingml/2006/main" xmlns:p="http://schemas.openxmlformats.org/presentationml/2006/main" xmlns:r="http://schemas.openxmlformats.org/officeDocument/2006/relationships" xmlns:p14="http://schemas.microsoft.com/office/powerpoint/2010/main" xmlns:p15="http://schemas.microsoft.com/office/powerpoint/2012/main" xmlns:mc="http://schemas.openxmlformats.org/markup-compatibility/2006" type="tx" preserve="1">
+<p:sldLayout xmlns:a="http://schemas.openxmlformats.org/drawingml/2006/main" xmlns:r="http://schemas.openxmlformats.org/officeDocument/2006/relationships" xmlns:p="http://schemas.openxmlformats.org/presentationml/2006/main" type="tx" preserve="1">
   <p:cSld name="Title Slide">
     <p:spTree>
       <p:nvGrpSpPr>
@@ -1210,9 +1367,10 @@
           </a:prstGeom>
         </p:spPr>
         <p:txBody>
-          <a:bodyPr lIns="0" rIns="0" tIns="0" bIns="0" anchor="ctr"/>
-          <a:p>
-            <a:endParaRPr b="0" lang="en-US" sz="1800" spc="-1" strike="noStrike">
+          <a:bodyPr lIns="0" tIns="0" rIns="0" bIns="0" anchor="ctr"/>
+          <a:lstStyle/>
+          <a:p>
+            <a:endParaRPr lang="en-US" sz="1800" b="0" strike="noStrike" spc="-1">
               <a:solidFill>
                 <a:srgbClr val="000000"/>
               </a:solidFill>
@@ -1241,10 +1399,11 @@
           </a:prstGeom>
         </p:spPr>
         <p:txBody>
-          <a:bodyPr lIns="0" rIns="0" tIns="0" bIns="0" anchor="ctr"/>
+          <a:bodyPr lIns="0" tIns="0" rIns="0" bIns="0" anchor="ctr"/>
+          <a:lstStyle/>
           <a:p>
             <a:pPr algn="ctr"/>
-            <a:endParaRPr b="0" lang="en-US" sz="3200" spc="-1" strike="noStrike">
+            <a:endParaRPr lang="en-US" sz="3200" b="0" strike="noStrike" spc="-1">
               <a:latin typeface="Arial"/>
             </a:endParaRPr>
           </a:p>
@@ -1252,11 +1411,14 @@
       </p:sp>
     </p:spTree>
   </p:cSld>
+  <p:clrMapOvr>
+    <a:masterClrMapping/>
+  </p:clrMapOvr>
 </p:sldLayout>
 </file>
 
 <file path=ppt/slideLayouts/slideLayout20.xml><?xml version="1.0" encoding="utf-8"?>
-<p:sldLayout xmlns:a="http://schemas.openxmlformats.org/drawingml/2006/main" xmlns:p="http://schemas.openxmlformats.org/presentationml/2006/main" xmlns:r="http://schemas.openxmlformats.org/officeDocument/2006/relationships" xmlns:p14="http://schemas.microsoft.com/office/powerpoint/2010/main" xmlns:p15="http://schemas.microsoft.com/office/powerpoint/2012/main" xmlns:mc="http://schemas.openxmlformats.org/markup-compatibility/2006" type="objAndTwoObj" preserve="1">
+<p:sldLayout xmlns:a="http://schemas.openxmlformats.org/drawingml/2006/main" xmlns:r="http://schemas.openxmlformats.org/officeDocument/2006/relationships" xmlns:p="http://schemas.openxmlformats.org/presentationml/2006/main" type="objAndTwoObj" preserve="1">
   <p:cSld name="Title Content and 2 Content">
     <p:spTree>
       <p:nvGrpSpPr>
@@ -1292,9 +1454,10 @@
           </a:prstGeom>
         </p:spPr>
         <p:txBody>
-          <a:bodyPr lIns="0" rIns="0" tIns="0" bIns="0" anchor="ctr"/>
-          <a:p>
-            <a:endParaRPr b="0" lang="en-US" sz="1800" spc="-1" strike="noStrike">
+          <a:bodyPr lIns="0" tIns="0" rIns="0" bIns="0" anchor="ctr"/>
+          <a:lstStyle/>
+          <a:p>
+            <a:endParaRPr lang="en-US" sz="1800" b="0" strike="noStrike" spc="-1">
               <a:solidFill>
                 <a:srgbClr val="000000"/>
               </a:solidFill>
@@ -1323,11 +1486,12 @@
           </a:prstGeom>
         </p:spPr>
         <p:txBody>
-          <a:bodyPr lIns="0" rIns="0" tIns="0" bIns="0">
+          <a:bodyPr lIns="0" tIns="0" rIns="0" bIns="0">
             <a:normAutofit/>
           </a:bodyPr>
-          <a:p>
-            <a:endParaRPr b="0" lang="en-US" sz="1800" spc="-1" strike="noStrike">
+          <a:lstStyle/>
+          <a:p>
+            <a:endParaRPr lang="en-US" sz="1800" b="0" strike="noStrike" spc="-1">
               <a:solidFill>
                 <a:srgbClr val="404040"/>
               </a:solidFill>
@@ -1356,11 +1520,12 @@
           </a:prstGeom>
         </p:spPr>
         <p:txBody>
-          <a:bodyPr lIns="0" rIns="0" tIns="0" bIns="0">
+          <a:bodyPr lIns="0" tIns="0" rIns="0" bIns="0">
             <a:normAutofit/>
           </a:bodyPr>
-          <a:p>
-            <a:endParaRPr b="0" lang="en-US" sz="1800" spc="-1" strike="noStrike">
+          <a:lstStyle/>
+          <a:p>
+            <a:endParaRPr lang="en-US" sz="1800" b="0" strike="noStrike" spc="-1">
               <a:solidFill>
                 <a:srgbClr val="404040"/>
               </a:solidFill>
@@ -1389,11 +1554,12 @@
           </a:prstGeom>
         </p:spPr>
         <p:txBody>
-          <a:bodyPr lIns="0" rIns="0" tIns="0" bIns="0">
+          <a:bodyPr lIns="0" tIns="0" rIns="0" bIns="0">
             <a:normAutofit/>
           </a:bodyPr>
-          <a:p>
-            <a:endParaRPr b="0" lang="en-US" sz="1800" spc="-1" strike="noStrike">
+          <a:lstStyle/>
+          <a:p>
+            <a:endParaRPr lang="en-US" sz="1800" b="0" strike="noStrike" spc="-1">
               <a:solidFill>
                 <a:srgbClr val="404040"/>
               </a:solidFill>
@@ -1404,11 +1570,14 @@
       </p:sp>
     </p:spTree>
   </p:cSld>
+  <p:clrMapOvr>
+    <a:masterClrMapping/>
+  </p:clrMapOvr>
 </p:sldLayout>
 </file>
 
 <file path=ppt/slideLayouts/slideLayout21.xml><?xml version="1.0" encoding="utf-8"?>
-<p:sldLayout xmlns:a="http://schemas.openxmlformats.org/drawingml/2006/main" xmlns:p="http://schemas.openxmlformats.org/presentationml/2006/main" xmlns:r="http://schemas.openxmlformats.org/officeDocument/2006/relationships" xmlns:p14="http://schemas.microsoft.com/office/powerpoint/2010/main" xmlns:p15="http://schemas.microsoft.com/office/powerpoint/2012/main" xmlns:mc="http://schemas.openxmlformats.org/markup-compatibility/2006" type="twoObjOverTx" preserve="1">
+<p:sldLayout xmlns:a="http://schemas.openxmlformats.org/drawingml/2006/main" xmlns:r="http://schemas.openxmlformats.org/officeDocument/2006/relationships" xmlns:p="http://schemas.openxmlformats.org/presentationml/2006/main" type="twoObjOverTx" preserve="1">
   <p:cSld name="Title, 2 Content over Content">
     <p:spTree>
       <p:nvGrpSpPr>
@@ -1444,9 +1613,10 @@
           </a:prstGeom>
         </p:spPr>
         <p:txBody>
-          <a:bodyPr lIns="0" rIns="0" tIns="0" bIns="0" anchor="ctr"/>
-          <a:p>
-            <a:endParaRPr b="0" lang="en-US" sz="1800" spc="-1" strike="noStrike">
+          <a:bodyPr lIns="0" tIns="0" rIns="0" bIns="0" anchor="ctr"/>
+          <a:lstStyle/>
+          <a:p>
+            <a:endParaRPr lang="en-US" sz="1800" b="0" strike="noStrike" spc="-1">
               <a:solidFill>
                 <a:srgbClr val="000000"/>
               </a:solidFill>
@@ -1475,11 +1645,12 @@
           </a:prstGeom>
         </p:spPr>
         <p:txBody>
-          <a:bodyPr lIns="0" rIns="0" tIns="0" bIns="0">
+          <a:bodyPr lIns="0" tIns="0" rIns="0" bIns="0">
             <a:normAutofit/>
           </a:bodyPr>
-          <a:p>
-            <a:endParaRPr b="0" lang="en-US" sz="1800" spc="-1" strike="noStrike">
+          <a:lstStyle/>
+          <a:p>
+            <a:endParaRPr lang="en-US" sz="1800" b="0" strike="noStrike" spc="-1">
               <a:solidFill>
                 <a:srgbClr val="404040"/>
               </a:solidFill>
@@ -1508,11 +1679,12 @@
           </a:prstGeom>
         </p:spPr>
         <p:txBody>
-          <a:bodyPr lIns="0" rIns="0" tIns="0" bIns="0">
+          <a:bodyPr lIns="0" tIns="0" rIns="0" bIns="0">
             <a:normAutofit/>
           </a:bodyPr>
-          <a:p>
-            <a:endParaRPr b="0" lang="en-US" sz="1800" spc="-1" strike="noStrike">
+          <a:lstStyle/>
+          <a:p>
+            <a:endParaRPr lang="en-US" sz="1800" b="0" strike="noStrike" spc="-1">
               <a:solidFill>
                 <a:srgbClr val="404040"/>
               </a:solidFill>
@@ -1541,11 +1713,12 @@
           </a:prstGeom>
         </p:spPr>
         <p:txBody>
-          <a:bodyPr lIns="0" rIns="0" tIns="0" bIns="0">
+          <a:bodyPr lIns="0" tIns="0" rIns="0" bIns="0">
             <a:normAutofit/>
           </a:bodyPr>
-          <a:p>
-            <a:endParaRPr b="0" lang="en-US" sz="1800" spc="-1" strike="noStrike">
+          <a:lstStyle/>
+          <a:p>
+            <a:endParaRPr lang="en-US" sz="1800" b="0" strike="noStrike" spc="-1">
               <a:solidFill>
                 <a:srgbClr val="404040"/>
               </a:solidFill>
@@ -1556,11 +1729,14 @@
       </p:sp>
     </p:spTree>
   </p:cSld>
+  <p:clrMapOvr>
+    <a:masterClrMapping/>
+  </p:clrMapOvr>
 </p:sldLayout>
 </file>
 
 <file path=ppt/slideLayouts/slideLayout22.xml><?xml version="1.0" encoding="utf-8"?>
-<p:sldLayout xmlns:a="http://schemas.openxmlformats.org/drawingml/2006/main" xmlns:p="http://schemas.openxmlformats.org/presentationml/2006/main" xmlns:r="http://schemas.openxmlformats.org/officeDocument/2006/relationships" xmlns:p14="http://schemas.microsoft.com/office/powerpoint/2010/main" xmlns:p15="http://schemas.microsoft.com/office/powerpoint/2012/main" xmlns:mc="http://schemas.openxmlformats.org/markup-compatibility/2006" type="objOverTx" preserve="1">
+<p:sldLayout xmlns:a="http://schemas.openxmlformats.org/drawingml/2006/main" xmlns:r="http://schemas.openxmlformats.org/officeDocument/2006/relationships" xmlns:p="http://schemas.openxmlformats.org/presentationml/2006/main" type="objOverTx" preserve="1">
   <p:cSld name="Title, Content over Content">
     <p:spTree>
       <p:nvGrpSpPr>
@@ -1596,9 +1772,10 @@
           </a:prstGeom>
         </p:spPr>
         <p:txBody>
-          <a:bodyPr lIns="0" rIns="0" tIns="0" bIns="0" anchor="ctr"/>
-          <a:p>
-            <a:endParaRPr b="0" lang="en-US" sz="1800" spc="-1" strike="noStrike">
+          <a:bodyPr lIns="0" tIns="0" rIns="0" bIns="0" anchor="ctr"/>
+          <a:lstStyle/>
+          <a:p>
+            <a:endParaRPr lang="en-US" sz="1800" b="0" strike="noStrike" spc="-1">
               <a:solidFill>
                 <a:srgbClr val="000000"/>
               </a:solidFill>
@@ -1627,11 +1804,12 @@
           </a:prstGeom>
         </p:spPr>
         <p:txBody>
-          <a:bodyPr lIns="0" rIns="0" tIns="0" bIns="0">
+          <a:bodyPr lIns="0" tIns="0" rIns="0" bIns="0">
             <a:normAutofit/>
           </a:bodyPr>
-          <a:p>
-            <a:endParaRPr b="0" lang="en-US" sz="1800" spc="-1" strike="noStrike">
+          <a:lstStyle/>
+          <a:p>
+            <a:endParaRPr lang="en-US" sz="1800" b="0" strike="noStrike" spc="-1">
               <a:solidFill>
                 <a:srgbClr val="404040"/>
               </a:solidFill>
@@ -1660,11 +1838,12 @@
           </a:prstGeom>
         </p:spPr>
         <p:txBody>
-          <a:bodyPr lIns="0" rIns="0" tIns="0" bIns="0">
+          <a:bodyPr lIns="0" tIns="0" rIns="0" bIns="0">
             <a:normAutofit/>
           </a:bodyPr>
-          <a:p>
-            <a:endParaRPr b="0" lang="en-US" sz="1800" spc="-1" strike="noStrike">
+          <a:lstStyle/>
+          <a:p>
+            <a:endParaRPr lang="en-US" sz="1800" b="0" strike="noStrike" spc="-1">
               <a:solidFill>
                 <a:srgbClr val="404040"/>
               </a:solidFill>
@@ -1675,11 +1854,14 @@
       </p:sp>
     </p:spTree>
   </p:cSld>
+  <p:clrMapOvr>
+    <a:masterClrMapping/>
+  </p:clrMapOvr>
 </p:sldLayout>
 </file>
 
 <file path=ppt/slideLayouts/slideLayout23.xml><?xml version="1.0" encoding="utf-8"?>
-<p:sldLayout xmlns:a="http://schemas.openxmlformats.org/drawingml/2006/main" xmlns:p="http://schemas.openxmlformats.org/presentationml/2006/main" xmlns:r="http://schemas.openxmlformats.org/officeDocument/2006/relationships" xmlns:p14="http://schemas.microsoft.com/office/powerpoint/2010/main" xmlns:p15="http://schemas.microsoft.com/office/powerpoint/2012/main" xmlns:mc="http://schemas.openxmlformats.org/markup-compatibility/2006" type="fourObj" preserve="1">
+<p:sldLayout xmlns:a="http://schemas.openxmlformats.org/drawingml/2006/main" xmlns:r="http://schemas.openxmlformats.org/officeDocument/2006/relationships" xmlns:p="http://schemas.openxmlformats.org/presentationml/2006/main" type="fourObj" preserve="1">
   <p:cSld name="Title, 4 Content">
     <p:spTree>
       <p:nvGrpSpPr>
@@ -1715,9 +1897,10 @@
           </a:prstGeom>
         </p:spPr>
         <p:txBody>
-          <a:bodyPr lIns="0" rIns="0" tIns="0" bIns="0" anchor="ctr"/>
-          <a:p>
-            <a:endParaRPr b="0" lang="en-US" sz="1800" spc="-1" strike="noStrike">
+          <a:bodyPr lIns="0" tIns="0" rIns="0" bIns="0" anchor="ctr"/>
+          <a:lstStyle/>
+          <a:p>
+            <a:endParaRPr lang="en-US" sz="1800" b="0" strike="noStrike" spc="-1">
               <a:solidFill>
                 <a:srgbClr val="000000"/>
               </a:solidFill>
@@ -1746,11 +1929,12 @@
           </a:prstGeom>
         </p:spPr>
         <p:txBody>
-          <a:bodyPr lIns="0" rIns="0" tIns="0" bIns="0">
+          <a:bodyPr lIns="0" tIns="0" rIns="0" bIns="0">
             <a:normAutofit/>
           </a:bodyPr>
-          <a:p>
-            <a:endParaRPr b="0" lang="en-US" sz="1800" spc="-1" strike="noStrike">
+          <a:lstStyle/>
+          <a:p>
+            <a:endParaRPr lang="en-US" sz="1800" b="0" strike="noStrike" spc="-1">
               <a:solidFill>
                 <a:srgbClr val="404040"/>
               </a:solidFill>
@@ -1779,11 +1963,12 @@
           </a:prstGeom>
         </p:spPr>
         <p:txBody>
-          <a:bodyPr lIns="0" rIns="0" tIns="0" bIns="0">
+          <a:bodyPr lIns="0" tIns="0" rIns="0" bIns="0">
             <a:normAutofit/>
           </a:bodyPr>
-          <a:p>
-            <a:endParaRPr b="0" lang="en-US" sz="1800" spc="-1" strike="noStrike">
+          <a:lstStyle/>
+          <a:p>
+            <a:endParaRPr lang="en-US" sz="1800" b="0" strike="noStrike" spc="-1">
               <a:solidFill>
                 <a:srgbClr val="404040"/>
               </a:solidFill>
@@ -1812,11 +1997,12 @@
           </a:prstGeom>
         </p:spPr>
         <p:txBody>
-          <a:bodyPr lIns="0" rIns="0" tIns="0" bIns="0">
+          <a:bodyPr lIns="0" tIns="0" rIns="0" bIns="0">
             <a:normAutofit/>
           </a:bodyPr>
-          <a:p>
-            <a:endParaRPr b="0" lang="en-US" sz="1800" spc="-1" strike="noStrike">
+          <a:lstStyle/>
+          <a:p>
+            <a:endParaRPr lang="en-US" sz="1800" b="0" strike="noStrike" spc="-1">
               <a:solidFill>
                 <a:srgbClr val="404040"/>
               </a:solidFill>
@@ -1845,11 +2031,12 @@
           </a:prstGeom>
         </p:spPr>
         <p:txBody>
-          <a:bodyPr lIns="0" rIns="0" tIns="0" bIns="0">
+          <a:bodyPr lIns="0" tIns="0" rIns="0" bIns="0">
             <a:normAutofit/>
           </a:bodyPr>
-          <a:p>
-            <a:endParaRPr b="0" lang="en-US" sz="1800" spc="-1" strike="noStrike">
+          <a:lstStyle/>
+          <a:p>
+            <a:endParaRPr lang="en-US" sz="1800" b="0" strike="noStrike" spc="-1">
               <a:solidFill>
                 <a:srgbClr val="404040"/>
               </a:solidFill>
@@ -1860,11 +2047,14 @@
       </p:sp>
     </p:spTree>
   </p:cSld>
+  <p:clrMapOvr>
+    <a:masterClrMapping/>
+  </p:clrMapOvr>
 </p:sldLayout>
 </file>
 
 <file path=ppt/slideLayouts/slideLayout24.xml><?xml version="1.0" encoding="utf-8"?>
-<p:sldLayout xmlns:a="http://schemas.openxmlformats.org/drawingml/2006/main" xmlns:p="http://schemas.openxmlformats.org/presentationml/2006/main" xmlns:r="http://schemas.openxmlformats.org/officeDocument/2006/relationships" xmlns:p14="http://schemas.microsoft.com/office/powerpoint/2010/main" xmlns:p15="http://schemas.microsoft.com/office/powerpoint/2012/main" xmlns:mc="http://schemas.openxmlformats.org/markup-compatibility/2006" type="blank" preserve="1">
+<p:sldLayout xmlns:a="http://schemas.openxmlformats.org/drawingml/2006/main" xmlns:r="http://schemas.openxmlformats.org/officeDocument/2006/relationships" xmlns:p="http://schemas.openxmlformats.org/presentationml/2006/main" type="blank" preserve="1">
   <p:cSld name="Title, 6 Content">
     <p:spTree>
       <p:nvGrpSpPr>
@@ -1900,9 +2090,10 @@
           </a:prstGeom>
         </p:spPr>
         <p:txBody>
-          <a:bodyPr lIns="0" rIns="0" tIns="0" bIns="0" anchor="ctr"/>
-          <a:p>
-            <a:endParaRPr b="0" lang="en-US" sz="1800" spc="-1" strike="noStrike">
+          <a:bodyPr lIns="0" tIns="0" rIns="0" bIns="0" anchor="ctr"/>
+          <a:lstStyle/>
+          <a:p>
+            <a:endParaRPr lang="en-US" sz="1800" b="0" strike="noStrike" spc="-1">
               <a:solidFill>
                 <a:srgbClr val="000000"/>
               </a:solidFill>
@@ -1931,11 +2122,12 @@
           </a:prstGeom>
         </p:spPr>
         <p:txBody>
-          <a:bodyPr lIns="0" rIns="0" tIns="0" bIns="0">
+          <a:bodyPr lIns="0" tIns="0" rIns="0" bIns="0">
             <a:normAutofit/>
           </a:bodyPr>
-          <a:p>
-            <a:endParaRPr b="0" lang="en-US" sz="1800" spc="-1" strike="noStrike">
+          <a:lstStyle/>
+          <a:p>
+            <a:endParaRPr lang="en-US" sz="1800" b="0" strike="noStrike" spc="-1">
               <a:solidFill>
                 <a:srgbClr val="404040"/>
               </a:solidFill>
@@ -1964,11 +2156,12 @@
           </a:prstGeom>
         </p:spPr>
         <p:txBody>
-          <a:bodyPr lIns="0" rIns="0" tIns="0" bIns="0">
+          <a:bodyPr lIns="0" tIns="0" rIns="0" bIns="0">
             <a:normAutofit/>
           </a:bodyPr>
-          <a:p>
-            <a:endParaRPr b="0" lang="en-US" sz="1800" spc="-1" strike="noStrike">
+          <a:lstStyle/>
+          <a:p>
+            <a:endParaRPr lang="en-US" sz="1800" b="0" strike="noStrike" spc="-1">
               <a:solidFill>
                 <a:srgbClr val="404040"/>
               </a:solidFill>
@@ -1997,11 +2190,12 @@
           </a:prstGeom>
         </p:spPr>
         <p:txBody>
-          <a:bodyPr lIns="0" rIns="0" tIns="0" bIns="0">
+          <a:bodyPr lIns="0" tIns="0" rIns="0" bIns="0">
             <a:normAutofit/>
           </a:bodyPr>
-          <a:p>
-            <a:endParaRPr b="0" lang="en-US" sz="1800" spc="-1" strike="noStrike">
+          <a:lstStyle/>
+          <a:p>
+            <a:endParaRPr lang="en-US" sz="1800" b="0" strike="noStrike" spc="-1">
               <a:solidFill>
                 <a:srgbClr val="404040"/>
               </a:solidFill>
@@ -2030,11 +2224,12 @@
           </a:prstGeom>
         </p:spPr>
         <p:txBody>
-          <a:bodyPr lIns="0" rIns="0" tIns="0" bIns="0">
+          <a:bodyPr lIns="0" tIns="0" rIns="0" bIns="0">
             <a:normAutofit/>
           </a:bodyPr>
-          <a:p>
-            <a:endParaRPr b="0" lang="en-US" sz="1800" spc="-1" strike="noStrike">
+          <a:lstStyle/>
+          <a:p>
+            <a:endParaRPr lang="en-US" sz="1800" b="0" strike="noStrike" spc="-1">
               <a:solidFill>
                 <a:srgbClr val="404040"/>
               </a:solidFill>
@@ -2063,11 +2258,12 @@
           </a:prstGeom>
         </p:spPr>
         <p:txBody>
-          <a:bodyPr lIns="0" rIns="0" tIns="0" bIns="0">
+          <a:bodyPr lIns="0" tIns="0" rIns="0" bIns="0">
             <a:normAutofit/>
           </a:bodyPr>
-          <a:p>
-            <a:endParaRPr b="0" lang="en-US" sz="1800" spc="-1" strike="noStrike">
+          <a:lstStyle/>
+          <a:p>
+            <a:endParaRPr lang="en-US" sz="1800" b="0" strike="noStrike" spc="-1">
               <a:solidFill>
                 <a:srgbClr val="404040"/>
               </a:solidFill>
@@ -2096,11 +2292,12 @@
           </a:prstGeom>
         </p:spPr>
         <p:txBody>
-          <a:bodyPr lIns="0" rIns="0" tIns="0" bIns="0">
+          <a:bodyPr lIns="0" tIns="0" rIns="0" bIns="0">
             <a:normAutofit/>
           </a:bodyPr>
-          <a:p>
-            <a:endParaRPr b="0" lang="en-US" sz="1800" spc="-1" strike="noStrike">
+          <a:lstStyle/>
+          <a:p>
+            <a:endParaRPr lang="en-US" sz="1800" b="0" strike="noStrike" spc="-1">
               <a:solidFill>
                 <a:srgbClr val="404040"/>
               </a:solidFill>
@@ -2111,11 +2308,14 @@
       </p:sp>
     </p:spTree>
   </p:cSld>
+  <p:clrMapOvr>
+    <a:masterClrMapping/>
+  </p:clrMapOvr>
 </p:sldLayout>
 </file>
 
 <file path=ppt/slideLayouts/slideLayout3.xml><?xml version="1.0" encoding="utf-8"?>
-<p:sldLayout xmlns:a="http://schemas.openxmlformats.org/drawingml/2006/main" xmlns:p="http://schemas.openxmlformats.org/presentationml/2006/main" xmlns:r="http://schemas.openxmlformats.org/officeDocument/2006/relationships" xmlns:p14="http://schemas.microsoft.com/office/powerpoint/2010/main" xmlns:p15="http://schemas.microsoft.com/office/powerpoint/2012/main" xmlns:mc="http://schemas.openxmlformats.org/markup-compatibility/2006" type="obj" preserve="1">
+<p:sldLayout xmlns:a="http://schemas.openxmlformats.org/drawingml/2006/main" xmlns:r="http://schemas.openxmlformats.org/officeDocument/2006/relationships" xmlns:p="http://schemas.openxmlformats.org/presentationml/2006/main" type="obj" preserve="1">
   <p:cSld name="Title, Content">
     <p:spTree>
       <p:nvGrpSpPr>
@@ -2151,9 +2351,10 @@
           </a:prstGeom>
         </p:spPr>
         <p:txBody>
-          <a:bodyPr lIns="0" rIns="0" tIns="0" bIns="0" anchor="ctr"/>
-          <a:p>
-            <a:endParaRPr b="0" lang="en-US" sz="1800" spc="-1" strike="noStrike">
+          <a:bodyPr lIns="0" tIns="0" rIns="0" bIns="0" anchor="ctr"/>
+          <a:lstStyle/>
+          <a:p>
+            <a:endParaRPr lang="en-US" sz="1800" b="0" strike="noStrike" spc="-1">
               <a:solidFill>
                 <a:srgbClr val="000000"/>
               </a:solidFill>
@@ -2182,11 +2383,12 @@
           </a:prstGeom>
         </p:spPr>
         <p:txBody>
-          <a:bodyPr lIns="0" rIns="0" tIns="0" bIns="0">
+          <a:bodyPr lIns="0" tIns="0" rIns="0" bIns="0">
             <a:normAutofit/>
           </a:bodyPr>
-          <a:p>
-            <a:endParaRPr b="0" lang="en-US" sz="1800" spc="-1" strike="noStrike">
+          <a:lstStyle/>
+          <a:p>
+            <a:endParaRPr lang="en-US" sz="1800" b="0" strike="noStrike" spc="-1">
               <a:solidFill>
                 <a:srgbClr val="404040"/>
               </a:solidFill>
@@ -2197,11 +2399,14 @@
       </p:sp>
     </p:spTree>
   </p:cSld>
+  <p:clrMapOvr>
+    <a:masterClrMapping/>
+  </p:clrMapOvr>
 </p:sldLayout>
 </file>
 
 <file path=ppt/slideLayouts/slideLayout4.xml><?xml version="1.0" encoding="utf-8"?>
-<p:sldLayout xmlns:a="http://schemas.openxmlformats.org/drawingml/2006/main" xmlns:p="http://schemas.openxmlformats.org/presentationml/2006/main" xmlns:r="http://schemas.openxmlformats.org/officeDocument/2006/relationships" xmlns:p14="http://schemas.microsoft.com/office/powerpoint/2010/main" xmlns:p15="http://schemas.microsoft.com/office/powerpoint/2012/main" xmlns:mc="http://schemas.openxmlformats.org/markup-compatibility/2006" type="twoObj" preserve="1">
+<p:sldLayout xmlns:a="http://schemas.openxmlformats.org/drawingml/2006/main" xmlns:r="http://schemas.openxmlformats.org/officeDocument/2006/relationships" xmlns:p="http://schemas.openxmlformats.org/presentationml/2006/main" type="twoObj" preserve="1">
   <p:cSld name="Title, 2 Content">
     <p:spTree>
       <p:nvGrpSpPr>
@@ -2237,9 +2442,10 @@
           </a:prstGeom>
         </p:spPr>
         <p:txBody>
-          <a:bodyPr lIns="0" rIns="0" tIns="0" bIns="0" anchor="ctr"/>
-          <a:p>
-            <a:endParaRPr b="0" lang="en-US" sz="1800" spc="-1" strike="noStrike">
+          <a:bodyPr lIns="0" tIns="0" rIns="0" bIns="0" anchor="ctr"/>
+          <a:lstStyle/>
+          <a:p>
+            <a:endParaRPr lang="en-US" sz="1800" b="0" strike="noStrike" spc="-1">
               <a:solidFill>
                 <a:srgbClr val="000000"/>
               </a:solidFill>
@@ -2268,11 +2474,12 @@
           </a:prstGeom>
         </p:spPr>
         <p:txBody>
-          <a:bodyPr lIns="0" rIns="0" tIns="0" bIns="0">
+          <a:bodyPr lIns="0" tIns="0" rIns="0" bIns="0">
             <a:normAutofit/>
           </a:bodyPr>
-          <a:p>
-            <a:endParaRPr b="0" lang="en-US" sz="1800" spc="-1" strike="noStrike">
+          <a:lstStyle/>
+          <a:p>
+            <a:endParaRPr lang="en-US" sz="1800" b="0" strike="noStrike" spc="-1">
               <a:solidFill>
                 <a:srgbClr val="404040"/>
               </a:solidFill>
@@ -2301,11 +2508,12 @@
           </a:prstGeom>
         </p:spPr>
         <p:txBody>
-          <a:bodyPr lIns="0" rIns="0" tIns="0" bIns="0">
+          <a:bodyPr lIns="0" tIns="0" rIns="0" bIns="0">
             <a:normAutofit/>
           </a:bodyPr>
-          <a:p>
-            <a:endParaRPr b="0" lang="en-US" sz="1800" spc="-1" strike="noStrike">
+          <a:lstStyle/>
+          <a:p>
+            <a:endParaRPr lang="en-US" sz="1800" b="0" strike="noStrike" spc="-1">
               <a:solidFill>
                 <a:srgbClr val="404040"/>
               </a:solidFill>
@@ -2316,11 +2524,14 @@
       </p:sp>
     </p:spTree>
   </p:cSld>
+  <p:clrMapOvr>
+    <a:masterClrMapping/>
+  </p:clrMapOvr>
 </p:sldLayout>
 </file>
 
 <file path=ppt/slideLayouts/slideLayout5.xml><?xml version="1.0" encoding="utf-8"?>
-<p:sldLayout xmlns:a="http://schemas.openxmlformats.org/drawingml/2006/main" xmlns:p="http://schemas.openxmlformats.org/presentationml/2006/main" xmlns:r="http://schemas.openxmlformats.org/officeDocument/2006/relationships" xmlns:p14="http://schemas.microsoft.com/office/powerpoint/2010/main" xmlns:p15="http://schemas.microsoft.com/office/powerpoint/2012/main" xmlns:mc="http://schemas.openxmlformats.org/markup-compatibility/2006" type="titleOnly" preserve="1">
+<p:sldLayout xmlns:a="http://schemas.openxmlformats.org/drawingml/2006/main" xmlns:r="http://schemas.openxmlformats.org/officeDocument/2006/relationships" xmlns:p="http://schemas.openxmlformats.org/presentationml/2006/main" type="titleOnly" preserve="1">
   <p:cSld name="Title Only">
     <p:spTree>
       <p:nvGrpSpPr>
@@ -2356,9 +2567,10 @@
           </a:prstGeom>
         </p:spPr>
         <p:txBody>
-          <a:bodyPr lIns="0" rIns="0" tIns="0" bIns="0" anchor="ctr"/>
-          <a:p>
-            <a:endParaRPr b="0" lang="en-US" sz="1800" spc="-1" strike="noStrike">
+          <a:bodyPr lIns="0" tIns="0" rIns="0" bIns="0" anchor="ctr"/>
+          <a:lstStyle/>
+          <a:p>
+            <a:endParaRPr lang="en-US" sz="1800" b="0" strike="noStrike" spc="-1">
               <a:solidFill>
                 <a:srgbClr val="000000"/>
               </a:solidFill>
@@ -2369,11 +2581,14 @@
       </p:sp>
     </p:spTree>
   </p:cSld>
+  <p:clrMapOvr>
+    <a:masterClrMapping/>
+  </p:clrMapOvr>
 </p:sldLayout>
 </file>
 
 <file path=ppt/slideLayouts/slideLayout6.xml><?xml version="1.0" encoding="utf-8"?>
-<p:sldLayout xmlns:a="http://schemas.openxmlformats.org/drawingml/2006/main" xmlns:p="http://schemas.openxmlformats.org/presentationml/2006/main" xmlns:r="http://schemas.openxmlformats.org/officeDocument/2006/relationships" xmlns:p14="http://schemas.microsoft.com/office/powerpoint/2010/main" xmlns:p15="http://schemas.microsoft.com/office/powerpoint/2012/main" xmlns:mc="http://schemas.openxmlformats.org/markup-compatibility/2006" type="objOnly" preserve="1">
+<p:sldLayout xmlns:a="http://schemas.openxmlformats.org/drawingml/2006/main" xmlns:r="http://schemas.openxmlformats.org/officeDocument/2006/relationships" xmlns:p="http://schemas.openxmlformats.org/presentationml/2006/main" type="objOnly" preserve="1">
   <p:cSld name="Centered Text">
     <p:spTree>
       <p:nvGrpSpPr>
@@ -2409,10 +2624,11 @@
           </a:prstGeom>
         </p:spPr>
         <p:txBody>
-          <a:bodyPr lIns="0" rIns="0" tIns="0" bIns="0" anchor="ctr"/>
+          <a:bodyPr lIns="0" tIns="0" rIns="0" bIns="0" anchor="ctr"/>
+          <a:lstStyle/>
           <a:p>
             <a:pPr algn="ctr"/>
-            <a:endParaRPr b="0" lang="en-US" sz="3200" spc="-1" strike="noStrike">
+            <a:endParaRPr lang="en-US" sz="3200" b="0" strike="noStrike" spc="-1">
               <a:latin typeface="Arial"/>
             </a:endParaRPr>
           </a:p>
@@ -2420,11 +2636,14 @@
       </p:sp>
     </p:spTree>
   </p:cSld>
+  <p:clrMapOvr>
+    <a:masterClrMapping/>
+  </p:clrMapOvr>
 </p:sldLayout>
 </file>
 
 <file path=ppt/slideLayouts/slideLayout7.xml><?xml version="1.0" encoding="utf-8"?>
-<p:sldLayout xmlns:a="http://schemas.openxmlformats.org/drawingml/2006/main" xmlns:p="http://schemas.openxmlformats.org/presentationml/2006/main" xmlns:r="http://schemas.openxmlformats.org/officeDocument/2006/relationships" xmlns:p14="http://schemas.microsoft.com/office/powerpoint/2010/main" xmlns:p15="http://schemas.microsoft.com/office/powerpoint/2012/main" xmlns:mc="http://schemas.openxmlformats.org/markup-compatibility/2006" type="twoObjAndObj" preserve="1">
+<p:sldLayout xmlns:a="http://schemas.openxmlformats.org/drawingml/2006/main" xmlns:r="http://schemas.openxmlformats.org/officeDocument/2006/relationships" xmlns:p="http://schemas.openxmlformats.org/presentationml/2006/main" type="twoObjAndObj" preserve="1">
   <p:cSld name="Title, 2 Content and Content">
     <p:spTree>
       <p:nvGrpSpPr>
@@ -2460,9 +2679,10 @@
           </a:prstGeom>
         </p:spPr>
         <p:txBody>
-          <a:bodyPr lIns="0" rIns="0" tIns="0" bIns="0" anchor="ctr"/>
-          <a:p>
-            <a:endParaRPr b="0" lang="en-US" sz="1800" spc="-1" strike="noStrike">
+          <a:bodyPr lIns="0" tIns="0" rIns="0" bIns="0" anchor="ctr"/>
+          <a:lstStyle/>
+          <a:p>
+            <a:endParaRPr lang="en-US" sz="1800" b="0" strike="noStrike" spc="-1">
               <a:solidFill>
                 <a:srgbClr val="000000"/>
               </a:solidFill>
@@ -2491,11 +2711,12 @@
           </a:prstGeom>
         </p:spPr>
         <p:txBody>
-          <a:bodyPr lIns="0" rIns="0" tIns="0" bIns="0">
+          <a:bodyPr lIns="0" tIns="0" rIns="0" bIns="0">
             <a:normAutofit/>
           </a:bodyPr>
-          <a:p>
-            <a:endParaRPr b="0" lang="en-US" sz="1800" spc="-1" strike="noStrike">
+          <a:lstStyle/>
+          <a:p>
+            <a:endParaRPr lang="en-US" sz="1800" b="0" strike="noStrike" spc="-1">
               <a:solidFill>
                 <a:srgbClr val="404040"/>
               </a:solidFill>
@@ -2524,11 +2745,12 @@
           </a:prstGeom>
         </p:spPr>
         <p:txBody>
-          <a:bodyPr lIns="0" rIns="0" tIns="0" bIns="0">
+          <a:bodyPr lIns="0" tIns="0" rIns="0" bIns="0">
             <a:normAutofit/>
           </a:bodyPr>
-          <a:p>
-            <a:endParaRPr b="0" lang="en-US" sz="1800" spc="-1" strike="noStrike">
+          <a:lstStyle/>
+          <a:p>
+            <a:endParaRPr lang="en-US" sz="1800" b="0" strike="noStrike" spc="-1">
               <a:solidFill>
                 <a:srgbClr val="404040"/>
               </a:solidFill>
@@ -2557,11 +2779,12 @@
           </a:prstGeom>
         </p:spPr>
         <p:txBody>
-          <a:bodyPr lIns="0" rIns="0" tIns="0" bIns="0">
+          <a:bodyPr lIns="0" tIns="0" rIns="0" bIns="0">
             <a:normAutofit/>
           </a:bodyPr>
-          <a:p>
-            <a:endParaRPr b="0" lang="en-US" sz="1800" spc="-1" strike="noStrike">
+          <a:lstStyle/>
+          <a:p>
+            <a:endParaRPr lang="en-US" sz="1800" b="0" strike="noStrike" spc="-1">
               <a:solidFill>
                 <a:srgbClr val="404040"/>
               </a:solidFill>
@@ -2572,11 +2795,14 @@
       </p:sp>
     </p:spTree>
   </p:cSld>
+  <p:clrMapOvr>
+    <a:masterClrMapping/>
+  </p:clrMapOvr>
 </p:sldLayout>
 </file>
 
 <file path=ppt/slideLayouts/slideLayout8.xml><?xml version="1.0" encoding="utf-8"?>
-<p:sldLayout xmlns:a="http://schemas.openxmlformats.org/drawingml/2006/main" xmlns:p="http://schemas.openxmlformats.org/presentationml/2006/main" xmlns:r="http://schemas.openxmlformats.org/officeDocument/2006/relationships" xmlns:p14="http://schemas.microsoft.com/office/powerpoint/2010/main" xmlns:p15="http://schemas.microsoft.com/office/powerpoint/2012/main" xmlns:mc="http://schemas.openxmlformats.org/markup-compatibility/2006" type="objAndTwoObj" preserve="1">
+<p:sldLayout xmlns:a="http://schemas.openxmlformats.org/drawingml/2006/main" xmlns:r="http://schemas.openxmlformats.org/officeDocument/2006/relationships" xmlns:p="http://schemas.openxmlformats.org/presentationml/2006/main" type="objAndTwoObj" preserve="1">
   <p:cSld name="Title Content and 2 Content">
     <p:spTree>
       <p:nvGrpSpPr>
@@ -2612,9 +2838,10 @@
           </a:prstGeom>
         </p:spPr>
         <p:txBody>
-          <a:bodyPr lIns="0" rIns="0" tIns="0" bIns="0" anchor="ctr"/>
-          <a:p>
-            <a:endParaRPr b="0" lang="en-US" sz="1800" spc="-1" strike="noStrike">
+          <a:bodyPr lIns="0" tIns="0" rIns="0" bIns="0" anchor="ctr"/>
+          <a:lstStyle/>
+          <a:p>
+            <a:endParaRPr lang="en-US" sz="1800" b="0" strike="noStrike" spc="-1">
               <a:solidFill>
                 <a:srgbClr val="000000"/>
               </a:solidFill>
@@ -2643,11 +2870,12 @@
           </a:prstGeom>
         </p:spPr>
         <p:txBody>
-          <a:bodyPr lIns="0" rIns="0" tIns="0" bIns="0">
+          <a:bodyPr lIns="0" tIns="0" rIns="0" bIns="0">
             <a:normAutofit/>
           </a:bodyPr>
-          <a:p>
-            <a:endParaRPr b="0" lang="en-US" sz="1800" spc="-1" strike="noStrike">
+          <a:lstStyle/>
+          <a:p>
+            <a:endParaRPr lang="en-US" sz="1800" b="0" strike="noStrike" spc="-1">
               <a:solidFill>
                 <a:srgbClr val="404040"/>
               </a:solidFill>
@@ -2676,11 +2904,12 @@
           </a:prstGeom>
         </p:spPr>
         <p:txBody>
-          <a:bodyPr lIns="0" rIns="0" tIns="0" bIns="0">
+          <a:bodyPr lIns="0" tIns="0" rIns="0" bIns="0">
             <a:normAutofit/>
           </a:bodyPr>
-          <a:p>
-            <a:endParaRPr b="0" lang="en-US" sz="1800" spc="-1" strike="noStrike">
+          <a:lstStyle/>
+          <a:p>
+            <a:endParaRPr lang="en-US" sz="1800" b="0" strike="noStrike" spc="-1">
               <a:solidFill>
                 <a:srgbClr val="404040"/>
               </a:solidFill>
@@ -2709,11 +2938,12 @@
           </a:prstGeom>
         </p:spPr>
         <p:txBody>
-          <a:bodyPr lIns="0" rIns="0" tIns="0" bIns="0">
+          <a:bodyPr lIns="0" tIns="0" rIns="0" bIns="0">
             <a:normAutofit/>
           </a:bodyPr>
-          <a:p>
-            <a:endParaRPr b="0" lang="en-US" sz="1800" spc="-1" strike="noStrike">
+          <a:lstStyle/>
+          <a:p>
+            <a:endParaRPr lang="en-US" sz="1800" b="0" strike="noStrike" spc="-1">
               <a:solidFill>
                 <a:srgbClr val="404040"/>
               </a:solidFill>
@@ -2724,11 +2954,14 @@
       </p:sp>
     </p:spTree>
   </p:cSld>
+  <p:clrMapOvr>
+    <a:masterClrMapping/>
+  </p:clrMapOvr>
 </p:sldLayout>
 </file>
 
 <file path=ppt/slideLayouts/slideLayout9.xml><?xml version="1.0" encoding="utf-8"?>
-<p:sldLayout xmlns:a="http://schemas.openxmlformats.org/drawingml/2006/main" xmlns:p="http://schemas.openxmlformats.org/presentationml/2006/main" xmlns:r="http://schemas.openxmlformats.org/officeDocument/2006/relationships" xmlns:p14="http://schemas.microsoft.com/office/powerpoint/2010/main" xmlns:p15="http://schemas.microsoft.com/office/powerpoint/2012/main" xmlns:mc="http://schemas.openxmlformats.org/markup-compatibility/2006" type="twoObjOverTx" preserve="1">
+<p:sldLayout xmlns:a="http://schemas.openxmlformats.org/drawingml/2006/main" xmlns:r="http://schemas.openxmlformats.org/officeDocument/2006/relationships" xmlns:p="http://schemas.openxmlformats.org/presentationml/2006/main" type="twoObjOverTx" preserve="1">
   <p:cSld name="Title, 2 Content over Content">
     <p:spTree>
       <p:nvGrpSpPr>
@@ -2764,9 +2997,10 @@
           </a:prstGeom>
         </p:spPr>
         <p:txBody>
-          <a:bodyPr lIns="0" rIns="0" tIns="0" bIns="0" anchor="ctr"/>
-          <a:p>
-            <a:endParaRPr b="0" lang="en-US" sz="1800" spc="-1" strike="noStrike">
+          <a:bodyPr lIns="0" tIns="0" rIns="0" bIns="0" anchor="ctr"/>
+          <a:lstStyle/>
+          <a:p>
+            <a:endParaRPr lang="en-US" sz="1800" b="0" strike="noStrike" spc="-1">
               <a:solidFill>
                 <a:srgbClr val="000000"/>
               </a:solidFill>
@@ -2795,11 +3029,12 @@
           </a:prstGeom>
         </p:spPr>
         <p:txBody>
-          <a:bodyPr lIns="0" rIns="0" tIns="0" bIns="0">
+          <a:bodyPr lIns="0" tIns="0" rIns="0" bIns="0">
             <a:normAutofit/>
           </a:bodyPr>
-          <a:p>
-            <a:endParaRPr b="0" lang="en-US" sz="1800" spc="-1" strike="noStrike">
+          <a:lstStyle/>
+          <a:p>
+            <a:endParaRPr lang="en-US" sz="1800" b="0" strike="noStrike" spc="-1">
               <a:solidFill>
                 <a:srgbClr val="404040"/>
               </a:solidFill>
@@ -2828,11 +3063,12 @@
           </a:prstGeom>
         </p:spPr>
         <p:txBody>
-          <a:bodyPr lIns="0" rIns="0" tIns="0" bIns="0">
+          <a:bodyPr lIns="0" tIns="0" rIns="0" bIns="0">
             <a:normAutofit/>
           </a:bodyPr>
-          <a:p>
-            <a:endParaRPr b="0" lang="en-US" sz="1800" spc="-1" strike="noStrike">
+          <a:lstStyle/>
+          <a:p>
+            <a:endParaRPr lang="en-US" sz="1800" b="0" strike="noStrike" spc="-1">
               <a:solidFill>
                 <a:srgbClr val="404040"/>
               </a:solidFill>
@@ -2861,11 +3097,12 @@
           </a:prstGeom>
         </p:spPr>
         <p:txBody>
-          <a:bodyPr lIns="0" rIns="0" tIns="0" bIns="0">
+          <a:bodyPr lIns="0" tIns="0" rIns="0" bIns="0">
             <a:normAutofit/>
           </a:bodyPr>
-          <a:p>
-            <a:endParaRPr b="0" lang="en-US" sz="1800" spc="-1" strike="noStrike">
+          <a:lstStyle/>
+          <a:p>
+            <a:endParaRPr lang="en-US" sz="1800" b="0" strike="noStrike" spc="-1">
               <a:solidFill>
                 <a:srgbClr val="404040"/>
               </a:solidFill>
@@ -2876,17 +3113,21 @@
       </p:sp>
     </p:spTree>
   </p:cSld>
+  <p:clrMapOvr>
+    <a:masterClrMapping/>
+  </p:clrMapOvr>
 </p:sldLayout>
 </file>
 
 <file path=ppt/slideMasters/slideMaster1.xml><?xml version="1.0" encoding="utf-8"?>
-<p:sldMaster xmlns:a="http://schemas.openxmlformats.org/drawingml/2006/main" xmlns:p="http://schemas.openxmlformats.org/presentationml/2006/main" xmlns:r="http://schemas.openxmlformats.org/officeDocument/2006/relationships" xmlns:p14="http://schemas.microsoft.com/office/powerpoint/2010/main" xmlns:p15="http://schemas.microsoft.com/office/powerpoint/2012/main" xmlns:mc="http://schemas.openxmlformats.org/markup-compatibility/2006">
+<p:sldMaster xmlns:a="http://schemas.openxmlformats.org/drawingml/2006/main" xmlns:r="http://schemas.openxmlformats.org/officeDocument/2006/relationships" xmlns:p="http://schemas.openxmlformats.org/presentationml/2006/main">
   <p:cSld>
     <p:bg>
       <p:bgPr>
         <a:solidFill>
-          <a:srgbClr val="ffffff"/>
+          <a:srgbClr val="FFFFFF"/>
         </a:solidFill>
+        <a:effectLst/>
       </p:bgPr>
     </p:bg>
     <p:spTree>
@@ -2905,7 +3146,7 @@
       </p:grpSpPr>
       <p:grpSp>
         <p:nvGrpSpPr>
-          <p:cNvPr id="0" name="Group 1"/>
+          <p:cNvPr id="27" name="Group 1"/>
           <p:cNvGrpSpPr/>
           <p:nvPr/>
         </p:nvGrpSpPr>
@@ -2919,7 +3160,7 @@
         </p:grpSpPr>
         <p:sp>
           <p:nvSpPr>
-            <p:cNvPr id="1" name="Line 2"/>
+            <p:cNvPr id="28" name="Line 2"/>
             <p:cNvSpPr/>
             <p:nvPr/>
           </p:nvSpPr>
@@ -3004,6 +3245,7 @@
               <a:avLst/>
               <a:gdLst/>
               <a:ahLst/>
+              <a:cxnLst/>
               <a:rect l="l" t="t" r="r" b="b"/>
               <a:pathLst>
                 <a:path w="3007349" h="6866467">
@@ -3035,7 +3277,7 @@
               <a:noFill/>
             </a:ln>
             <a:effectLst>
-              <a:outerShdw blurRad="38100" dir="5400000" dist="25400" rotWithShape="0">
+              <a:outerShdw blurRad="38100" dist="25400" dir="5400000" rotWithShape="0">
                 <a:srgbClr val="000000">
                   <a:alpha val="35000"/>
                 </a:srgbClr>
@@ -3070,6 +3312,7 @@
               <a:avLst/>
               <a:gdLst/>
               <a:ahLst/>
+              <a:cxnLst/>
               <a:rect l="l" t="t" r="r" b="b"/>
               <a:pathLst>
                 <a:path w="2573311" h="6866467">
@@ -3101,7 +3344,7 @@
               <a:noFill/>
             </a:ln>
             <a:effectLst>
-              <a:outerShdw blurRad="38100" dir="5400000" dist="25400" rotWithShape="0">
+              <a:outerShdw blurRad="38100" dist="25400" dir="5400000" rotWithShape="0">
                 <a:srgbClr val="000000">
                   <a:alpha val="35000"/>
                 </a:srgbClr>
@@ -3147,7 +3390,7 @@
               <a:noFill/>
             </a:ln>
             <a:effectLst>
-              <a:outerShdw blurRad="38100" dir="5400000" dist="25400" rotWithShape="0">
+              <a:outerShdw blurRad="38100" dist="25400" dir="5400000" rotWithShape="0">
                 <a:srgbClr val="000000">
                   <a:alpha val="35000"/>
                 </a:srgbClr>
@@ -3182,6 +3425,7 @@
               <a:avLst/>
               <a:gdLst/>
               <a:ahLst/>
+              <a:cxnLst/>
               <a:rect l="l" t="t" r="r" b="b"/>
               <a:pathLst>
                 <a:path w="2858013" h="6866467">
@@ -3214,7 +3458,7 @@
               <a:noFill/>
             </a:ln>
             <a:effectLst>
-              <a:outerShdw blurRad="38100" dir="5400000" dist="25400" rotWithShape="0">
+              <a:outerShdw blurRad="38100" dist="25400" dir="5400000" rotWithShape="0">
                 <a:srgbClr val="000000">
                   <a:alpha val="35000"/>
                 </a:srgbClr>
@@ -3249,6 +3493,7 @@
               <a:avLst/>
               <a:gdLst/>
               <a:ahLst/>
+              <a:cxnLst/>
               <a:rect l="l" t="t" r="r" b="b"/>
               <a:pathLst>
                 <a:path w="1290094" h="6858000">
@@ -3280,7 +3525,7 @@
               <a:noFill/>
             </a:ln>
             <a:effectLst>
-              <a:outerShdw blurRad="38100" dir="5400000" dist="25400" rotWithShape="0">
+              <a:outerShdw blurRad="38100" dist="25400" dir="5400000" rotWithShape="0">
                 <a:srgbClr val="000000">
                   <a:alpha val="35000"/>
                 </a:srgbClr>
@@ -3315,6 +3560,7 @@
               <a:avLst/>
               <a:gdLst/>
               <a:ahLst/>
+              <a:cxnLst/>
               <a:rect l="l" t="t" r="r" b="b"/>
               <a:pathLst>
                 <a:path w="1249825" h="6858000">
@@ -3347,7 +3593,7 @@
               <a:noFill/>
             </a:ln>
             <a:effectLst>
-              <a:outerShdw blurRad="38100" dir="5400000" dist="25400" rotWithShape="0">
+              <a:outerShdw blurRad="38100" dist="25400" dir="5400000" rotWithShape="0">
                 <a:srgbClr val="000000">
                   <a:alpha val="35000"/>
                 </a:srgbClr>
@@ -3393,7 +3639,7 @@
               <a:noFill/>
             </a:ln>
             <a:effectLst>
-              <a:outerShdw blurRad="38100" dir="5400000" dist="25400" rotWithShape="0">
+              <a:outerShdw blurRad="38100" dist="25400" dir="5400000" rotWithShape="0">
                 <a:srgbClr val="000000">
                   <a:alpha val="35000"/>
                 </a:srgbClr>
@@ -3438,7 +3684,7 @@
               <a:noFill/>
             </a:ln>
             <a:effectLst>
-              <a:outerShdw blurRad="38100" dir="5400000" dist="25400" rotWithShape="0">
+              <a:outerShdw blurRad="38100" dist="25400" dir="5400000" rotWithShape="0">
                 <a:srgbClr val="000000">
                   <a:alpha val="35000"/>
                 </a:srgbClr>
@@ -3488,6 +3734,7 @@
               <a:avLst/>
               <a:gdLst/>
               <a:ahLst/>
+              <a:cxnLst/>
               <a:rect l="l" t="t" r="r" b="b"/>
               <a:pathLst>
                 <a:path w="863600" h="5698067">
@@ -3519,7 +3766,7 @@
               <a:noFill/>
             </a:ln>
             <a:effectLst>
-              <a:outerShdw blurRad="38100" dir="5400000" dist="25400" rotWithShape="0">
+              <a:outerShdw blurRad="38100" dist="25400" dir="5400000" rotWithShape="0">
                 <a:srgbClr val="000000">
                   <a:alpha val="35000"/>
                 </a:srgbClr>
@@ -3626,6 +3873,7 @@
               <a:avLst/>
               <a:gdLst/>
               <a:ahLst/>
+              <a:cxnLst/>
               <a:rect l="l" t="t" r="r" b="b"/>
               <a:pathLst>
                 <a:path w="3007349" h="6866467">
@@ -3657,7 +3905,7 @@
               <a:noFill/>
             </a:ln>
             <a:effectLst>
-              <a:outerShdw blurRad="38100" dir="5400000" dist="25400" rotWithShape="0">
+              <a:outerShdw blurRad="38100" dist="25400" dir="5400000" rotWithShape="0">
                 <a:srgbClr val="000000">
                   <a:alpha val="35000"/>
                 </a:srgbClr>
@@ -3692,6 +3940,7 @@
               <a:avLst/>
               <a:gdLst/>
               <a:ahLst/>
+              <a:cxnLst/>
               <a:rect l="l" t="t" r="r" b="b"/>
               <a:pathLst>
                 <a:path w="2573311" h="6866467">
@@ -3723,7 +3972,7 @@
               <a:noFill/>
             </a:ln>
             <a:effectLst>
-              <a:outerShdw blurRad="38100" dir="5400000" dist="25400" rotWithShape="0">
+              <a:outerShdw blurRad="38100" dist="25400" dir="5400000" rotWithShape="0">
                 <a:srgbClr val="000000">
                   <a:alpha val="35000"/>
                 </a:srgbClr>
@@ -3769,7 +4018,7 @@
               <a:noFill/>
             </a:ln>
             <a:effectLst>
-              <a:outerShdw blurRad="38100" dir="5400000" dist="25400" rotWithShape="0">
+              <a:outerShdw blurRad="38100" dist="25400" dir="5400000" rotWithShape="0">
                 <a:srgbClr val="000000">
                   <a:alpha val="35000"/>
                 </a:srgbClr>
@@ -3804,6 +4053,7 @@
               <a:avLst/>
               <a:gdLst/>
               <a:ahLst/>
+              <a:cxnLst/>
               <a:rect l="l" t="t" r="r" b="b"/>
               <a:pathLst>
                 <a:path w="2858013" h="6866467">
@@ -3836,7 +4086,7 @@
               <a:noFill/>
             </a:ln>
             <a:effectLst>
-              <a:outerShdw blurRad="38100" dir="5400000" dist="25400" rotWithShape="0">
+              <a:outerShdw blurRad="38100" dist="25400" dir="5400000" rotWithShape="0">
                 <a:srgbClr val="000000">
                   <a:alpha val="35000"/>
                 </a:srgbClr>
@@ -3871,6 +4121,7 @@
               <a:avLst/>
               <a:gdLst/>
               <a:ahLst/>
+              <a:cxnLst/>
               <a:rect l="l" t="t" r="r" b="b"/>
               <a:pathLst>
                 <a:path w="1290094" h="6858000">
@@ -3902,7 +4153,7 @@
               <a:noFill/>
             </a:ln>
             <a:effectLst>
-              <a:outerShdw blurRad="38100" dir="5400000" dist="25400" rotWithShape="0">
+              <a:outerShdw blurRad="38100" dist="25400" dir="5400000" rotWithShape="0">
                 <a:srgbClr val="000000">
                   <a:alpha val="35000"/>
                 </a:srgbClr>
@@ -3937,6 +4188,7 @@
               <a:avLst/>
               <a:gdLst/>
               <a:ahLst/>
+              <a:cxnLst/>
               <a:rect l="l" t="t" r="r" b="b"/>
               <a:pathLst>
                 <a:path w="1249825" h="6858000">
@@ -3969,7 +4221,7 @@
               <a:noFill/>
             </a:ln>
             <a:effectLst>
-              <a:outerShdw blurRad="38100" dir="5400000" dist="25400" rotWithShape="0">
+              <a:outerShdw blurRad="38100" dist="25400" dir="5400000" rotWithShape="0">
                 <a:srgbClr val="000000">
                   <a:alpha val="35000"/>
                 </a:srgbClr>
@@ -4015,7 +4267,7 @@
               <a:noFill/>
             </a:ln>
             <a:effectLst>
-              <a:outerShdw blurRad="38100" dir="5400000" dist="25400" rotWithShape="0">
+              <a:outerShdw blurRad="38100" dist="25400" dir="5400000" rotWithShape="0">
                 <a:srgbClr val="000000">
                   <a:alpha val="35000"/>
                 </a:srgbClr>
@@ -4057,6 +4309,7 @@
         </p:spPr>
         <p:txBody>
           <a:bodyPr anchor="b"/>
+          <a:lstStyle/>
           <a:p>
             <a:pPr algn="r">
               <a:lnSpc>
@@ -4064,15 +4317,15 @@
               </a:lnSpc>
             </a:pPr>
             <a:r>
-              <a:rPr b="0" lang="en-US" sz="5400" spc="-1" strike="noStrike">
+              <a:rPr lang="en-US" sz="5400" b="0" strike="noStrike" spc="-1">
                 <a:solidFill>
-                  <a:srgbClr val="5fcbef"/>
+                  <a:srgbClr val="5FCBEF"/>
                 </a:solidFill>
                 <a:latin typeface="Trebuchet MS"/>
               </a:rPr>
               <a:t>Mastertitelformat bearbeiten</a:t>
             </a:r>
-            <a:endParaRPr b="0" lang="en-US" sz="5400" spc="-1" strike="noStrike">
+            <a:endParaRPr lang="en-US" sz="5400" b="0" strike="noStrike" spc="-1">
               <a:solidFill>
                 <a:srgbClr val="000000"/>
               </a:solidFill>
@@ -4102,6 +4355,7 @@
         </p:spPr>
         <p:txBody>
           <a:bodyPr anchor="ctr"/>
+          <a:lstStyle/>
           <a:p>
             <a:pPr algn="r">
               <a:lnSpc>
@@ -4109,15 +4363,15 @@
               </a:lnSpc>
             </a:pPr>
             <a:fld id="{52EDDE48-FA4A-4EEA-82CD-25E7973F2204}" type="datetime">
-              <a:rPr b="0" lang="en-US" sz="900" spc="-1" strike="noStrike">
+              <a:rPr lang="en-US" sz="900" b="0" strike="noStrike" spc="-1">
                 <a:solidFill>
-                  <a:srgbClr val="8b8b8b"/>
+                  <a:srgbClr val="8B8B8B"/>
                 </a:solidFill>
                 <a:latin typeface="Trebuchet MS"/>
               </a:rPr>
-              <a:t>1/28/19</a:t>
+              <a:t>1/28/2019</a:t>
             </a:fld>
-            <a:endParaRPr b="0" lang="en-US" sz="900" spc="-1" strike="noStrike">
+            <a:endParaRPr lang="en-US" sz="900" b="0" strike="noStrike" spc="-1">
               <a:latin typeface="Times New Roman"/>
             </a:endParaRPr>
           </a:p>
@@ -4144,8 +4398,9 @@
         </p:spPr>
         <p:txBody>
           <a:bodyPr anchor="ctr"/>
-          <a:p>
-            <a:endParaRPr b="0" lang="en-US" sz="2400" spc="-1" strike="noStrike">
+          <a:lstStyle/>
+          <a:p>
+            <a:endParaRPr lang="en-US" sz="2400" b="0" strike="noStrike" spc="-1">
               <a:latin typeface="Times New Roman"/>
             </a:endParaRPr>
           </a:p>
@@ -4172,6 +4427,7 @@
         </p:spPr>
         <p:txBody>
           <a:bodyPr anchor="ctr"/>
+          <a:lstStyle/>
           <a:p>
             <a:pPr algn="r">
               <a:lnSpc>
@@ -4179,15 +4435,15 @@
               </a:lnSpc>
             </a:pPr>
             <a:fld id="{0361FAD8-4F08-4C06-80D9-B85904D1AC98}" type="slidenum">
-              <a:rPr b="0" lang="en-US" sz="900" spc="-1" strike="noStrike">
+              <a:rPr lang="en-US" sz="900" b="0" strike="noStrike" spc="-1">
                 <a:solidFill>
-                  <a:srgbClr val="5fcbef"/>
+                  <a:srgbClr val="5FCBEF"/>
                 </a:solidFill>
                 <a:latin typeface="Trebuchet MS"/>
               </a:rPr>
-              <a:t>&lt;number&gt;</a:t>
+              <a:t>‹Nr.›</a:t>
             </a:fld>
-            <a:endParaRPr b="0" lang="en-US" sz="900" spc="-1" strike="noStrike">
+            <a:endParaRPr lang="en-US" sz="900" b="0" strike="noStrike" spc="-1">
               <a:latin typeface="Times New Roman"/>
             </a:endParaRPr>
           </a:p>
@@ -4213,9 +4469,10 @@
           </a:prstGeom>
         </p:spPr>
         <p:txBody>
-          <a:bodyPr lIns="0" rIns="0" tIns="0" bIns="0">
+          <a:bodyPr lIns="0" tIns="0" rIns="0" bIns="0">
             <a:normAutofit/>
           </a:bodyPr>
+          <a:lstStyle/>
           <a:p>
             <a:pPr marL="432000" indent="-324000">
               <a:spcBef>
@@ -4229,7 +4486,7 @@
               <a:buChar char=""/>
             </a:pPr>
             <a:r>
-              <a:rPr b="0" lang="en-US" sz="1800" spc="-1" strike="noStrike">
+              <a:rPr lang="en-US" sz="1800" b="0" strike="noStrike" spc="-1">
                 <a:solidFill>
                   <a:srgbClr val="404040"/>
                 </a:solidFill>
@@ -4237,15 +4494,9 @@
               </a:rPr>
               <a:t>Click to edit the outline text format</a:t>
             </a:r>
-            <a:endParaRPr b="0" lang="en-US" sz="1800" spc="-1" strike="noStrike">
-              <a:solidFill>
-                <a:srgbClr val="404040"/>
-              </a:solidFill>
-              <a:latin typeface="Trebuchet MS"/>
-            </a:endParaRPr>
-          </a:p>
-          <a:p>
-            <a:pPr lvl="1" marL="864000" indent="-324000">
+          </a:p>
+          <a:p>
+            <a:pPr marL="864000" lvl="1" indent="-324000">
               <a:spcBef>
                 <a:spcPts val="1134"/>
               </a:spcBef>
@@ -4257,7 +4508,7 @@
               <a:buChar char=""/>
             </a:pPr>
             <a:r>
-              <a:rPr b="0" lang="en-US" sz="1400" spc="-1" strike="noStrike">
+              <a:rPr lang="en-US" sz="1400" b="0" strike="noStrike" spc="-1">
                 <a:solidFill>
                   <a:srgbClr val="404040"/>
                 </a:solidFill>
@@ -4265,15 +4516,9 @@
               </a:rPr>
               <a:t>Second Outline Level</a:t>
             </a:r>
-            <a:endParaRPr b="0" lang="en-US" sz="1400" spc="-1" strike="noStrike">
-              <a:solidFill>
-                <a:srgbClr val="404040"/>
-              </a:solidFill>
-              <a:latin typeface="Trebuchet MS"/>
-            </a:endParaRPr>
-          </a:p>
-          <a:p>
-            <a:pPr lvl="2" marL="1296000" indent="-288000">
+          </a:p>
+          <a:p>
+            <a:pPr marL="1296000" lvl="2" indent="-288000">
               <a:spcBef>
                 <a:spcPts val="850"/>
               </a:spcBef>
@@ -4285,7 +4530,7 @@
               <a:buChar char=""/>
             </a:pPr>
             <a:r>
-              <a:rPr b="0" lang="en-US" sz="1200" spc="-1" strike="noStrike">
+              <a:rPr lang="en-US" sz="1200" b="0" strike="noStrike" spc="-1">
                 <a:solidFill>
                   <a:srgbClr val="404040"/>
                 </a:solidFill>
@@ -4293,15 +4538,9 @@
               </a:rPr>
               <a:t>Third Outline Level</a:t>
             </a:r>
-            <a:endParaRPr b="0" lang="en-US" sz="1200" spc="-1" strike="noStrike">
-              <a:solidFill>
-                <a:srgbClr val="404040"/>
-              </a:solidFill>
-              <a:latin typeface="Trebuchet MS"/>
-            </a:endParaRPr>
-          </a:p>
-          <a:p>
-            <a:pPr lvl="3" marL="1728000" indent="-216000">
+          </a:p>
+          <a:p>
+            <a:pPr marL="1728000" lvl="3" indent="-216000">
               <a:spcBef>
                 <a:spcPts val="567"/>
               </a:spcBef>
@@ -4313,7 +4552,7 @@
               <a:buChar char=""/>
             </a:pPr>
             <a:r>
-              <a:rPr b="0" lang="en-US" sz="1200" spc="-1" strike="noStrike">
+              <a:rPr lang="en-US" sz="1200" b="0" strike="noStrike" spc="-1">
                 <a:solidFill>
                   <a:srgbClr val="404040"/>
                 </a:solidFill>
@@ -4321,15 +4560,9 @@
               </a:rPr>
               <a:t>Fourth Outline Level</a:t>
             </a:r>
-            <a:endParaRPr b="0" lang="en-US" sz="1200" spc="-1" strike="noStrike">
-              <a:solidFill>
-                <a:srgbClr val="404040"/>
-              </a:solidFill>
-              <a:latin typeface="Trebuchet MS"/>
-            </a:endParaRPr>
-          </a:p>
-          <a:p>
-            <a:pPr lvl="4" marL="2160000" indent="-216000">
+          </a:p>
+          <a:p>
+            <a:pPr marL="2160000" lvl="4" indent="-216000">
               <a:spcBef>
                 <a:spcPts val="283"/>
               </a:spcBef>
@@ -4341,7 +4574,7 @@
               <a:buChar char=""/>
             </a:pPr>
             <a:r>
-              <a:rPr b="0" lang="en-US" sz="2000" spc="-1" strike="noStrike">
+              <a:rPr lang="en-US" sz="2000" b="0" strike="noStrike" spc="-1">
                 <a:solidFill>
                   <a:srgbClr val="404040"/>
                 </a:solidFill>
@@ -4349,15 +4582,9 @@
               </a:rPr>
               <a:t>Fifth Outline Level</a:t>
             </a:r>
-            <a:endParaRPr b="0" lang="en-US" sz="2000" spc="-1" strike="noStrike">
-              <a:solidFill>
-                <a:srgbClr val="404040"/>
-              </a:solidFill>
-              <a:latin typeface="Trebuchet MS"/>
-            </a:endParaRPr>
-          </a:p>
-          <a:p>
-            <a:pPr lvl="5" marL="2592000" indent="-216000">
+          </a:p>
+          <a:p>
+            <a:pPr marL="2592000" lvl="5" indent="-216000">
               <a:spcBef>
                 <a:spcPts val="283"/>
               </a:spcBef>
@@ -4369,7 +4596,7 @@
               <a:buChar char=""/>
             </a:pPr>
             <a:r>
-              <a:rPr b="0" lang="en-US" sz="2000" spc="-1" strike="noStrike">
+              <a:rPr lang="en-US" sz="2000" b="0" strike="noStrike" spc="-1">
                 <a:solidFill>
                   <a:srgbClr val="404040"/>
                 </a:solidFill>
@@ -4377,15 +4604,9 @@
               </a:rPr>
               <a:t>Sixth Outline Level</a:t>
             </a:r>
-            <a:endParaRPr b="0" lang="en-US" sz="2000" spc="-1" strike="noStrike">
-              <a:solidFill>
-                <a:srgbClr val="404040"/>
-              </a:solidFill>
-              <a:latin typeface="Trebuchet MS"/>
-            </a:endParaRPr>
-          </a:p>
-          <a:p>
-            <a:pPr lvl="6" marL="3024000" indent="-216000">
+          </a:p>
+          <a:p>
+            <a:pPr marL="3024000" lvl="6" indent="-216000">
               <a:spcBef>
                 <a:spcPts val="283"/>
               </a:spcBef>
@@ -4397,7 +4618,7 @@
               <a:buChar char=""/>
             </a:pPr>
             <a:r>
-              <a:rPr b="0" lang="en-US" sz="2000" spc="-1" strike="noStrike">
+              <a:rPr lang="en-US" sz="2000" b="0" strike="noStrike" spc="-1">
                 <a:solidFill>
                   <a:srgbClr val="404040"/>
                 </a:solidFill>
@@ -4405,43 +4626,318 @@
               </a:rPr>
               <a:t>Seventh Outline Level</a:t>
             </a:r>
-            <a:endParaRPr b="0" lang="en-US" sz="2000" spc="-1" strike="noStrike">
-              <a:solidFill>
-                <a:srgbClr val="404040"/>
-              </a:solidFill>
-              <a:latin typeface="Trebuchet MS"/>
-            </a:endParaRPr>
           </a:p>
         </p:txBody>
       </p:sp>
     </p:spTree>
   </p:cSld>
-  <p:clrMap bg1="lt1" bg2="lt2" tx1="dk1" tx2="dk2" accent1="accent1" accent2="accent2" accent3="accent3" accent4="accent4" accent5="accent5" accent6="accent6" hlink="hlink" folHlink="folHlink"/>
+  <p:clrMap bg1="lt1" tx1="dk1" bg2="lt2" tx2="dk2" accent1="accent1" accent2="accent2" accent3="accent3" accent4="accent4" accent5="accent5" accent6="accent6" hlink="hlink" folHlink="folHlink"/>
   <p:sldLayoutIdLst>
-    <p:sldLayoutId id="2147483649" r:id="rId2"/>
-    <p:sldLayoutId id="2147483650" r:id="rId3"/>
-    <p:sldLayoutId id="2147483651" r:id="rId4"/>
-    <p:sldLayoutId id="2147483652" r:id="rId5"/>
-    <p:sldLayoutId id="2147483653" r:id="rId6"/>
-    <p:sldLayoutId id="2147483654" r:id="rId7"/>
-    <p:sldLayoutId id="2147483655" r:id="rId8"/>
-    <p:sldLayoutId id="2147483656" r:id="rId9"/>
-    <p:sldLayoutId id="2147483657" r:id="rId10"/>
-    <p:sldLayoutId id="2147483658" r:id="rId11"/>
-    <p:sldLayoutId id="2147483659" r:id="rId12"/>
-    <p:sldLayoutId id="2147483660" r:id="rId13"/>
+    <p:sldLayoutId id="2147483649" r:id="rId1"/>
+    <p:sldLayoutId id="2147483650" r:id="rId2"/>
+    <p:sldLayoutId id="2147483651" r:id="rId3"/>
+    <p:sldLayoutId id="2147483652" r:id="rId4"/>
+    <p:sldLayoutId id="2147483653" r:id="rId5"/>
+    <p:sldLayoutId id="2147483654" r:id="rId6"/>
+    <p:sldLayoutId id="2147483655" r:id="rId7"/>
+    <p:sldLayoutId id="2147483656" r:id="rId8"/>
+    <p:sldLayoutId id="2147483657" r:id="rId9"/>
+    <p:sldLayoutId id="2147483658" r:id="rId10"/>
+    <p:sldLayoutId id="2147483659" r:id="rId11"/>
+    <p:sldLayoutId id="2147483660" r:id="rId12"/>
   </p:sldLayoutIdLst>
+  <p:txStyles>
+    <p:titleStyle>
+      <a:lvl1pPr algn="l" defTabSz="914400" rtl="0" eaLnBrk="1" latinLnBrk="0" hangingPunct="1">
+        <a:lnSpc>
+          <a:spcPct val="90000"/>
+        </a:lnSpc>
+        <a:spcBef>
+          <a:spcPct val="0"/>
+        </a:spcBef>
+        <a:buNone/>
+        <a:defRPr sz="4400" kern="1200">
+          <a:solidFill>
+            <a:schemeClr val="tx1"/>
+          </a:solidFill>
+          <a:latin typeface="+mj-lt"/>
+          <a:ea typeface="+mj-ea"/>
+          <a:cs typeface="+mj-cs"/>
+        </a:defRPr>
+      </a:lvl1pPr>
+    </p:titleStyle>
+    <p:bodyStyle>
+      <a:lvl1pPr marL="228600" indent="-228600" algn="l" defTabSz="914400" rtl="0" eaLnBrk="1" latinLnBrk="0" hangingPunct="1">
+        <a:lnSpc>
+          <a:spcPct val="90000"/>
+        </a:lnSpc>
+        <a:spcBef>
+          <a:spcPts val="1000"/>
+        </a:spcBef>
+        <a:buFont typeface="Arial" panose="020B0604020202020204" pitchFamily="34" charset="0"/>
+        <a:buChar char="•"/>
+        <a:defRPr sz="2800" kern="1200">
+          <a:solidFill>
+            <a:schemeClr val="tx1"/>
+          </a:solidFill>
+          <a:latin typeface="+mn-lt"/>
+          <a:ea typeface="+mn-ea"/>
+          <a:cs typeface="+mn-cs"/>
+        </a:defRPr>
+      </a:lvl1pPr>
+      <a:lvl2pPr marL="685800" indent="-228600" algn="l" defTabSz="914400" rtl="0" eaLnBrk="1" latinLnBrk="0" hangingPunct="1">
+        <a:lnSpc>
+          <a:spcPct val="90000"/>
+        </a:lnSpc>
+        <a:spcBef>
+          <a:spcPts val="500"/>
+        </a:spcBef>
+        <a:buFont typeface="Arial" panose="020B0604020202020204" pitchFamily="34" charset="0"/>
+        <a:buChar char="•"/>
+        <a:defRPr sz="2400" kern="1200">
+          <a:solidFill>
+            <a:schemeClr val="tx1"/>
+          </a:solidFill>
+          <a:latin typeface="+mn-lt"/>
+          <a:ea typeface="+mn-ea"/>
+          <a:cs typeface="+mn-cs"/>
+        </a:defRPr>
+      </a:lvl2pPr>
+      <a:lvl3pPr marL="1143000" indent="-228600" algn="l" defTabSz="914400" rtl="0" eaLnBrk="1" latinLnBrk="0" hangingPunct="1">
+        <a:lnSpc>
+          <a:spcPct val="90000"/>
+        </a:lnSpc>
+        <a:spcBef>
+          <a:spcPts val="500"/>
+        </a:spcBef>
+        <a:buFont typeface="Arial" panose="020B0604020202020204" pitchFamily="34" charset="0"/>
+        <a:buChar char="•"/>
+        <a:defRPr sz="2000" kern="1200">
+          <a:solidFill>
+            <a:schemeClr val="tx1"/>
+          </a:solidFill>
+          <a:latin typeface="+mn-lt"/>
+          <a:ea typeface="+mn-ea"/>
+          <a:cs typeface="+mn-cs"/>
+        </a:defRPr>
+      </a:lvl3pPr>
+      <a:lvl4pPr marL="1600200" indent="-228600" algn="l" defTabSz="914400" rtl="0" eaLnBrk="1" latinLnBrk="0" hangingPunct="1">
+        <a:lnSpc>
+          <a:spcPct val="90000"/>
+        </a:lnSpc>
+        <a:spcBef>
+          <a:spcPts val="500"/>
+        </a:spcBef>
+        <a:buFont typeface="Arial" panose="020B0604020202020204" pitchFamily="34" charset="0"/>
+        <a:buChar char="•"/>
+        <a:defRPr sz="1800" kern="1200">
+          <a:solidFill>
+            <a:schemeClr val="tx1"/>
+          </a:solidFill>
+          <a:latin typeface="+mn-lt"/>
+          <a:ea typeface="+mn-ea"/>
+          <a:cs typeface="+mn-cs"/>
+        </a:defRPr>
+      </a:lvl4pPr>
+      <a:lvl5pPr marL="2057400" indent="-228600" algn="l" defTabSz="914400" rtl="0" eaLnBrk="1" latinLnBrk="0" hangingPunct="1">
+        <a:lnSpc>
+          <a:spcPct val="90000"/>
+        </a:lnSpc>
+        <a:spcBef>
+          <a:spcPts val="500"/>
+        </a:spcBef>
+        <a:buFont typeface="Arial" panose="020B0604020202020204" pitchFamily="34" charset="0"/>
+        <a:buChar char="•"/>
+        <a:defRPr sz="1800" kern="1200">
+          <a:solidFill>
+            <a:schemeClr val="tx1"/>
+          </a:solidFill>
+          <a:latin typeface="+mn-lt"/>
+          <a:ea typeface="+mn-ea"/>
+          <a:cs typeface="+mn-cs"/>
+        </a:defRPr>
+      </a:lvl5pPr>
+      <a:lvl6pPr marL="2514600" indent="-228600" algn="l" defTabSz="914400" rtl="0" eaLnBrk="1" latinLnBrk="0" hangingPunct="1">
+        <a:lnSpc>
+          <a:spcPct val="90000"/>
+        </a:lnSpc>
+        <a:spcBef>
+          <a:spcPts val="500"/>
+        </a:spcBef>
+        <a:buFont typeface="Arial" panose="020B0604020202020204" pitchFamily="34" charset="0"/>
+        <a:buChar char="•"/>
+        <a:defRPr sz="1800" kern="1200">
+          <a:solidFill>
+            <a:schemeClr val="tx1"/>
+          </a:solidFill>
+          <a:latin typeface="+mn-lt"/>
+          <a:ea typeface="+mn-ea"/>
+          <a:cs typeface="+mn-cs"/>
+        </a:defRPr>
+      </a:lvl6pPr>
+      <a:lvl7pPr marL="2971800" indent="-228600" algn="l" defTabSz="914400" rtl="0" eaLnBrk="1" latinLnBrk="0" hangingPunct="1">
+        <a:lnSpc>
+          <a:spcPct val="90000"/>
+        </a:lnSpc>
+        <a:spcBef>
+          <a:spcPts val="500"/>
+        </a:spcBef>
+        <a:buFont typeface="Arial" panose="020B0604020202020204" pitchFamily="34" charset="0"/>
+        <a:buChar char="•"/>
+        <a:defRPr sz="1800" kern="1200">
+          <a:solidFill>
+            <a:schemeClr val="tx1"/>
+          </a:solidFill>
+          <a:latin typeface="+mn-lt"/>
+          <a:ea typeface="+mn-ea"/>
+          <a:cs typeface="+mn-cs"/>
+        </a:defRPr>
+      </a:lvl7pPr>
+      <a:lvl8pPr marL="3429000" indent="-228600" algn="l" defTabSz="914400" rtl="0" eaLnBrk="1" latinLnBrk="0" hangingPunct="1">
+        <a:lnSpc>
+          <a:spcPct val="90000"/>
+        </a:lnSpc>
+        <a:spcBef>
+          <a:spcPts val="500"/>
+        </a:spcBef>
+        <a:buFont typeface="Arial" panose="020B0604020202020204" pitchFamily="34" charset="0"/>
+        <a:buChar char="•"/>
+        <a:defRPr sz="1800" kern="1200">
+          <a:solidFill>
+            <a:schemeClr val="tx1"/>
+          </a:solidFill>
+          <a:latin typeface="+mn-lt"/>
+          <a:ea typeface="+mn-ea"/>
+          <a:cs typeface="+mn-cs"/>
+        </a:defRPr>
+      </a:lvl8pPr>
+      <a:lvl9pPr marL="3886200" indent="-228600" algn="l" defTabSz="914400" rtl="0" eaLnBrk="1" latinLnBrk="0" hangingPunct="1">
+        <a:lnSpc>
+          <a:spcPct val="90000"/>
+        </a:lnSpc>
+        <a:spcBef>
+          <a:spcPts val="500"/>
+        </a:spcBef>
+        <a:buFont typeface="Arial" panose="020B0604020202020204" pitchFamily="34" charset="0"/>
+        <a:buChar char="•"/>
+        <a:defRPr sz="1800" kern="1200">
+          <a:solidFill>
+            <a:schemeClr val="tx1"/>
+          </a:solidFill>
+          <a:latin typeface="+mn-lt"/>
+          <a:ea typeface="+mn-ea"/>
+          <a:cs typeface="+mn-cs"/>
+        </a:defRPr>
+      </a:lvl9pPr>
+    </p:bodyStyle>
+    <p:otherStyle>
+      <a:defPPr>
+        <a:defRPr lang="de-DE"/>
+      </a:defPPr>
+      <a:lvl1pPr marL="0" algn="l" defTabSz="914400" rtl="0" eaLnBrk="1" latinLnBrk="0" hangingPunct="1">
+        <a:defRPr sz="1800" kern="1200">
+          <a:solidFill>
+            <a:schemeClr val="tx1"/>
+          </a:solidFill>
+          <a:latin typeface="+mn-lt"/>
+          <a:ea typeface="+mn-ea"/>
+          <a:cs typeface="+mn-cs"/>
+        </a:defRPr>
+      </a:lvl1pPr>
+      <a:lvl2pPr marL="457200" algn="l" defTabSz="914400" rtl="0" eaLnBrk="1" latinLnBrk="0" hangingPunct="1">
+        <a:defRPr sz="1800" kern="1200">
+          <a:solidFill>
+            <a:schemeClr val="tx1"/>
+          </a:solidFill>
+          <a:latin typeface="+mn-lt"/>
+          <a:ea typeface="+mn-ea"/>
+          <a:cs typeface="+mn-cs"/>
+        </a:defRPr>
+      </a:lvl2pPr>
+      <a:lvl3pPr marL="914400" algn="l" defTabSz="914400" rtl="0" eaLnBrk="1" latinLnBrk="0" hangingPunct="1">
+        <a:defRPr sz="1800" kern="1200">
+          <a:solidFill>
+            <a:schemeClr val="tx1"/>
+          </a:solidFill>
+          <a:latin typeface="+mn-lt"/>
+          <a:ea typeface="+mn-ea"/>
+          <a:cs typeface="+mn-cs"/>
+        </a:defRPr>
+      </a:lvl3pPr>
+      <a:lvl4pPr marL="1371600" algn="l" defTabSz="914400" rtl="0" eaLnBrk="1" latinLnBrk="0" hangingPunct="1">
+        <a:defRPr sz="1800" kern="1200">
+          <a:solidFill>
+            <a:schemeClr val="tx1"/>
+          </a:solidFill>
+          <a:latin typeface="+mn-lt"/>
+          <a:ea typeface="+mn-ea"/>
+          <a:cs typeface="+mn-cs"/>
+        </a:defRPr>
+      </a:lvl4pPr>
+      <a:lvl5pPr marL="1828800" algn="l" defTabSz="914400" rtl="0" eaLnBrk="1" latinLnBrk="0" hangingPunct="1">
+        <a:defRPr sz="1800" kern="1200">
+          <a:solidFill>
+            <a:schemeClr val="tx1"/>
+          </a:solidFill>
+          <a:latin typeface="+mn-lt"/>
+          <a:ea typeface="+mn-ea"/>
+          <a:cs typeface="+mn-cs"/>
+        </a:defRPr>
+      </a:lvl5pPr>
+      <a:lvl6pPr marL="2286000" algn="l" defTabSz="914400" rtl="0" eaLnBrk="1" latinLnBrk="0" hangingPunct="1">
+        <a:defRPr sz="1800" kern="1200">
+          <a:solidFill>
+            <a:schemeClr val="tx1"/>
+          </a:solidFill>
+          <a:latin typeface="+mn-lt"/>
+          <a:ea typeface="+mn-ea"/>
+          <a:cs typeface="+mn-cs"/>
+        </a:defRPr>
+      </a:lvl6pPr>
+      <a:lvl7pPr marL="2743200" algn="l" defTabSz="914400" rtl="0" eaLnBrk="1" latinLnBrk="0" hangingPunct="1">
+        <a:defRPr sz="1800" kern="1200">
+          <a:solidFill>
+            <a:schemeClr val="tx1"/>
+          </a:solidFill>
+          <a:latin typeface="+mn-lt"/>
+          <a:ea typeface="+mn-ea"/>
+          <a:cs typeface="+mn-cs"/>
+        </a:defRPr>
+      </a:lvl7pPr>
+      <a:lvl8pPr marL="3200400" algn="l" defTabSz="914400" rtl="0" eaLnBrk="1" latinLnBrk="0" hangingPunct="1">
+        <a:defRPr sz="1800" kern="1200">
+          <a:solidFill>
+            <a:schemeClr val="tx1"/>
+          </a:solidFill>
+          <a:latin typeface="+mn-lt"/>
+          <a:ea typeface="+mn-ea"/>
+          <a:cs typeface="+mn-cs"/>
+        </a:defRPr>
+      </a:lvl8pPr>
+      <a:lvl9pPr marL="3657600" algn="l" defTabSz="914400" rtl="0" eaLnBrk="1" latinLnBrk="0" hangingPunct="1">
+        <a:defRPr sz="1800" kern="1200">
+          <a:solidFill>
+            <a:schemeClr val="tx1"/>
+          </a:solidFill>
+          <a:latin typeface="+mn-lt"/>
+          <a:ea typeface="+mn-ea"/>
+          <a:cs typeface="+mn-cs"/>
+        </a:defRPr>
+      </a:lvl9pPr>
+    </p:otherStyle>
+  </p:txStyles>
 </p:sldMaster>
 </file>
 
 <file path=ppt/slideMasters/slideMaster2.xml><?xml version="1.0" encoding="utf-8"?>
-<p:sldMaster xmlns:a="http://schemas.openxmlformats.org/drawingml/2006/main" xmlns:p="http://schemas.openxmlformats.org/presentationml/2006/main" xmlns:r="http://schemas.openxmlformats.org/officeDocument/2006/relationships" xmlns:p14="http://schemas.microsoft.com/office/powerpoint/2010/main" xmlns:p15="http://schemas.microsoft.com/office/powerpoint/2012/main" xmlns:mc="http://schemas.openxmlformats.org/markup-compatibility/2006">
+<p:sldMaster xmlns:a="http://schemas.openxmlformats.org/drawingml/2006/main" xmlns:r="http://schemas.openxmlformats.org/officeDocument/2006/relationships" xmlns:p="http://schemas.openxmlformats.org/presentationml/2006/main">
   <p:cSld>
     <p:bg>
       <p:bgPr>
         <a:solidFill>
-          <a:srgbClr val="ffffff"/>
+          <a:srgbClr val="FFFFFF"/>
         </a:solidFill>
+        <a:effectLst/>
       </p:bgPr>
     </p:bg>
     <p:spTree>
@@ -4559,6 +5055,7 @@
               <a:avLst/>
               <a:gdLst/>
               <a:ahLst/>
+              <a:cxnLst/>
               <a:rect l="l" t="t" r="r" b="b"/>
               <a:pathLst>
                 <a:path w="3007349" h="6866467">
@@ -4590,7 +5087,7 @@
               <a:noFill/>
             </a:ln>
             <a:effectLst>
-              <a:outerShdw blurRad="38100" dir="5400000" dist="25400" rotWithShape="0">
+              <a:outerShdw blurRad="38100" dist="25400" dir="5400000" rotWithShape="0">
                 <a:srgbClr val="000000">
                   <a:alpha val="35000"/>
                 </a:srgbClr>
@@ -4625,6 +5122,7 @@
               <a:avLst/>
               <a:gdLst/>
               <a:ahLst/>
+              <a:cxnLst/>
               <a:rect l="l" t="t" r="r" b="b"/>
               <a:pathLst>
                 <a:path w="2573311" h="6866467">
@@ -4656,7 +5154,7 @@
               <a:noFill/>
             </a:ln>
             <a:effectLst>
-              <a:outerShdw blurRad="38100" dir="5400000" dist="25400" rotWithShape="0">
+              <a:outerShdw blurRad="38100" dist="25400" dir="5400000" rotWithShape="0">
                 <a:srgbClr val="000000">
                   <a:alpha val="35000"/>
                 </a:srgbClr>
@@ -4702,7 +5200,7 @@
               <a:noFill/>
             </a:ln>
             <a:effectLst>
-              <a:outerShdw blurRad="38100" dir="5400000" dist="25400" rotWithShape="0">
+              <a:outerShdw blurRad="38100" dist="25400" dir="5400000" rotWithShape="0">
                 <a:srgbClr val="000000">
                   <a:alpha val="35000"/>
                 </a:srgbClr>
@@ -4737,6 +5235,7 @@
               <a:avLst/>
               <a:gdLst/>
               <a:ahLst/>
+              <a:cxnLst/>
               <a:rect l="l" t="t" r="r" b="b"/>
               <a:pathLst>
                 <a:path w="2858013" h="6866467">
@@ -4769,7 +5268,7 @@
               <a:noFill/>
             </a:ln>
             <a:effectLst>
-              <a:outerShdw blurRad="38100" dir="5400000" dist="25400" rotWithShape="0">
+              <a:outerShdw blurRad="38100" dist="25400" dir="5400000" rotWithShape="0">
                 <a:srgbClr val="000000">
                   <a:alpha val="35000"/>
                 </a:srgbClr>
@@ -4804,6 +5303,7 @@
               <a:avLst/>
               <a:gdLst/>
               <a:ahLst/>
+              <a:cxnLst/>
               <a:rect l="l" t="t" r="r" b="b"/>
               <a:pathLst>
                 <a:path w="1290094" h="6858000">
@@ -4835,7 +5335,7 @@
               <a:noFill/>
             </a:ln>
             <a:effectLst>
-              <a:outerShdw blurRad="38100" dir="5400000" dist="25400" rotWithShape="0">
+              <a:outerShdw blurRad="38100" dist="25400" dir="5400000" rotWithShape="0">
                 <a:srgbClr val="000000">
                   <a:alpha val="35000"/>
                 </a:srgbClr>
@@ -4870,6 +5370,7 @@
               <a:avLst/>
               <a:gdLst/>
               <a:ahLst/>
+              <a:cxnLst/>
               <a:rect l="l" t="t" r="r" b="b"/>
               <a:pathLst>
                 <a:path w="1249825" h="6858000">
@@ -4902,7 +5403,7 @@
               <a:noFill/>
             </a:ln>
             <a:effectLst>
-              <a:outerShdw blurRad="38100" dir="5400000" dist="25400" rotWithShape="0">
+              <a:outerShdw blurRad="38100" dist="25400" dir="5400000" rotWithShape="0">
                 <a:srgbClr val="000000">
                   <a:alpha val="35000"/>
                 </a:srgbClr>
@@ -4948,7 +5449,7 @@
               <a:noFill/>
             </a:ln>
             <a:effectLst>
-              <a:outerShdw blurRad="38100" dir="5400000" dist="25400" rotWithShape="0">
+              <a:outerShdw blurRad="38100" dist="25400" dir="5400000" rotWithShape="0">
                 <a:srgbClr val="000000">
                   <a:alpha val="35000"/>
                 </a:srgbClr>
@@ -4993,7 +5494,7 @@
               <a:noFill/>
             </a:ln>
             <a:effectLst>
-              <a:outerShdw blurRad="38100" dir="5400000" dist="25400" rotWithShape="0">
+              <a:outerShdw blurRad="38100" dist="25400" dir="5400000" rotWithShape="0">
                 <a:srgbClr val="000000">
                   <a:alpha val="35000"/>
                 </a:srgbClr>
@@ -5035,6 +5536,7 @@
         </p:spPr>
         <p:txBody>
           <a:bodyPr/>
+          <a:lstStyle/>
           <a:p>
             <a:pPr>
               <a:lnSpc>
@@ -5042,15 +5544,15 @@
               </a:lnSpc>
             </a:pPr>
             <a:r>
-              <a:rPr b="0" lang="en-US" sz="3600" spc="-1" strike="noStrike">
+              <a:rPr lang="en-US" sz="3600" b="0" strike="noStrike" spc="-1">
                 <a:solidFill>
-                  <a:srgbClr val="5fcbef"/>
+                  <a:srgbClr val="5FCBEF"/>
                 </a:solidFill>
                 <a:latin typeface="Trebuchet MS"/>
               </a:rPr>
               <a:t>Mastertitelformat bearbeiten</a:t>
             </a:r>
-            <a:endParaRPr b="0" lang="en-US" sz="3600" spc="-1" strike="noStrike">
+            <a:endParaRPr lang="en-US" sz="3600" b="0" strike="noStrike" spc="-1">
               <a:solidFill>
                 <a:srgbClr val="000000"/>
               </a:solidFill>
@@ -5080,6 +5582,7 @@
         </p:spPr>
         <p:txBody>
           <a:bodyPr/>
+          <a:lstStyle/>
           <a:p>
             <a:pPr marL="343080" indent="-342720">
               <a:lnSpc>
@@ -5089,14 +5592,14 @@
                 <a:spcPts val="1001"/>
               </a:spcBef>
               <a:buClr>
-                <a:srgbClr val="5fcbef"/>
+                <a:srgbClr val="5FCBEF"/>
               </a:buClr>
               <a:buSzPct val="80000"/>
               <a:buFont typeface="Wingdings 3" charset="2"/>
               <a:buChar char=""/>
             </a:pPr>
             <a:r>
-              <a:rPr b="0" lang="en-US" sz="1800" spc="-1" strike="noStrike">
+              <a:rPr lang="en-US" sz="1800" b="0" strike="noStrike" spc="-1">
                 <a:solidFill>
                   <a:srgbClr val="404040"/>
                 </a:solidFill>
@@ -5104,15 +5607,9 @@
               </a:rPr>
               <a:t>Mastertextformat bearbeiten</a:t>
             </a:r>
-            <a:endParaRPr b="0" lang="en-US" sz="1800" spc="-1" strike="noStrike">
-              <a:solidFill>
-                <a:srgbClr val="404040"/>
-              </a:solidFill>
-              <a:latin typeface="Trebuchet MS"/>
-            </a:endParaRPr>
-          </a:p>
-          <a:p>
-            <a:pPr lvl="1" marL="743040" indent="-285480">
+          </a:p>
+          <a:p>
+            <a:pPr marL="743040" lvl="1" indent="-285480">
               <a:lnSpc>
                 <a:spcPct val="100000"/>
               </a:lnSpc>
@@ -5120,14 +5617,14 @@
                 <a:spcPts val="1001"/>
               </a:spcBef>
               <a:buClr>
-                <a:srgbClr val="5fcbef"/>
+                <a:srgbClr val="5FCBEF"/>
               </a:buClr>
               <a:buSzPct val="80000"/>
               <a:buFont typeface="Wingdings 3" charset="2"/>
               <a:buChar char=""/>
             </a:pPr>
             <a:r>
-              <a:rPr b="0" lang="en-US" sz="1600" spc="-1" strike="noStrike">
+              <a:rPr lang="en-US" sz="1600" b="0" strike="noStrike" spc="-1">
                 <a:solidFill>
                   <a:srgbClr val="404040"/>
                 </a:solidFill>
@@ -5135,15 +5632,9 @@
               </a:rPr>
               <a:t>Zweite Ebene</a:t>
             </a:r>
-            <a:endParaRPr b="0" lang="en-US" sz="1600" spc="-1" strike="noStrike">
-              <a:solidFill>
-                <a:srgbClr val="404040"/>
-              </a:solidFill>
-              <a:latin typeface="Trebuchet MS"/>
-            </a:endParaRPr>
-          </a:p>
-          <a:p>
-            <a:pPr lvl="2" marL="1143000" indent="-228240">
+          </a:p>
+          <a:p>
+            <a:pPr marL="1143000" lvl="2" indent="-228240">
               <a:lnSpc>
                 <a:spcPct val="100000"/>
               </a:lnSpc>
@@ -5151,14 +5642,14 @@
                 <a:spcPts val="1001"/>
               </a:spcBef>
               <a:buClr>
-                <a:srgbClr val="5fcbef"/>
+                <a:srgbClr val="5FCBEF"/>
               </a:buClr>
               <a:buSzPct val="80000"/>
               <a:buFont typeface="Wingdings 3" charset="2"/>
               <a:buChar char=""/>
             </a:pPr>
             <a:r>
-              <a:rPr b="0" lang="en-US" sz="1400" spc="-1" strike="noStrike">
+              <a:rPr lang="en-US" sz="1400" b="0" strike="noStrike" spc="-1">
                 <a:solidFill>
                   <a:srgbClr val="404040"/>
                 </a:solidFill>
@@ -5166,15 +5657,9 @@
               </a:rPr>
               <a:t>Dritte Ebene</a:t>
             </a:r>
-            <a:endParaRPr b="0" lang="en-US" sz="1400" spc="-1" strike="noStrike">
-              <a:solidFill>
-                <a:srgbClr val="404040"/>
-              </a:solidFill>
-              <a:latin typeface="Trebuchet MS"/>
-            </a:endParaRPr>
-          </a:p>
-          <a:p>
-            <a:pPr lvl="3" marL="1600200" indent="-228240">
+          </a:p>
+          <a:p>
+            <a:pPr marL="1600200" lvl="3" indent="-228240">
               <a:lnSpc>
                 <a:spcPct val="100000"/>
               </a:lnSpc>
@@ -5182,14 +5667,14 @@
                 <a:spcPts val="1001"/>
               </a:spcBef>
               <a:buClr>
-                <a:srgbClr val="5fcbef"/>
+                <a:srgbClr val="5FCBEF"/>
               </a:buClr>
               <a:buSzPct val="80000"/>
               <a:buFont typeface="Wingdings 3" charset="2"/>
               <a:buChar char=""/>
             </a:pPr>
             <a:r>
-              <a:rPr b="0" lang="en-US" sz="1200" spc="-1" strike="noStrike">
+              <a:rPr lang="en-US" sz="1200" b="0" strike="noStrike" spc="-1">
                 <a:solidFill>
                   <a:srgbClr val="404040"/>
                 </a:solidFill>
@@ -5197,15 +5682,9 @@
               </a:rPr>
               <a:t>Vierte Ebene</a:t>
             </a:r>
-            <a:endParaRPr b="0" lang="en-US" sz="1200" spc="-1" strike="noStrike">
-              <a:solidFill>
-                <a:srgbClr val="404040"/>
-              </a:solidFill>
-              <a:latin typeface="Trebuchet MS"/>
-            </a:endParaRPr>
-          </a:p>
-          <a:p>
-            <a:pPr lvl="4" marL="2057400" indent="-228240">
+          </a:p>
+          <a:p>
+            <a:pPr marL="2057400" lvl="4" indent="-228240">
               <a:lnSpc>
                 <a:spcPct val="100000"/>
               </a:lnSpc>
@@ -5213,14 +5692,14 @@
                 <a:spcPts val="1001"/>
               </a:spcBef>
               <a:buClr>
-                <a:srgbClr val="5fcbef"/>
+                <a:srgbClr val="5FCBEF"/>
               </a:buClr>
               <a:buSzPct val="80000"/>
               <a:buFont typeface="Wingdings 3" charset="2"/>
               <a:buChar char=""/>
             </a:pPr>
             <a:r>
-              <a:rPr b="0" lang="en-US" sz="1200" spc="-1" strike="noStrike">
+              <a:rPr lang="en-US" sz="1200" b="0" strike="noStrike" spc="-1">
                 <a:solidFill>
                   <a:srgbClr val="404040"/>
                 </a:solidFill>
@@ -5228,12 +5707,6 @@
               </a:rPr>
               <a:t>Fünfte Ebene</a:t>
             </a:r>
-            <a:endParaRPr b="0" lang="en-US" sz="1200" spc="-1" strike="noStrike">
-              <a:solidFill>
-                <a:srgbClr val="404040"/>
-              </a:solidFill>
-              <a:latin typeface="Trebuchet MS"/>
-            </a:endParaRPr>
           </a:p>
         </p:txBody>
       </p:sp>
@@ -5258,6 +5731,7 @@
         </p:spPr>
         <p:txBody>
           <a:bodyPr anchor="ctr"/>
+          <a:lstStyle/>
           <a:p>
             <a:pPr algn="r">
               <a:lnSpc>
@@ -5265,15 +5739,15 @@
               </a:lnSpc>
             </a:pPr>
             <a:fld id="{51D13072-E8BB-4A62-AABE-F2A3D89660BC}" type="datetime">
-              <a:rPr b="0" lang="en-US" sz="900" spc="-1" strike="noStrike">
+              <a:rPr lang="en-US" sz="900" b="0" strike="noStrike" spc="-1">
                 <a:solidFill>
-                  <a:srgbClr val="8b8b8b"/>
+                  <a:srgbClr val="8B8B8B"/>
                 </a:solidFill>
                 <a:latin typeface="Trebuchet MS"/>
               </a:rPr>
-              <a:t>1/28/19</a:t>
+              <a:t>1/28/2019</a:t>
             </a:fld>
-            <a:endParaRPr b="0" lang="en-US" sz="900" spc="-1" strike="noStrike">
+            <a:endParaRPr lang="en-US" sz="900" b="0" strike="noStrike" spc="-1">
               <a:latin typeface="Times New Roman"/>
             </a:endParaRPr>
           </a:p>
@@ -5300,8 +5774,9 @@
         </p:spPr>
         <p:txBody>
           <a:bodyPr anchor="ctr"/>
-          <a:p>
-            <a:endParaRPr b="0" lang="en-US" sz="2400" spc="-1" strike="noStrike">
+          <a:lstStyle/>
+          <a:p>
+            <a:endParaRPr lang="en-US" sz="2400" b="0" strike="noStrike" spc="-1">
               <a:latin typeface="Times New Roman"/>
             </a:endParaRPr>
           </a:p>
@@ -5328,6 +5803,7 @@
         </p:spPr>
         <p:txBody>
           <a:bodyPr anchor="ctr"/>
+          <a:lstStyle/>
           <a:p>
             <a:pPr algn="r">
               <a:lnSpc>
@@ -5335,15 +5811,15 @@
               </a:lnSpc>
             </a:pPr>
             <a:fld id="{BBCCF812-4D61-4987-9A59-52402D796D6D}" type="slidenum">
-              <a:rPr b="0" lang="en-US" sz="900" spc="-1" strike="noStrike">
+              <a:rPr lang="en-US" sz="900" b="0" strike="noStrike" spc="-1">
                 <a:solidFill>
-                  <a:srgbClr val="5fcbef"/>
+                  <a:srgbClr val="5FCBEF"/>
                 </a:solidFill>
                 <a:latin typeface="Trebuchet MS"/>
               </a:rPr>
-              <a:t>&lt;number&gt;</a:t>
+              <a:t>‹Nr.›</a:t>
             </a:fld>
-            <a:endParaRPr b="0" lang="en-US" sz="900" spc="-1" strike="noStrike">
+            <a:endParaRPr lang="en-US" sz="900" b="0" strike="noStrike" spc="-1">
               <a:latin typeface="Times New Roman"/>
             </a:endParaRPr>
           </a:p>
@@ -5351,26 +5827,306 @@
       </p:sp>
     </p:spTree>
   </p:cSld>
-  <p:clrMap bg1="lt1" bg2="lt2" tx1="dk1" tx2="dk2" accent1="accent1" accent2="accent2" accent3="accent3" accent4="accent4" accent5="accent5" accent6="accent6" hlink="hlink" folHlink="folHlink"/>
+  <p:clrMap bg1="lt1" tx1="dk1" bg2="lt2" tx2="dk2" accent1="accent1" accent2="accent2" accent3="accent3" accent4="accent4" accent5="accent5" accent6="accent6" hlink="hlink" folHlink="folHlink"/>
   <p:sldLayoutIdLst>
-    <p:sldLayoutId id="2147483662" r:id="rId2"/>
-    <p:sldLayoutId id="2147483663" r:id="rId3"/>
-    <p:sldLayoutId id="2147483664" r:id="rId4"/>
-    <p:sldLayoutId id="2147483665" r:id="rId5"/>
-    <p:sldLayoutId id="2147483666" r:id="rId6"/>
-    <p:sldLayoutId id="2147483667" r:id="rId7"/>
-    <p:sldLayoutId id="2147483668" r:id="rId8"/>
-    <p:sldLayoutId id="2147483669" r:id="rId9"/>
-    <p:sldLayoutId id="2147483670" r:id="rId10"/>
-    <p:sldLayoutId id="2147483671" r:id="rId11"/>
-    <p:sldLayoutId id="2147483672" r:id="rId12"/>
-    <p:sldLayoutId id="2147483673" r:id="rId13"/>
+    <p:sldLayoutId id="2147483662" r:id="rId1"/>
+    <p:sldLayoutId id="2147483663" r:id="rId2"/>
+    <p:sldLayoutId id="2147483664" r:id="rId3"/>
+    <p:sldLayoutId id="2147483665" r:id="rId4"/>
+    <p:sldLayoutId id="2147483666" r:id="rId5"/>
+    <p:sldLayoutId id="2147483667" r:id="rId6"/>
+    <p:sldLayoutId id="2147483668" r:id="rId7"/>
+    <p:sldLayoutId id="2147483669" r:id="rId8"/>
+    <p:sldLayoutId id="2147483670" r:id="rId9"/>
+    <p:sldLayoutId id="2147483671" r:id="rId10"/>
+    <p:sldLayoutId id="2147483672" r:id="rId11"/>
+    <p:sldLayoutId id="2147483673" r:id="rId12"/>
   </p:sldLayoutIdLst>
+  <p:txStyles>
+    <p:titleStyle>
+      <a:lvl1pPr algn="l" defTabSz="914400" rtl="0" eaLnBrk="1" latinLnBrk="0" hangingPunct="1">
+        <a:lnSpc>
+          <a:spcPct val="90000"/>
+        </a:lnSpc>
+        <a:spcBef>
+          <a:spcPct val="0"/>
+        </a:spcBef>
+        <a:buNone/>
+        <a:defRPr sz="4400" kern="1200">
+          <a:solidFill>
+            <a:schemeClr val="tx1"/>
+          </a:solidFill>
+          <a:latin typeface="+mj-lt"/>
+          <a:ea typeface="+mj-ea"/>
+          <a:cs typeface="+mj-cs"/>
+        </a:defRPr>
+      </a:lvl1pPr>
+    </p:titleStyle>
+    <p:bodyStyle>
+      <a:lvl1pPr marL="228600" indent="-228600" algn="l" defTabSz="914400" rtl="0" eaLnBrk="1" latinLnBrk="0" hangingPunct="1">
+        <a:lnSpc>
+          <a:spcPct val="90000"/>
+        </a:lnSpc>
+        <a:spcBef>
+          <a:spcPts val="1000"/>
+        </a:spcBef>
+        <a:buFont typeface="Arial" panose="020B0604020202020204" pitchFamily="34" charset="0"/>
+        <a:buChar char="•"/>
+        <a:defRPr sz="2800" kern="1200">
+          <a:solidFill>
+            <a:schemeClr val="tx1"/>
+          </a:solidFill>
+          <a:latin typeface="+mn-lt"/>
+          <a:ea typeface="+mn-ea"/>
+          <a:cs typeface="+mn-cs"/>
+        </a:defRPr>
+      </a:lvl1pPr>
+      <a:lvl2pPr marL="685800" indent="-228600" algn="l" defTabSz="914400" rtl="0" eaLnBrk="1" latinLnBrk="0" hangingPunct="1">
+        <a:lnSpc>
+          <a:spcPct val="90000"/>
+        </a:lnSpc>
+        <a:spcBef>
+          <a:spcPts val="500"/>
+        </a:spcBef>
+        <a:buFont typeface="Arial" panose="020B0604020202020204" pitchFamily="34" charset="0"/>
+        <a:buChar char="•"/>
+        <a:defRPr sz="2400" kern="1200">
+          <a:solidFill>
+            <a:schemeClr val="tx1"/>
+          </a:solidFill>
+          <a:latin typeface="+mn-lt"/>
+          <a:ea typeface="+mn-ea"/>
+          <a:cs typeface="+mn-cs"/>
+        </a:defRPr>
+      </a:lvl2pPr>
+      <a:lvl3pPr marL="1143000" indent="-228600" algn="l" defTabSz="914400" rtl="0" eaLnBrk="1" latinLnBrk="0" hangingPunct="1">
+        <a:lnSpc>
+          <a:spcPct val="90000"/>
+        </a:lnSpc>
+        <a:spcBef>
+          <a:spcPts val="500"/>
+        </a:spcBef>
+        <a:buFont typeface="Arial" panose="020B0604020202020204" pitchFamily="34" charset="0"/>
+        <a:buChar char="•"/>
+        <a:defRPr sz="2000" kern="1200">
+          <a:solidFill>
+            <a:schemeClr val="tx1"/>
+          </a:solidFill>
+          <a:latin typeface="+mn-lt"/>
+          <a:ea typeface="+mn-ea"/>
+          <a:cs typeface="+mn-cs"/>
+        </a:defRPr>
+      </a:lvl3pPr>
+      <a:lvl4pPr marL="1600200" indent="-228600" algn="l" defTabSz="914400" rtl="0" eaLnBrk="1" latinLnBrk="0" hangingPunct="1">
+        <a:lnSpc>
+          <a:spcPct val="90000"/>
+        </a:lnSpc>
+        <a:spcBef>
+          <a:spcPts val="500"/>
+        </a:spcBef>
+        <a:buFont typeface="Arial" panose="020B0604020202020204" pitchFamily="34" charset="0"/>
+        <a:buChar char="•"/>
+        <a:defRPr sz="1800" kern="1200">
+          <a:solidFill>
+            <a:schemeClr val="tx1"/>
+          </a:solidFill>
+          <a:latin typeface="+mn-lt"/>
+          <a:ea typeface="+mn-ea"/>
+          <a:cs typeface="+mn-cs"/>
+        </a:defRPr>
+      </a:lvl4pPr>
+      <a:lvl5pPr marL="2057400" indent="-228600" algn="l" defTabSz="914400" rtl="0" eaLnBrk="1" latinLnBrk="0" hangingPunct="1">
+        <a:lnSpc>
+          <a:spcPct val="90000"/>
+        </a:lnSpc>
+        <a:spcBef>
+          <a:spcPts val="500"/>
+        </a:spcBef>
+        <a:buFont typeface="Arial" panose="020B0604020202020204" pitchFamily="34" charset="0"/>
+        <a:buChar char="•"/>
+        <a:defRPr sz="1800" kern="1200">
+          <a:solidFill>
+            <a:schemeClr val="tx1"/>
+          </a:solidFill>
+          <a:latin typeface="+mn-lt"/>
+          <a:ea typeface="+mn-ea"/>
+          <a:cs typeface="+mn-cs"/>
+        </a:defRPr>
+      </a:lvl5pPr>
+      <a:lvl6pPr marL="2514600" indent="-228600" algn="l" defTabSz="914400" rtl="0" eaLnBrk="1" latinLnBrk="0" hangingPunct="1">
+        <a:lnSpc>
+          <a:spcPct val="90000"/>
+        </a:lnSpc>
+        <a:spcBef>
+          <a:spcPts val="500"/>
+        </a:spcBef>
+        <a:buFont typeface="Arial" panose="020B0604020202020204" pitchFamily="34" charset="0"/>
+        <a:buChar char="•"/>
+        <a:defRPr sz="1800" kern="1200">
+          <a:solidFill>
+            <a:schemeClr val="tx1"/>
+          </a:solidFill>
+          <a:latin typeface="+mn-lt"/>
+          <a:ea typeface="+mn-ea"/>
+          <a:cs typeface="+mn-cs"/>
+        </a:defRPr>
+      </a:lvl6pPr>
+      <a:lvl7pPr marL="2971800" indent="-228600" algn="l" defTabSz="914400" rtl="0" eaLnBrk="1" latinLnBrk="0" hangingPunct="1">
+        <a:lnSpc>
+          <a:spcPct val="90000"/>
+        </a:lnSpc>
+        <a:spcBef>
+          <a:spcPts val="500"/>
+        </a:spcBef>
+        <a:buFont typeface="Arial" panose="020B0604020202020204" pitchFamily="34" charset="0"/>
+        <a:buChar char="•"/>
+        <a:defRPr sz="1800" kern="1200">
+          <a:solidFill>
+            <a:schemeClr val="tx1"/>
+          </a:solidFill>
+          <a:latin typeface="+mn-lt"/>
+          <a:ea typeface="+mn-ea"/>
+          <a:cs typeface="+mn-cs"/>
+        </a:defRPr>
+      </a:lvl7pPr>
+      <a:lvl8pPr marL="3429000" indent="-228600" algn="l" defTabSz="914400" rtl="0" eaLnBrk="1" latinLnBrk="0" hangingPunct="1">
+        <a:lnSpc>
+          <a:spcPct val="90000"/>
+        </a:lnSpc>
+        <a:spcBef>
+          <a:spcPts val="500"/>
+        </a:spcBef>
+        <a:buFont typeface="Arial" panose="020B0604020202020204" pitchFamily="34" charset="0"/>
+        <a:buChar char="•"/>
+        <a:defRPr sz="1800" kern="1200">
+          <a:solidFill>
+            <a:schemeClr val="tx1"/>
+          </a:solidFill>
+          <a:latin typeface="+mn-lt"/>
+          <a:ea typeface="+mn-ea"/>
+          <a:cs typeface="+mn-cs"/>
+        </a:defRPr>
+      </a:lvl8pPr>
+      <a:lvl9pPr marL="3886200" indent="-228600" algn="l" defTabSz="914400" rtl="0" eaLnBrk="1" latinLnBrk="0" hangingPunct="1">
+        <a:lnSpc>
+          <a:spcPct val="90000"/>
+        </a:lnSpc>
+        <a:spcBef>
+          <a:spcPts val="500"/>
+        </a:spcBef>
+        <a:buFont typeface="Arial" panose="020B0604020202020204" pitchFamily="34" charset="0"/>
+        <a:buChar char="•"/>
+        <a:defRPr sz="1800" kern="1200">
+          <a:solidFill>
+            <a:schemeClr val="tx1"/>
+          </a:solidFill>
+          <a:latin typeface="+mn-lt"/>
+          <a:ea typeface="+mn-ea"/>
+          <a:cs typeface="+mn-cs"/>
+        </a:defRPr>
+      </a:lvl9pPr>
+    </p:bodyStyle>
+    <p:otherStyle>
+      <a:defPPr>
+        <a:defRPr lang="de-DE"/>
+      </a:defPPr>
+      <a:lvl1pPr marL="0" algn="l" defTabSz="914400" rtl="0" eaLnBrk="1" latinLnBrk="0" hangingPunct="1">
+        <a:defRPr sz="1800" kern="1200">
+          <a:solidFill>
+            <a:schemeClr val="tx1"/>
+          </a:solidFill>
+          <a:latin typeface="+mn-lt"/>
+          <a:ea typeface="+mn-ea"/>
+          <a:cs typeface="+mn-cs"/>
+        </a:defRPr>
+      </a:lvl1pPr>
+      <a:lvl2pPr marL="457200" algn="l" defTabSz="914400" rtl="0" eaLnBrk="1" latinLnBrk="0" hangingPunct="1">
+        <a:defRPr sz="1800" kern="1200">
+          <a:solidFill>
+            <a:schemeClr val="tx1"/>
+          </a:solidFill>
+          <a:latin typeface="+mn-lt"/>
+          <a:ea typeface="+mn-ea"/>
+          <a:cs typeface="+mn-cs"/>
+        </a:defRPr>
+      </a:lvl2pPr>
+      <a:lvl3pPr marL="914400" algn="l" defTabSz="914400" rtl="0" eaLnBrk="1" latinLnBrk="0" hangingPunct="1">
+        <a:defRPr sz="1800" kern="1200">
+          <a:solidFill>
+            <a:schemeClr val="tx1"/>
+          </a:solidFill>
+          <a:latin typeface="+mn-lt"/>
+          <a:ea typeface="+mn-ea"/>
+          <a:cs typeface="+mn-cs"/>
+        </a:defRPr>
+      </a:lvl3pPr>
+      <a:lvl4pPr marL="1371600" algn="l" defTabSz="914400" rtl="0" eaLnBrk="1" latinLnBrk="0" hangingPunct="1">
+        <a:defRPr sz="1800" kern="1200">
+          <a:solidFill>
+            <a:schemeClr val="tx1"/>
+          </a:solidFill>
+          <a:latin typeface="+mn-lt"/>
+          <a:ea typeface="+mn-ea"/>
+          <a:cs typeface="+mn-cs"/>
+        </a:defRPr>
+      </a:lvl4pPr>
+      <a:lvl5pPr marL="1828800" algn="l" defTabSz="914400" rtl="0" eaLnBrk="1" latinLnBrk="0" hangingPunct="1">
+        <a:defRPr sz="1800" kern="1200">
+          <a:solidFill>
+            <a:schemeClr val="tx1"/>
+          </a:solidFill>
+          <a:latin typeface="+mn-lt"/>
+          <a:ea typeface="+mn-ea"/>
+          <a:cs typeface="+mn-cs"/>
+        </a:defRPr>
+      </a:lvl5pPr>
+      <a:lvl6pPr marL="2286000" algn="l" defTabSz="914400" rtl="0" eaLnBrk="1" latinLnBrk="0" hangingPunct="1">
+        <a:defRPr sz="1800" kern="1200">
+          <a:solidFill>
+            <a:schemeClr val="tx1"/>
+          </a:solidFill>
+          <a:latin typeface="+mn-lt"/>
+          <a:ea typeface="+mn-ea"/>
+          <a:cs typeface="+mn-cs"/>
+        </a:defRPr>
+      </a:lvl6pPr>
+      <a:lvl7pPr marL="2743200" algn="l" defTabSz="914400" rtl="0" eaLnBrk="1" latinLnBrk="0" hangingPunct="1">
+        <a:defRPr sz="1800" kern="1200">
+          <a:solidFill>
+            <a:schemeClr val="tx1"/>
+          </a:solidFill>
+          <a:latin typeface="+mn-lt"/>
+          <a:ea typeface="+mn-ea"/>
+          <a:cs typeface="+mn-cs"/>
+        </a:defRPr>
+      </a:lvl7pPr>
+      <a:lvl8pPr marL="3200400" algn="l" defTabSz="914400" rtl="0" eaLnBrk="1" latinLnBrk="0" hangingPunct="1">
+        <a:defRPr sz="1800" kern="1200">
+          <a:solidFill>
+            <a:schemeClr val="tx1"/>
+          </a:solidFill>
+          <a:latin typeface="+mn-lt"/>
+          <a:ea typeface="+mn-ea"/>
+          <a:cs typeface="+mn-cs"/>
+        </a:defRPr>
+      </a:lvl8pPr>
+      <a:lvl9pPr marL="3657600" algn="l" defTabSz="914400" rtl="0" eaLnBrk="1" latinLnBrk="0" hangingPunct="1">
+        <a:defRPr sz="1800" kern="1200">
+          <a:solidFill>
+            <a:schemeClr val="tx1"/>
+          </a:solidFill>
+          <a:latin typeface="+mn-lt"/>
+          <a:ea typeface="+mn-ea"/>
+          <a:cs typeface="+mn-cs"/>
+        </a:defRPr>
+      </a:lvl9pPr>
+    </p:otherStyle>
+  </p:txStyles>
 </p:sldMaster>
 </file>
 
 <file path=ppt/slides/slide1.xml><?xml version="1.0" encoding="utf-8"?>
-<p:sld xmlns:a="http://schemas.openxmlformats.org/drawingml/2006/main" xmlns:p="http://schemas.openxmlformats.org/presentationml/2006/main" xmlns:r="http://schemas.openxmlformats.org/officeDocument/2006/relationships" xmlns:p14="http://schemas.microsoft.com/office/powerpoint/2010/main" xmlns:p15="http://schemas.microsoft.com/office/powerpoint/2012/main" xmlns:mc="http://schemas.openxmlformats.org/markup-compatibility/2006">
+<p:sld xmlns:a="http://schemas.openxmlformats.org/drawingml/2006/main" xmlns:r="http://schemas.openxmlformats.org/officeDocument/2006/relationships" xmlns:p="http://schemas.openxmlformats.org/presentationml/2006/main">
   <p:cSld>
     <p:spTree>
       <p:nvGrpSpPr>
@@ -5407,6 +6163,7 @@
         </p:spPr>
         <p:txBody>
           <a:bodyPr anchor="b"/>
+          <a:lstStyle/>
           <a:p>
             <a:pPr algn="r">
               <a:lnSpc>
@@ -5414,15 +6171,15 @@
               </a:lnSpc>
             </a:pPr>
             <a:r>
-              <a:rPr b="0" lang="en-US" sz="6000" spc="-1" strike="noStrike">
+              <a:rPr lang="en-US" sz="6000" b="0" strike="noStrike" spc="-1">
                 <a:solidFill>
-                  <a:srgbClr val="5fcbef"/>
+                  <a:srgbClr val="5FCBEF"/>
                 </a:solidFill>
                 <a:latin typeface="Trebuchet MS"/>
               </a:rPr>
               <a:t>IoT – Praktikum 2018/19</a:t>
             </a:r>
-            <a:endParaRPr b="0" lang="en-US" sz="6000" spc="-1" strike="noStrike">
+            <a:endParaRPr lang="en-US" sz="6000" b="0" strike="noStrike" spc="-1">
               <a:solidFill>
                 <a:srgbClr val="000000"/>
               </a:solidFill>
@@ -5452,6 +6209,7 @@
         </p:spPr>
         <p:txBody>
           <a:bodyPr/>
+          <a:lstStyle/>
           <a:p>
             <a:pPr algn="r">
               <a:lnSpc>
@@ -5462,7 +6220,7 @@
               </a:spcBef>
             </a:pPr>
             <a:r>
-              <a:rPr b="0" lang="en-US" sz="2400" spc="-1" strike="noStrike">
+              <a:rPr lang="en-US" sz="2400" b="0" strike="noStrike" spc="-1">
                 <a:solidFill>
                   <a:srgbClr val="808080"/>
                 </a:solidFill>
@@ -5470,7 +6228,7 @@
               </a:rPr>
               <a:t>Team A:</a:t>
             </a:r>
-            <a:endParaRPr b="0" lang="en-US" sz="2400" spc="-1" strike="noStrike">
+            <a:endParaRPr lang="en-US" sz="2400" b="0" strike="noStrike" spc="-1">
               <a:latin typeface="Arial"/>
             </a:endParaRPr>
           </a:p>
@@ -5484,7 +6242,7 @@
               </a:spcBef>
             </a:pPr>
             <a:r>
-              <a:rPr b="0" lang="en-US" sz="2400" spc="-1" strike="noStrike">
+              <a:rPr lang="en-US" sz="2400" b="0" strike="noStrike" spc="-1">
                 <a:solidFill>
                   <a:srgbClr val="808080"/>
                 </a:solidFill>
@@ -5492,7 +6250,7 @@
               </a:rPr>
               <a:t>AVR-Technologie</a:t>
             </a:r>
-            <a:endParaRPr b="0" lang="en-US" sz="2400" spc="-1" strike="noStrike">
+            <a:endParaRPr lang="en-US" sz="2400" b="0" strike="noStrike" spc="-1">
               <a:latin typeface="Arial"/>
             </a:endParaRPr>
           </a:p>
@@ -5506,7 +6264,7 @@
               </a:spcBef>
             </a:pPr>
             <a:r>
-              <a:rPr b="0" lang="en-US" sz="2400" spc="-1" strike="noStrike">
+              <a:rPr lang="en-US" sz="2400" b="0" strike="noStrike" spc="-1">
                 <a:solidFill>
                   <a:srgbClr val="808080"/>
                 </a:solidFill>
@@ -5514,7 +6272,7 @@
               </a:rPr>
               <a:t>TI CC1101</a:t>
             </a:r>
-            <a:endParaRPr b="0" lang="en-US" sz="2400" spc="-1" strike="noStrike">
+            <a:endParaRPr lang="en-US" sz="2400" b="0" strike="noStrike" spc="-1">
               <a:latin typeface="Arial"/>
             </a:endParaRPr>
           </a:p>
@@ -5522,6 +6280,9 @@
       </p:sp>
     </p:spTree>
   </p:cSld>
+  <p:clrMapOvr>
+    <a:masterClrMapping/>
+  </p:clrMapOvr>
   <p:timing>
     <p:tnLst>
       <p:par>
@@ -5530,14 +6291,14 @@
             <p:seq>
               <p:cTn id="2" dur="indefinite" nodeType="mainSeq"/>
               <p:prevCondLst>
-                <p:cond delay="0" evt="onPrev">
+                <p:cond evt="onPrev" delay="0">
                   <p:tgtEl>
                     <p:sldTgt/>
                   </p:tgtEl>
                 </p:cond>
               </p:prevCondLst>
               <p:nextCondLst>
-                <p:cond delay="0" evt="onNext">
+                <p:cond evt="onNext" delay="0">
                   <p:tgtEl>
                     <p:sldTgt/>
                   </p:tgtEl>
@@ -5553,7 +6314,7 @@
 </file>
 
 <file path=ppt/slides/slide10.xml><?xml version="1.0" encoding="utf-8"?>
-<p:sld xmlns:a="http://schemas.openxmlformats.org/drawingml/2006/main" xmlns:p="http://schemas.openxmlformats.org/presentationml/2006/main" xmlns:r="http://schemas.openxmlformats.org/officeDocument/2006/relationships" xmlns:p14="http://schemas.microsoft.com/office/powerpoint/2010/main" xmlns:p15="http://schemas.microsoft.com/office/powerpoint/2012/main" xmlns:mc="http://schemas.openxmlformats.org/markup-compatibility/2006">
+<p:sld xmlns:a="http://schemas.openxmlformats.org/drawingml/2006/main" xmlns:r="http://schemas.openxmlformats.org/officeDocument/2006/relationships" xmlns:p="http://schemas.openxmlformats.org/presentationml/2006/main">
   <p:cSld>
     <p:spTree>
       <p:nvGrpSpPr>
@@ -5590,6 +6351,7 @@
         </p:spPr>
         <p:txBody>
           <a:bodyPr/>
+          <a:lstStyle/>
           <a:p>
             <a:pPr>
               <a:lnSpc>
@@ -5597,16 +6359,16 @@
               </a:lnSpc>
             </a:pPr>
             <a:r>
-              <a:rPr b="0" lang="en-US" sz="3600" spc="-1" strike="noStrike" u="sng">
+              <a:rPr lang="en-US" sz="3600" b="0" u="sng" strike="noStrike" spc="-1">
                 <a:solidFill>
-                  <a:srgbClr val="5fcbef"/>
+                  <a:srgbClr val="5FCBEF"/>
                 </a:solidFill>
                 <a:uFillTx/>
                 <a:latin typeface="Trebuchet MS"/>
               </a:rPr>
               <a:t>pinMode - Output</a:t>
             </a:r>
-            <a:endParaRPr b="0" lang="en-US" sz="3600" spc="-1" strike="noStrike">
+            <a:endParaRPr lang="en-US" sz="3600" b="0" strike="noStrike" spc="-1">
               <a:solidFill>
                 <a:srgbClr val="000000"/>
               </a:solidFill>
@@ -5636,6 +6398,7 @@
         </p:spPr>
         <p:txBody>
           <a:bodyPr/>
+          <a:lstStyle/>
           <a:p>
             <a:pPr marL="343080" indent="-342720">
               <a:lnSpc>
@@ -5645,14 +6408,14 @@
                 <a:spcPts val="1001"/>
               </a:spcBef>
               <a:buClr>
-                <a:srgbClr val="5fcbef"/>
+                <a:srgbClr val="5FCBEF"/>
               </a:buClr>
               <a:buSzPct val="80000"/>
               <a:buFont typeface="Wingdings 3" charset="2"/>
               <a:buChar char=""/>
             </a:pPr>
             <a:r>
-              <a:rPr b="0" lang="en-US" sz="1800" spc="-1" strike="noStrike">
+              <a:rPr lang="en-US" sz="1800" b="0" strike="noStrike" spc="-1">
                 <a:solidFill>
                   <a:srgbClr val="404040"/>
                 </a:solidFill>
@@ -5660,12 +6423,6 @@
               </a:rPr>
               <a:t>DDRD &amp;= ~(1&lt;&lt;2)​</a:t>
             </a:r>
-            <a:endParaRPr b="0" lang="en-US" sz="1800" spc="-1" strike="noStrike">
-              <a:solidFill>
-                <a:srgbClr val="404040"/>
-              </a:solidFill>
-              <a:latin typeface="Trebuchet MS"/>
-            </a:endParaRPr>
           </a:p>
           <a:p>
             <a:pPr marL="343080" indent="-342720">
@@ -5676,14 +6433,14 @@
                 <a:spcPts val="1001"/>
               </a:spcBef>
               <a:buClr>
-                <a:srgbClr val="5fcbef"/>
+                <a:srgbClr val="5FCBEF"/>
               </a:buClr>
               <a:buSzPct val="80000"/>
               <a:buFont typeface="Wingdings 3" charset="2"/>
               <a:buChar char=""/>
             </a:pPr>
             <a:r>
-              <a:rPr b="0" lang="en-US" sz="1800" spc="-1" strike="noStrike">
+              <a:rPr lang="en-US" sz="1800" b="0" strike="noStrike" spc="-1">
                 <a:solidFill>
                   <a:srgbClr val="404040"/>
                 </a:solidFill>
@@ -5691,12 +6448,6 @@
               </a:rPr>
               <a:t>Wieder: DDRD = 00100101​</a:t>
             </a:r>
-            <a:endParaRPr b="0" lang="en-US" sz="1800" spc="-1" strike="noStrike">
-              <a:solidFill>
-                <a:srgbClr val="404040"/>
-              </a:solidFill>
-              <a:latin typeface="Trebuchet MS"/>
-            </a:endParaRPr>
           </a:p>
           <a:p>
             <a:pPr marL="343080" indent="-342720">
@@ -5707,14 +6458,14 @@
                 <a:spcPts val="1001"/>
               </a:spcBef>
               <a:buClr>
-                <a:srgbClr val="5fcbef"/>
+                <a:srgbClr val="5FCBEF"/>
               </a:buClr>
               <a:buSzPct val="80000"/>
               <a:buFont typeface="Wingdings 3" charset="2"/>
               <a:buChar char=""/>
             </a:pPr>
             <a:r>
-              <a:rPr b="0" lang="en-US" sz="1800" spc="-1" strike="noStrike">
+              <a:rPr lang="en-US" sz="1800" b="0" strike="noStrike" spc="-1">
                 <a:solidFill>
                   <a:srgbClr val="404040"/>
                 </a:solidFill>
@@ -5722,12 +6473,6 @@
               </a:rPr>
               <a:t>Ausführen von DDRD &amp;= ~(1&lt;&lt;2):​</a:t>
             </a:r>
-            <a:endParaRPr b="0" lang="en-US" sz="1800" spc="-1" strike="noStrike">
-              <a:solidFill>
-                <a:srgbClr val="404040"/>
-              </a:solidFill>
-              <a:latin typeface="Trebuchet MS"/>
-            </a:endParaRPr>
           </a:p>
           <a:p>
             <a:pPr marL="343080" indent="-342720">
@@ -5738,14 +6483,14 @@
                 <a:spcPts val="1001"/>
               </a:spcBef>
               <a:buClr>
-                <a:srgbClr val="5fcbef"/>
+                <a:srgbClr val="5FCBEF"/>
               </a:buClr>
               <a:buSzPct val="80000"/>
               <a:buFont typeface="Wingdings 3" charset="2"/>
               <a:buChar char=""/>
             </a:pPr>
             <a:r>
-              <a:rPr b="0" lang="en-US" sz="1800" spc="-1" strike="noStrike">
+              <a:rPr lang="en-US" sz="1800" b="0" strike="noStrike" spc="-1">
                 <a:solidFill>
                   <a:srgbClr val="404040"/>
                 </a:solidFill>
@@ -5753,12 +6498,6 @@
               </a:rPr>
               <a:t>1 = 00000001​ -&gt; (1&lt;&lt;2) = 00000100​</a:t>
             </a:r>
-            <a:endParaRPr b="0" lang="en-US" sz="1800" spc="-1" strike="noStrike">
-              <a:solidFill>
-                <a:srgbClr val="404040"/>
-              </a:solidFill>
-              <a:latin typeface="Trebuchet MS"/>
-            </a:endParaRPr>
           </a:p>
           <a:p>
             <a:pPr marL="343080" indent="-342720">
@@ -5769,14 +6508,14 @@
                 <a:spcPts val="1001"/>
               </a:spcBef>
               <a:buClr>
-                <a:srgbClr val="5fcbef"/>
+                <a:srgbClr val="5FCBEF"/>
               </a:buClr>
               <a:buSzPct val="80000"/>
               <a:buFont typeface="Wingdings 3" charset="2"/>
               <a:buChar char=""/>
             </a:pPr>
             <a:r>
-              <a:rPr b="0" lang="en-US" sz="1800" spc="-1" strike="noStrike">
+              <a:rPr lang="en-US" sz="1800" b="0" strike="noStrike" spc="-1">
                 <a:solidFill>
                   <a:srgbClr val="404040"/>
                 </a:solidFill>
@@ -5784,12 +6523,6 @@
               </a:rPr>
               <a:t>Negieren von (1&lt;&lt;2):​ ~(1&lt;&lt;2) = 11111011​</a:t>
             </a:r>
-            <a:endParaRPr b="0" lang="en-US" sz="1800" spc="-1" strike="noStrike">
-              <a:solidFill>
-                <a:srgbClr val="404040"/>
-              </a:solidFill>
-              <a:latin typeface="Trebuchet MS"/>
-            </a:endParaRPr>
           </a:p>
           <a:p>
             <a:pPr marL="343080" indent="-342720">
@@ -5800,14 +6533,14 @@
                 <a:spcPts val="1001"/>
               </a:spcBef>
               <a:buClr>
-                <a:srgbClr val="5fcbef"/>
+                <a:srgbClr val="5FCBEF"/>
               </a:buClr>
               <a:buSzPct val="80000"/>
               <a:buFont typeface="Wingdings 3" charset="2"/>
               <a:buChar char=""/>
             </a:pPr>
             <a:r>
-              <a:rPr b="0" lang="en-US" sz="1800" spc="-1" strike="noStrike">
+              <a:rPr lang="en-US" sz="1800" b="0" strike="noStrike" spc="-1">
                 <a:solidFill>
                   <a:srgbClr val="404040"/>
                 </a:solidFill>
@@ -5815,12 +6548,6 @@
               </a:rPr>
               <a:t>00100101 &amp; 11111011 = 00100001 //2. Bit nun 0</a:t>
             </a:r>
-            <a:endParaRPr b="0" lang="en-US" sz="1800" spc="-1" strike="noStrike">
-              <a:solidFill>
-                <a:srgbClr val="404040"/>
-              </a:solidFill>
-              <a:latin typeface="Trebuchet MS"/>
-            </a:endParaRPr>
           </a:p>
           <a:p>
             <a:pPr>
@@ -5831,7 +6558,7 @@
                 <a:spcPts val="1001"/>
               </a:spcBef>
             </a:pPr>
-            <a:endParaRPr b="0" lang="en-US" sz="1800" spc="-1" strike="noStrike">
+            <a:endParaRPr lang="en-US" sz="1800" b="0" strike="noStrike" spc="-1">
               <a:solidFill>
                 <a:srgbClr val="404040"/>
               </a:solidFill>
@@ -5842,22 +6569,25 @@
       </p:sp>
     </p:spTree>
   </p:cSld>
+  <p:clrMapOvr>
+    <a:masterClrMapping/>
+  </p:clrMapOvr>
   <p:timing>
     <p:tnLst>
       <p:par>
-        <p:cTn id="19" dur="indefinite" restart="never" nodeType="tmRoot">
+        <p:cTn id="1" dur="indefinite" restart="never" nodeType="tmRoot">
           <p:childTnLst>
             <p:seq>
-              <p:cTn id="20" dur="indefinite" nodeType="mainSeq"/>
+              <p:cTn id="2" dur="indefinite" nodeType="mainSeq"/>
               <p:prevCondLst>
-                <p:cond delay="0" evt="onPrev">
+                <p:cond evt="onPrev" delay="0">
                   <p:tgtEl>
                     <p:sldTgt/>
                   </p:tgtEl>
                 </p:cond>
               </p:prevCondLst>
               <p:nextCondLst>
-                <p:cond delay="0" evt="onNext">
+                <p:cond evt="onNext" delay="0">
                   <p:tgtEl>
                     <p:sldTgt/>
                   </p:tgtEl>
@@ -5873,7 +6603,7 @@
 </file>
 
 <file path=ppt/slides/slide11.xml><?xml version="1.0" encoding="utf-8"?>
-<p:sld xmlns:a="http://schemas.openxmlformats.org/drawingml/2006/main" xmlns:p="http://schemas.openxmlformats.org/presentationml/2006/main" xmlns:r="http://schemas.openxmlformats.org/officeDocument/2006/relationships" xmlns:p14="http://schemas.microsoft.com/office/powerpoint/2010/main" xmlns:p15="http://schemas.microsoft.com/office/powerpoint/2012/main" xmlns:mc="http://schemas.openxmlformats.org/markup-compatibility/2006">
+<p:sld xmlns:a="http://schemas.openxmlformats.org/drawingml/2006/main" xmlns:r="http://schemas.openxmlformats.org/officeDocument/2006/relationships" xmlns:p="http://schemas.openxmlformats.org/presentationml/2006/main">
   <p:cSld>
     <p:spTree>
       <p:nvGrpSpPr>
@@ -5910,6 +6640,7 @@
         </p:spPr>
         <p:txBody>
           <a:bodyPr/>
+          <a:lstStyle/>
           <a:p>
             <a:pPr>
               <a:lnSpc>
@@ -5917,16 +6648,16 @@
               </a:lnSpc>
             </a:pPr>
             <a:r>
-              <a:rPr b="0" lang="en-US" sz="3600" spc="-1" strike="noStrike" u="sng">
+              <a:rPr lang="en-US" sz="3600" b="0" u="sng" strike="noStrike" spc="-1">
                 <a:solidFill>
-                  <a:srgbClr val="5fcbef"/>
+                  <a:srgbClr val="5FCBEF"/>
                 </a:solidFill>
                 <a:uFillTx/>
                 <a:latin typeface="Trebuchet MS"/>
               </a:rPr>
               <a:t>pinMode - Input</a:t>
             </a:r>
-            <a:endParaRPr b="0" lang="en-US" sz="3600" spc="-1" strike="noStrike">
+            <a:endParaRPr lang="en-US" sz="3600" b="0" strike="noStrike" spc="-1">
               <a:solidFill>
                 <a:srgbClr val="000000"/>
               </a:solidFill>
@@ -5956,6 +6687,7 @@
         </p:spPr>
         <p:txBody>
           <a:bodyPr/>
+          <a:lstStyle/>
           <a:p>
             <a:pPr marL="343080" indent="-342720">
               <a:lnSpc>
@@ -5965,14 +6697,14 @@
                 <a:spcPts val="1001"/>
               </a:spcBef>
               <a:buClr>
-                <a:srgbClr val="5fcbef"/>
+                <a:srgbClr val="5FCBEF"/>
               </a:buClr>
               <a:buSzPct val="80000"/>
               <a:buFont typeface="Wingdings 3" charset="2"/>
               <a:buChar char=""/>
             </a:pPr>
             <a:r>
-              <a:rPr b="0" lang="en-US" sz="1800" spc="-1" strike="noStrike">
+              <a:rPr lang="en-US" sz="1800" b="0" strike="noStrike" spc="-1">
                 <a:solidFill>
                   <a:srgbClr val="404040"/>
                 </a:solidFill>
@@ -5980,12 +6712,6 @@
               </a:rPr>
               <a:t>Im Register definieren ​</a:t>
             </a:r>
-            <a:endParaRPr b="0" lang="en-US" sz="1800" spc="-1" strike="noStrike">
-              <a:solidFill>
-                <a:srgbClr val="404040"/>
-              </a:solidFill>
-              <a:latin typeface="Trebuchet MS"/>
-            </a:endParaRPr>
           </a:p>
           <a:p>
             <a:pPr marL="343080" indent="-342720">
@@ -5996,14 +6722,14 @@
                 <a:spcPts val="1001"/>
               </a:spcBef>
               <a:buClr>
-                <a:srgbClr val="5fcbef"/>
+                <a:srgbClr val="5FCBEF"/>
               </a:buClr>
               <a:buSzPct val="80000"/>
               <a:buFont typeface="Wingdings 3" charset="2"/>
               <a:buChar char=""/>
             </a:pPr>
             <a:r>
-              <a:rPr b="0" lang="en-US" sz="1800" spc="-1" strike="noStrike">
+              <a:rPr lang="en-US" sz="1800" b="0" strike="noStrike" spc="-1">
                 <a:solidFill>
                   <a:srgbClr val="404040"/>
                 </a:solidFill>
@@ -6011,12 +6737,6 @@
               </a:rPr>
               <a:t>DDRD |= (1&lt;&lt;4)​</a:t>
             </a:r>
-            <a:endParaRPr b="0" lang="en-US" sz="1800" spc="-1" strike="noStrike">
-              <a:solidFill>
-                <a:srgbClr val="404040"/>
-              </a:solidFill>
-              <a:latin typeface="Trebuchet MS"/>
-            </a:endParaRPr>
           </a:p>
           <a:p>
             <a:pPr marL="343080" indent="-342720">
@@ -6027,14 +6747,14 @@
                 <a:spcPts val="1001"/>
               </a:spcBef>
               <a:buClr>
-                <a:srgbClr val="5fcbef"/>
+                <a:srgbClr val="5FCBEF"/>
               </a:buClr>
               <a:buSzPct val="80000"/>
               <a:buFont typeface="Wingdings 3" charset="2"/>
               <a:buChar char=""/>
             </a:pPr>
             <a:r>
-              <a:rPr b="0" lang="en-US" sz="1800" spc="-1" strike="noStrike">
+              <a:rPr lang="en-US" sz="1800" b="0" strike="noStrike" spc="-1">
                 <a:solidFill>
                   <a:srgbClr val="404040"/>
                 </a:solidFill>
@@ -6042,12 +6762,6 @@
               </a:rPr>
               <a:t>Nehmen wir an: DDRD = 00100101​</a:t>
             </a:r>
-            <a:endParaRPr b="0" lang="en-US" sz="1800" spc="-1" strike="noStrike">
-              <a:solidFill>
-                <a:srgbClr val="404040"/>
-              </a:solidFill>
-              <a:latin typeface="Trebuchet MS"/>
-            </a:endParaRPr>
           </a:p>
           <a:p>
             <a:pPr marL="343080" indent="-342720">
@@ -6058,14 +6772,14 @@
                 <a:spcPts val="1001"/>
               </a:spcBef>
               <a:buClr>
-                <a:srgbClr val="5fcbef"/>
+                <a:srgbClr val="5FCBEF"/>
               </a:buClr>
               <a:buSzPct val="80000"/>
               <a:buFont typeface="Wingdings 3" charset="2"/>
               <a:buChar char=""/>
             </a:pPr>
             <a:r>
-              <a:rPr b="0" lang="en-US" sz="1800" spc="-1" strike="noStrike">
+              <a:rPr lang="en-US" sz="1800" b="0" strike="noStrike" spc="-1">
                 <a:solidFill>
                   <a:srgbClr val="404040"/>
                 </a:solidFill>
@@ -6073,12 +6787,6 @@
               </a:rPr>
               <a:t>ausführen von DDRD |= (1&lt;&lt;4):​</a:t>
             </a:r>
-            <a:endParaRPr b="0" lang="en-US" sz="1800" spc="-1" strike="noStrike">
-              <a:solidFill>
-                <a:srgbClr val="404040"/>
-              </a:solidFill>
-              <a:latin typeface="Trebuchet MS"/>
-            </a:endParaRPr>
           </a:p>
           <a:p>
             <a:pPr marL="343080" indent="-342720">
@@ -6089,14 +6797,14 @@
                 <a:spcPts val="1001"/>
               </a:spcBef>
               <a:buClr>
-                <a:srgbClr val="5fcbef"/>
+                <a:srgbClr val="5FCBEF"/>
               </a:buClr>
               <a:buSzPct val="80000"/>
               <a:buFont typeface="Wingdings 3" charset="2"/>
               <a:buChar char=""/>
             </a:pPr>
             <a:r>
-              <a:rPr b="0" lang="en-US" sz="1800" spc="-1" strike="noStrike">
+              <a:rPr lang="en-US" sz="1800" b="0" strike="noStrike" spc="-1">
                 <a:solidFill>
                   <a:srgbClr val="404040"/>
                 </a:solidFill>
@@ -6104,12 +6812,6 @@
               </a:rPr>
               <a:t>1 = 00000001​ -&gt; (1&lt;&lt;4) = 00010000​</a:t>
             </a:r>
-            <a:endParaRPr b="0" lang="en-US" sz="1800" spc="-1" strike="noStrike">
-              <a:solidFill>
-                <a:srgbClr val="404040"/>
-              </a:solidFill>
-              <a:latin typeface="Trebuchet MS"/>
-            </a:endParaRPr>
           </a:p>
           <a:p>
             <a:pPr marL="343080" indent="-342720">
@@ -6120,14 +6822,14 @@
                 <a:spcPts val="1001"/>
               </a:spcBef>
               <a:buClr>
-                <a:srgbClr val="5fcbef"/>
+                <a:srgbClr val="5FCBEF"/>
               </a:buClr>
               <a:buSzPct val="80000"/>
               <a:buFont typeface="Wingdings 3" charset="2"/>
               <a:buChar char=""/>
             </a:pPr>
             <a:r>
-              <a:rPr b="0" lang="en-US" sz="1800" spc="-1" strike="noStrike">
+              <a:rPr lang="en-US" sz="1800" b="0" strike="noStrike" spc="-1">
                 <a:solidFill>
                   <a:srgbClr val="404040"/>
                 </a:solidFill>
@@ -6135,12 +6837,6 @@
               </a:rPr>
               <a:t>00100101 | 00010000 = 00110101 //4. Bit nun 1</a:t>
             </a:r>
-            <a:endParaRPr b="0" lang="en-US" sz="1800" spc="-1" strike="noStrike">
-              <a:solidFill>
-                <a:srgbClr val="404040"/>
-              </a:solidFill>
-              <a:latin typeface="Trebuchet MS"/>
-            </a:endParaRPr>
           </a:p>
           <a:p>
             <a:pPr>
@@ -6151,7 +6847,7 @@
                 <a:spcPts val="1001"/>
               </a:spcBef>
             </a:pPr>
-            <a:endParaRPr b="0" lang="en-US" sz="1800" spc="-1" strike="noStrike">
+            <a:endParaRPr lang="en-US" sz="1800" b="0" strike="noStrike" spc="-1">
               <a:solidFill>
                 <a:srgbClr val="404040"/>
               </a:solidFill>
@@ -6162,22 +6858,25 @@
       </p:sp>
     </p:spTree>
   </p:cSld>
+  <p:clrMapOvr>
+    <a:masterClrMapping/>
+  </p:clrMapOvr>
   <p:timing>
     <p:tnLst>
       <p:par>
-        <p:cTn id="21" dur="indefinite" restart="never" nodeType="tmRoot">
+        <p:cTn id="1" dur="indefinite" restart="never" nodeType="tmRoot">
           <p:childTnLst>
             <p:seq>
-              <p:cTn id="22" dur="indefinite" nodeType="mainSeq"/>
+              <p:cTn id="2" dur="indefinite" nodeType="mainSeq"/>
               <p:prevCondLst>
-                <p:cond delay="0" evt="onPrev">
+                <p:cond evt="onPrev" delay="0">
                   <p:tgtEl>
                     <p:sldTgt/>
                   </p:tgtEl>
                 </p:cond>
               </p:prevCondLst>
               <p:nextCondLst>
-                <p:cond delay="0" evt="onNext">
+                <p:cond evt="onNext" delay="0">
                   <p:tgtEl>
                     <p:sldTgt/>
                   </p:tgtEl>
@@ -6193,7 +6892,7 @@
 </file>
 
 <file path=ppt/slides/slide12.xml><?xml version="1.0" encoding="utf-8"?>
-<p:sld xmlns:a="http://schemas.openxmlformats.org/drawingml/2006/main" xmlns:p="http://schemas.openxmlformats.org/presentationml/2006/main" xmlns:r="http://schemas.openxmlformats.org/officeDocument/2006/relationships" xmlns:p14="http://schemas.microsoft.com/office/powerpoint/2010/main" xmlns:p15="http://schemas.microsoft.com/office/powerpoint/2012/main" xmlns:mc="http://schemas.openxmlformats.org/markup-compatibility/2006">
+<p:sld xmlns:a="http://schemas.openxmlformats.org/drawingml/2006/main" xmlns:r="http://schemas.openxmlformats.org/officeDocument/2006/relationships" xmlns:p="http://schemas.openxmlformats.org/presentationml/2006/main">
   <p:cSld>
     <p:spTree>
       <p:nvGrpSpPr>
@@ -6230,6 +6929,7 @@
         </p:spPr>
         <p:txBody>
           <a:bodyPr/>
+          <a:lstStyle/>
           <a:p>
             <a:pPr>
               <a:lnSpc>
@@ -6237,16 +6937,16 @@
               </a:lnSpc>
             </a:pPr>
             <a:r>
-              <a:rPr b="0" lang="en-US" sz="3600" spc="-1" strike="noStrike" u="sng">
+              <a:rPr lang="en-US" sz="3600" b="0" u="sng" strike="noStrike" spc="-1">
                 <a:solidFill>
-                  <a:srgbClr val="5fcbef"/>
+                  <a:srgbClr val="5FCBEF"/>
                 </a:solidFill>
                 <a:uFillTx/>
                 <a:latin typeface="Trebuchet MS"/>
               </a:rPr>
               <a:t>digitalWrite</a:t>
             </a:r>
-            <a:endParaRPr b="0" lang="en-US" sz="3600" spc="-1" strike="noStrike">
+            <a:endParaRPr lang="en-US" sz="3600" b="0" strike="noStrike" spc="-1">
               <a:solidFill>
                 <a:srgbClr val="000000"/>
               </a:solidFill>
@@ -6276,6 +6976,7 @@
         </p:spPr>
         <p:txBody>
           <a:bodyPr/>
+          <a:lstStyle/>
           <a:p>
             <a:pPr marL="343080" indent="-342720">
               <a:lnSpc>
@@ -6285,14 +6986,14 @@
                 <a:spcPts val="1001"/>
               </a:spcBef>
               <a:buClr>
-                <a:srgbClr val="5fcbef"/>
+                <a:srgbClr val="5FCBEF"/>
               </a:buClr>
               <a:buSzPct val="80000"/>
               <a:buFont typeface="Wingdings 3" charset="2"/>
               <a:buChar char=""/>
             </a:pPr>
             <a:r>
-              <a:rPr b="0" lang="en-US" sz="1800" spc="-1" strike="noStrike">
+              <a:rPr lang="en-US" sz="1800" b="0" strike="noStrike" spc="-1">
                 <a:solidFill>
                   <a:srgbClr val="404040"/>
                 </a:solidFill>
@@ -6300,12 +7001,6 @@
               </a:rPr>
               <a:t>Ins Port Register eintragen​</a:t>
             </a:r>
-            <a:endParaRPr b="0" lang="en-US" sz="1800" spc="-1" strike="noStrike">
-              <a:solidFill>
-                <a:srgbClr val="404040"/>
-              </a:solidFill>
-              <a:latin typeface="Trebuchet MS"/>
-            </a:endParaRPr>
           </a:p>
           <a:p>
             <a:pPr marL="343080" indent="-342720">
@@ -6316,14 +7011,14 @@
                 <a:spcPts val="1001"/>
               </a:spcBef>
               <a:buClr>
-                <a:srgbClr val="5fcbef"/>
+                <a:srgbClr val="5FCBEF"/>
               </a:buClr>
               <a:buSzPct val="80000"/>
               <a:buFont typeface="Wingdings 3" charset="2"/>
               <a:buChar char=""/>
             </a:pPr>
             <a:r>
-              <a:rPr b="0" lang="en-US" sz="1800" spc="-1" strike="noStrike">
+              <a:rPr lang="en-US" sz="1800" b="0" strike="noStrike" spc="-1">
                 <a:solidFill>
                   <a:srgbClr val="404040"/>
                 </a:solidFill>
@@ -6331,15 +7026,9 @@
               </a:rPr>
               <a:t>HIGH:​</a:t>
             </a:r>
-            <a:endParaRPr b="0" lang="en-US" sz="1800" spc="-1" strike="noStrike">
-              <a:solidFill>
-                <a:srgbClr val="404040"/>
-              </a:solidFill>
-              <a:latin typeface="Trebuchet MS"/>
-            </a:endParaRPr>
-          </a:p>
-          <a:p>
-            <a:pPr lvl="1" marL="743040" indent="-285480">
+          </a:p>
+          <a:p>
+            <a:pPr marL="743040" lvl="1" indent="-285480">
               <a:lnSpc>
                 <a:spcPct val="150000"/>
               </a:lnSpc>
@@ -6347,14 +7036,14 @@
                 <a:spcPts val="1001"/>
               </a:spcBef>
               <a:buClr>
-                <a:srgbClr val="5fcbef"/>
+                <a:srgbClr val="5FCBEF"/>
               </a:buClr>
               <a:buSzPct val="80000"/>
               <a:buFont typeface="Wingdings 3" charset="2"/>
               <a:buChar char=""/>
             </a:pPr>
             <a:r>
-              <a:rPr b="0" lang="en-US" sz="1600" spc="-1" strike="noStrike">
+              <a:rPr lang="en-US" sz="1600" b="0" strike="noStrike" spc="-1">
                 <a:solidFill>
                   <a:srgbClr val="404040"/>
                 </a:solidFill>
@@ -6362,12 +7051,6 @@
               </a:rPr>
               <a:t>PORTD |= (1&lt;&lt;4);​</a:t>
             </a:r>
-            <a:endParaRPr b="0" lang="en-US" sz="1600" spc="-1" strike="noStrike">
-              <a:solidFill>
-                <a:srgbClr val="404040"/>
-              </a:solidFill>
-              <a:latin typeface="Trebuchet MS"/>
-            </a:endParaRPr>
           </a:p>
           <a:p>
             <a:pPr marL="343080" indent="-342720">
@@ -6378,14 +7061,14 @@
                 <a:spcPts val="1001"/>
               </a:spcBef>
               <a:buClr>
-                <a:srgbClr val="5fcbef"/>
+                <a:srgbClr val="5FCBEF"/>
               </a:buClr>
               <a:buSzPct val="80000"/>
               <a:buFont typeface="Wingdings 3" charset="2"/>
               <a:buChar char=""/>
             </a:pPr>
             <a:r>
-              <a:rPr b="0" lang="en-US" sz="1800" spc="-1" strike="noStrike">
+              <a:rPr lang="en-US" sz="1800" b="0" strike="noStrike" spc="-1">
                 <a:solidFill>
                   <a:srgbClr val="404040"/>
                 </a:solidFill>
@@ -6393,15 +7076,9 @@
               </a:rPr>
               <a:t>LOW:​</a:t>
             </a:r>
-            <a:endParaRPr b="0" lang="en-US" sz="1800" spc="-1" strike="noStrike">
-              <a:solidFill>
-                <a:srgbClr val="404040"/>
-              </a:solidFill>
-              <a:latin typeface="Trebuchet MS"/>
-            </a:endParaRPr>
-          </a:p>
-          <a:p>
-            <a:pPr lvl="1" marL="743040" indent="-285480">
+          </a:p>
+          <a:p>
+            <a:pPr marL="743040" lvl="1" indent="-285480">
               <a:lnSpc>
                 <a:spcPct val="150000"/>
               </a:lnSpc>
@@ -6409,14 +7086,14 @@
                 <a:spcPts val="1001"/>
               </a:spcBef>
               <a:buClr>
-                <a:srgbClr val="5fcbef"/>
+                <a:srgbClr val="5FCBEF"/>
               </a:buClr>
               <a:buSzPct val="80000"/>
               <a:buFont typeface="Wingdings 3" charset="2"/>
               <a:buChar char=""/>
             </a:pPr>
             <a:r>
-              <a:rPr b="0" lang="en-US" sz="1600" spc="-1" strike="noStrike">
+              <a:rPr lang="en-US" sz="1600" b="0" strike="noStrike" spc="-1">
                 <a:solidFill>
                   <a:srgbClr val="404040"/>
                 </a:solidFill>
@@ -6424,12 +7101,6 @@
               </a:rPr>
               <a:t>PORTD &amp;= ~(1&lt;&lt;4);​</a:t>
             </a:r>
-            <a:endParaRPr b="0" lang="en-US" sz="1600" spc="-1" strike="noStrike">
-              <a:solidFill>
-                <a:srgbClr val="404040"/>
-              </a:solidFill>
-              <a:latin typeface="Trebuchet MS"/>
-            </a:endParaRPr>
           </a:p>
           <a:p>
             <a:pPr>
@@ -6440,7 +7111,7 @@
                 <a:spcPts val="1001"/>
               </a:spcBef>
             </a:pPr>
-            <a:endParaRPr b="0" lang="en-US" sz="1600" spc="-1" strike="noStrike">
+            <a:endParaRPr lang="en-US" sz="1600" b="0" strike="noStrike" spc="-1">
               <a:solidFill>
                 <a:srgbClr val="404040"/>
               </a:solidFill>
@@ -6451,22 +7122,25 @@
       </p:sp>
     </p:spTree>
   </p:cSld>
+  <p:clrMapOvr>
+    <a:masterClrMapping/>
+  </p:clrMapOvr>
   <p:timing>
     <p:tnLst>
       <p:par>
-        <p:cTn id="23" dur="indefinite" restart="never" nodeType="tmRoot">
+        <p:cTn id="1" dur="indefinite" restart="never" nodeType="tmRoot">
           <p:childTnLst>
             <p:seq>
-              <p:cTn id="24" dur="indefinite" nodeType="mainSeq"/>
+              <p:cTn id="2" dur="indefinite" nodeType="mainSeq"/>
               <p:prevCondLst>
-                <p:cond delay="0" evt="onPrev">
+                <p:cond evt="onPrev" delay="0">
                   <p:tgtEl>
                     <p:sldTgt/>
                   </p:tgtEl>
                 </p:cond>
               </p:prevCondLst>
               <p:nextCondLst>
-                <p:cond delay="0" evt="onNext">
+                <p:cond evt="onNext" delay="0">
                   <p:tgtEl>
                     <p:sldTgt/>
                   </p:tgtEl>
@@ -6482,7 +7156,7 @@
 </file>
 
 <file path=ppt/slides/slide13.xml><?xml version="1.0" encoding="utf-8"?>
-<p:sld xmlns:a="http://schemas.openxmlformats.org/drawingml/2006/main" xmlns:p="http://schemas.openxmlformats.org/presentationml/2006/main" xmlns:r="http://schemas.openxmlformats.org/officeDocument/2006/relationships" xmlns:p14="http://schemas.microsoft.com/office/powerpoint/2010/main" xmlns:p15="http://schemas.microsoft.com/office/powerpoint/2012/main" xmlns:mc="http://schemas.openxmlformats.org/markup-compatibility/2006">
+<p:sld xmlns:a="http://schemas.openxmlformats.org/drawingml/2006/main" xmlns:r="http://schemas.openxmlformats.org/officeDocument/2006/relationships" xmlns:p="http://schemas.openxmlformats.org/presentationml/2006/main">
   <p:cSld>
     <p:spTree>
       <p:nvGrpSpPr>
@@ -6519,6 +7193,7 @@
         </p:spPr>
         <p:txBody>
           <a:bodyPr/>
+          <a:lstStyle/>
           <a:p>
             <a:pPr>
               <a:lnSpc>
@@ -6526,16 +7201,16 @@
               </a:lnSpc>
             </a:pPr>
             <a:r>
-              <a:rPr b="0" lang="en-US" sz="3600" spc="-1" strike="noStrike" u="sng">
+              <a:rPr lang="en-US" sz="3600" b="0" u="sng" strike="noStrike" spc="-1">
                 <a:solidFill>
-                  <a:srgbClr val="5fcbef"/>
+                  <a:srgbClr val="5FCBEF"/>
                 </a:solidFill>
                 <a:uFillTx/>
                 <a:latin typeface="Trebuchet MS"/>
               </a:rPr>
               <a:t>digitalRead</a:t>
             </a:r>
-            <a:endParaRPr b="0" lang="en-US" sz="3600" spc="-1" strike="noStrike">
+            <a:endParaRPr lang="en-US" sz="3600" b="0" strike="noStrike" spc="-1">
               <a:solidFill>
                 <a:srgbClr val="000000"/>
               </a:solidFill>
@@ -6565,6 +7240,7 @@
         </p:spPr>
         <p:txBody>
           <a:bodyPr/>
+          <a:lstStyle/>
           <a:p>
             <a:pPr marL="343080" indent="-342720">
               <a:lnSpc>
@@ -6574,14 +7250,14 @@
                 <a:spcPts val="1001"/>
               </a:spcBef>
               <a:buClr>
-                <a:srgbClr val="5fcbef"/>
+                <a:srgbClr val="5FCBEF"/>
               </a:buClr>
               <a:buSzPct val="80000"/>
               <a:buFont typeface="Wingdings 3" charset="2"/>
               <a:buChar char=""/>
             </a:pPr>
             <a:r>
-              <a:rPr b="0" lang="en-US" sz="1800" spc="-1" strike="noStrike">
+              <a:rPr lang="en-US" sz="1800" b="0" strike="noStrike" spc="-1">
                 <a:solidFill>
                   <a:srgbClr val="404040"/>
                 </a:solidFill>
@@ -6589,12 +7265,6 @@
               </a:rPr>
               <a:t>(PIND &amp; (1&lt;&lt;4)) </a:t>
             </a:r>
-            <a:endParaRPr b="0" lang="en-US" sz="1800" spc="-1" strike="noStrike">
-              <a:solidFill>
-                <a:srgbClr val="404040"/>
-              </a:solidFill>
-              <a:latin typeface="Trebuchet MS"/>
-            </a:endParaRPr>
           </a:p>
           <a:p>
             <a:pPr marL="343080" indent="-342720">
@@ -6605,14 +7275,14 @@
                 <a:spcPts val="1001"/>
               </a:spcBef>
               <a:buClr>
-                <a:srgbClr val="5fcbef"/>
+                <a:srgbClr val="5FCBEF"/>
               </a:buClr>
               <a:buSzPct val="80000"/>
               <a:buFont typeface="Wingdings 3" charset="2"/>
               <a:buChar char=""/>
             </a:pPr>
             <a:r>
-              <a:rPr b="0" lang="en-US" sz="1800" spc="-1" strike="noStrike">
+              <a:rPr lang="en-US" sz="1800" b="0" strike="noStrike" spc="-1">
                 <a:solidFill>
                   <a:srgbClr val="404040"/>
                 </a:solidFill>
@@ -6620,12 +7290,6 @@
               </a:rPr>
               <a:t>Nehmen wir an PortD4 ist High​</a:t>
             </a:r>
-            <a:endParaRPr b="0" lang="en-US" sz="1800" spc="-1" strike="noStrike">
-              <a:solidFill>
-                <a:srgbClr val="404040"/>
-              </a:solidFill>
-              <a:latin typeface="Trebuchet MS"/>
-            </a:endParaRPr>
           </a:p>
           <a:p>
             <a:pPr marL="343080" indent="-342720">
@@ -6636,14 +7300,14 @@
                 <a:spcPts val="1001"/>
               </a:spcBef>
               <a:buClr>
-                <a:srgbClr val="5fcbef"/>
+                <a:srgbClr val="5FCBEF"/>
               </a:buClr>
               <a:buSzPct val="80000"/>
               <a:buFont typeface="Wingdings 3" charset="2"/>
               <a:buChar char=""/>
             </a:pPr>
             <a:r>
-              <a:rPr b="0" lang="en-US" sz="1800" spc="-1" strike="noStrike">
+              <a:rPr lang="en-US" sz="1800" b="0" strike="noStrike" spc="-1">
                 <a:solidFill>
                   <a:srgbClr val="404040"/>
                 </a:solidFill>
@@ -6651,12 +7315,6 @@
               </a:rPr>
               <a:t>z.B. PIND = 10010001​</a:t>
             </a:r>
-            <a:endParaRPr b="0" lang="en-US" sz="1800" spc="-1" strike="noStrike">
-              <a:solidFill>
-                <a:srgbClr val="404040"/>
-              </a:solidFill>
-              <a:latin typeface="Trebuchet MS"/>
-            </a:endParaRPr>
           </a:p>
           <a:p>
             <a:pPr marL="343080" indent="-342720">
@@ -6667,14 +7325,14 @@
                 <a:spcPts val="1001"/>
               </a:spcBef>
               <a:buClr>
-                <a:srgbClr val="5fcbef"/>
+                <a:srgbClr val="5FCBEF"/>
               </a:buClr>
               <a:buSzPct val="80000"/>
               <a:buFont typeface="Wingdings 3" charset="2"/>
               <a:buChar char=""/>
             </a:pPr>
             <a:r>
-              <a:rPr b="0" lang="en-US" sz="1800" spc="-1" strike="noStrike">
+              <a:rPr lang="en-US" sz="1800" b="0" strike="noStrike" spc="-1">
                 <a:solidFill>
                   <a:srgbClr val="404040"/>
                 </a:solidFill>
@@ -6682,12 +7340,6 @@
               </a:rPr>
               <a:t>1 = 00000001​ -&gt; (1&lt;&lt;4) = 00010000​</a:t>
             </a:r>
-            <a:endParaRPr b="0" lang="en-US" sz="1800" spc="-1" strike="noStrike">
-              <a:solidFill>
-                <a:srgbClr val="404040"/>
-              </a:solidFill>
-              <a:latin typeface="Trebuchet MS"/>
-            </a:endParaRPr>
           </a:p>
           <a:p>
             <a:pPr marL="343080" indent="-342720">
@@ -6698,14 +7350,14 @@
                 <a:spcPts val="1001"/>
               </a:spcBef>
               <a:buClr>
-                <a:srgbClr val="5fcbef"/>
+                <a:srgbClr val="5FCBEF"/>
               </a:buClr>
               <a:buSzPct val="80000"/>
               <a:buFont typeface="Wingdings 3" charset="2"/>
               <a:buChar char=""/>
             </a:pPr>
             <a:r>
-              <a:rPr b="0" lang="en-US" sz="1800" spc="-1" strike="noStrike">
+              <a:rPr lang="en-US" sz="1800" b="0" strike="noStrike" spc="-1">
                 <a:solidFill>
                   <a:srgbClr val="404040"/>
                 </a:solidFill>
@@ -6713,12 +7365,6 @@
               </a:rPr>
               <a:t>10010001 &amp; 00010000 = 00010000 //Das Ergebnis ist 16​</a:t>
             </a:r>
-            <a:endParaRPr b="0" lang="en-US" sz="1800" spc="-1" strike="noStrike">
-              <a:solidFill>
-                <a:srgbClr val="404040"/>
-              </a:solidFill>
-              <a:latin typeface="Trebuchet MS"/>
-            </a:endParaRPr>
           </a:p>
           <a:p>
             <a:pPr marL="343080" indent="-342720">
@@ -6729,14 +7375,14 @@
                 <a:spcPts val="1001"/>
               </a:spcBef>
               <a:buClr>
-                <a:srgbClr val="5fcbef"/>
+                <a:srgbClr val="5FCBEF"/>
               </a:buClr>
               <a:buSzPct val="80000"/>
               <a:buFont typeface="Wingdings 3" charset="2"/>
               <a:buChar char=""/>
             </a:pPr>
             <a:r>
-              <a:rPr b="0" lang="en-US" sz="1800" spc="-1" strike="noStrike">
+              <a:rPr lang="en-US" sz="1800" b="0" strike="noStrike" spc="-1">
                 <a:solidFill>
                   <a:srgbClr val="404040"/>
                 </a:solidFill>
@@ -6744,12 +7390,6 @@
               </a:rPr>
               <a:t>Da 16 &gt; 0 erhalten wir true​</a:t>
             </a:r>
-            <a:endParaRPr b="0" lang="en-US" sz="1800" spc="-1" strike="noStrike">
-              <a:solidFill>
-                <a:srgbClr val="404040"/>
-              </a:solidFill>
-              <a:latin typeface="Trebuchet MS"/>
-            </a:endParaRPr>
           </a:p>
           <a:p>
             <a:pPr marL="343080" indent="-342720">
@@ -6760,14 +7400,14 @@
                 <a:spcPts val="1001"/>
               </a:spcBef>
               <a:buClr>
-                <a:srgbClr val="5fcbef"/>
+                <a:srgbClr val="5FCBEF"/>
               </a:buClr>
               <a:buSzPct val="80000"/>
               <a:buFont typeface="Wingdings 3" charset="2"/>
               <a:buChar char=""/>
             </a:pPr>
             <a:r>
-              <a:rPr b="0" lang="en-US" sz="1800" spc="-1" strike="noStrike">
+              <a:rPr lang="en-US" sz="1800" b="0" strike="noStrike" spc="-1">
                 <a:solidFill>
                   <a:srgbClr val="404040"/>
                 </a:solidFill>
@@ -6775,12 +7415,6 @@
               </a:rPr>
               <a:t>Wenn das Ergebnis 0 ist dann ist der Port LOW</a:t>
             </a:r>
-            <a:endParaRPr b="0" lang="en-US" sz="1800" spc="-1" strike="noStrike">
-              <a:solidFill>
-                <a:srgbClr val="404040"/>
-              </a:solidFill>
-              <a:latin typeface="Trebuchet MS"/>
-            </a:endParaRPr>
           </a:p>
           <a:p>
             <a:pPr>
@@ -6791,7 +7425,7 @@
                 <a:spcPts val="1001"/>
               </a:spcBef>
             </a:pPr>
-            <a:endParaRPr b="0" lang="en-US" sz="1800" spc="-1" strike="noStrike">
+            <a:endParaRPr lang="en-US" sz="1800" b="0" strike="noStrike" spc="-1">
               <a:solidFill>
                 <a:srgbClr val="404040"/>
               </a:solidFill>
@@ -6802,22 +7436,25 @@
       </p:sp>
     </p:spTree>
   </p:cSld>
+  <p:clrMapOvr>
+    <a:masterClrMapping/>
+  </p:clrMapOvr>
   <p:timing>
     <p:tnLst>
       <p:par>
-        <p:cTn id="25" dur="indefinite" restart="never" nodeType="tmRoot">
+        <p:cTn id="1" dur="indefinite" restart="never" nodeType="tmRoot">
           <p:childTnLst>
             <p:seq>
-              <p:cTn id="26" dur="indefinite" nodeType="mainSeq"/>
+              <p:cTn id="2" dur="indefinite" nodeType="mainSeq"/>
               <p:prevCondLst>
-                <p:cond delay="0" evt="onPrev">
+                <p:cond evt="onPrev" delay="0">
                   <p:tgtEl>
                     <p:sldTgt/>
                   </p:tgtEl>
                 </p:cond>
               </p:prevCondLst>
               <p:nextCondLst>
-                <p:cond delay="0" evt="onNext">
+                <p:cond evt="onNext" delay="0">
                   <p:tgtEl>
                     <p:sldTgt/>
                   </p:tgtEl>
@@ -6833,7 +7470,7 @@
 </file>
 
 <file path=ppt/slides/slide14.xml><?xml version="1.0" encoding="utf-8"?>
-<p:sld xmlns:a="http://schemas.openxmlformats.org/drawingml/2006/main" xmlns:p="http://schemas.openxmlformats.org/presentationml/2006/main" xmlns:r="http://schemas.openxmlformats.org/officeDocument/2006/relationships" xmlns:p14="http://schemas.microsoft.com/office/powerpoint/2010/main" xmlns:p15="http://schemas.microsoft.com/office/powerpoint/2012/main" xmlns:mc="http://schemas.openxmlformats.org/markup-compatibility/2006">
+<p:sld xmlns:a="http://schemas.openxmlformats.org/drawingml/2006/main" xmlns:r="http://schemas.openxmlformats.org/officeDocument/2006/relationships" xmlns:p="http://schemas.openxmlformats.org/presentationml/2006/main">
   <p:cSld>
     <p:spTree>
       <p:nvGrpSpPr>
@@ -6870,6 +7507,7 @@
         </p:spPr>
         <p:txBody>
           <a:bodyPr/>
+          <a:lstStyle/>
           <a:p>
             <a:pPr>
               <a:lnSpc>
@@ -6877,15 +7515,15 @@
               </a:lnSpc>
             </a:pPr>
             <a:r>
-              <a:rPr b="0" lang="en-US" sz="3600" spc="-1" strike="noStrike">
+              <a:rPr lang="en-US" sz="3600" b="0" strike="noStrike" spc="-1">
                 <a:solidFill>
-                  <a:srgbClr val="5fcbef"/>
+                  <a:srgbClr val="5FCBEF"/>
                 </a:solidFill>
                 <a:latin typeface="Trebuchet MS"/>
               </a:rPr>
               <a:t>Fehlerbehebung:</a:t>
             </a:r>
-            <a:endParaRPr b="0" lang="en-US" sz="3600" spc="-1" strike="noStrike">
+            <a:endParaRPr lang="en-US" sz="3600" b="0" strike="noStrike" spc="-1">
               <a:solidFill>
                 <a:srgbClr val="000000"/>
               </a:solidFill>
@@ -6915,6 +7553,7 @@
         </p:spPr>
         <p:txBody>
           <a:bodyPr/>
+          <a:lstStyle/>
           <a:p>
             <a:pPr marL="343080" indent="-342720">
               <a:lnSpc>
@@ -6924,22 +7563,13 @@
                 <a:spcPts val="1001"/>
               </a:spcBef>
               <a:buClr>
-                <a:srgbClr val="5fcbef"/>
+                <a:srgbClr val="5FCBEF"/>
               </a:buClr>
               <a:buSzPct val="80000"/>
               <a:buFont typeface="Wingdings 3" charset="2"/>
               <a:buChar char=""/>
             </a:pPr>
-            <a:r>
-              <a:rPr b="0" lang="en-US" sz="1800" spc="-1" strike="noStrike">
-                <a:solidFill>
-                  <a:srgbClr val="404040"/>
-                </a:solidFill>
-                <a:latin typeface="Trebuchet MS"/>
-              </a:rPr>
-              <a:t>Byte code, weiße Kästchen, mit Temperatur F_CPU -&gt;UL </a:t>
-            </a:r>
-            <a:endParaRPr b="0" lang="en-US" sz="1800" spc="-1" strike="noStrike">
+            <a:endParaRPr lang="en-US" sz="1800" b="0" strike="noStrike" spc="-1" dirty="0">
               <a:solidFill>
                 <a:srgbClr val="404040"/>
               </a:solidFill>
@@ -6948,24 +7578,256 @@
           </a:p>
         </p:txBody>
       </p:sp>
+      <p:pic>
+        <p:nvPicPr>
+          <p:cNvPr id="3" name="Grafik 2">
+            <a:extLst>
+              <a:ext uri="{FF2B5EF4-FFF2-40B4-BE49-F238E27FC236}">
+                <a16:creationId xmlns:a16="http://schemas.microsoft.com/office/drawing/2014/main" id="{F6951FA6-DC9D-4779-B19C-784CD38CE9EA}"/>
+              </a:ext>
+            </a:extLst>
+          </p:cNvPr>
+          <p:cNvPicPr>
+            <a:picLocks noChangeAspect="1"/>
+          </p:cNvPicPr>
+          <p:nvPr/>
+        </p:nvPicPr>
+        <p:blipFill rotWithShape="1">
+          <a:blip r:embed="rId2">
+            <a:extLst>
+              <a:ext uri="{28A0092B-C50C-407E-A947-70E740481C1C}">
+                <a14:useLocalDpi xmlns:a14="http://schemas.microsoft.com/office/drawing/2010/main" val="0"/>
+              </a:ext>
+            </a:extLst>
+          </a:blip>
+          <a:srcRect t="3012" b="4578"/>
+          <a:stretch/>
+        </p:blipFill>
+        <p:spPr>
+          <a:xfrm>
+            <a:off x="4836883" y="808757"/>
+            <a:ext cx="2905530" cy="1320480"/>
+          </a:xfrm>
+          <a:prstGeom prst="rect">
+            <a:avLst/>
+          </a:prstGeom>
+        </p:spPr>
+      </p:pic>
+      <p:pic>
+        <p:nvPicPr>
+          <p:cNvPr id="5" name="Grafik 4">
+            <a:extLst>
+              <a:ext uri="{FF2B5EF4-FFF2-40B4-BE49-F238E27FC236}">
+                <a16:creationId xmlns:a16="http://schemas.microsoft.com/office/drawing/2014/main" id="{329BEF07-3FF9-431E-A766-4B9724685509}"/>
+              </a:ext>
+            </a:extLst>
+          </p:cNvPr>
+          <p:cNvPicPr>
+            <a:picLocks noChangeAspect="1"/>
+          </p:cNvPicPr>
+          <p:nvPr/>
+        </p:nvPicPr>
+        <p:blipFill>
+          <a:blip r:embed="rId3">
+            <a:extLst>
+              <a:ext uri="{28A0092B-C50C-407E-A947-70E740481C1C}">
+                <a14:useLocalDpi xmlns:a14="http://schemas.microsoft.com/office/drawing/2010/main" val="0"/>
+              </a:ext>
+            </a:extLst>
+          </a:blip>
+          <a:stretch>
+            <a:fillRect/>
+          </a:stretch>
+        </p:blipFill>
+        <p:spPr>
+          <a:xfrm>
+            <a:off x="687995" y="2391480"/>
+            <a:ext cx="3029373" cy="1114581"/>
+          </a:xfrm>
+          <a:prstGeom prst="rect">
+            <a:avLst/>
+          </a:prstGeom>
+        </p:spPr>
+      </p:pic>
+      <p:pic>
+        <p:nvPicPr>
+          <p:cNvPr id="7" name="Grafik 6">
+            <a:extLst>
+              <a:ext uri="{FF2B5EF4-FFF2-40B4-BE49-F238E27FC236}">
+                <a16:creationId xmlns:a16="http://schemas.microsoft.com/office/drawing/2014/main" id="{1BF5DD0C-341C-42A5-90E0-AD49753284A7}"/>
+              </a:ext>
+            </a:extLst>
+          </p:cNvPr>
+          <p:cNvPicPr>
+            <a:picLocks noChangeAspect="1"/>
+          </p:cNvPicPr>
+          <p:nvPr/>
+        </p:nvPicPr>
+        <p:blipFill>
+          <a:blip r:embed="rId4">
+            <a:extLst>
+              <a:ext uri="{28A0092B-C50C-407E-A947-70E740481C1C}">
+                <a14:useLocalDpi xmlns:a14="http://schemas.microsoft.com/office/drawing/2010/main" val="0"/>
+              </a:ext>
+            </a:extLst>
+          </a:blip>
+          <a:stretch>
+            <a:fillRect/>
+          </a:stretch>
+        </p:blipFill>
+        <p:spPr>
+          <a:xfrm>
+            <a:off x="4817830" y="2391480"/>
+            <a:ext cx="2924583" cy="1152686"/>
+          </a:xfrm>
+          <a:prstGeom prst="rect">
+            <a:avLst/>
+          </a:prstGeom>
+        </p:spPr>
+      </p:pic>
+      <p:pic>
+        <p:nvPicPr>
+          <p:cNvPr id="9" name="Grafik 8">
+            <a:extLst>
+              <a:ext uri="{FF2B5EF4-FFF2-40B4-BE49-F238E27FC236}">
+                <a16:creationId xmlns:a16="http://schemas.microsoft.com/office/drawing/2014/main" id="{6DB7C53E-EBD1-464C-B5A6-115C6A532A98}"/>
+              </a:ext>
+            </a:extLst>
+          </p:cNvPr>
+          <p:cNvPicPr>
+            <a:picLocks noChangeAspect="1"/>
+          </p:cNvPicPr>
+          <p:nvPr/>
+        </p:nvPicPr>
+        <p:blipFill rotWithShape="1">
+          <a:blip r:embed="rId5">
+            <a:extLst>
+              <a:ext uri="{28A0092B-C50C-407E-A947-70E740481C1C}">
+                <a14:useLocalDpi xmlns:a14="http://schemas.microsoft.com/office/drawing/2010/main" val="0"/>
+              </a:ext>
+            </a:extLst>
+          </a:blip>
+          <a:srcRect r="65126" b="37667"/>
+          <a:stretch/>
+        </p:blipFill>
+        <p:spPr>
+          <a:xfrm>
+            <a:off x="677160" y="3506061"/>
+            <a:ext cx="3252485" cy="2606798"/>
+          </a:xfrm>
+          <a:prstGeom prst="rect">
+            <a:avLst/>
+          </a:prstGeom>
+        </p:spPr>
+      </p:pic>
+      <p:pic>
+        <p:nvPicPr>
+          <p:cNvPr id="11" name="Grafik 10">
+            <a:extLst>
+              <a:ext uri="{FF2B5EF4-FFF2-40B4-BE49-F238E27FC236}">
+                <a16:creationId xmlns:a16="http://schemas.microsoft.com/office/drawing/2014/main" id="{FFB291F3-83E8-464B-B307-3EA954BBA33D}"/>
+              </a:ext>
+            </a:extLst>
+          </p:cNvPr>
+          <p:cNvPicPr>
+            <a:picLocks noChangeAspect="1"/>
+          </p:cNvPicPr>
+          <p:nvPr/>
+        </p:nvPicPr>
+        <p:blipFill rotWithShape="1">
+          <a:blip r:embed="rId6">
+            <a:extLst>
+              <a:ext uri="{28A0092B-C50C-407E-A947-70E740481C1C}">
+                <a14:useLocalDpi xmlns:a14="http://schemas.microsoft.com/office/drawing/2010/main" val="0"/>
+              </a:ext>
+            </a:extLst>
+          </a:blip>
+          <a:srcRect r="18515" b="20221"/>
+          <a:stretch/>
+        </p:blipFill>
+        <p:spPr>
+          <a:xfrm>
+            <a:off x="4653878" y="3544166"/>
+            <a:ext cx="3252485" cy="2606799"/>
+          </a:xfrm>
+          <a:prstGeom prst="rect">
+            <a:avLst/>
+          </a:prstGeom>
+        </p:spPr>
+      </p:pic>
+      <p:sp>
+        <p:nvSpPr>
+          <p:cNvPr id="12" name="Ellipse 11">
+            <a:extLst>
+              <a:ext uri="{FF2B5EF4-FFF2-40B4-BE49-F238E27FC236}">
+                <a16:creationId xmlns:a16="http://schemas.microsoft.com/office/drawing/2014/main" id="{4AE9E547-7D19-427C-843C-BB67E16483DF}"/>
+              </a:ext>
+            </a:extLst>
+          </p:cNvPr>
+          <p:cNvSpPr/>
+          <p:nvPr/>
+        </p:nvSpPr>
+        <p:spPr>
+          <a:xfrm>
+            <a:off x="4761722" y="1792265"/>
+            <a:ext cx="2668555" cy="306874"/>
+          </a:xfrm>
+          <a:prstGeom prst="ellipse">
+            <a:avLst/>
+          </a:prstGeom>
+          <a:noFill/>
+          <a:ln>
+            <a:solidFill>
+              <a:srgbClr val="FF0000"/>
+            </a:solidFill>
+          </a:ln>
+        </p:spPr>
+        <p:style>
+          <a:lnRef idx="2">
+            <a:schemeClr val="accent1">
+              <a:shade val="50000"/>
+            </a:schemeClr>
+          </a:lnRef>
+          <a:fillRef idx="1">
+            <a:schemeClr val="accent1"/>
+          </a:fillRef>
+          <a:effectRef idx="0">
+            <a:schemeClr val="accent1"/>
+          </a:effectRef>
+          <a:fontRef idx="minor">
+            <a:schemeClr val="lt1"/>
+          </a:fontRef>
+        </p:style>
+        <p:txBody>
+          <a:bodyPr rtlCol="0" anchor="ctr"/>
+          <a:lstStyle/>
+          <a:p>
+            <a:pPr algn="ctr"/>
+            <a:endParaRPr lang="de-DE"/>
+          </a:p>
+        </p:txBody>
+      </p:sp>
     </p:spTree>
   </p:cSld>
+  <p:clrMapOvr>
+    <a:masterClrMapping/>
+  </p:clrMapOvr>
   <p:timing>
     <p:tnLst>
       <p:par>
-        <p:cTn id="27" dur="indefinite" restart="never" nodeType="tmRoot">
+        <p:cTn id="1" dur="indefinite" restart="never" nodeType="tmRoot">
           <p:childTnLst>
             <p:seq>
-              <p:cTn id="28" dur="indefinite" nodeType="mainSeq"/>
+              <p:cTn id="2" dur="indefinite" nodeType="mainSeq"/>
               <p:prevCondLst>
-                <p:cond delay="0" evt="onPrev">
+                <p:cond evt="onPrev" delay="0">
                   <p:tgtEl>
                     <p:sldTgt/>
                   </p:tgtEl>
                 </p:cond>
               </p:prevCondLst>
               <p:nextCondLst>
-                <p:cond delay="0" evt="onNext">
+                <p:cond evt="onNext" delay="0">
                   <p:tgtEl>
                     <p:sldTgt/>
                   </p:tgtEl>
@@ -6981,7 +7843,7 @@
 </file>
 
 <file path=ppt/slides/slide15.xml><?xml version="1.0" encoding="utf-8"?>
-<p:sld xmlns:a="http://schemas.openxmlformats.org/drawingml/2006/main" xmlns:p="http://schemas.openxmlformats.org/presentationml/2006/main" xmlns:r="http://schemas.openxmlformats.org/officeDocument/2006/relationships" xmlns:p14="http://schemas.microsoft.com/office/powerpoint/2010/main" xmlns:p15="http://schemas.microsoft.com/office/powerpoint/2012/main" xmlns:mc="http://schemas.openxmlformats.org/markup-compatibility/2006">
+<p:sld xmlns:a="http://schemas.openxmlformats.org/drawingml/2006/main" xmlns:r="http://schemas.openxmlformats.org/officeDocument/2006/relationships" xmlns:p="http://schemas.openxmlformats.org/presentationml/2006/main">
   <p:cSld>
     <p:spTree>
       <p:nvGrpSpPr>
@@ -7018,6 +7880,7 @@
         </p:spPr>
         <p:txBody>
           <a:bodyPr/>
+          <a:lstStyle/>
           <a:p>
             <a:pPr>
               <a:lnSpc>
@@ -7025,16 +7888,16 @@
               </a:lnSpc>
             </a:pPr>
             <a:r>
-              <a:rPr b="0" lang="en-US" sz="3600" spc="-1" strike="noStrike" u="sng">
+              <a:rPr lang="en-US" sz="3600" b="0" u="sng" strike="noStrike" spc="-1">
                 <a:solidFill>
-                  <a:srgbClr val="5fcbef"/>
+                  <a:srgbClr val="5FCBEF"/>
                 </a:solidFill>
                 <a:uFillTx/>
                 <a:latin typeface="Trebuchet MS"/>
               </a:rPr>
               <a:t>Temperatur- und Luftfeuchtigkeitssensor</a:t>
             </a:r>
-            <a:endParaRPr b="0" lang="en-US" sz="3600" spc="-1" strike="noStrike">
+            <a:endParaRPr lang="en-US" sz="3600" b="0" strike="noStrike" spc="-1">
               <a:solidFill>
                 <a:srgbClr val="000000"/>
               </a:solidFill>
@@ -7064,6 +7927,7 @@
         </p:spPr>
         <p:txBody>
           <a:bodyPr/>
+          <a:lstStyle/>
           <a:p>
             <a:pPr marL="343080" indent="-342720">
               <a:lnSpc>
@@ -7073,14 +7937,14 @@
                 <a:spcPts val="1001"/>
               </a:spcBef>
               <a:buClr>
-                <a:srgbClr val="5fcbef"/>
+                <a:srgbClr val="5FCBEF"/>
               </a:buClr>
               <a:buSzPct val="80000"/>
               <a:buFont typeface="Wingdings 3" charset="2"/>
               <a:buChar char=""/>
             </a:pPr>
             <a:r>
-              <a:rPr b="0" lang="en-US" sz="1800" spc="-1" strike="noStrike">
+              <a:rPr lang="en-US" sz="1800" b="0" strike="noStrike" spc="-1">
                 <a:solidFill>
                   <a:srgbClr val="404040"/>
                 </a:solidFill>
@@ -7088,12 +7952,6 @@
               </a:rPr>
               <a:t>3,3 – 5,5 Volt Versorgung</a:t>
             </a:r>
-            <a:endParaRPr b="0" lang="en-US" sz="1800" spc="-1" strike="noStrike">
-              <a:solidFill>
-                <a:srgbClr val="404040"/>
-              </a:solidFill>
-              <a:latin typeface="Trebuchet MS"/>
-            </a:endParaRPr>
           </a:p>
           <a:p>
             <a:pPr marL="343080" indent="-342720">
@@ -7104,14 +7962,14 @@
                 <a:spcPts val="1001"/>
               </a:spcBef>
               <a:buClr>
-                <a:srgbClr val="5fcbef"/>
+                <a:srgbClr val="5FCBEF"/>
               </a:buClr>
               <a:buSzPct val="80000"/>
               <a:buFont typeface="Wingdings 3" charset="2"/>
               <a:buChar char=""/>
             </a:pPr>
             <a:r>
-              <a:rPr b="0" lang="en-US" sz="1800" spc="-1" strike="noStrike">
+              <a:rPr lang="en-US" sz="1800" b="0" strike="noStrike" spc="-1">
                 <a:solidFill>
                   <a:srgbClr val="404040"/>
                 </a:solidFill>
@@ -7119,12 +7977,6 @@
               </a:rPr>
               <a:t>Serial Interface(Single-Wire Two-Way)</a:t>
             </a:r>
-            <a:endParaRPr b="0" lang="en-US" sz="1800" spc="-1" strike="noStrike">
-              <a:solidFill>
-                <a:srgbClr val="404040"/>
-              </a:solidFill>
-              <a:latin typeface="Trebuchet MS"/>
-            </a:endParaRPr>
           </a:p>
           <a:p>
             <a:pPr marL="343080" indent="-342720">
@@ -7135,14 +7987,14 @@
                 <a:spcPts val="1001"/>
               </a:spcBef>
               <a:buClr>
-                <a:srgbClr val="5fcbef"/>
+                <a:srgbClr val="5FCBEF"/>
               </a:buClr>
               <a:buSzPct val="80000"/>
               <a:buFont typeface="Wingdings 3" charset="2"/>
               <a:buChar char=""/>
             </a:pPr>
             <a:r>
-              <a:rPr b="0" lang="en-US" sz="1800" spc="-1" strike="noStrike">
+              <a:rPr lang="en-US" sz="1800" b="0" strike="noStrike" spc="-1">
                 <a:solidFill>
                   <a:srgbClr val="404040"/>
                 </a:solidFill>
@@ -7150,12 +8002,6 @@
               </a:rPr>
               <a:t>Kommunikationsprozess: ~4 ms</a:t>
             </a:r>
-            <a:endParaRPr b="0" lang="en-US" sz="1800" spc="-1" strike="noStrike">
-              <a:solidFill>
-                <a:srgbClr val="404040"/>
-              </a:solidFill>
-              <a:latin typeface="Trebuchet MS"/>
-            </a:endParaRPr>
           </a:p>
           <a:p>
             <a:pPr marL="343080" indent="-342720">
@@ -7166,14 +8012,14 @@
                 <a:spcPts val="1001"/>
               </a:spcBef>
               <a:buClr>
-                <a:srgbClr val="5fcbef"/>
+                <a:srgbClr val="5FCBEF"/>
               </a:buClr>
               <a:buSzPct val="80000"/>
               <a:buFont typeface="Wingdings 3" charset="2"/>
               <a:buChar char=""/>
             </a:pPr>
             <a:r>
-              <a:rPr b="0" lang="en-US" sz="1800" spc="-1" strike="noStrike">
+              <a:rPr lang="en-US" sz="1800" b="0" strike="noStrike" spc="-1">
                 <a:solidFill>
                   <a:srgbClr val="404040"/>
                 </a:solidFill>
@@ -7181,12 +8027,6 @@
               </a:rPr>
               <a:t>40bits Daten</a:t>
             </a:r>
-            <a:endParaRPr b="0" lang="en-US" sz="1800" spc="-1" strike="noStrike">
-              <a:solidFill>
-                <a:srgbClr val="404040"/>
-              </a:solidFill>
-              <a:latin typeface="Trebuchet MS"/>
-            </a:endParaRPr>
           </a:p>
           <a:p>
             <a:pPr>
@@ -7197,7 +8037,7 @@
                 <a:spcPts val="1001"/>
               </a:spcBef>
             </a:pPr>
-            <a:endParaRPr b="0" lang="en-US" sz="1800" spc="-1" strike="noStrike">
+            <a:endParaRPr lang="en-US" sz="1800" b="0" strike="noStrike" spc="-1">
               <a:solidFill>
                 <a:srgbClr val="404040"/>
               </a:solidFill>
@@ -7213,7 +8053,7 @@
                 <a:spcPts val="1001"/>
               </a:spcBef>
             </a:pPr>
-            <a:endParaRPr b="0" lang="en-US" sz="1800" spc="-1" strike="noStrike">
+            <a:endParaRPr lang="en-US" sz="1800" b="0" strike="noStrike" spc="-1">
               <a:solidFill>
                 <a:srgbClr val="404040"/>
               </a:solidFill>
@@ -7224,12 +8064,12 @@
       </p:sp>
       <p:pic>
         <p:nvPicPr>
-          <p:cNvPr id="152" name="Grafik 4" descr=""/>
+          <p:cNvPr id="152" name="Grafik 4"/>
           <p:cNvPicPr/>
           <p:nvPr/>
         </p:nvPicPr>
         <p:blipFill>
-          <a:blip r:embed="rId1"/>
+          <a:blip r:embed="rId2"/>
           <a:stretch/>
         </p:blipFill>
         <p:spPr>
@@ -7247,22 +8087,25 @@
       </p:pic>
     </p:spTree>
   </p:cSld>
+  <p:clrMapOvr>
+    <a:masterClrMapping/>
+  </p:clrMapOvr>
   <p:timing>
     <p:tnLst>
       <p:par>
-        <p:cTn id="29" dur="indefinite" restart="never" nodeType="tmRoot">
+        <p:cTn id="1" dur="indefinite" restart="never" nodeType="tmRoot">
           <p:childTnLst>
             <p:seq>
-              <p:cTn id="30" dur="indefinite" nodeType="mainSeq"/>
+              <p:cTn id="2" dur="indefinite" nodeType="mainSeq"/>
               <p:prevCondLst>
-                <p:cond delay="0" evt="onPrev">
+                <p:cond evt="onPrev" delay="0">
                   <p:tgtEl>
                     <p:sldTgt/>
                   </p:tgtEl>
                 </p:cond>
               </p:prevCondLst>
               <p:nextCondLst>
-                <p:cond delay="0" evt="onNext">
+                <p:cond evt="onNext" delay="0">
                   <p:tgtEl>
                     <p:sldTgt/>
                   </p:tgtEl>
@@ -7278,7 +8121,7 @@
 </file>
 
 <file path=ppt/slides/slide16.xml><?xml version="1.0" encoding="utf-8"?>
-<p:sld xmlns:a="http://schemas.openxmlformats.org/drawingml/2006/main" xmlns:p="http://schemas.openxmlformats.org/presentationml/2006/main" xmlns:r="http://schemas.openxmlformats.org/officeDocument/2006/relationships" xmlns:p14="http://schemas.microsoft.com/office/powerpoint/2010/main" xmlns:p15="http://schemas.microsoft.com/office/powerpoint/2012/main" xmlns:mc="http://schemas.openxmlformats.org/markup-compatibility/2006">
+<p:sld xmlns:a="http://schemas.openxmlformats.org/drawingml/2006/main" xmlns:r="http://schemas.openxmlformats.org/officeDocument/2006/relationships" xmlns:p="http://schemas.openxmlformats.org/presentationml/2006/main">
   <p:cSld>
     <p:spTree>
       <p:nvGrpSpPr>
@@ -7315,6 +8158,7 @@
         </p:spPr>
         <p:txBody>
           <a:bodyPr/>
+          <a:lstStyle/>
           <a:p>
             <a:pPr>
               <a:lnSpc>
@@ -7322,16 +8166,16 @@
               </a:lnSpc>
             </a:pPr>
             <a:r>
-              <a:rPr b="0" lang="en-US" sz="3600" spc="-1" strike="noStrike" u="sng">
+              <a:rPr lang="en-US" sz="3600" b="0" u="sng" strike="noStrike" spc="-1">
                 <a:solidFill>
-                  <a:srgbClr val="5fcbef"/>
+                  <a:srgbClr val="5FCBEF"/>
                 </a:solidFill>
                 <a:uFillTx/>
                 <a:latin typeface="Trebuchet MS"/>
               </a:rPr>
               <a:t>Kommunikationsprozess:</a:t>
             </a:r>
-            <a:endParaRPr b="0" lang="en-US" sz="3600" spc="-1" strike="noStrike">
+            <a:endParaRPr lang="en-US" sz="3600" b="0" strike="noStrike" spc="-1">
               <a:solidFill>
                 <a:srgbClr val="000000"/>
               </a:solidFill>
@@ -7342,12 +8186,12 @@
       </p:sp>
       <p:pic>
         <p:nvPicPr>
-          <p:cNvPr id="154" name="Inhaltsplatzhalter 5" descr=""/>
+          <p:cNvPr id="154" name="Inhaltsplatzhalter 5"/>
           <p:cNvPicPr/>
           <p:nvPr/>
         </p:nvPicPr>
         <p:blipFill>
-          <a:blip r:embed="rId1"/>
+          <a:blip r:embed="rId2"/>
           <a:stretch/>
         </p:blipFill>
         <p:spPr>
@@ -7365,22 +8209,25 @@
       </p:pic>
     </p:spTree>
   </p:cSld>
+  <p:clrMapOvr>
+    <a:masterClrMapping/>
+  </p:clrMapOvr>
   <p:timing>
     <p:tnLst>
       <p:par>
-        <p:cTn id="31" dur="indefinite" restart="never" nodeType="tmRoot">
+        <p:cTn id="1" dur="indefinite" restart="never" nodeType="tmRoot">
           <p:childTnLst>
             <p:seq>
-              <p:cTn id="32" dur="indefinite" nodeType="mainSeq"/>
+              <p:cTn id="2" dur="indefinite" nodeType="mainSeq"/>
               <p:prevCondLst>
-                <p:cond delay="0" evt="onPrev">
+                <p:cond evt="onPrev" delay="0">
                   <p:tgtEl>
                     <p:sldTgt/>
                   </p:tgtEl>
                 </p:cond>
               </p:prevCondLst>
               <p:nextCondLst>
-                <p:cond delay="0" evt="onNext">
+                <p:cond evt="onNext" delay="0">
                   <p:tgtEl>
                     <p:sldTgt/>
                   </p:tgtEl>
@@ -7396,7 +8243,7 @@
 </file>
 
 <file path=ppt/slides/slide17.xml><?xml version="1.0" encoding="utf-8"?>
-<p:sld xmlns:a="http://schemas.openxmlformats.org/drawingml/2006/main" xmlns:p="http://schemas.openxmlformats.org/presentationml/2006/main" xmlns:r="http://schemas.openxmlformats.org/officeDocument/2006/relationships" xmlns:p14="http://schemas.microsoft.com/office/powerpoint/2010/main" xmlns:p15="http://schemas.microsoft.com/office/powerpoint/2012/main" xmlns:mc="http://schemas.openxmlformats.org/markup-compatibility/2006">
+<p:sld xmlns:a="http://schemas.openxmlformats.org/drawingml/2006/main" xmlns:r="http://schemas.openxmlformats.org/officeDocument/2006/relationships" xmlns:p="http://schemas.openxmlformats.org/presentationml/2006/main">
   <p:cSld>
     <p:spTree>
       <p:nvGrpSpPr>
@@ -7433,6 +8280,7 @@
         </p:spPr>
         <p:txBody>
           <a:bodyPr/>
+          <a:lstStyle/>
           <a:p>
             <a:pPr>
               <a:lnSpc>
@@ -7440,16 +8288,16 @@
               </a:lnSpc>
             </a:pPr>
             <a:r>
-              <a:rPr b="0" lang="en-US" sz="3600" spc="-1" strike="noStrike" u="sng">
+              <a:rPr lang="en-US" sz="3600" b="0" u="sng" strike="noStrike" spc="-1">
                 <a:solidFill>
-                  <a:srgbClr val="5fcbef"/>
+                  <a:srgbClr val="5FCBEF"/>
                 </a:solidFill>
                 <a:uFillTx/>
                 <a:latin typeface="Trebuchet MS"/>
               </a:rPr>
               <a:t>Bit-Übertragung:</a:t>
             </a:r>
-            <a:endParaRPr b="0" lang="en-US" sz="3600" spc="-1" strike="noStrike">
+            <a:endParaRPr lang="en-US" sz="3600" b="0" strike="noStrike" spc="-1">
               <a:solidFill>
                 <a:srgbClr val="000000"/>
               </a:solidFill>
@@ -7460,12 +8308,12 @@
       </p:sp>
       <p:pic>
         <p:nvPicPr>
-          <p:cNvPr id="156" name="Inhaltsplatzhalter 4" descr=""/>
+          <p:cNvPr id="156" name="Inhaltsplatzhalter 4"/>
           <p:cNvPicPr/>
           <p:nvPr/>
         </p:nvPicPr>
         <p:blipFill>
-          <a:blip r:embed="rId1"/>
+          <a:blip r:embed="rId2"/>
           <a:stretch/>
         </p:blipFill>
         <p:spPr>
@@ -7483,22 +8331,25 @@
       </p:pic>
     </p:spTree>
   </p:cSld>
+  <p:clrMapOvr>
+    <a:masterClrMapping/>
+  </p:clrMapOvr>
   <p:timing>
     <p:tnLst>
       <p:par>
-        <p:cTn id="33" dur="indefinite" restart="never" nodeType="tmRoot">
+        <p:cTn id="1" dur="indefinite" restart="never" nodeType="tmRoot">
           <p:childTnLst>
             <p:seq>
-              <p:cTn id="34" dur="indefinite" nodeType="mainSeq"/>
+              <p:cTn id="2" dur="indefinite" nodeType="mainSeq"/>
               <p:prevCondLst>
-                <p:cond delay="0" evt="onPrev">
+                <p:cond evt="onPrev" delay="0">
                   <p:tgtEl>
                     <p:sldTgt/>
                   </p:tgtEl>
                 </p:cond>
               </p:prevCondLst>
               <p:nextCondLst>
-                <p:cond delay="0" evt="onNext">
+                <p:cond evt="onNext" delay="0">
                   <p:tgtEl>
                     <p:sldTgt/>
                   </p:tgtEl>
@@ -7514,7 +8365,7 @@
 </file>
 
 <file path=ppt/slides/slide18.xml><?xml version="1.0" encoding="utf-8"?>
-<p:sld xmlns:a="http://schemas.openxmlformats.org/drawingml/2006/main" xmlns:p="http://schemas.openxmlformats.org/presentationml/2006/main" xmlns:r="http://schemas.openxmlformats.org/officeDocument/2006/relationships" xmlns:p14="http://schemas.microsoft.com/office/powerpoint/2010/main" xmlns:p15="http://schemas.microsoft.com/office/powerpoint/2012/main" xmlns:mc="http://schemas.openxmlformats.org/markup-compatibility/2006">
+<p:sld xmlns:a="http://schemas.openxmlformats.org/drawingml/2006/main" xmlns:r="http://schemas.openxmlformats.org/officeDocument/2006/relationships" xmlns:p="http://schemas.openxmlformats.org/presentationml/2006/main">
   <p:cSld>
     <p:spTree>
       <p:nvGrpSpPr>
@@ -7551,6 +8402,7 @@
         </p:spPr>
         <p:txBody>
           <a:bodyPr/>
+          <a:lstStyle/>
           <a:p>
             <a:pPr>
               <a:lnSpc>
@@ -7558,16 +8410,16 @@
               </a:lnSpc>
             </a:pPr>
             <a:r>
-              <a:rPr b="0" lang="en-US" sz="3600" spc="-1" strike="noStrike" u="sng">
+              <a:rPr lang="en-US" sz="3600" b="0" u="sng" strike="noStrike" spc="-1">
                 <a:solidFill>
-                  <a:srgbClr val="5fcbef"/>
+                  <a:srgbClr val="5FCBEF"/>
                 </a:solidFill>
                 <a:uFillTx/>
                 <a:latin typeface="Trebuchet MS"/>
               </a:rPr>
               <a:t>parse-Methode:</a:t>
             </a:r>
-            <a:endParaRPr b="0" lang="en-US" sz="3600" spc="-1" strike="noStrike">
+            <a:endParaRPr lang="en-US" sz="3600" b="0" strike="noStrike" spc="-1">
               <a:solidFill>
                 <a:srgbClr val="000000"/>
               </a:solidFill>
@@ -7578,12 +8430,12 @@
       </p:sp>
       <p:pic>
         <p:nvPicPr>
-          <p:cNvPr id="158" name="Inhaltsplatzhalter 5" descr=""/>
+          <p:cNvPr id="158" name="Inhaltsplatzhalter 5"/>
           <p:cNvPicPr/>
           <p:nvPr/>
         </p:nvPicPr>
         <p:blipFill>
-          <a:blip r:embed="rId1"/>
+          <a:blip r:embed="rId2"/>
           <a:stretch/>
         </p:blipFill>
         <p:spPr>
@@ -7601,22 +8453,25 @@
       </p:pic>
     </p:spTree>
   </p:cSld>
+  <p:clrMapOvr>
+    <a:masterClrMapping/>
+  </p:clrMapOvr>
   <p:timing>
     <p:tnLst>
       <p:par>
-        <p:cTn id="35" dur="indefinite" restart="never" nodeType="tmRoot">
+        <p:cTn id="1" dur="indefinite" restart="never" nodeType="tmRoot">
           <p:childTnLst>
             <p:seq>
-              <p:cTn id="36" dur="indefinite" nodeType="mainSeq"/>
+              <p:cTn id="2" dur="indefinite" nodeType="mainSeq"/>
               <p:prevCondLst>
-                <p:cond delay="0" evt="onPrev">
+                <p:cond evt="onPrev" delay="0">
                   <p:tgtEl>
                     <p:sldTgt/>
                   </p:tgtEl>
                 </p:cond>
               </p:prevCondLst>
               <p:nextCondLst>
-                <p:cond delay="0" evt="onNext">
+                <p:cond evt="onNext" delay="0">
                   <p:tgtEl>
                     <p:sldTgt/>
                   </p:tgtEl>
@@ -7632,7 +8487,7 @@
 </file>
 
 <file path=ppt/slides/slide19.xml><?xml version="1.0" encoding="utf-8"?>
-<p:sld xmlns:a="http://schemas.openxmlformats.org/drawingml/2006/main" xmlns:p="http://schemas.openxmlformats.org/presentationml/2006/main" xmlns:r="http://schemas.openxmlformats.org/officeDocument/2006/relationships" xmlns:p14="http://schemas.microsoft.com/office/powerpoint/2010/main" xmlns:p15="http://schemas.microsoft.com/office/powerpoint/2012/main" xmlns:mc="http://schemas.openxmlformats.org/markup-compatibility/2006">
+<p:sld xmlns:a="http://schemas.openxmlformats.org/drawingml/2006/main" xmlns:r="http://schemas.openxmlformats.org/officeDocument/2006/relationships" xmlns:p="http://schemas.openxmlformats.org/presentationml/2006/main">
   <p:cSld>
     <p:spTree>
       <p:nvGrpSpPr>
@@ -7669,6 +8524,7 @@
         </p:spPr>
         <p:txBody>
           <a:bodyPr/>
+          <a:lstStyle/>
           <a:p>
             <a:pPr>
               <a:lnSpc>
@@ -7676,16 +8532,26 @@
               </a:lnSpc>
             </a:pPr>
             <a:r>
-              <a:rPr b="0" lang="en-US" sz="3600" spc="-1" strike="noStrike" u="sng">
+              <a:rPr lang="en-US" sz="3600" b="0" u="sng" strike="noStrike" spc="-1" dirty="0" err="1">
                 <a:solidFill>
-                  <a:srgbClr val="5fcbef"/>
+                  <a:srgbClr val="5FCBEF"/>
                 </a:solidFill>
                 <a:uFillTx/>
                 <a:latin typeface="Trebuchet MS"/>
               </a:rPr>
-              <a:t>Future</a:t>
+              <a:t>Derzeitiger</a:t>
             </a:r>
-            <a:endParaRPr b="0" lang="en-US" sz="3600" spc="-1" strike="noStrike">
+            <a:r>
+              <a:rPr lang="en-US" sz="3600" b="0" u="sng" strike="noStrike" spc="-1" dirty="0">
+                <a:solidFill>
+                  <a:srgbClr val="5FCBEF"/>
+                </a:solidFill>
+                <a:uFillTx/>
+                <a:latin typeface="Trebuchet MS"/>
+              </a:rPr>
+              <a:t> Microcontroller</a:t>
+            </a:r>
+            <a:endParaRPr lang="en-US" sz="3600" b="0" strike="noStrike" spc="-1" dirty="0">
               <a:solidFill>
                 <a:srgbClr val="000000"/>
               </a:solidFill>
@@ -7702,7 +8568,7 @@
         </p:nvSpPr>
         <p:spPr>
           <a:xfrm>
-            <a:off x="677160" y="2160720"/>
+            <a:off x="966409" y="1684859"/>
             <a:ext cx="8596440" cy="3880440"/>
           </a:xfrm>
           <a:prstGeom prst="rect">
@@ -7715,150 +8581,57 @@
         </p:spPr>
         <p:txBody>
           <a:bodyPr/>
+          <a:lstStyle/>
           <a:p>
             <a:pPr marL="343080" indent="-342720">
               <a:lnSpc>
-                <a:spcPct val="100000"/>
+                <a:spcPct val="150000"/>
               </a:lnSpc>
               <a:spcBef>
                 <a:spcPts val="1001"/>
               </a:spcBef>
               <a:buClr>
-                <a:srgbClr val="5fcbef"/>
+                <a:srgbClr val="5FCBEF"/>
               </a:buClr>
               <a:buSzPct val="80000"/>
               <a:buFont typeface="Wingdings 3" charset="2"/>
               <a:buChar char=""/>
             </a:pPr>
-            <a:r>
-              <a:rPr b="0" lang="en-US" sz="1800" spc="-1" strike="noStrike">
-                <a:solidFill>
-                  <a:srgbClr val="404040"/>
-                </a:solidFill>
-                <a:latin typeface="Trebuchet MS"/>
-              </a:rPr>
-              <a:t>weiterer Sensor ???</a:t>
-            </a:r>
-            <a:endParaRPr b="0" lang="en-US" sz="1800" spc="-1" strike="noStrike">
+            <a:endParaRPr lang="en-US" sz="1800" b="0" strike="noStrike" spc="-1" dirty="0">
               <a:solidFill>
                 <a:srgbClr val="404040"/>
               </a:solidFill>
               <a:latin typeface="Trebuchet MS"/>
             </a:endParaRPr>
           </a:p>
-          <a:p>
-            <a:pPr marL="343080" indent="-342720">
-              <a:lnSpc>
-                <a:spcPct val="100000"/>
-              </a:lnSpc>
-              <a:spcBef>
-                <a:spcPts val="1001"/>
-              </a:spcBef>
-              <a:buClr>
-                <a:srgbClr val="5fcbef"/>
-              </a:buClr>
-              <a:buSzPct val="80000"/>
-              <a:buFont typeface="Wingdings 3" charset="2"/>
-              <a:buChar char=""/>
-            </a:pPr>
-            <a:r>
-              <a:rPr b="0" lang="en-US" sz="1800" spc="-1" strike="noStrike">
-                <a:solidFill>
-                  <a:srgbClr val="404040"/>
-                </a:solidFill>
-                <a:latin typeface="Trebuchet MS"/>
-              </a:rPr>
-              <a:t>Übertragung zur Station/Rasperry Pi</a:t>
-            </a:r>
-            <a:endParaRPr b="0" lang="en-US" sz="1800" spc="-1" strike="noStrike">
-              <a:solidFill>
-                <a:srgbClr val="404040"/>
-              </a:solidFill>
-              <a:latin typeface="Trebuchet MS"/>
-            </a:endParaRPr>
-          </a:p>
-          <a:p>
-            <a:pPr marL="343080" indent="-342720">
-              <a:lnSpc>
-                <a:spcPct val="100000"/>
-              </a:lnSpc>
-              <a:spcBef>
-                <a:spcPts val="1001"/>
-              </a:spcBef>
-              <a:buClr>
-                <a:srgbClr val="5fcbef"/>
-              </a:buClr>
-              <a:buSzPct val="80000"/>
-              <a:buFont typeface="Wingdings 3" charset="2"/>
-              <a:buChar char=""/>
-            </a:pPr>
-            <a:r>
-              <a:rPr b="0" lang="en-US" sz="1800" spc="-1" strike="noStrike">
-                <a:solidFill>
-                  <a:srgbClr val="404040"/>
-                </a:solidFill>
-                <a:latin typeface="Trebuchet MS"/>
-              </a:rPr>
-              <a:t>Stromversorgung</a:t>
-            </a:r>
-            <a:endParaRPr b="0" lang="en-US" sz="1800" spc="-1" strike="noStrike">
-              <a:solidFill>
-                <a:srgbClr val="404040"/>
-              </a:solidFill>
-              <a:latin typeface="Trebuchet MS"/>
-            </a:endParaRPr>
-          </a:p>
-          <a:p>
-            <a:pPr marL="343080" indent="-342720">
-              <a:lnSpc>
-                <a:spcPct val="100000"/>
-              </a:lnSpc>
-              <a:spcBef>
-                <a:spcPts val="1001"/>
-              </a:spcBef>
-              <a:buClr>
-                <a:srgbClr val="5fcbef"/>
-              </a:buClr>
-              <a:buSzPct val="80000"/>
-              <a:buFont typeface="Wingdings 3" charset="2"/>
-              <a:buChar char=""/>
-            </a:pPr>
-            <a:r>
-              <a:rPr b="0" lang="en-US" sz="1800" spc="-1" strike="noStrike">
-                <a:solidFill>
-                  <a:srgbClr val="404040"/>
-                </a:solidFill>
-                <a:latin typeface="Trebuchet MS"/>
-              </a:rPr>
-              <a:t>Platine</a:t>
-            </a:r>
-            <a:endParaRPr b="0" lang="en-US" sz="1800" spc="-1" strike="noStrike">
-              <a:solidFill>
-                <a:srgbClr val="404040"/>
-              </a:solidFill>
-              <a:latin typeface="Trebuchet MS"/>
-            </a:endParaRPr>
-          </a:p>
         </p:txBody>
       </p:sp>
     </p:spTree>
+    <p:extLst>
+      <p:ext uri="{BB962C8B-B14F-4D97-AF65-F5344CB8AC3E}">
+        <p14:creationId xmlns:p14="http://schemas.microsoft.com/office/powerpoint/2010/main" val="3041560484"/>
+      </p:ext>
+    </p:extLst>
   </p:cSld>
+  <p:clrMapOvr>
+    <a:masterClrMapping/>
+  </p:clrMapOvr>
   <p:timing>
     <p:tnLst>
       <p:par>
-        <p:cTn id="37" dur="indefinite" restart="never" nodeType="tmRoot">
+        <p:cTn id="1" dur="indefinite" restart="never" nodeType="tmRoot">
           <p:childTnLst>
             <p:seq>
-              <p:cTn id="38" dur="indefinite" nodeType="mainSeq"/>
+              <p:cTn id="2" dur="indefinite" nodeType="mainSeq"/>
               <p:prevCondLst>
-                <p:cond delay="0" evt="onPrev">
+                <p:cond evt="onPrev" delay="0">
                   <p:tgtEl>
                     <p:sldTgt/>
                   </p:tgtEl>
                 </p:cond>
               </p:prevCondLst>
               <p:nextCondLst>
-                <p:cond delay="0" evt="onNext">
+                <p:cond evt="onNext" delay="0">
                   <p:tgtEl>
                     <p:sldTgt/>
                   </p:tgtEl>
@@ -7874,7 +8647,7 @@
 </file>
 
 <file path=ppt/slides/slide2.xml><?xml version="1.0" encoding="utf-8"?>
-<p:sld xmlns:a="http://schemas.openxmlformats.org/drawingml/2006/main" xmlns:p="http://schemas.openxmlformats.org/presentationml/2006/main" xmlns:r="http://schemas.openxmlformats.org/officeDocument/2006/relationships" xmlns:p14="http://schemas.microsoft.com/office/powerpoint/2010/main" xmlns:p15="http://schemas.microsoft.com/office/powerpoint/2012/main" xmlns:mc="http://schemas.openxmlformats.org/markup-compatibility/2006">
+<p:sld xmlns:a="http://schemas.openxmlformats.org/drawingml/2006/main" xmlns:r="http://schemas.openxmlformats.org/officeDocument/2006/relationships" xmlns:p="http://schemas.openxmlformats.org/presentationml/2006/main">
   <p:cSld>
     <p:spTree>
       <p:nvGrpSpPr>
@@ -7911,6 +8684,7 @@
         </p:spPr>
         <p:txBody>
           <a:bodyPr/>
+          <a:lstStyle/>
           <a:p>
             <a:pPr>
               <a:lnSpc>
@@ -7918,16 +8692,16 @@
               </a:lnSpc>
             </a:pPr>
             <a:r>
-              <a:rPr b="0" lang="en-US" sz="3600" spc="-1" strike="noStrike" u="sng">
+              <a:rPr lang="en-US" sz="3600" b="0" u="sng" strike="noStrike" spc="-1">
                 <a:solidFill>
-                  <a:srgbClr val="5fcbef"/>
+                  <a:srgbClr val="5FCBEF"/>
                 </a:solidFill>
                 <a:uFillTx/>
                 <a:latin typeface="Trebuchet MS"/>
               </a:rPr>
               <a:t>Der Start … </a:t>
             </a:r>
-            <a:endParaRPr b="0" lang="en-US" sz="3600" spc="-1" strike="noStrike">
+            <a:endParaRPr lang="en-US" sz="3600" b="0" strike="noStrike" spc="-1">
               <a:solidFill>
                 <a:srgbClr val="000000"/>
               </a:solidFill>
@@ -7938,12 +8712,12 @@
       </p:sp>
       <p:pic>
         <p:nvPicPr>
-          <p:cNvPr id="118" name="Inhaltsplatzhalter 4" descr=""/>
+          <p:cNvPr id="118" name="Inhaltsplatzhalter 4"/>
           <p:cNvPicPr/>
           <p:nvPr/>
         </p:nvPicPr>
         <p:blipFill>
-          <a:blip r:embed="rId1"/>
+          <a:blip r:embed="rId2"/>
           <a:stretch/>
         </p:blipFill>
         <p:spPr>
@@ -7961,7 +8735,7 @@
             <a:miter/>
           </a:ln>
           <a:effectLst>
-            <a:outerShdw algn="tl" blurRad="50800" dir="2700000" dist="38100" rotWithShape="0">
+            <a:outerShdw blurRad="50800" dist="38100" dir="2700000" algn="tl" rotWithShape="0">
               <a:srgbClr val="000000">
                 <a:alpha val="43000"/>
               </a:srgbClr>
@@ -8028,13 +8802,20 @@
           </a:ln>
         </p:spPr>
         <p:style>
-          <a:lnRef idx="0"/>
-          <a:fillRef idx="0"/>
-          <a:effectRef idx="0"/>
+          <a:lnRef idx="0">
+            <a:scrgbClr r="0" g="0" b="0"/>
+          </a:lnRef>
+          <a:fillRef idx="0">
+            <a:scrgbClr r="0" g="0" b="0"/>
+          </a:fillRef>
+          <a:effectRef idx="0">
+            <a:scrgbClr r="0" g="0" b="0"/>
+          </a:effectRef>
           <a:fontRef idx="minor"/>
         </p:style>
         <p:txBody>
-          <a:bodyPr lIns="90000" rIns="90000" tIns="45000" bIns="45000"/>
+          <a:bodyPr lIns="90000" tIns="45000" rIns="90000" bIns="45000"/>
+          <a:lstStyle/>
           <a:p>
             <a:pPr marL="343080" indent="-342720">
               <a:lnSpc>
@@ -8044,14 +8825,14 @@
                 <a:spcPts val="1001"/>
               </a:spcBef>
               <a:buClr>
-                <a:srgbClr val="5fcbef"/>
+                <a:srgbClr val="5FCBEF"/>
               </a:buClr>
               <a:buSzPct val="80000"/>
               <a:buFont typeface="Wingdings 3" charset="2"/>
               <a:buChar char=""/>
             </a:pPr>
             <a:r>
-              <a:rPr b="0" lang="en-US" sz="1800" spc="-1" strike="noStrike">
+              <a:rPr lang="en-US" sz="1800" b="0" strike="noStrike" spc="-1">
                 <a:solidFill>
                   <a:srgbClr val="404040"/>
                 </a:solidFill>
@@ -8059,7 +8840,7 @@
               </a:rPr>
               <a:t>Grundverständnis </a:t>
             </a:r>
-            <a:endParaRPr b="0" lang="en-US" sz="1800" spc="-1" strike="noStrike">
+            <a:endParaRPr lang="en-US" sz="1800" b="0" strike="noStrike" spc="-1">
               <a:latin typeface="Arial"/>
             </a:endParaRPr>
           </a:p>
@@ -8072,14 +8853,14 @@
                 <a:spcPts val="1001"/>
               </a:spcBef>
               <a:buClr>
-                <a:srgbClr val="5fcbef"/>
+                <a:srgbClr val="5FCBEF"/>
               </a:buClr>
               <a:buSzPct val="80000"/>
               <a:buFont typeface="Wingdings 3" charset="2"/>
               <a:buChar char=""/>
             </a:pPr>
             <a:r>
-              <a:rPr b="0" lang="en-US" sz="1800" spc="-1" strike="noStrike">
+              <a:rPr lang="en-US" sz="1800" b="0" strike="noStrike" spc="-1">
                 <a:solidFill>
                   <a:srgbClr val="404040"/>
                 </a:solidFill>
@@ -8087,12 +8868,12 @@
               </a:rPr>
               <a:t>Arbeiten mit Sensoren</a:t>
             </a:r>
-            <a:endParaRPr b="0" lang="en-US" sz="1800" spc="-1" strike="noStrike">
+            <a:endParaRPr lang="en-US" sz="1800" b="0" strike="noStrike" spc="-1">
               <a:latin typeface="Arial"/>
             </a:endParaRPr>
           </a:p>
           <a:p>
-            <a:pPr lvl="2" marL="800280" indent="-342720">
+            <a:pPr marL="800280" lvl="2" indent="-342720">
               <a:lnSpc>
                 <a:spcPct val="150000"/>
               </a:lnSpc>
@@ -8100,14 +8881,14 @@
                 <a:spcPts val="1001"/>
               </a:spcBef>
               <a:buClr>
-                <a:srgbClr val="5fcbef"/>
+                <a:srgbClr val="5FCBEF"/>
               </a:buClr>
               <a:buSzPct val="80000"/>
               <a:buFont typeface="Wingdings 3" charset="2"/>
               <a:buChar char=""/>
             </a:pPr>
             <a:r>
-              <a:rPr b="0" lang="en-US" sz="1800" spc="-1" strike="noStrike">
+              <a:rPr lang="en-US" sz="1800" b="0" strike="noStrike" spc="-1">
                 <a:solidFill>
                   <a:srgbClr val="404040"/>
                 </a:solidFill>
@@ -8115,12 +8896,12 @@
               </a:rPr>
               <a:t>Fernbedienung</a:t>
             </a:r>
-            <a:endParaRPr b="0" lang="en-US" sz="1800" spc="-1" strike="noStrike">
+            <a:endParaRPr lang="en-US" sz="1800" b="0" strike="noStrike" spc="-1">
               <a:latin typeface="Arial"/>
             </a:endParaRPr>
           </a:p>
           <a:p>
-            <a:pPr lvl="2" marL="800280" indent="-342720">
+            <a:pPr marL="800280" lvl="2" indent="-342720">
               <a:lnSpc>
                 <a:spcPct val="150000"/>
               </a:lnSpc>
@@ -8128,14 +8909,14 @@
                 <a:spcPts val="1001"/>
               </a:spcBef>
               <a:buClr>
-                <a:srgbClr val="5fcbef"/>
+                <a:srgbClr val="5FCBEF"/>
               </a:buClr>
               <a:buSzPct val="80000"/>
               <a:buFont typeface="Wingdings 3" charset="2"/>
               <a:buChar char=""/>
             </a:pPr>
             <a:r>
-              <a:rPr b="0" lang="en-US" sz="1800" spc="-1" strike="noStrike">
+              <a:rPr lang="en-US" sz="1800" b="0" strike="noStrike" spc="-1">
                 <a:solidFill>
                   <a:srgbClr val="404040"/>
                 </a:solidFill>
@@ -8143,12 +8924,12 @@
               </a:rPr>
               <a:t>Abstandsensor</a:t>
             </a:r>
-            <a:endParaRPr b="0" lang="en-US" sz="1800" spc="-1" strike="noStrike">
+            <a:endParaRPr lang="en-US" sz="1800" b="0" strike="noStrike" spc="-1">
               <a:latin typeface="Arial"/>
             </a:endParaRPr>
           </a:p>
           <a:p>
-            <a:pPr lvl="2" marL="800280" indent="-342720">
+            <a:pPr marL="800280" lvl="2" indent="-342720">
               <a:lnSpc>
                 <a:spcPct val="150000"/>
               </a:lnSpc>
@@ -8156,14 +8937,14 @@
                 <a:spcPts val="1001"/>
               </a:spcBef>
               <a:buClr>
-                <a:srgbClr val="5fcbef"/>
+                <a:srgbClr val="5FCBEF"/>
               </a:buClr>
               <a:buSzPct val="80000"/>
               <a:buFont typeface="Wingdings 3" charset="2"/>
               <a:buChar char=""/>
             </a:pPr>
             <a:r>
-              <a:rPr b="0" lang="en-US" sz="1800" spc="-1" strike="noStrike">
+              <a:rPr lang="en-US" sz="1800" b="0" strike="noStrike" spc="-1">
                 <a:solidFill>
                   <a:srgbClr val="404040"/>
                 </a:solidFill>
@@ -8171,7 +8952,7 @@
               </a:rPr>
               <a:t>Bewegungsmelder</a:t>
             </a:r>
-            <a:endParaRPr b="0" lang="en-US" sz="1800" spc="-1" strike="noStrike">
+            <a:endParaRPr lang="en-US" sz="1800" b="0" strike="noStrike" spc="-1">
               <a:latin typeface="Arial"/>
             </a:endParaRPr>
           </a:p>
@@ -8184,14 +8965,14 @@
                 <a:spcPts val="1001"/>
               </a:spcBef>
               <a:buClr>
-                <a:srgbClr val="5fcbef"/>
+                <a:srgbClr val="5FCBEF"/>
               </a:buClr>
               <a:buSzPct val="80000"/>
               <a:buFont typeface="Wingdings 3" charset="2"/>
               <a:buChar char=""/>
             </a:pPr>
             <a:r>
-              <a:rPr b="0" lang="en-US" sz="1800" spc="-1" strike="noStrike">
+              <a:rPr lang="en-US" sz="1800" b="0" strike="noStrike" spc="-1">
                 <a:solidFill>
                   <a:srgbClr val="404040"/>
                 </a:solidFill>
@@ -8199,12 +8980,12 @@
               </a:rPr>
               <a:t>Aber auch mit</a:t>
             </a:r>
-            <a:endParaRPr b="0" lang="en-US" sz="1800" spc="-1" strike="noStrike">
+            <a:endParaRPr lang="en-US" sz="1800" b="0" strike="noStrike" spc="-1">
               <a:latin typeface="Arial"/>
             </a:endParaRPr>
           </a:p>
           <a:p>
-            <a:pPr lvl="2" marL="800280" indent="-342720">
+            <a:pPr marL="800280" lvl="2" indent="-342720">
               <a:lnSpc>
                 <a:spcPct val="150000"/>
               </a:lnSpc>
@@ -8212,14 +8993,14 @@
                 <a:spcPts val="1001"/>
               </a:spcBef>
               <a:buClr>
-                <a:srgbClr val="5fcbef"/>
+                <a:srgbClr val="5FCBEF"/>
               </a:buClr>
               <a:buSzPct val="80000"/>
               <a:buFont typeface="Wingdings 3" charset="2"/>
               <a:buChar char=""/>
             </a:pPr>
             <a:r>
-              <a:rPr b="0" lang="en-US" sz="1800" spc="-1" strike="noStrike">
+              <a:rPr lang="en-US" sz="1800" b="0" strike="noStrike" spc="-1">
                 <a:solidFill>
                   <a:srgbClr val="404040"/>
                 </a:solidFill>
@@ -8227,7 +9008,7 @@
               </a:rPr>
               <a:t>Motoren</a:t>
             </a:r>
-            <a:endParaRPr b="0" lang="en-US" sz="1800" spc="-1" strike="noStrike">
+            <a:endParaRPr lang="en-US" sz="1800" b="0" strike="noStrike" spc="-1">
               <a:latin typeface="Arial"/>
             </a:endParaRPr>
           </a:p>
@@ -8237,7 +9018,7 @@
                 <a:spcPct val="100000"/>
               </a:lnSpc>
             </a:pPr>
-            <a:endParaRPr b="0" lang="en-US" sz="1800" spc="-1" strike="noStrike">
+            <a:endParaRPr lang="en-US" sz="1800" b="0" strike="noStrike" spc="-1">
               <a:latin typeface="Arial"/>
             </a:endParaRPr>
           </a:p>
@@ -8245,22 +9026,308 @@
       </p:sp>
     </p:spTree>
   </p:cSld>
+  <p:clrMapOvr>
+    <a:masterClrMapping/>
+  </p:clrMapOvr>
   <p:timing>
     <p:tnLst>
       <p:par>
-        <p:cTn id="3" dur="indefinite" restart="never" nodeType="tmRoot">
+        <p:cTn id="1" dur="indefinite" restart="never" nodeType="tmRoot">
           <p:childTnLst>
             <p:seq>
-              <p:cTn id="4" dur="indefinite" nodeType="mainSeq"/>
+              <p:cTn id="2" dur="indefinite" nodeType="mainSeq"/>
               <p:prevCondLst>
-                <p:cond delay="0" evt="onPrev">
+                <p:cond evt="onPrev" delay="0">
                   <p:tgtEl>
                     <p:sldTgt/>
                   </p:tgtEl>
                 </p:cond>
               </p:prevCondLst>
               <p:nextCondLst>
-                <p:cond delay="0" evt="onNext">
+                <p:cond evt="onNext" delay="0">
+                  <p:tgtEl>
+                    <p:sldTgt/>
+                  </p:tgtEl>
+                </p:cond>
+              </p:nextCondLst>
+            </p:seq>
+          </p:childTnLst>
+        </p:cTn>
+      </p:par>
+    </p:tnLst>
+  </p:timing>
+</p:sld>
+</file>
+
+<file path=ppt/slides/slide20.xml><?xml version="1.0" encoding="utf-8"?>
+<p:sld xmlns:a="http://schemas.openxmlformats.org/drawingml/2006/main" xmlns:r="http://schemas.openxmlformats.org/officeDocument/2006/relationships" xmlns:p="http://schemas.openxmlformats.org/presentationml/2006/main">
+  <p:cSld>
+    <p:spTree>
+      <p:nvGrpSpPr>
+        <p:cNvPr id="1" name=""/>
+        <p:cNvGrpSpPr/>
+        <p:nvPr/>
+      </p:nvGrpSpPr>
+      <p:grpSpPr>
+        <a:xfrm>
+          <a:off x="0" y="0"/>
+          <a:ext cx="0" cy="0"/>
+          <a:chOff x="0" y="0"/>
+          <a:chExt cx="0" cy="0"/>
+        </a:xfrm>
+      </p:grpSpPr>
+      <p:sp>
+        <p:nvSpPr>
+          <p:cNvPr id="159" name="TextShape 1"/>
+          <p:cNvSpPr txBox="1"/>
+          <p:nvPr/>
+        </p:nvSpPr>
+        <p:spPr>
+          <a:xfrm>
+            <a:off x="677160" y="609480"/>
+            <a:ext cx="8596440" cy="1320480"/>
+          </a:xfrm>
+          <a:prstGeom prst="rect">
+            <a:avLst/>
+          </a:prstGeom>
+          <a:noFill/>
+          <a:ln>
+            <a:noFill/>
+          </a:ln>
+        </p:spPr>
+        <p:txBody>
+          <a:bodyPr/>
+          <a:lstStyle/>
+          <a:p>
+            <a:pPr>
+              <a:lnSpc>
+                <a:spcPct val="100000"/>
+              </a:lnSpc>
+            </a:pPr>
+            <a:r>
+              <a:rPr lang="en-US" sz="3600" b="0" u="sng" strike="noStrike" spc="-1">
+                <a:solidFill>
+                  <a:srgbClr val="5FCBEF"/>
+                </a:solidFill>
+                <a:uFillTx/>
+                <a:latin typeface="Trebuchet MS"/>
+              </a:rPr>
+              <a:t>Future</a:t>
+            </a:r>
+            <a:endParaRPr lang="en-US" sz="3600" b="0" strike="noStrike" spc="-1">
+              <a:solidFill>
+                <a:srgbClr val="000000"/>
+              </a:solidFill>
+              <a:latin typeface="Trebuchet MS"/>
+            </a:endParaRPr>
+          </a:p>
+        </p:txBody>
+      </p:sp>
+      <p:sp>
+        <p:nvSpPr>
+          <p:cNvPr id="160" name="TextShape 2"/>
+          <p:cNvSpPr txBox="1"/>
+          <p:nvPr/>
+        </p:nvSpPr>
+        <p:spPr>
+          <a:xfrm>
+            <a:off x="966409" y="1684859"/>
+            <a:ext cx="8596440" cy="3880440"/>
+          </a:xfrm>
+          <a:prstGeom prst="rect">
+            <a:avLst/>
+          </a:prstGeom>
+          <a:noFill/>
+          <a:ln>
+            <a:noFill/>
+          </a:ln>
+        </p:spPr>
+        <p:txBody>
+          <a:bodyPr/>
+          <a:lstStyle/>
+          <a:p>
+            <a:pPr marL="343080" indent="-342720">
+              <a:lnSpc>
+                <a:spcPct val="150000"/>
+              </a:lnSpc>
+              <a:spcBef>
+                <a:spcPts val="1001"/>
+              </a:spcBef>
+              <a:buClr>
+                <a:srgbClr val="5FCBEF"/>
+              </a:buClr>
+              <a:buSzPct val="80000"/>
+              <a:buFont typeface="Wingdings 3" charset="2"/>
+              <a:buChar char=""/>
+            </a:pPr>
+            <a:r>
+              <a:rPr lang="en-US" sz="1800" b="0" strike="noStrike" spc="-1" dirty="0" err="1">
+                <a:solidFill>
+                  <a:srgbClr val="404040"/>
+                </a:solidFill>
+                <a:latin typeface="Trebuchet MS"/>
+              </a:rPr>
+              <a:t>weiterer</a:t>
+            </a:r>
+            <a:r>
+              <a:rPr lang="en-US" sz="1800" b="0" strike="noStrike" spc="-1" dirty="0">
+                <a:solidFill>
+                  <a:srgbClr val="404040"/>
+                </a:solidFill>
+                <a:latin typeface="Trebuchet MS"/>
+              </a:rPr>
+              <a:t> Sensor ???</a:t>
+            </a:r>
+          </a:p>
+          <a:p>
+            <a:pPr marL="343080" indent="-342720">
+              <a:lnSpc>
+                <a:spcPct val="150000"/>
+              </a:lnSpc>
+              <a:spcBef>
+                <a:spcPts val="1001"/>
+              </a:spcBef>
+              <a:buClr>
+                <a:srgbClr val="5FCBEF"/>
+              </a:buClr>
+              <a:buSzPct val="80000"/>
+              <a:buFont typeface="Wingdings 3" charset="2"/>
+              <a:buChar char=""/>
+            </a:pPr>
+            <a:r>
+              <a:rPr lang="en-US" sz="1800" b="0" strike="noStrike" spc="-1" dirty="0" err="1">
+                <a:solidFill>
+                  <a:srgbClr val="404040"/>
+                </a:solidFill>
+                <a:latin typeface="Trebuchet MS"/>
+              </a:rPr>
+              <a:t>Übertragung</a:t>
+            </a:r>
+            <a:r>
+              <a:rPr lang="en-US" sz="1800" b="0" strike="noStrike" spc="-1" dirty="0">
+                <a:solidFill>
+                  <a:srgbClr val="404040"/>
+                </a:solidFill>
+                <a:latin typeface="Trebuchet MS"/>
+              </a:rPr>
+              <a:t> </a:t>
+            </a:r>
+            <a:r>
+              <a:rPr lang="en-US" sz="1800" b="0" strike="noStrike" spc="-1" dirty="0" err="1">
+                <a:solidFill>
+                  <a:srgbClr val="404040"/>
+                </a:solidFill>
+                <a:latin typeface="Trebuchet MS"/>
+              </a:rPr>
+              <a:t>zur</a:t>
+            </a:r>
+            <a:r>
+              <a:rPr lang="en-US" sz="1800" b="0" strike="noStrike" spc="-1" dirty="0">
+                <a:solidFill>
+                  <a:srgbClr val="404040"/>
+                </a:solidFill>
+                <a:latin typeface="Trebuchet MS"/>
+              </a:rPr>
+              <a:t> Station/</a:t>
+            </a:r>
+            <a:r>
+              <a:rPr lang="en-US" sz="1800" b="0" strike="noStrike" spc="-1" dirty="0" err="1">
+                <a:solidFill>
+                  <a:srgbClr val="404040"/>
+                </a:solidFill>
+                <a:latin typeface="Trebuchet MS"/>
+              </a:rPr>
+              <a:t>Rasperry</a:t>
+            </a:r>
+            <a:r>
+              <a:rPr lang="en-US" sz="1800" b="0" strike="noStrike" spc="-1" dirty="0">
+                <a:solidFill>
+                  <a:srgbClr val="404040"/>
+                </a:solidFill>
+                <a:latin typeface="Trebuchet MS"/>
+              </a:rPr>
+              <a:t> Pi</a:t>
+            </a:r>
+          </a:p>
+          <a:p>
+            <a:pPr marL="343080" indent="-342720">
+              <a:lnSpc>
+                <a:spcPct val="150000"/>
+              </a:lnSpc>
+              <a:spcBef>
+                <a:spcPts val="1001"/>
+              </a:spcBef>
+              <a:buClr>
+                <a:srgbClr val="5FCBEF"/>
+              </a:buClr>
+              <a:buSzPct val="80000"/>
+              <a:buFont typeface="Wingdings 3" charset="2"/>
+              <a:buChar char=""/>
+            </a:pPr>
+            <a:r>
+              <a:rPr lang="en-US" sz="1800" b="0" strike="noStrike" spc="-1" dirty="0" err="1">
+                <a:solidFill>
+                  <a:srgbClr val="404040"/>
+                </a:solidFill>
+                <a:latin typeface="Trebuchet MS"/>
+              </a:rPr>
+              <a:t>Stromversorgung</a:t>
+            </a:r>
+            <a:endParaRPr lang="en-US" sz="1800" b="0" strike="noStrike" spc="-1" dirty="0">
+              <a:solidFill>
+                <a:srgbClr val="404040"/>
+              </a:solidFill>
+              <a:latin typeface="Trebuchet MS"/>
+            </a:endParaRPr>
+          </a:p>
+          <a:p>
+            <a:pPr marL="343080" indent="-342720">
+              <a:lnSpc>
+                <a:spcPct val="150000"/>
+              </a:lnSpc>
+              <a:spcBef>
+                <a:spcPts val="1001"/>
+              </a:spcBef>
+              <a:buClr>
+                <a:srgbClr val="5FCBEF"/>
+              </a:buClr>
+              <a:buSzPct val="80000"/>
+              <a:buFont typeface="Wingdings 3" charset="2"/>
+              <a:buChar char=""/>
+            </a:pPr>
+            <a:r>
+              <a:rPr lang="en-US" sz="1800" b="0" strike="noStrike" spc="-1" dirty="0">
+                <a:solidFill>
+                  <a:srgbClr val="404040"/>
+                </a:solidFill>
+                <a:latin typeface="Trebuchet MS"/>
+              </a:rPr>
+              <a:t>Platine</a:t>
+            </a:r>
+          </a:p>
+        </p:txBody>
+      </p:sp>
+    </p:spTree>
+  </p:cSld>
+  <p:clrMapOvr>
+    <a:masterClrMapping/>
+  </p:clrMapOvr>
+  <p:timing>
+    <p:tnLst>
+      <p:par>
+        <p:cTn id="1" dur="indefinite" restart="never" nodeType="tmRoot">
+          <p:childTnLst>
+            <p:seq>
+              <p:cTn id="2" dur="indefinite" nodeType="mainSeq"/>
+              <p:prevCondLst>
+                <p:cond evt="onPrev" delay="0">
+                  <p:tgtEl>
+                    <p:sldTgt/>
+                  </p:tgtEl>
+                </p:cond>
+              </p:prevCondLst>
+              <p:nextCondLst>
+                <p:cond evt="onNext" delay="0">
                   <p:tgtEl>
                     <p:sldTgt/>
                   </p:tgtEl>
@@ -8276,7 +9343,7 @@
 </file>
 
 <file path=ppt/slides/slide3.xml><?xml version="1.0" encoding="utf-8"?>
-<p:sld xmlns:a="http://schemas.openxmlformats.org/drawingml/2006/main" xmlns:p="http://schemas.openxmlformats.org/presentationml/2006/main" xmlns:r="http://schemas.openxmlformats.org/officeDocument/2006/relationships" xmlns:p14="http://schemas.microsoft.com/office/powerpoint/2010/main" xmlns:p15="http://schemas.microsoft.com/office/powerpoint/2012/main" xmlns:mc="http://schemas.openxmlformats.org/markup-compatibility/2006">
+<p:sld xmlns:a="http://schemas.openxmlformats.org/drawingml/2006/main" xmlns:r="http://schemas.openxmlformats.org/officeDocument/2006/relationships" xmlns:p="http://schemas.openxmlformats.org/presentationml/2006/main">
   <p:cSld>
     <p:spTree>
       <p:nvGrpSpPr>
@@ -8313,6 +9380,7 @@
         </p:spPr>
         <p:txBody>
           <a:bodyPr/>
+          <a:lstStyle/>
           <a:p>
             <a:pPr>
               <a:lnSpc>
@@ -8320,15 +9388,15 @@
               </a:lnSpc>
             </a:pPr>
             <a:r>
-              <a:rPr b="0" lang="en-US" sz="3600" spc="-1" strike="noStrike">
+              <a:rPr lang="en-US" sz="3600" b="0" strike="noStrike" spc="-1">
                 <a:solidFill>
-                  <a:srgbClr val="5fcbef"/>
+                  <a:srgbClr val="5FCBEF"/>
                 </a:solidFill>
                 <a:latin typeface="Trebuchet MS"/>
               </a:rPr>
               <a:t>Einparksensor</a:t>
             </a:r>
-            <a:endParaRPr b="0" lang="en-US" sz="3600" spc="-1" strike="noStrike">
+            <a:endParaRPr lang="en-US" sz="3600" b="0" strike="noStrike" spc="-1">
               <a:solidFill>
                 <a:srgbClr val="000000"/>
               </a:solidFill>
@@ -8339,35 +9407,35 @@
       </p:sp>
       <p:pic>
         <p:nvPicPr>
-          <p:cNvPr id="122" name="Grafik 3" descr=""/>
-          <p:cNvPicPr/>
-          <p:nvPr/>
-        </p:nvPicPr>
-        <p:blipFill>
-          <a:blip r:embed="rId1"/>
-          <a:stretch/>
-        </p:blipFill>
-        <p:spPr>
-          <a:xfrm>
-            <a:off x="677160" y="1477800"/>
-            <a:ext cx="7691760" cy="4535640"/>
-          </a:xfrm>
-          <a:prstGeom prst="rect">
-            <a:avLst/>
-          </a:prstGeom>
-          <a:ln>
-            <a:noFill/>
-          </a:ln>
-        </p:spPr>
-      </p:pic>
-      <p:pic>
-        <p:nvPicPr>
-          <p:cNvPr id="123" name="Inhaltsplatzhalter 4" descr=""/>
+          <p:cNvPr id="122" name="Grafik 3"/>
           <p:cNvPicPr/>
           <p:nvPr/>
         </p:nvPicPr>
         <p:blipFill>
           <a:blip r:embed="rId2"/>
+          <a:stretch/>
+        </p:blipFill>
+        <p:spPr>
+          <a:xfrm>
+            <a:off x="677160" y="1477800"/>
+            <a:ext cx="7691760" cy="4535640"/>
+          </a:xfrm>
+          <a:prstGeom prst="rect">
+            <a:avLst/>
+          </a:prstGeom>
+          <a:ln>
+            <a:noFill/>
+          </a:ln>
+        </p:spPr>
+      </p:pic>
+      <p:pic>
+        <p:nvPicPr>
+          <p:cNvPr id="123" name="Inhaltsplatzhalter 4"/>
+          <p:cNvPicPr/>
+          <p:nvPr/>
+        </p:nvPicPr>
+        <p:blipFill>
+          <a:blip r:embed="rId3"/>
           <a:srcRect l="7491" t="29594" r="7257" b="9910"/>
           <a:stretch/>
         </p:blipFill>
@@ -8386,22 +9454,25 @@
       </p:pic>
     </p:spTree>
   </p:cSld>
+  <p:clrMapOvr>
+    <a:masterClrMapping/>
+  </p:clrMapOvr>
   <p:timing>
     <p:tnLst>
       <p:par>
-        <p:cTn id="5" dur="indefinite" restart="never" nodeType="tmRoot">
+        <p:cTn id="1" dur="indefinite" restart="never" nodeType="tmRoot">
           <p:childTnLst>
             <p:seq>
-              <p:cTn id="6" dur="indefinite" nodeType="mainSeq"/>
+              <p:cTn id="2" dur="indefinite" nodeType="mainSeq"/>
               <p:prevCondLst>
-                <p:cond delay="0" evt="onPrev">
+                <p:cond evt="onPrev" delay="0">
                   <p:tgtEl>
                     <p:sldTgt/>
                   </p:tgtEl>
                 </p:cond>
               </p:prevCondLst>
               <p:nextCondLst>
-                <p:cond delay="0" evt="onNext">
+                <p:cond evt="onNext" delay="0">
                   <p:tgtEl>
                     <p:sldTgt/>
                   </p:tgtEl>
@@ -8417,7 +9488,7 @@
 </file>
 
 <file path=ppt/slides/slide4.xml><?xml version="1.0" encoding="utf-8"?>
-<p:sld xmlns:a="http://schemas.openxmlformats.org/drawingml/2006/main" xmlns:p="http://schemas.openxmlformats.org/presentationml/2006/main" xmlns:r="http://schemas.openxmlformats.org/officeDocument/2006/relationships" xmlns:p14="http://schemas.microsoft.com/office/powerpoint/2010/main" xmlns:p15="http://schemas.microsoft.com/office/powerpoint/2012/main" xmlns:mc="http://schemas.openxmlformats.org/markup-compatibility/2006">
+<p:sld xmlns:a="http://schemas.openxmlformats.org/drawingml/2006/main" xmlns:r="http://schemas.openxmlformats.org/officeDocument/2006/relationships" xmlns:p="http://schemas.openxmlformats.org/presentationml/2006/main">
   <p:cSld>
     <p:spTree>
       <p:nvGrpSpPr>
@@ -8454,6 +9525,7 @@
         </p:spPr>
         <p:txBody>
           <a:bodyPr/>
+          <a:lstStyle/>
           <a:p>
             <a:pPr>
               <a:lnSpc>
@@ -8461,16 +9533,16 @@
               </a:lnSpc>
             </a:pPr>
             <a:r>
-              <a:rPr b="0" lang="en-US" sz="3600" spc="-1" strike="noStrike" u="sng">
+              <a:rPr lang="en-US" sz="3600" b="0" u="sng" strike="noStrike" spc="-1">
                 <a:solidFill>
-                  <a:srgbClr val="5fcbef"/>
+                  <a:srgbClr val="5FCBEF"/>
                 </a:solidFill>
                 <a:uFillTx/>
                 <a:latin typeface="Trebuchet MS"/>
               </a:rPr>
               <a:t>Idee</a:t>
             </a:r>
-            <a:endParaRPr b="0" lang="en-US" sz="3600" spc="-1" strike="noStrike">
+            <a:endParaRPr lang="en-US" sz="3600" b="0" strike="noStrike" spc="-1">
               <a:solidFill>
                 <a:srgbClr val="000000"/>
               </a:solidFill>
@@ -8481,12 +9553,12 @@
       </p:sp>
       <p:pic>
         <p:nvPicPr>
-          <p:cNvPr id="125" name="Inhaltsplatzhalter 4" descr=""/>
+          <p:cNvPr id="125" name="Inhaltsplatzhalter 4"/>
           <p:cNvPicPr/>
           <p:nvPr/>
         </p:nvPicPr>
         <p:blipFill>
-          <a:blip r:embed="rId1"/>
+          <a:blip r:embed="rId2"/>
           <a:stretch/>
         </p:blipFill>
         <p:spPr>
@@ -8522,13 +9594,20 @@
           </a:ln>
         </p:spPr>
         <p:style>
-          <a:lnRef idx="0"/>
-          <a:fillRef idx="0"/>
-          <a:effectRef idx="0"/>
+          <a:lnRef idx="0">
+            <a:scrgbClr r="0" g="0" b="0"/>
+          </a:lnRef>
+          <a:fillRef idx="0">
+            <a:scrgbClr r="0" g="0" b="0"/>
+          </a:fillRef>
+          <a:effectRef idx="0">
+            <a:scrgbClr r="0" g="0" b="0"/>
+          </a:effectRef>
           <a:fontRef idx="minor"/>
         </p:style>
         <p:txBody>
-          <a:bodyPr lIns="90000" rIns="90000" tIns="45000" bIns="45000"/>
+          <a:bodyPr lIns="90000" tIns="45000" rIns="90000" bIns="45000"/>
+          <a:lstStyle/>
           <a:p>
             <a:pPr marL="343080" indent="-342720">
               <a:lnSpc>
@@ -8538,14 +9617,14 @@
                 <a:spcPts val="1001"/>
               </a:spcBef>
               <a:buClr>
-                <a:srgbClr val="5fcbef"/>
+                <a:srgbClr val="5FCBEF"/>
               </a:buClr>
               <a:buSzPct val="80000"/>
               <a:buFont typeface="Wingdings 3" charset="2"/>
               <a:buChar char=""/>
             </a:pPr>
             <a:r>
-              <a:rPr b="0" lang="en-US" sz="2000" spc="-1" strike="noStrike">
+              <a:rPr lang="en-US" sz="2000" b="0" strike="noStrike" spc="-1">
                 <a:solidFill>
                   <a:srgbClr val="404040"/>
                 </a:solidFill>
@@ -8553,7 +9632,7 @@
               </a:rPr>
               <a:t>Temperatur</a:t>
             </a:r>
-            <a:endParaRPr b="0" lang="en-US" sz="2000" spc="-1" strike="noStrike">
+            <a:endParaRPr lang="en-US" sz="2000" b="0" strike="noStrike" spc="-1">
               <a:latin typeface="Arial"/>
             </a:endParaRPr>
           </a:p>
@@ -8566,14 +9645,14 @@
                 <a:spcPts val="1001"/>
               </a:spcBef>
               <a:buClr>
-                <a:srgbClr val="5fcbef"/>
+                <a:srgbClr val="5FCBEF"/>
               </a:buClr>
               <a:buSzPct val="80000"/>
               <a:buFont typeface="Wingdings 3" charset="2"/>
               <a:buChar char=""/>
             </a:pPr>
             <a:r>
-              <a:rPr b="0" lang="en-US" sz="2000" spc="-1" strike="noStrike">
+              <a:rPr lang="en-US" sz="2000" b="0" strike="noStrike" spc="-1">
                 <a:solidFill>
                   <a:srgbClr val="404040"/>
                 </a:solidFill>
@@ -8581,7 +9660,7 @@
               </a:rPr>
               <a:t>Luftfeuchtigkeit</a:t>
             </a:r>
-            <a:endParaRPr b="0" lang="en-US" sz="2000" spc="-1" strike="noStrike">
+            <a:endParaRPr lang="en-US" sz="2000" b="0" strike="noStrike" spc="-1">
               <a:latin typeface="Arial"/>
             </a:endParaRPr>
           </a:p>
@@ -8594,14 +9673,14 @@
                 <a:spcPts val="1001"/>
               </a:spcBef>
               <a:buClr>
-                <a:srgbClr val="5fcbef"/>
+                <a:srgbClr val="5FCBEF"/>
               </a:buClr>
               <a:buSzPct val="80000"/>
               <a:buFont typeface="Wingdings 3" charset="2"/>
               <a:buChar char=""/>
             </a:pPr>
             <a:r>
-              <a:rPr b="0" lang="en-US" sz="2000" spc="-1" strike="noStrike">
+              <a:rPr lang="en-US" sz="2000" b="0" strike="noStrike" spc="-1">
                 <a:solidFill>
                   <a:srgbClr val="404040"/>
                 </a:solidFill>
@@ -8609,7 +9688,7 @@
               </a:rPr>
               <a:t>…</a:t>
             </a:r>
-            <a:endParaRPr b="0" lang="en-US" sz="2000" spc="-1" strike="noStrike">
+            <a:endParaRPr lang="en-US" sz="2000" b="0" strike="noStrike" spc="-1">
               <a:latin typeface="Arial"/>
             </a:endParaRPr>
           </a:p>
@@ -8617,22 +9696,25 @@
       </p:sp>
     </p:spTree>
   </p:cSld>
+  <p:clrMapOvr>
+    <a:masterClrMapping/>
+  </p:clrMapOvr>
   <p:timing>
     <p:tnLst>
       <p:par>
-        <p:cTn id="7" dur="indefinite" restart="never" nodeType="tmRoot">
+        <p:cTn id="1" dur="indefinite" restart="never" nodeType="tmRoot">
           <p:childTnLst>
             <p:seq>
-              <p:cTn id="8" dur="indefinite" nodeType="mainSeq"/>
+              <p:cTn id="2" dur="indefinite" nodeType="mainSeq"/>
               <p:prevCondLst>
-                <p:cond delay="0" evt="onPrev">
+                <p:cond evt="onPrev" delay="0">
                   <p:tgtEl>
                     <p:sldTgt/>
                   </p:tgtEl>
                 </p:cond>
               </p:prevCondLst>
               <p:nextCondLst>
-                <p:cond delay="0" evt="onNext">
+                <p:cond evt="onNext" delay="0">
                   <p:tgtEl>
                     <p:sldTgt/>
                   </p:tgtEl>
@@ -8648,7 +9730,7 @@
 </file>
 
 <file path=ppt/slides/slide5.xml><?xml version="1.0" encoding="utf-8"?>
-<p:sld xmlns:a="http://schemas.openxmlformats.org/drawingml/2006/main" xmlns:p="http://schemas.openxmlformats.org/presentationml/2006/main" xmlns:r="http://schemas.openxmlformats.org/officeDocument/2006/relationships" xmlns:p14="http://schemas.microsoft.com/office/powerpoint/2010/main" xmlns:p15="http://schemas.microsoft.com/office/powerpoint/2012/main" xmlns:mc="http://schemas.openxmlformats.org/markup-compatibility/2006">
+<p:sld xmlns:a="http://schemas.openxmlformats.org/drawingml/2006/main" xmlns:r="http://schemas.openxmlformats.org/officeDocument/2006/relationships" xmlns:p="http://schemas.openxmlformats.org/presentationml/2006/main">
   <p:cSld>
     <p:spTree>
       <p:nvGrpSpPr>
@@ -8685,6 +9767,7 @@
         </p:spPr>
         <p:txBody>
           <a:bodyPr/>
+          <a:lstStyle/>
           <a:p>
             <a:pPr>
               <a:lnSpc>
@@ -8692,16 +9775,16 @@
               </a:lnSpc>
             </a:pPr>
             <a:r>
-              <a:rPr b="0" lang="en-US" sz="3600" spc="-1" strike="noStrike" u="sng">
+              <a:rPr lang="en-US" sz="3600" b="0" u="sng" strike="noStrike" spc="-1">
                 <a:solidFill>
-                  <a:srgbClr val="5fcbef"/>
+                  <a:srgbClr val="5FCBEF"/>
                 </a:solidFill>
                 <a:uFillTx/>
                 <a:latin typeface="Trebuchet MS"/>
               </a:rPr>
               <a:t>Atmel ATmega 328p</a:t>
             </a:r>
-            <a:endParaRPr b="0" lang="en-US" sz="3600" spc="-1" strike="noStrike">
+            <a:endParaRPr lang="en-US" sz="3600" b="0" strike="noStrike" spc="-1">
               <a:solidFill>
                 <a:srgbClr val="000000"/>
               </a:solidFill>
@@ -8733,6 +9816,7 @@
           <a:bodyPr>
             <a:normAutofit/>
           </a:bodyPr>
+          <a:lstStyle/>
           <a:p>
             <a:pPr marL="343080" indent="-342720">
               <a:lnSpc>
@@ -8742,14 +9826,14 @@
                 <a:spcPts val="1001"/>
               </a:spcBef>
               <a:buClr>
-                <a:srgbClr val="5fcbef"/>
+                <a:srgbClr val="5FCBEF"/>
               </a:buClr>
               <a:buSzPct val="80000"/>
               <a:buFont typeface="Wingdings 3" charset="2"/>
               <a:buChar char=""/>
             </a:pPr>
             <a:r>
-              <a:rPr b="0" lang="en-US" sz="1800" spc="-1" strike="noStrike">
+              <a:rPr lang="en-US" sz="1800" b="0" strike="noStrike" spc="-1">
                 <a:solidFill>
                   <a:srgbClr val="404040"/>
                 </a:solidFill>
@@ -8757,12 +9841,6 @@
               </a:rPr>
               <a:t>tinyAVR, megaAVR und xmegaAVR</a:t>
             </a:r>
-            <a:endParaRPr b="0" lang="en-US" sz="1800" spc="-1" strike="noStrike">
-              <a:solidFill>
-                <a:srgbClr val="404040"/>
-              </a:solidFill>
-              <a:latin typeface="Trebuchet MS"/>
-            </a:endParaRPr>
           </a:p>
           <a:p>
             <a:pPr marL="343080" indent="-342720">
@@ -8773,14 +9851,14 @@
                 <a:spcPts val="1001"/>
               </a:spcBef>
               <a:buClr>
-                <a:srgbClr val="5fcbef"/>
+                <a:srgbClr val="5FCBEF"/>
               </a:buClr>
               <a:buSzPct val="80000"/>
               <a:buFont typeface="Wingdings 3" charset="2"/>
               <a:buChar char=""/>
             </a:pPr>
             <a:r>
-              <a:rPr b="0" lang="en-US" sz="1800" spc="-1" strike="noStrike">
+              <a:rPr lang="en-US" sz="1800" b="0" strike="noStrike" spc="-1">
                 <a:solidFill>
                   <a:srgbClr val="404040"/>
                 </a:solidFill>
@@ -8788,12 +9866,6 @@
               </a:rPr>
               <a:t>8-bit AVR-Microcontroller</a:t>
             </a:r>
-            <a:endParaRPr b="0" lang="en-US" sz="1800" spc="-1" strike="noStrike">
-              <a:solidFill>
-                <a:srgbClr val="404040"/>
-              </a:solidFill>
-              <a:latin typeface="Trebuchet MS"/>
-            </a:endParaRPr>
           </a:p>
           <a:p>
             <a:pPr marL="343080" indent="-342720">
@@ -8804,14 +9876,14 @@
                 <a:spcPts val="1001"/>
               </a:spcBef>
               <a:buClr>
-                <a:srgbClr val="5fcbef"/>
+                <a:srgbClr val="5FCBEF"/>
               </a:buClr>
               <a:buSzPct val="80000"/>
               <a:buFont typeface="Wingdings 3" charset="2"/>
               <a:buChar char=""/>
             </a:pPr>
             <a:r>
-              <a:rPr b="0" lang="en-US" sz="1800" spc="-1" strike="noStrike">
+              <a:rPr lang="en-US" sz="1800" b="0" strike="noStrike" spc="-1">
                 <a:solidFill>
                   <a:srgbClr val="404040"/>
                 </a:solidFill>
@@ -8819,12 +9891,6 @@
               </a:rPr>
               <a:t>Spannung zwischen 1,6 – 5,5V</a:t>
             </a:r>
-            <a:endParaRPr b="0" lang="en-US" sz="1800" spc="-1" strike="noStrike">
-              <a:solidFill>
-                <a:srgbClr val="404040"/>
-              </a:solidFill>
-              <a:latin typeface="Trebuchet MS"/>
-            </a:endParaRPr>
           </a:p>
           <a:p>
             <a:pPr marL="343080" indent="-342720">
@@ -8835,14 +9901,14 @@
                 <a:spcPts val="1001"/>
               </a:spcBef>
               <a:buClr>
-                <a:srgbClr val="5fcbef"/>
+                <a:srgbClr val="5FCBEF"/>
               </a:buClr>
               <a:buSzPct val="80000"/>
               <a:buFont typeface="Wingdings 3" charset="2"/>
               <a:buChar char=""/>
             </a:pPr>
             <a:r>
-              <a:rPr b="0" lang="en-US" sz="1800" spc="-1" strike="noStrike">
+              <a:rPr lang="en-US" sz="1800" b="0" strike="noStrike" spc="-1">
                 <a:solidFill>
                   <a:srgbClr val="404040"/>
                 </a:solidFill>
@@ -8850,12 +9916,6 @@
               </a:rPr>
               <a:t>32 KiB Flash-Speicher</a:t>
             </a:r>
-            <a:endParaRPr b="0" lang="en-US" sz="1800" spc="-1" strike="noStrike">
-              <a:solidFill>
-                <a:srgbClr val="404040"/>
-              </a:solidFill>
-              <a:latin typeface="Trebuchet MS"/>
-            </a:endParaRPr>
           </a:p>
           <a:p>
             <a:pPr marL="343080" indent="-342720">
@@ -8866,14 +9926,14 @@
                 <a:spcPts val="1001"/>
               </a:spcBef>
               <a:buClr>
-                <a:srgbClr val="5fcbef"/>
+                <a:srgbClr val="5FCBEF"/>
               </a:buClr>
               <a:buSzPct val="80000"/>
               <a:buFont typeface="Wingdings 3" charset="2"/>
               <a:buChar char=""/>
             </a:pPr>
             <a:r>
-              <a:rPr b="0" lang="en-US" sz="1800" spc="-1" strike="noStrike">
+              <a:rPr lang="en-US" sz="1800" b="0" strike="noStrike" spc="-1">
                 <a:solidFill>
                   <a:srgbClr val="404040"/>
                 </a:solidFill>
@@ -8881,15 +9941,9 @@
               </a:rPr>
               <a:t>Stromsparende Architektur</a:t>
             </a:r>
-            <a:endParaRPr b="0" lang="en-US" sz="1800" spc="-1" strike="noStrike">
-              <a:solidFill>
-                <a:srgbClr val="404040"/>
-              </a:solidFill>
-              <a:latin typeface="Trebuchet MS"/>
-            </a:endParaRPr>
-          </a:p>
-          <a:p>
-            <a:pPr lvl="1" marL="743040" indent="-285480">
+          </a:p>
+          <a:p>
+            <a:pPr marL="743040" lvl="1" indent="-285480">
               <a:lnSpc>
                 <a:spcPct val="100000"/>
               </a:lnSpc>
@@ -8897,14 +9951,14 @@
                 <a:spcPts val="1001"/>
               </a:spcBef>
               <a:buClr>
-                <a:srgbClr val="5fcbef"/>
+                <a:srgbClr val="5FCBEF"/>
               </a:buClr>
               <a:buSzPct val="80000"/>
               <a:buFont typeface="Wingdings 3" charset="2"/>
               <a:buChar char=""/>
             </a:pPr>
             <a:r>
-              <a:rPr b="0" lang="en-US" sz="1600" spc="-1" strike="noStrike">
+              <a:rPr lang="en-US" sz="1600" b="0" strike="noStrike" spc="-1">
                 <a:solidFill>
                   <a:srgbClr val="404040"/>
                 </a:solidFill>
@@ -8912,24 +9966,18 @@
               </a:rPr>
               <a:t>Pico Power</a:t>
             </a:r>
-            <a:endParaRPr b="0" lang="en-US" sz="1600" spc="-1" strike="noStrike">
-              <a:solidFill>
-                <a:srgbClr val="404040"/>
-              </a:solidFill>
-              <a:latin typeface="Trebuchet MS"/>
-            </a:endParaRPr>
           </a:p>
         </p:txBody>
       </p:sp>
       <p:pic>
         <p:nvPicPr>
-          <p:cNvPr id="129" name="Grafik 4" descr=""/>
+          <p:cNvPr id="129" name="Grafik 4"/>
           <p:cNvPicPr/>
           <p:nvPr/>
         </p:nvPicPr>
         <p:blipFill>
-          <a:blip r:embed="rId1"/>
-          <a:srcRect l="13849" t="0" r="17216" b="0"/>
+          <a:blip r:embed="rId2"/>
+          <a:srcRect l="13849" r="17216"/>
           <a:stretch/>
         </p:blipFill>
         <p:spPr>
@@ -8947,22 +9995,25 @@
       </p:pic>
     </p:spTree>
   </p:cSld>
+  <p:clrMapOvr>
+    <a:masterClrMapping/>
+  </p:clrMapOvr>
   <p:timing>
     <p:tnLst>
       <p:par>
-        <p:cTn id="9" dur="indefinite" restart="never" nodeType="tmRoot">
+        <p:cTn id="1" dur="indefinite" restart="never" nodeType="tmRoot">
           <p:childTnLst>
             <p:seq>
-              <p:cTn id="10" dur="indefinite" nodeType="mainSeq"/>
+              <p:cTn id="2" dur="indefinite" nodeType="mainSeq"/>
               <p:prevCondLst>
-                <p:cond delay="0" evt="onPrev">
+                <p:cond evt="onPrev" delay="0">
                   <p:tgtEl>
                     <p:sldTgt/>
                   </p:tgtEl>
                 </p:cond>
               </p:prevCondLst>
               <p:nextCondLst>
-                <p:cond delay="0" evt="onNext">
+                <p:cond evt="onNext" delay="0">
                   <p:tgtEl>
                     <p:sldTgt/>
                   </p:tgtEl>
@@ -8978,7 +10029,7 @@
 </file>
 
 <file path=ppt/slides/slide6.xml><?xml version="1.0" encoding="utf-8"?>
-<p:sld xmlns:a="http://schemas.openxmlformats.org/drawingml/2006/main" xmlns:p="http://schemas.openxmlformats.org/presentationml/2006/main" xmlns:r="http://schemas.openxmlformats.org/officeDocument/2006/relationships" xmlns:p14="http://schemas.microsoft.com/office/powerpoint/2010/main" xmlns:p15="http://schemas.microsoft.com/office/powerpoint/2012/main" xmlns:mc="http://schemas.openxmlformats.org/markup-compatibility/2006">
+<p:sld xmlns:a="http://schemas.openxmlformats.org/drawingml/2006/main" xmlns:r="http://schemas.openxmlformats.org/officeDocument/2006/relationships" xmlns:p="http://schemas.openxmlformats.org/presentationml/2006/main">
   <p:cSld>
     <p:spTree>
       <p:nvGrpSpPr>
@@ -9015,6 +10066,7 @@
         </p:spPr>
         <p:txBody>
           <a:bodyPr/>
+          <a:lstStyle/>
           <a:p>
             <a:pPr>
               <a:lnSpc>
@@ -9022,16 +10074,16 @@
               </a:lnSpc>
             </a:pPr>
             <a:r>
-              <a:rPr b="0" lang="en-US" sz="3600" spc="-1" strike="noStrike" u="sng">
+              <a:rPr lang="en-US" sz="3600" b="0" u="sng" strike="noStrike" spc="-1">
                 <a:solidFill>
-                  <a:srgbClr val="5fcbef"/>
+                  <a:srgbClr val="5FCBEF"/>
                 </a:solidFill>
                 <a:uFillTx/>
                 <a:latin typeface="Trebuchet MS"/>
               </a:rPr>
               <a:t>Vom Arduino zum Standalone</a:t>
             </a:r>
-            <a:endParaRPr b="0" lang="en-US" sz="3600" spc="-1" strike="noStrike">
+            <a:endParaRPr lang="en-US" sz="3600" b="0" strike="noStrike" spc="-1">
               <a:solidFill>
                 <a:srgbClr val="000000"/>
               </a:solidFill>
@@ -9063,6 +10115,7 @@
           <a:bodyPr>
             <a:normAutofit/>
           </a:bodyPr>
+          <a:lstStyle/>
           <a:p>
             <a:pPr marL="343080" indent="-342720">
               <a:lnSpc>
@@ -9072,14 +10125,14 @@
                 <a:spcPts val="1001"/>
               </a:spcBef>
               <a:buClr>
-                <a:srgbClr val="5fcbef"/>
+                <a:srgbClr val="5FCBEF"/>
               </a:buClr>
               <a:buSzPct val="80000"/>
               <a:buFont typeface="Wingdings 3" charset="2"/>
               <a:buChar char=""/>
             </a:pPr>
             <a:r>
-              <a:rPr b="0" lang="en-US" sz="1800" spc="-1" strike="noStrike">
+              <a:rPr lang="en-US" sz="1800" b="0" strike="noStrike" spc="-1">
                 <a:solidFill>
                   <a:srgbClr val="404040"/>
                 </a:solidFill>
@@ -9087,15 +10140,9 @@
               </a:rPr>
               <a:t>Arduino als</a:t>
             </a:r>
-            <a:endParaRPr b="0" lang="en-US" sz="1800" spc="-1" strike="noStrike">
-              <a:solidFill>
-                <a:srgbClr val="404040"/>
-              </a:solidFill>
-              <a:latin typeface="Trebuchet MS"/>
-            </a:endParaRPr>
-          </a:p>
-          <a:p>
-            <a:pPr lvl="1" marL="743040" indent="-285480">
+          </a:p>
+          <a:p>
+            <a:pPr marL="743040" lvl="1" indent="-285480">
               <a:lnSpc>
                 <a:spcPct val="150000"/>
               </a:lnSpc>
@@ -9103,14 +10150,14 @@
                 <a:spcPts val="1001"/>
               </a:spcBef>
               <a:buClr>
-                <a:srgbClr val="5fcbef"/>
+                <a:srgbClr val="5FCBEF"/>
               </a:buClr>
               <a:buSzPct val="80000"/>
               <a:buFont typeface="Wingdings 3" charset="2"/>
               <a:buChar char=""/>
             </a:pPr>
             <a:r>
-              <a:rPr b="0" lang="en-US" sz="1600" spc="-1" strike="noStrike">
+              <a:rPr lang="en-US" sz="1600" b="0" strike="noStrike" spc="-1">
                 <a:solidFill>
                   <a:srgbClr val="404040"/>
                 </a:solidFill>
@@ -9118,15 +10165,9 @@
               </a:rPr>
               <a:t>Stromversorgung</a:t>
             </a:r>
-            <a:endParaRPr b="0" lang="en-US" sz="1600" spc="-1" strike="noStrike">
-              <a:solidFill>
-                <a:srgbClr val="404040"/>
-              </a:solidFill>
-              <a:latin typeface="Trebuchet MS"/>
-            </a:endParaRPr>
-          </a:p>
-          <a:p>
-            <a:pPr lvl="1" marL="743040" indent="-285480">
+          </a:p>
+          <a:p>
+            <a:pPr marL="743040" lvl="1" indent="-285480">
               <a:lnSpc>
                 <a:spcPct val="150000"/>
               </a:lnSpc>
@@ -9134,14 +10175,14 @@
                 <a:spcPts val="1001"/>
               </a:spcBef>
               <a:buClr>
-                <a:srgbClr val="5fcbef"/>
+                <a:srgbClr val="5FCBEF"/>
               </a:buClr>
               <a:buSzPct val="80000"/>
               <a:buFont typeface="Wingdings 3" charset="2"/>
               <a:buChar char=""/>
             </a:pPr>
             <a:r>
-              <a:rPr b="0" lang="en-US" sz="1600" spc="-1" strike="noStrike">
+              <a:rPr lang="en-US" sz="1600" b="0" strike="noStrike" spc="-1">
                 <a:solidFill>
                   <a:srgbClr val="404040"/>
                 </a:solidFill>
@@ -9149,23 +10190,17 @@
               </a:rPr>
               <a:t>Programmierschnittstelle</a:t>
             </a:r>
-            <a:endParaRPr b="0" lang="en-US" sz="1600" spc="-1" strike="noStrike">
-              <a:solidFill>
-                <a:srgbClr val="404040"/>
-              </a:solidFill>
-              <a:latin typeface="Trebuchet MS"/>
-            </a:endParaRPr>
           </a:p>
         </p:txBody>
       </p:sp>
       <p:pic>
         <p:nvPicPr>
-          <p:cNvPr id="132" name="Picture 2" descr=""/>
+          <p:cNvPr id="132" name="Picture 2"/>
           <p:cNvPicPr/>
           <p:nvPr/>
         </p:nvPicPr>
         <p:blipFill>
-          <a:blip r:embed="rId1"/>
+          <a:blip r:embed="rId2"/>
           <a:stretch/>
         </p:blipFill>
         <p:spPr>
@@ -9183,22 +10218,25 @@
       </p:pic>
     </p:spTree>
   </p:cSld>
+  <p:clrMapOvr>
+    <a:masterClrMapping/>
+  </p:clrMapOvr>
   <p:timing>
     <p:tnLst>
       <p:par>
-        <p:cTn id="11" dur="indefinite" restart="never" nodeType="tmRoot">
+        <p:cTn id="1" dur="indefinite" restart="never" nodeType="tmRoot">
           <p:childTnLst>
             <p:seq>
-              <p:cTn id="12" dur="indefinite" nodeType="mainSeq"/>
+              <p:cTn id="2" dur="indefinite" nodeType="mainSeq"/>
               <p:prevCondLst>
-                <p:cond delay="0" evt="onPrev">
+                <p:cond evt="onPrev" delay="0">
                   <p:tgtEl>
                     <p:sldTgt/>
                   </p:tgtEl>
                 </p:cond>
               </p:prevCondLst>
               <p:nextCondLst>
-                <p:cond delay="0" evt="onNext">
+                <p:cond evt="onNext" delay="0">
                   <p:tgtEl>
                     <p:sldTgt/>
                   </p:tgtEl>
@@ -9214,7 +10252,7 @@
 </file>
 
 <file path=ppt/slides/slide7.xml><?xml version="1.0" encoding="utf-8"?>
-<p:sld xmlns:a="http://schemas.openxmlformats.org/drawingml/2006/main" xmlns:p="http://schemas.openxmlformats.org/presentationml/2006/main" xmlns:r="http://schemas.openxmlformats.org/officeDocument/2006/relationships" xmlns:p14="http://schemas.microsoft.com/office/powerpoint/2010/main" xmlns:p15="http://schemas.microsoft.com/office/powerpoint/2012/main" xmlns:mc="http://schemas.openxmlformats.org/markup-compatibility/2006">
+<p:sld xmlns:a="http://schemas.openxmlformats.org/drawingml/2006/main" xmlns:r="http://schemas.openxmlformats.org/officeDocument/2006/relationships" xmlns:p="http://schemas.openxmlformats.org/presentationml/2006/main">
   <p:cSld>
     <p:spTree>
       <p:nvGrpSpPr>
@@ -9251,6 +10289,7 @@
         </p:spPr>
         <p:txBody>
           <a:bodyPr/>
+          <a:lstStyle/>
           <a:p>
             <a:pPr>
               <a:lnSpc>
@@ -9258,16 +10297,16 @@
               </a:lnSpc>
             </a:pPr>
             <a:r>
-              <a:rPr b="0" lang="en-US" sz="3600" spc="-1" strike="noStrike" u="sng">
+              <a:rPr lang="en-US" sz="3600" b="0" u="sng" strike="noStrike" spc="-1">
                 <a:solidFill>
-                  <a:srgbClr val="5fcbef"/>
+                  <a:srgbClr val="5FCBEF"/>
                 </a:solidFill>
                 <a:uFillTx/>
                 <a:latin typeface="Trebuchet MS"/>
               </a:rPr>
               <a:t>Pololu AVR-Programmer</a:t>
             </a:r>
-            <a:endParaRPr b="0" lang="en-US" sz="3600" spc="-1" strike="noStrike">
+            <a:endParaRPr lang="en-US" sz="3600" b="0" strike="noStrike" spc="-1">
               <a:solidFill>
                 <a:srgbClr val="000000"/>
               </a:solidFill>
@@ -9278,12 +10317,12 @@
       </p:sp>
       <p:pic>
         <p:nvPicPr>
-          <p:cNvPr id="134" name="Inhaltsplatzhalter 4" descr=""/>
+          <p:cNvPr id="134" name="Inhaltsplatzhalter 4"/>
           <p:cNvPicPr/>
           <p:nvPr/>
         </p:nvPicPr>
         <p:blipFill>
-          <a:blip r:embed="rId1"/>
+          <a:blip r:embed="rId2"/>
           <a:stretch/>
         </p:blipFill>
         <p:spPr>
@@ -9319,13 +10358,20 @@
           </a:ln>
         </p:spPr>
         <p:style>
-          <a:lnRef idx="0"/>
-          <a:fillRef idx="0"/>
-          <a:effectRef idx="0"/>
+          <a:lnRef idx="0">
+            <a:scrgbClr r="0" g="0" b="0"/>
+          </a:lnRef>
+          <a:fillRef idx="0">
+            <a:scrgbClr r="0" g="0" b="0"/>
+          </a:fillRef>
+          <a:effectRef idx="0">
+            <a:scrgbClr r="0" g="0" b="0"/>
+          </a:effectRef>
           <a:fontRef idx="minor"/>
         </p:style>
         <p:txBody>
-          <a:bodyPr lIns="90000" rIns="90000" tIns="45000" bIns="45000"/>
+          <a:bodyPr lIns="90000" tIns="45000" rIns="90000" bIns="45000"/>
+          <a:lstStyle/>
           <a:p>
             <a:pPr marL="343080" indent="-342720">
               <a:lnSpc>
@@ -9335,14 +10381,14 @@
                 <a:spcPts val="1001"/>
               </a:spcBef>
               <a:buClr>
-                <a:srgbClr val="5fcbef"/>
+                <a:srgbClr val="5FCBEF"/>
               </a:buClr>
               <a:buSzPct val="80000"/>
               <a:buFont typeface="Wingdings 3" charset="2"/>
               <a:buChar char=""/>
             </a:pPr>
             <a:r>
-              <a:rPr b="0" lang="en-US" sz="1800" spc="-1" strike="noStrike">
+              <a:rPr lang="en-US" sz="1800" b="0" strike="noStrike" spc="-1">
                 <a:solidFill>
                   <a:srgbClr val="404040"/>
                 </a:solidFill>
@@ -9350,7 +10396,7 @@
               </a:rPr>
               <a:t>ISP (In-System Programmer)</a:t>
             </a:r>
-            <a:endParaRPr b="0" lang="en-US" sz="1800" spc="-1" strike="noStrike">
+            <a:endParaRPr lang="en-US" sz="1800" b="0" strike="noStrike" spc="-1">
               <a:latin typeface="Arial"/>
             </a:endParaRPr>
           </a:p>
@@ -9363,14 +10409,14 @@
                 <a:spcPts val="1001"/>
               </a:spcBef>
               <a:buClr>
-                <a:srgbClr val="5fcbef"/>
+                <a:srgbClr val="5FCBEF"/>
               </a:buClr>
               <a:buSzPct val="80000"/>
               <a:buFont typeface="Wingdings 3" charset="2"/>
               <a:buChar char=""/>
             </a:pPr>
             <a:r>
-              <a:rPr b="0" lang="en-US" sz="1800" spc="-1" strike="noStrike">
+              <a:rPr lang="en-US" sz="1800" b="0" strike="noStrike" spc="-1">
                 <a:solidFill>
                   <a:srgbClr val="404040"/>
                 </a:solidFill>
@@ -9378,12 +10424,12 @@
               </a:rPr>
               <a:t>2 Ports für </a:t>
             </a:r>
-            <a:endParaRPr b="0" lang="en-US" sz="1800" spc="-1" strike="noStrike">
+            <a:endParaRPr lang="en-US" sz="1800" b="0" strike="noStrike" spc="-1">
               <a:latin typeface="Arial"/>
             </a:endParaRPr>
           </a:p>
           <a:p>
-            <a:pPr lvl="1" marL="800280" indent="-342720">
+            <a:pPr marL="800280" lvl="1" indent="-342720">
               <a:lnSpc>
                 <a:spcPct val="100000"/>
               </a:lnSpc>
@@ -9391,14 +10437,14 @@
                 <a:spcPts val="1001"/>
               </a:spcBef>
               <a:buClr>
-                <a:srgbClr val="5fcbef"/>
+                <a:srgbClr val="5FCBEF"/>
               </a:buClr>
               <a:buSzPct val="80000"/>
               <a:buFont typeface="Wingdings 3" charset="2"/>
               <a:buChar char=""/>
             </a:pPr>
             <a:r>
-              <a:rPr b="0" lang="en-US" sz="1800" spc="-1" strike="noStrike">
+              <a:rPr lang="en-US" sz="1800" b="0" strike="noStrike" spc="-1">
                 <a:solidFill>
                   <a:srgbClr val="404040"/>
                 </a:solidFill>
@@ -9406,12 +10452,12 @@
               </a:rPr>
               <a:t>Programmieren</a:t>
             </a:r>
-            <a:endParaRPr b="0" lang="en-US" sz="1800" spc="-1" strike="noStrike">
+            <a:endParaRPr lang="en-US" sz="1800" b="0" strike="noStrike" spc="-1">
               <a:latin typeface="Arial"/>
             </a:endParaRPr>
           </a:p>
           <a:p>
-            <a:pPr lvl="1" marL="800280" indent="-342720">
+            <a:pPr marL="800280" lvl="1" indent="-342720">
               <a:lnSpc>
                 <a:spcPct val="100000"/>
               </a:lnSpc>
@@ -9419,14 +10465,14 @@
                 <a:spcPts val="1001"/>
               </a:spcBef>
               <a:buClr>
-                <a:srgbClr val="5fcbef"/>
+                <a:srgbClr val="5FCBEF"/>
               </a:buClr>
               <a:buSzPct val="80000"/>
               <a:buFont typeface="Wingdings 3" charset="2"/>
               <a:buChar char=""/>
             </a:pPr>
             <a:r>
-              <a:rPr b="0" lang="en-US" sz="1800" spc="-1" strike="noStrike">
+              <a:rPr lang="en-US" sz="1800" b="0" strike="noStrike" spc="-1">
                 <a:solidFill>
                   <a:srgbClr val="404040"/>
                 </a:solidFill>
@@ -9434,7 +10480,7 @@
               </a:rPr>
               <a:t>Serielle Ausgabe</a:t>
             </a:r>
-            <a:endParaRPr b="0" lang="en-US" sz="1800" spc="-1" strike="noStrike">
+            <a:endParaRPr lang="en-US" sz="1800" b="0" strike="noStrike" spc="-1">
               <a:latin typeface="Arial"/>
             </a:endParaRPr>
           </a:p>
@@ -9444,7 +10490,7 @@
                 <a:spcPct val="100000"/>
               </a:lnSpc>
             </a:pPr>
-            <a:endParaRPr b="0" lang="en-US" sz="1800" spc="-1" strike="noStrike">
+            <a:endParaRPr lang="en-US" sz="1800" b="0" strike="noStrike" spc="-1">
               <a:latin typeface="Arial"/>
             </a:endParaRPr>
           </a:p>
@@ -9452,22 +10498,25 @@
       </p:sp>
     </p:spTree>
   </p:cSld>
+  <p:clrMapOvr>
+    <a:masterClrMapping/>
+  </p:clrMapOvr>
   <p:timing>
     <p:tnLst>
       <p:par>
-        <p:cTn id="13" dur="indefinite" restart="never" nodeType="tmRoot">
+        <p:cTn id="1" dur="indefinite" restart="never" nodeType="tmRoot">
           <p:childTnLst>
             <p:seq>
-              <p:cTn id="14" dur="indefinite" nodeType="mainSeq"/>
+              <p:cTn id="2" dur="indefinite" nodeType="mainSeq"/>
               <p:prevCondLst>
-                <p:cond delay="0" evt="onPrev">
+                <p:cond evt="onPrev" delay="0">
                   <p:tgtEl>
                     <p:sldTgt/>
                   </p:tgtEl>
                 </p:cond>
               </p:prevCondLst>
               <p:nextCondLst>
-                <p:cond delay="0" evt="onNext">
+                <p:cond evt="onNext" delay="0">
                   <p:tgtEl>
                     <p:sldTgt/>
                   </p:tgtEl>
@@ -9483,7 +10532,7 @@
 </file>
 
 <file path=ppt/slides/slide8.xml><?xml version="1.0" encoding="utf-8"?>
-<p:sld xmlns:a="http://schemas.openxmlformats.org/drawingml/2006/main" xmlns:p="http://schemas.openxmlformats.org/presentationml/2006/main" xmlns:r="http://schemas.openxmlformats.org/officeDocument/2006/relationships" xmlns:p14="http://schemas.microsoft.com/office/powerpoint/2010/main" xmlns:p15="http://schemas.microsoft.com/office/powerpoint/2012/main" xmlns:mc="http://schemas.openxmlformats.org/markup-compatibility/2006">
+<p:sld xmlns:a="http://schemas.openxmlformats.org/drawingml/2006/main" xmlns:r="http://schemas.openxmlformats.org/officeDocument/2006/relationships" xmlns:p="http://schemas.openxmlformats.org/presentationml/2006/main">
   <p:cSld>
     <p:spTree>
       <p:nvGrpSpPr>
@@ -9520,6 +10569,7 @@
         </p:spPr>
         <p:txBody>
           <a:bodyPr/>
+          <a:lstStyle/>
           <a:p>
             <a:pPr>
               <a:lnSpc>
@@ -9527,15 +10577,15 @@
               </a:lnSpc>
             </a:pPr>
             <a:r>
-              <a:rPr b="0" lang="en-US" sz="3600" spc="-1" strike="noStrike">
+              <a:rPr lang="en-US" sz="3600" b="0" strike="noStrike" spc="-1">
                 <a:solidFill>
-                  <a:srgbClr val="5fcbef"/>
+                  <a:srgbClr val="5FCBEF"/>
                 </a:solidFill>
                 <a:latin typeface="Trebuchet MS"/>
               </a:rPr>
               <a:t>Atmel Studio und Tera Term</a:t>
             </a:r>
-            <a:endParaRPr b="0" lang="en-US" sz="3600" spc="-1" strike="noStrike">
+            <a:endParaRPr lang="en-US" sz="3600" b="0" strike="noStrike" spc="-1">
               <a:solidFill>
                 <a:srgbClr val="000000"/>
               </a:solidFill>
@@ -9565,8 +10615,9 @@
         </p:spPr>
         <p:txBody>
           <a:bodyPr/>
-          <a:p>
-            <a:endParaRPr b="0" lang="en-US" sz="1800" spc="-1" strike="noStrike">
+          <a:lstStyle/>
+          <a:p>
+            <a:endParaRPr lang="en-US" sz="1800" b="0" strike="noStrike" spc="-1">
               <a:solidFill>
                 <a:srgbClr val="404040"/>
               </a:solidFill>
@@ -9575,24 +10626,99 @@
           </a:p>
         </p:txBody>
       </p:sp>
+      <p:pic>
+        <p:nvPicPr>
+          <p:cNvPr id="3" name="Grafik 2">
+            <a:extLst>
+              <a:ext uri="{FF2B5EF4-FFF2-40B4-BE49-F238E27FC236}">
+                <a16:creationId xmlns:a16="http://schemas.microsoft.com/office/drawing/2014/main" id="{0C845387-28DE-4D12-9350-BB5EE15C3280}"/>
+              </a:ext>
+            </a:extLst>
+          </p:cNvPr>
+          <p:cNvPicPr>
+            <a:picLocks noChangeAspect="1"/>
+          </p:cNvPicPr>
+          <p:nvPr/>
+        </p:nvPicPr>
+        <p:blipFill>
+          <a:blip r:embed="rId2">
+            <a:extLst>
+              <a:ext uri="{28A0092B-C50C-407E-A947-70E740481C1C}">
+                <a14:useLocalDpi xmlns:a14="http://schemas.microsoft.com/office/drawing/2010/main" val="0"/>
+              </a:ext>
+            </a:extLst>
+          </a:blip>
+          <a:stretch>
+            <a:fillRect/>
+          </a:stretch>
+        </p:blipFill>
+        <p:spPr>
+          <a:xfrm>
+            <a:off x="677160" y="1422380"/>
+            <a:ext cx="8904633" cy="5006412"/>
+          </a:xfrm>
+          <a:prstGeom prst="rect">
+            <a:avLst/>
+          </a:prstGeom>
+        </p:spPr>
+      </p:pic>
+      <p:pic>
+        <p:nvPicPr>
+          <p:cNvPr id="5" name="Grafik 4">
+            <a:extLst>
+              <a:ext uri="{FF2B5EF4-FFF2-40B4-BE49-F238E27FC236}">
+                <a16:creationId xmlns:a16="http://schemas.microsoft.com/office/drawing/2014/main" id="{98A75C8E-7398-490A-B745-95565E1858FA}"/>
+              </a:ext>
+            </a:extLst>
+          </p:cNvPr>
+          <p:cNvPicPr>
+            <a:picLocks noChangeAspect="1"/>
+          </p:cNvPicPr>
+          <p:nvPr/>
+        </p:nvPicPr>
+        <p:blipFill>
+          <a:blip r:embed="rId3">
+            <a:extLst>
+              <a:ext uri="{28A0092B-C50C-407E-A947-70E740481C1C}">
+                <a14:useLocalDpi xmlns:a14="http://schemas.microsoft.com/office/drawing/2010/main" val="0"/>
+              </a:ext>
+            </a:extLst>
+          </a:blip>
+          <a:stretch>
+            <a:fillRect/>
+          </a:stretch>
+        </p:blipFill>
+        <p:spPr>
+          <a:xfrm>
+            <a:off x="4030824" y="2164737"/>
+            <a:ext cx="4163579" cy="3408371"/>
+          </a:xfrm>
+          <a:prstGeom prst="rect">
+            <a:avLst/>
+          </a:prstGeom>
+        </p:spPr>
+      </p:pic>
     </p:spTree>
   </p:cSld>
+  <p:clrMapOvr>
+    <a:masterClrMapping/>
+  </p:clrMapOvr>
   <p:timing>
     <p:tnLst>
       <p:par>
-        <p:cTn id="15" dur="indefinite" restart="never" nodeType="tmRoot">
+        <p:cTn id="1" dur="indefinite" restart="never" nodeType="tmRoot">
           <p:childTnLst>
             <p:seq>
-              <p:cTn id="16" dur="indefinite" nodeType="mainSeq"/>
+              <p:cTn id="2" dur="indefinite" nodeType="mainSeq"/>
               <p:prevCondLst>
-                <p:cond delay="0" evt="onPrev">
+                <p:cond evt="onPrev" delay="0">
                   <p:tgtEl>
                     <p:sldTgt/>
                   </p:tgtEl>
                 </p:cond>
               </p:prevCondLst>
               <p:nextCondLst>
-                <p:cond delay="0" evt="onNext">
+                <p:cond evt="onNext" delay="0">
                   <p:tgtEl>
                     <p:sldTgt/>
                   </p:tgtEl>
@@ -9608,7 +10734,7 @@
 </file>
 
 <file path=ppt/slides/slide9.xml><?xml version="1.0" encoding="utf-8"?>
-<p:sld xmlns:a="http://schemas.openxmlformats.org/drawingml/2006/main" xmlns:p="http://schemas.openxmlformats.org/presentationml/2006/main" xmlns:r="http://schemas.openxmlformats.org/officeDocument/2006/relationships" xmlns:p14="http://schemas.microsoft.com/office/powerpoint/2010/main" xmlns:p15="http://schemas.microsoft.com/office/powerpoint/2012/main" xmlns:mc="http://schemas.openxmlformats.org/markup-compatibility/2006">
+<p:sld xmlns:a="http://schemas.openxmlformats.org/drawingml/2006/main" xmlns:r="http://schemas.openxmlformats.org/officeDocument/2006/relationships" xmlns:p="http://schemas.openxmlformats.org/presentationml/2006/main">
   <p:cSld>
     <p:spTree>
       <p:nvGrpSpPr>
@@ -9645,6 +10771,7 @@
         </p:spPr>
         <p:txBody>
           <a:bodyPr/>
+          <a:lstStyle/>
           <a:p>
             <a:pPr>
               <a:lnSpc>
@@ -9652,16 +10779,16 @@
               </a:lnSpc>
             </a:pPr>
             <a:r>
-              <a:rPr b="0" lang="en-US" sz="3600" spc="-1" strike="noStrike" u="sng">
+              <a:rPr lang="en-US" sz="3600" b="0" u="sng" strike="noStrike" spc="-1">
                 <a:solidFill>
-                  <a:srgbClr val="5fcbef"/>
+                  <a:srgbClr val="5FCBEF"/>
                 </a:solidFill>
                 <a:uFillTx/>
                 <a:latin typeface="Trebuchet MS"/>
               </a:rPr>
               <a:t>Blink-Sketch</a:t>
             </a:r>
-            <a:endParaRPr b="0" lang="en-US" sz="3600" spc="-1" strike="noStrike">
+            <a:endParaRPr lang="en-US" sz="3600" b="0" strike="noStrike" spc="-1">
               <a:solidFill>
                 <a:srgbClr val="000000"/>
               </a:solidFill>
@@ -9672,13 +10799,13 @@
       </p:sp>
       <p:pic>
         <p:nvPicPr>
-          <p:cNvPr id="139" name="Inhaltsplatzhalter 4" descr=""/>
+          <p:cNvPr id="139" name="Inhaltsplatzhalter 4"/>
           <p:cNvPicPr/>
           <p:nvPr/>
         </p:nvPicPr>
         <p:blipFill>
-          <a:blip r:embed="rId1"/>
-          <a:srcRect l="0" t="1002" r="0" b="0"/>
+          <a:blip r:embed="rId2"/>
+          <a:srcRect t="1002"/>
           <a:stretch/>
         </p:blipFill>
         <p:spPr>
@@ -9696,22 +10823,25 @@
       </p:pic>
     </p:spTree>
   </p:cSld>
+  <p:clrMapOvr>
+    <a:masterClrMapping/>
+  </p:clrMapOvr>
   <p:timing>
     <p:tnLst>
       <p:par>
-        <p:cTn id="17" dur="indefinite" restart="never" nodeType="tmRoot">
+        <p:cTn id="1" dur="indefinite" restart="never" nodeType="tmRoot">
           <p:childTnLst>
             <p:seq>
-              <p:cTn id="18" dur="indefinite" nodeType="mainSeq"/>
+              <p:cTn id="2" dur="indefinite" nodeType="mainSeq"/>
               <p:prevCondLst>
-                <p:cond delay="0" evt="onPrev">
+                <p:cond evt="onPrev" delay="0">
                   <p:tgtEl>
                     <p:sldTgt/>
                   </p:tgtEl>
                 </p:cond>
               </p:prevCondLst>
               <p:nextCondLst>
-                <p:cond delay="0" evt="onNext">
+                <p:cond evt="onNext" delay="0">
                   <p:tgtEl>
                     <p:sldTgt/>
                   </p:tgtEl>
@@ -9737,34 +10867,34 @@
         <a:sysClr val="window" lastClr="FFFFFF"/>
       </a:lt1>
       <a:dk2>
-        <a:srgbClr val="2c3c43"/>
+        <a:srgbClr val="2C3C43"/>
       </a:dk2>
       <a:lt2>
-        <a:srgbClr val="ebebeb"/>
+        <a:srgbClr val="EBEBEB"/>
       </a:lt2>
       <a:accent1>
-        <a:srgbClr val="5fcbef"/>
+        <a:srgbClr val="5FCBEF"/>
       </a:accent1>
       <a:accent2>
-        <a:srgbClr val="2e83c3"/>
+        <a:srgbClr val="2E83C3"/>
       </a:accent2>
       <a:accent3>
-        <a:srgbClr val="42d0a2"/>
+        <a:srgbClr val="42D0A2"/>
       </a:accent3>
       <a:accent4>
-        <a:srgbClr val="2e946b"/>
+        <a:srgbClr val="2E946B"/>
       </a:accent4>
       <a:accent5>
-        <a:srgbClr val="42b051"/>
+        <a:srgbClr val="42B051"/>
       </a:accent5>
       <a:accent6>
-        <a:srgbClr val="96d141"/>
+        <a:srgbClr val="96D141"/>
       </a:accent6>
       <a:hlink>
-        <a:srgbClr val="3fcde7"/>
+        <a:srgbClr val="3FCDE7"/>
       </a:hlink>
       <a:folHlink>
-        <a:srgbClr val="a9d3e1"/>
+        <a:srgbClr val="A9D3E1"/>
       </a:folHlink>
     </a:clrScheme>
     <a:fontScheme name="Office">
@@ -9946,6 +11076,8 @@
       </a:bgFillStyleLst>
     </a:fmtScheme>
   </a:themeElements>
+  <a:objectDefaults/>
+  <a:extraClrSchemeLst/>
 </a:theme>
 </file>
 
@@ -9960,34 +11092,34 @@
         <a:sysClr val="window" lastClr="FFFFFF"/>
       </a:lt1>
       <a:dk2>
-        <a:srgbClr val="2c3c43"/>
+        <a:srgbClr val="2C3C43"/>
       </a:dk2>
       <a:lt2>
-        <a:srgbClr val="ebebeb"/>
+        <a:srgbClr val="EBEBEB"/>
       </a:lt2>
       <a:accent1>
-        <a:srgbClr val="5fcbef"/>
+        <a:srgbClr val="5FCBEF"/>
       </a:accent1>
       <a:accent2>
-        <a:srgbClr val="2e83c3"/>
+        <a:srgbClr val="2E83C3"/>
       </a:accent2>
       <a:accent3>
-        <a:srgbClr val="42d0a2"/>
+        <a:srgbClr val="42D0A2"/>
       </a:accent3>
       <a:accent4>
-        <a:srgbClr val="2e946b"/>
+        <a:srgbClr val="2E946B"/>
       </a:accent4>
       <a:accent5>
-        <a:srgbClr val="42b051"/>
+        <a:srgbClr val="42B051"/>
       </a:accent5>
       <a:accent6>
-        <a:srgbClr val="96d141"/>
+        <a:srgbClr val="96D141"/>
       </a:accent6>
       <a:hlink>
-        <a:srgbClr val="3fcde7"/>
+        <a:srgbClr val="3FCDE7"/>
       </a:hlink>
       <a:folHlink>
-        <a:srgbClr val="a9d3e1"/>
+        <a:srgbClr val="A9D3E1"/>
       </a:folHlink>
     </a:clrScheme>
     <a:fontScheme name="Office">
@@ -10169,5 +11301,7 @@
       </a:bgFillStyleLst>
     </a:fmtScheme>
   </a:themeElements>
+  <a:objectDefaults/>
+  <a:extraClrSchemeLst/>
 </a:theme>
 </file>
--- a/5. Semester/IoT/iot/powerPoint.pptx
+++ b/5. Semester/IoT/iot/powerPoint.pptx
@@ -1,39 +1,134 @@
 
 <file path=ppt/presentation.xml><?xml version="1.0" encoding="utf-8"?>
-<p:presentation xmlns:a="http://schemas.openxmlformats.org/drawingml/2006/main" xmlns:p="http://schemas.openxmlformats.org/presentationml/2006/main" xmlns:r="http://schemas.openxmlformats.org/officeDocument/2006/relationships" xmlns:p14="http://schemas.microsoft.com/office/powerpoint/2010/main" xmlns:p15="http://schemas.microsoft.com/office/powerpoint/2012/main" xmlns:mc="http://schemas.openxmlformats.org/markup-compatibility/2006">
+<p:presentation xmlns:a="http://schemas.openxmlformats.org/drawingml/2006/main" xmlns:r="http://schemas.openxmlformats.org/officeDocument/2006/relationships" xmlns:p="http://schemas.openxmlformats.org/presentationml/2006/main">
   <p:sldMasterIdLst>
-    <p:sldMasterId id="2147483648" r:id="rId2"/>
-    <p:sldMasterId id="2147483661" r:id="rId3"/>
+    <p:sldMasterId id="2147483648" r:id="rId1"/>
+    <p:sldMasterId id="2147483661" r:id="rId2"/>
   </p:sldMasterIdLst>
   <p:sldIdLst>
-    <p:sldId id="256" r:id="rId4"/>
-    <p:sldId id="257" r:id="rId5"/>
-    <p:sldId id="258" r:id="rId6"/>
-    <p:sldId id="259" r:id="rId7"/>
-    <p:sldId id="260" r:id="rId8"/>
-    <p:sldId id="261" r:id="rId9"/>
-    <p:sldId id="262" r:id="rId10"/>
-    <p:sldId id="263" r:id="rId11"/>
-    <p:sldId id="264" r:id="rId12"/>
+    <p:sldId id="256" r:id="rId3"/>
+    <p:sldId id="257" r:id="rId4"/>
+    <p:sldId id="258" r:id="rId5"/>
+    <p:sldId id="259" r:id="rId6"/>
+    <p:sldId id="260" r:id="rId7"/>
+    <p:sldId id="261" r:id="rId8"/>
+    <p:sldId id="262" r:id="rId9"/>
+    <p:sldId id="263" r:id="rId10"/>
+    <p:sldId id="264" r:id="rId11"/>
+    <p:sldId id="266" r:id="rId12"/>
     <p:sldId id="265" r:id="rId13"/>
-    <p:sldId id="266" r:id="rId14"/>
-    <p:sldId id="267" r:id="rId15"/>
-    <p:sldId id="268" r:id="rId16"/>
-    <p:sldId id="269" r:id="rId17"/>
-    <p:sldId id="270" r:id="rId18"/>
-    <p:sldId id="271" r:id="rId19"/>
-    <p:sldId id="272" r:id="rId20"/>
-    <p:sldId id="273" r:id="rId21"/>
-    <p:sldId id="274" r:id="rId22"/>
-    <p:sldId id="275" r:id="rId23"/>
+    <p:sldId id="267" r:id="rId14"/>
+    <p:sldId id="268" r:id="rId15"/>
+    <p:sldId id="269" r:id="rId16"/>
+    <p:sldId id="270" r:id="rId17"/>
+    <p:sldId id="271" r:id="rId18"/>
+    <p:sldId id="272" r:id="rId19"/>
+    <p:sldId id="273" r:id="rId20"/>
+    <p:sldId id="274" r:id="rId21"/>
+    <p:sldId id="275" r:id="rId22"/>
   </p:sldIdLst>
   <p:sldSz cx="12192000" cy="6858000"/>
-  <p:notesSz cx="7559675" cy="10691812"/>
+  <p:notesSz cx="7559675" cy="10691813"/>
+  <p:defaultTextStyle>
+    <a:defPPr>
+      <a:defRPr lang="de-DE"/>
+    </a:defPPr>
+    <a:lvl1pPr marL="0" algn="l" defTabSz="914400" rtl="0" eaLnBrk="1" latinLnBrk="0" hangingPunct="1">
+      <a:defRPr sz="1800" kern="1200">
+        <a:solidFill>
+          <a:schemeClr val="tx1"/>
+        </a:solidFill>
+        <a:latin typeface="+mn-lt"/>
+        <a:ea typeface="+mn-ea"/>
+        <a:cs typeface="+mn-cs"/>
+      </a:defRPr>
+    </a:lvl1pPr>
+    <a:lvl2pPr marL="457200" algn="l" defTabSz="914400" rtl="0" eaLnBrk="1" latinLnBrk="0" hangingPunct="1">
+      <a:defRPr sz="1800" kern="1200">
+        <a:solidFill>
+          <a:schemeClr val="tx1"/>
+        </a:solidFill>
+        <a:latin typeface="+mn-lt"/>
+        <a:ea typeface="+mn-ea"/>
+        <a:cs typeface="+mn-cs"/>
+      </a:defRPr>
+    </a:lvl2pPr>
+    <a:lvl3pPr marL="914400" algn="l" defTabSz="914400" rtl="0" eaLnBrk="1" latinLnBrk="0" hangingPunct="1">
+      <a:defRPr sz="1800" kern="1200">
+        <a:solidFill>
+          <a:schemeClr val="tx1"/>
+        </a:solidFill>
+        <a:latin typeface="+mn-lt"/>
+        <a:ea typeface="+mn-ea"/>
+        <a:cs typeface="+mn-cs"/>
+      </a:defRPr>
+    </a:lvl3pPr>
+    <a:lvl4pPr marL="1371600" algn="l" defTabSz="914400" rtl="0" eaLnBrk="1" latinLnBrk="0" hangingPunct="1">
+      <a:defRPr sz="1800" kern="1200">
+        <a:solidFill>
+          <a:schemeClr val="tx1"/>
+        </a:solidFill>
+        <a:latin typeface="+mn-lt"/>
+        <a:ea typeface="+mn-ea"/>
+        <a:cs typeface="+mn-cs"/>
+      </a:defRPr>
+    </a:lvl4pPr>
+    <a:lvl5pPr marL="1828800" algn="l" defTabSz="914400" rtl="0" eaLnBrk="1" latinLnBrk="0" hangingPunct="1">
+      <a:defRPr sz="1800" kern="1200">
+        <a:solidFill>
+          <a:schemeClr val="tx1"/>
+        </a:solidFill>
+        <a:latin typeface="+mn-lt"/>
+        <a:ea typeface="+mn-ea"/>
+        <a:cs typeface="+mn-cs"/>
+      </a:defRPr>
+    </a:lvl5pPr>
+    <a:lvl6pPr marL="2286000" algn="l" defTabSz="914400" rtl="0" eaLnBrk="1" latinLnBrk="0" hangingPunct="1">
+      <a:defRPr sz="1800" kern="1200">
+        <a:solidFill>
+          <a:schemeClr val="tx1"/>
+        </a:solidFill>
+        <a:latin typeface="+mn-lt"/>
+        <a:ea typeface="+mn-ea"/>
+        <a:cs typeface="+mn-cs"/>
+      </a:defRPr>
+    </a:lvl6pPr>
+    <a:lvl7pPr marL="2743200" algn="l" defTabSz="914400" rtl="0" eaLnBrk="1" latinLnBrk="0" hangingPunct="1">
+      <a:defRPr sz="1800" kern="1200">
+        <a:solidFill>
+          <a:schemeClr val="tx1"/>
+        </a:solidFill>
+        <a:latin typeface="+mn-lt"/>
+        <a:ea typeface="+mn-ea"/>
+        <a:cs typeface="+mn-cs"/>
+      </a:defRPr>
+    </a:lvl7pPr>
+    <a:lvl8pPr marL="3200400" algn="l" defTabSz="914400" rtl="0" eaLnBrk="1" latinLnBrk="0" hangingPunct="1">
+      <a:defRPr sz="1800" kern="1200">
+        <a:solidFill>
+          <a:schemeClr val="tx1"/>
+        </a:solidFill>
+        <a:latin typeface="+mn-lt"/>
+        <a:ea typeface="+mn-ea"/>
+        <a:cs typeface="+mn-cs"/>
+      </a:defRPr>
+    </a:lvl8pPr>
+    <a:lvl9pPr marL="3657600" algn="l" defTabSz="914400" rtl="0" eaLnBrk="1" latinLnBrk="0" hangingPunct="1">
+      <a:defRPr sz="1800" kern="1200">
+        <a:solidFill>
+          <a:schemeClr val="tx1"/>
+        </a:solidFill>
+        <a:latin typeface="+mn-lt"/>
+        <a:ea typeface="+mn-ea"/>
+        <a:cs typeface="+mn-cs"/>
+      </a:defRPr>
+    </a:lvl9pPr>
+  </p:defaultTextStyle>
 </p:presentation>
 </file>
 
 <file path=ppt/slideLayouts/slideLayout1.xml><?xml version="1.0" encoding="utf-8"?>
-<p:sldLayout xmlns:a="http://schemas.openxmlformats.org/drawingml/2006/main" xmlns:p="http://schemas.openxmlformats.org/presentationml/2006/main" xmlns:r="http://schemas.openxmlformats.org/officeDocument/2006/relationships" xmlns:p14="http://schemas.microsoft.com/office/powerpoint/2010/main" xmlns:p15="http://schemas.microsoft.com/office/powerpoint/2012/main" xmlns:mc="http://schemas.openxmlformats.org/markup-compatibility/2006" type="blank" preserve="1">
+<p:sldLayout xmlns:a="http://schemas.openxmlformats.org/drawingml/2006/main" xmlns:r="http://schemas.openxmlformats.org/officeDocument/2006/relationships" xmlns:p="http://schemas.openxmlformats.org/presentationml/2006/main" type="blank" preserve="1">
   <p:cSld name="Blank Slide">
     <p:spTree>
       <p:nvGrpSpPr>
@@ -51,11 +146,14 @@
       </p:grpSpPr>
     </p:spTree>
   </p:cSld>
+  <p:clrMapOvr>
+    <a:masterClrMapping/>
+  </p:clrMapOvr>
 </p:sldLayout>
 </file>
 
 <file path=ppt/slideLayouts/slideLayout10.xml><?xml version="1.0" encoding="utf-8"?>
-<p:sldLayout xmlns:a="http://schemas.openxmlformats.org/drawingml/2006/main" xmlns:p="http://schemas.openxmlformats.org/presentationml/2006/main" xmlns:r="http://schemas.openxmlformats.org/officeDocument/2006/relationships" xmlns:p14="http://schemas.microsoft.com/office/powerpoint/2010/main" xmlns:p15="http://schemas.microsoft.com/office/powerpoint/2012/main" xmlns:mc="http://schemas.openxmlformats.org/markup-compatibility/2006" type="objOverTx" preserve="1">
+<p:sldLayout xmlns:a="http://schemas.openxmlformats.org/drawingml/2006/main" xmlns:r="http://schemas.openxmlformats.org/officeDocument/2006/relationships" xmlns:p="http://schemas.openxmlformats.org/presentationml/2006/main" type="objOverTx" preserve="1">
   <p:cSld name="Title, Content over Content">
     <p:spTree>
       <p:nvGrpSpPr>
@@ -91,12 +189,13 @@
           </a:prstGeom>
         </p:spPr>
         <p:txBody>
-          <a:bodyPr lIns="0" rIns="0" tIns="0" bIns="0" anchor="ctr">
+          <a:bodyPr lIns="0" tIns="0" rIns="0" bIns="0" anchor="ctr">
             <a:spAutoFit/>
           </a:bodyPr>
+          <a:lstStyle/>
           <a:p>
             <a:pPr algn="ctr"/>
-            <a:endParaRPr b="0" lang="de-DE" sz="4400" spc="-1" strike="noStrike">
+            <a:endParaRPr lang="de-DE" sz="4400" b="0" strike="noStrike" spc="-1">
               <a:latin typeface="Arial"/>
             </a:endParaRPr>
           </a:p>
@@ -122,11 +221,12 @@
           </a:prstGeom>
         </p:spPr>
         <p:txBody>
-          <a:bodyPr lIns="0" rIns="0" tIns="0" bIns="0">
+          <a:bodyPr lIns="0" tIns="0" rIns="0" bIns="0">
             <a:normAutofit/>
           </a:bodyPr>
-          <a:p>
-            <a:endParaRPr b="0" lang="de-DE" sz="3200" spc="-1" strike="noStrike">
+          <a:lstStyle/>
+          <a:p>
+            <a:endParaRPr lang="de-DE" sz="3200" b="0" strike="noStrike" spc="-1">
               <a:latin typeface="Arial"/>
             </a:endParaRPr>
           </a:p>
@@ -152,11 +252,12 @@
           </a:prstGeom>
         </p:spPr>
         <p:txBody>
-          <a:bodyPr lIns="0" rIns="0" tIns="0" bIns="0">
+          <a:bodyPr lIns="0" tIns="0" rIns="0" bIns="0">
             <a:normAutofit/>
           </a:bodyPr>
-          <a:p>
-            <a:endParaRPr b="0" lang="de-DE" sz="3200" spc="-1" strike="noStrike">
+          <a:lstStyle/>
+          <a:p>
+            <a:endParaRPr lang="de-DE" sz="3200" b="0" strike="noStrike" spc="-1">
               <a:latin typeface="Arial"/>
             </a:endParaRPr>
           </a:p>
@@ -164,11 +265,14 @@
       </p:sp>
     </p:spTree>
   </p:cSld>
+  <p:clrMapOvr>
+    <a:masterClrMapping/>
+  </p:clrMapOvr>
 </p:sldLayout>
 </file>
 
 <file path=ppt/slideLayouts/slideLayout11.xml><?xml version="1.0" encoding="utf-8"?>
-<p:sldLayout xmlns:a="http://schemas.openxmlformats.org/drawingml/2006/main" xmlns:p="http://schemas.openxmlformats.org/presentationml/2006/main" xmlns:r="http://schemas.openxmlformats.org/officeDocument/2006/relationships" xmlns:p14="http://schemas.microsoft.com/office/powerpoint/2010/main" xmlns:p15="http://schemas.microsoft.com/office/powerpoint/2012/main" xmlns:mc="http://schemas.openxmlformats.org/markup-compatibility/2006" type="fourObj" preserve="1">
+<p:sldLayout xmlns:a="http://schemas.openxmlformats.org/drawingml/2006/main" xmlns:r="http://schemas.openxmlformats.org/officeDocument/2006/relationships" xmlns:p="http://schemas.openxmlformats.org/presentationml/2006/main" type="fourObj" preserve="1">
   <p:cSld name="Title, 4 Content">
     <p:spTree>
       <p:nvGrpSpPr>
@@ -204,12 +308,13 @@
           </a:prstGeom>
         </p:spPr>
         <p:txBody>
-          <a:bodyPr lIns="0" rIns="0" tIns="0" bIns="0" anchor="ctr">
+          <a:bodyPr lIns="0" tIns="0" rIns="0" bIns="0" anchor="ctr">
             <a:spAutoFit/>
           </a:bodyPr>
+          <a:lstStyle/>
           <a:p>
             <a:pPr algn="ctr"/>
-            <a:endParaRPr b="0" lang="de-DE" sz="4400" spc="-1" strike="noStrike">
+            <a:endParaRPr lang="de-DE" sz="4400" b="0" strike="noStrike" spc="-1">
               <a:latin typeface="Arial"/>
             </a:endParaRPr>
           </a:p>
@@ -235,11 +340,12 @@
           </a:prstGeom>
         </p:spPr>
         <p:txBody>
-          <a:bodyPr lIns="0" rIns="0" tIns="0" bIns="0">
+          <a:bodyPr lIns="0" tIns="0" rIns="0" bIns="0">
             <a:normAutofit/>
           </a:bodyPr>
-          <a:p>
-            <a:endParaRPr b="0" lang="de-DE" sz="3200" spc="-1" strike="noStrike">
+          <a:lstStyle/>
+          <a:p>
+            <a:endParaRPr lang="de-DE" sz="3200" b="0" strike="noStrike" spc="-1">
               <a:latin typeface="Arial"/>
             </a:endParaRPr>
           </a:p>
@@ -265,11 +371,12 @@
           </a:prstGeom>
         </p:spPr>
         <p:txBody>
-          <a:bodyPr lIns="0" rIns="0" tIns="0" bIns="0">
+          <a:bodyPr lIns="0" tIns="0" rIns="0" bIns="0">
             <a:normAutofit/>
           </a:bodyPr>
-          <a:p>
-            <a:endParaRPr b="0" lang="de-DE" sz="3200" spc="-1" strike="noStrike">
+          <a:lstStyle/>
+          <a:p>
+            <a:endParaRPr lang="de-DE" sz="3200" b="0" strike="noStrike" spc="-1">
               <a:latin typeface="Arial"/>
             </a:endParaRPr>
           </a:p>
@@ -295,11 +402,12 @@
           </a:prstGeom>
         </p:spPr>
         <p:txBody>
-          <a:bodyPr lIns="0" rIns="0" tIns="0" bIns="0">
+          <a:bodyPr lIns="0" tIns="0" rIns="0" bIns="0">
             <a:normAutofit/>
           </a:bodyPr>
-          <a:p>
-            <a:endParaRPr b="0" lang="de-DE" sz="3200" spc="-1" strike="noStrike">
+          <a:lstStyle/>
+          <a:p>
+            <a:endParaRPr lang="de-DE" sz="3200" b="0" strike="noStrike" spc="-1">
               <a:latin typeface="Arial"/>
             </a:endParaRPr>
           </a:p>
@@ -325,11 +433,12 @@
           </a:prstGeom>
         </p:spPr>
         <p:txBody>
-          <a:bodyPr lIns="0" rIns="0" tIns="0" bIns="0">
+          <a:bodyPr lIns="0" tIns="0" rIns="0" bIns="0">
             <a:normAutofit/>
           </a:bodyPr>
-          <a:p>
-            <a:endParaRPr b="0" lang="de-DE" sz="3200" spc="-1" strike="noStrike">
+          <a:lstStyle/>
+          <a:p>
+            <a:endParaRPr lang="de-DE" sz="3200" b="0" strike="noStrike" spc="-1">
               <a:latin typeface="Arial"/>
             </a:endParaRPr>
           </a:p>
@@ -337,11 +446,14 @@
       </p:sp>
     </p:spTree>
   </p:cSld>
+  <p:clrMapOvr>
+    <a:masterClrMapping/>
+  </p:clrMapOvr>
 </p:sldLayout>
 </file>
 
 <file path=ppt/slideLayouts/slideLayout12.xml><?xml version="1.0" encoding="utf-8"?>
-<p:sldLayout xmlns:a="http://schemas.openxmlformats.org/drawingml/2006/main" xmlns:p="http://schemas.openxmlformats.org/presentationml/2006/main" xmlns:r="http://schemas.openxmlformats.org/officeDocument/2006/relationships" xmlns:p14="http://schemas.microsoft.com/office/powerpoint/2010/main" xmlns:p15="http://schemas.microsoft.com/office/powerpoint/2012/main" xmlns:mc="http://schemas.openxmlformats.org/markup-compatibility/2006" type="blank" preserve="1">
+<p:sldLayout xmlns:a="http://schemas.openxmlformats.org/drawingml/2006/main" xmlns:r="http://schemas.openxmlformats.org/officeDocument/2006/relationships" xmlns:p="http://schemas.openxmlformats.org/presentationml/2006/main" type="blank" preserve="1">
   <p:cSld name="Title, 6 Content">
     <p:spTree>
       <p:nvGrpSpPr>
@@ -377,12 +489,13 @@
           </a:prstGeom>
         </p:spPr>
         <p:txBody>
-          <a:bodyPr lIns="0" rIns="0" tIns="0" bIns="0" anchor="ctr">
+          <a:bodyPr lIns="0" tIns="0" rIns="0" bIns="0" anchor="ctr">
             <a:spAutoFit/>
           </a:bodyPr>
+          <a:lstStyle/>
           <a:p>
             <a:pPr algn="ctr"/>
-            <a:endParaRPr b="0" lang="de-DE" sz="4400" spc="-1" strike="noStrike">
+            <a:endParaRPr lang="de-DE" sz="4400" b="0" strike="noStrike" spc="-1">
               <a:latin typeface="Arial"/>
             </a:endParaRPr>
           </a:p>
@@ -408,11 +521,12 @@
           </a:prstGeom>
         </p:spPr>
         <p:txBody>
-          <a:bodyPr lIns="0" rIns="0" tIns="0" bIns="0">
+          <a:bodyPr lIns="0" tIns="0" rIns="0" bIns="0">
             <a:normAutofit/>
           </a:bodyPr>
-          <a:p>
-            <a:endParaRPr b="0" lang="de-DE" sz="3200" spc="-1" strike="noStrike">
+          <a:lstStyle/>
+          <a:p>
+            <a:endParaRPr lang="de-DE" sz="3200" b="0" strike="noStrike" spc="-1">
               <a:latin typeface="Arial"/>
             </a:endParaRPr>
           </a:p>
@@ -438,11 +552,12 @@
           </a:prstGeom>
         </p:spPr>
         <p:txBody>
-          <a:bodyPr lIns="0" rIns="0" tIns="0" bIns="0">
+          <a:bodyPr lIns="0" tIns="0" rIns="0" bIns="0">
             <a:normAutofit/>
           </a:bodyPr>
-          <a:p>
-            <a:endParaRPr b="0" lang="de-DE" sz="3200" spc="-1" strike="noStrike">
+          <a:lstStyle/>
+          <a:p>
+            <a:endParaRPr lang="de-DE" sz="3200" b="0" strike="noStrike" spc="-1">
               <a:latin typeface="Arial"/>
             </a:endParaRPr>
           </a:p>
@@ -468,11 +583,12 @@
           </a:prstGeom>
         </p:spPr>
         <p:txBody>
-          <a:bodyPr lIns="0" rIns="0" tIns="0" bIns="0">
+          <a:bodyPr lIns="0" tIns="0" rIns="0" bIns="0">
             <a:normAutofit/>
           </a:bodyPr>
-          <a:p>
-            <a:endParaRPr b="0" lang="de-DE" sz="3200" spc="-1" strike="noStrike">
+          <a:lstStyle/>
+          <a:p>
+            <a:endParaRPr lang="de-DE" sz="3200" b="0" strike="noStrike" spc="-1">
               <a:latin typeface="Arial"/>
             </a:endParaRPr>
           </a:p>
@@ -498,11 +614,12 @@
           </a:prstGeom>
         </p:spPr>
         <p:txBody>
-          <a:bodyPr lIns="0" rIns="0" tIns="0" bIns="0">
+          <a:bodyPr lIns="0" tIns="0" rIns="0" bIns="0">
             <a:normAutofit/>
           </a:bodyPr>
-          <a:p>
-            <a:endParaRPr b="0" lang="de-DE" sz="3200" spc="-1" strike="noStrike">
+          <a:lstStyle/>
+          <a:p>
+            <a:endParaRPr lang="de-DE" sz="3200" b="0" strike="noStrike" spc="-1">
               <a:latin typeface="Arial"/>
             </a:endParaRPr>
           </a:p>
@@ -528,11 +645,12 @@
           </a:prstGeom>
         </p:spPr>
         <p:txBody>
-          <a:bodyPr lIns="0" rIns="0" tIns="0" bIns="0">
+          <a:bodyPr lIns="0" tIns="0" rIns="0" bIns="0">
             <a:normAutofit/>
           </a:bodyPr>
-          <a:p>
-            <a:endParaRPr b="0" lang="de-DE" sz="3200" spc="-1" strike="noStrike">
+          <a:lstStyle/>
+          <a:p>
+            <a:endParaRPr lang="de-DE" sz="3200" b="0" strike="noStrike" spc="-1">
               <a:latin typeface="Arial"/>
             </a:endParaRPr>
           </a:p>
@@ -558,11 +676,12 @@
           </a:prstGeom>
         </p:spPr>
         <p:txBody>
-          <a:bodyPr lIns="0" rIns="0" tIns="0" bIns="0">
+          <a:bodyPr lIns="0" tIns="0" rIns="0" bIns="0">
             <a:normAutofit/>
           </a:bodyPr>
-          <a:p>
-            <a:endParaRPr b="0" lang="de-DE" sz="3200" spc="-1" strike="noStrike">
+          <a:lstStyle/>
+          <a:p>
+            <a:endParaRPr lang="de-DE" sz="3200" b="0" strike="noStrike" spc="-1">
               <a:latin typeface="Arial"/>
             </a:endParaRPr>
           </a:p>
@@ -570,11 +689,14 @@
       </p:sp>
     </p:spTree>
   </p:cSld>
+  <p:clrMapOvr>
+    <a:masterClrMapping/>
+  </p:clrMapOvr>
 </p:sldLayout>
 </file>
 
 <file path=ppt/slideLayouts/slideLayout13.xml><?xml version="1.0" encoding="utf-8"?>
-<p:sldLayout xmlns:a="http://schemas.openxmlformats.org/drawingml/2006/main" xmlns:p="http://schemas.openxmlformats.org/presentationml/2006/main" xmlns:r="http://schemas.openxmlformats.org/officeDocument/2006/relationships" xmlns:p14="http://schemas.microsoft.com/office/powerpoint/2010/main" xmlns:p15="http://schemas.microsoft.com/office/powerpoint/2012/main" xmlns:mc="http://schemas.openxmlformats.org/markup-compatibility/2006" type="blank" preserve="1">
+<p:sldLayout xmlns:a="http://schemas.openxmlformats.org/drawingml/2006/main" xmlns:r="http://schemas.openxmlformats.org/officeDocument/2006/relationships" xmlns:p="http://schemas.openxmlformats.org/presentationml/2006/main" type="blank" preserve="1">
   <p:cSld name="Blank Slide">
     <p:spTree>
       <p:nvGrpSpPr>
@@ -592,11 +714,14 @@
       </p:grpSpPr>
     </p:spTree>
   </p:cSld>
+  <p:clrMapOvr>
+    <a:masterClrMapping/>
+  </p:clrMapOvr>
 </p:sldLayout>
 </file>
 
 <file path=ppt/slideLayouts/slideLayout14.xml><?xml version="1.0" encoding="utf-8"?>
-<p:sldLayout xmlns:a="http://schemas.openxmlformats.org/drawingml/2006/main" xmlns:p="http://schemas.openxmlformats.org/presentationml/2006/main" xmlns:r="http://schemas.openxmlformats.org/officeDocument/2006/relationships" xmlns:p14="http://schemas.microsoft.com/office/powerpoint/2010/main" xmlns:p15="http://schemas.microsoft.com/office/powerpoint/2012/main" xmlns:mc="http://schemas.openxmlformats.org/markup-compatibility/2006" type="tx" preserve="1">
+<p:sldLayout xmlns:a="http://schemas.openxmlformats.org/drawingml/2006/main" xmlns:r="http://schemas.openxmlformats.org/officeDocument/2006/relationships" xmlns:p="http://schemas.openxmlformats.org/presentationml/2006/main" type="tx" preserve="1">
   <p:cSld name="Title Slide">
     <p:spTree>
       <p:nvGrpSpPr>
@@ -632,12 +757,13 @@
           </a:prstGeom>
         </p:spPr>
         <p:txBody>
-          <a:bodyPr lIns="0" rIns="0" tIns="0" bIns="0" anchor="ctr">
+          <a:bodyPr lIns="0" tIns="0" rIns="0" bIns="0" anchor="ctr">
             <a:spAutoFit/>
           </a:bodyPr>
+          <a:lstStyle/>
           <a:p>
             <a:pPr algn="ctr"/>
-            <a:endParaRPr b="0" lang="de-DE" sz="4400" spc="-1" strike="noStrike">
+            <a:endParaRPr lang="de-DE" sz="4400" b="0" strike="noStrike" spc="-1">
               <a:latin typeface="Arial"/>
             </a:endParaRPr>
           </a:p>
@@ -663,12 +789,13 @@
           </a:prstGeom>
         </p:spPr>
         <p:txBody>
-          <a:bodyPr lIns="0" rIns="0" tIns="0" bIns="0" anchor="ctr">
+          <a:bodyPr lIns="0" tIns="0" rIns="0" bIns="0" anchor="ctr">
             <a:spAutoFit/>
           </a:bodyPr>
+          <a:lstStyle/>
           <a:p>
             <a:pPr algn="ctr"/>
-            <a:endParaRPr b="0" lang="de-DE" sz="3200" spc="-1" strike="noStrike">
+            <a:endParaRPr lang="de-DE" sz="3200" b="0" strike="noStrike" spc="-1">
               <a:latin typeface="Arial"/>
             </a:endParaRPr>
           </a:p>
@@ -676,11 +803,14 @@
       </p:sp>
     </p:spTree>
   </p:cSld>
+  <p:clrMapOvr>
+    <a:masterClrMapping/>
+  </p:clrMapOvr>
 </p:sldLayout>
 </file>
 
 <file path=ppt/slideLayouts/slideLayout15.xml><?xml version="1.0" encoding="utf-8"?>
-<p:sldLayout xmlns:a="http://schemas.openxmlformats.org/drawingml/2006/main" xmlns:p="http://schemas.openxmlformats.org/presentationml/2006/main" xmlns:r="http://schemas.openxmlformats.org/officeDocument/2006/relationships" xmlns:p14="http://schemas.microsoft.com/office/powerpoint/2010/main" xmlns:p15="http://schemas.microsoft.com/office/powerpoint/2012/main" xmlns:mc="http://schemas.openxmlformats.org/markup-compatibility/2006" type="obj" preserve="1">
+<p:sldLayout xmlns:a="http://schemas.openxmlformats.org/drawingml/2006/main" xmlns:r="http://schemas.openxmlformats.org/officeDocument/2006/relationships" xmlns:p="http://schemas.openxmlformats.org/presentationml/2006/main" type="obj" preserve="1">
   <p:cSld name="Title, Content">
     <p:spTree>
       <p:nvGrpSpPr>
@@ -716,12 +846,13 @@
           </a:prstGeom>
         </p:spPr>
         <p:txBody>
-          <a:bodyPr lIns="0" rIns="0" tIns="0" bIns="0" anchor="ctr">
+          <a:bodyPr lIns="0" tIns="0" rIns="0" bIns="0" anchor="ctr">
             <a:spAutoFit/>
           </a:bodyPr>
+          <a:lstStyle/>
           <a:p>
             <a:pPr algn="ctr"/>
-            <a:endParaRPr b="0" lang="de-DE" sz="4400" spc="-1" strike="noStrike">
+            <a:endParaRPr lang="de-DE" sz="4400" b="0" strike="noStrike" spc="-1">
               <a:latin typeface="Arial"/>
             </a:endParaRPr>
           </a:p>
@@ -747,11 +878,12 @@
           </a:prstGeom>
         </p:spPr>
         <p:txBody>
-          <a:bodyPr lIns="0" rIns="0" tIns="0" bIns="0">
+          <a:bodyPr lIns="0" tIns="0" rIns="0" bIns="0">
             <a:normAutofit/>
           </a:bodyPr>
-          <a:p>
-            <a:endParaRPr b="0" lang="de-DE" sz="3200" spc="-1" strike="noStrike">
+          <a:lstStyle/>
+          <a:p>
+            <a:endParaRPr lang="de-DE" sz="3200" b="0" strike="noStrike" spc="-1">
               <a:latin typeface="Arial"/>
             </a:endParaRPr>
           </a:p>
@@ -759,11 +891,14 @@
       </p:sp>
     </p:spTree>
   </p:cSld>
+  <p:clrMapOvr>
+    <a:masterClrMapping/>
+  </p:clrMapOvr>
 </p:sldLayout>
 </file>
 
 <file path=ppt/slideLayouts/slideLayout16.xml><?xml version="1.0" encoding="utf-8"?>
-<p:sldLayout xmlns:a="http://schemas.openxmlformats.org/drawingml/2006/main" xmlns:p="http://schemas.openxmlformats.org/presentationml/2006/main" xmlns:r="http://schemas.openxmlformats.org/officeDocument/2006/relationships" xmlns:p14="http://schemas.microsoft.com/office/powerpoint/2010/main" xmlns:p15="http://schemas.microsoft.com/office/powerpoint/2012/main" xmlns:mc="http://schemas.openxmlformats.org/markup-compatibility/2006" type="twoObj" preserve="1">
+<p:sldLayout xmlns:a="http://schemas.openxmlformats.org/drawingml/2006/main" xmlns:r="http://schemas.openxmlformats.org/officeDocument/2006/relationships" xmlns:p="http://schemas.openxmlformats.org/presentationml/2006/main" type="twoObj" preserve="1">
   <p:cSld name="Title, 2 Content">
     <p:spTree>
       <p:nvGrpSpPr>
@@ -799,12 +934,13 @@
           </a:prstGeom>
         </p:spPr>
         <p:txBody>
-          <a:bodyPr lIns="0" rIns="0" tIns="0" bIns="0" anchor="ctr">
+          <a:bodyPr lIns="0" tIns="0" rIns="0" bIns="0" anchor="ctr">
             <a:spAutoFit/>
           </a:bodyPr>
+          <a:lstStyle/>
           <a:p>
             <a:pPr algn="ctr"/>
-            <a:endParaRPr b="0" lang="de-DE" sz="4400" spc="-1" strike="noStrike">
+            <a:endParaRPr lang="de-DE" sz="4400" b="0" strike="noStrike" spc="-1">
               <a:latin typeface="Arial"/>
             </a:endParaRPr>
           </a:p>
@@ -830,11 +966,12 @@
           </a:prstGeom>
         </p:spPr>
         <p:txBody>
-          <a:bodyPr lIns="0" rIns="0" tIns="0" bIns="0">
+          <a:bodyPr lIns="0" tIns="0" rIns="0" bIns="0">
             <a:normAutofit/>
           </a:bodyPr>
-          <a:p>
-            <a:endParaRPr b="0" lang="de-DE" sz="3200" spc="-1" strike="noStrike">
+          <a:lstStyle/>
+          <a:p>
+            <a:endParaRPr lang="de-DE" sz="3200" b="0" strike="noStrike" spc="-1">
               <a:latin typeface="Arial"/>
             </a:endParaRPr>
           </a:p>
@@ -860,11 +997,12 @@
           </a:prstGeom>
         </p:spPr>
         <p:txBody>
-          <a:bodyPr lIns="0" rIns="0" tIns="0" bIns="0">
+          <a:bodyPr lIns="0" tIns="0" rIns="0" bIns="0">
             <a:normAutofit/>
           </a:bodyPr>
-          <a:p>
-            <a:endParaRPr b="0" lang="de-DE" sz="3200" spc="-1" strike="noStrike">
+          <a:lstStyle/>
+          <a:p>
+            <a:endParaRPr lang="de-DE" sz="3200" b="0" strike="noStrike" spc="-1">
               <a:latin typeface="Arial"/>
             </a:endParaRPr>
           </a:p>
@@ -872,11 +1010,14 @@
       </p:sp>
     </p:spTree>
   </p:cSld>
+  <p:clrMapOvr>
+    <a:masterClrMapping/>
+  </p:clrMapOvr>
 </p:sldLayout>
 </file>
 
 <file path=ppt/slideLayouts/slideLayout17.xml><?xml version="1.0" encoding="utf-8"?>
-<p:sldLayout xmlns:a="http://schemas.openxmlformats.org/drawingml/2006/main" xmlns:p="http://schemas.openxmlformats.org/presentationml/2006/main" xmlns:r="http://schemas.openxmlformats.org/officeDocument/2006/relationships" xmlns:p14="http://schemas.microsoft.com/office/powerpoint/2010/main" xmlns:p15="http://schemas.microsoft.com/office/powerpoint/2012/main" xmlns:mc="http://schemas.openxmlformats.org/markup-compatibility/2006" type="titleOnly" preserve="1">
+<p:sldLayout xmlns:a="http://schemas.openxmlformats.org/drawingml/2006/main" xmlns:r="http://schemas.openxmlformats.org/officeDocument/2006/relationships" xmlns:p="http://schemas.openxmlformats.org/presentationml/2006/main" type="titleOnly" preserve="1">
   <p:cSld name="Title Only">
     <p:spTree>
       <p:nvGrpSpPr>
@@ -912,12 +1053,13 @@
           </a:prstGeom>
         </p:spPr>
         <p:txBody>
-          <a:bodyPr lIns="0" rIns="0" tIns="0" bIns="0" anchor="ctr">
+          <a:bodyPr lIns="0" tIns="0" rIns="0" bIns="0" anchor="ctr">
             <a:spAutoFit/>
           </a:bodyPr>
+          <a:lstStyle/>
           <a:p>
             <a:pPr algn="ctr"/>
-            <a:endParaRPr b="0" lang="de-DE" sz="4400" spc="-1" strike="noStrike">
+            <a:endParaRPr lang="de-DE" sz="4400" b="0" strike="noStrike" spc="-1">
               <a:latin typeface="Arial"/>
             </a:endParaRPr>
           </a:p>
@@ -925,11 +1067,14 @@
       </p:sp>
     </p:spTree>
   </p:cSld>
+  <p:clrMapOvr>
+    <a:masterClrMapping/>
+  </p:clrMapOvr>
 </p:sldLayout>
 </file>
 
 <file path=ppt/slideLayouts/slideLayout18.xml><?xml version="1.0" encoding="utf-8"?>
-<p:sldLayout xmlns:a="http://schemas.openxmlformats.org/drawingml/2006/main" xmlns:p="http://schemas.openxmlformats.org/presentationml/2006/main" xmlns:r="http://schemas.openxmlformats.org/officeDocument/2006/relationships" xmlns:p14="http://schemas.microsoft.com/office/powerpoint/2010/main" xmlns:p15="http://schemas.microsoft.com/office/powerpoint/2012/main" xmlns:mc="http://schemas.openxmlformats.org/markup-compatibility/2006" type="objOnly" preserve="1">
+<p:sldLayout xmlns:a="http://schemas.openxmlformats.org/drawingml/2006/main" xmlns:r="http://schemas.openxmlformats.org/officeDocument/2006/relationships" xmlns:p="http://schemas.openxmlformats.org/presentationml/2006/main" type="objOnly" preserve="1">
   <p:cSld name="Centered Text">
     <p:spTree>
       <p:nvGrpSpPr>
@@ -965,12 +1110,13 @@
           </a:prstGeom>
         </p:spPr>
         <p:txBody>
-          <a:bodyPr lIns="0" rIns="0" tIns="0" bIns="0" anchor="ctr">
+          <a:bodyPr lIns="0" tIns="0" rIns="0" bIns="0" anchor="ctr">
             <a:spAutoFit/>
           </a:bodyPr>
+          <a:lstStyle/>
           <a:p>
             <a:pPr algn="ctr"/>
-            <a:endParaRPr b="0" lang="de-DE" sz="3200" spc="-1" strike="noStrike">
+            <a:endParaRPr lang="de-DE" sz="3200" b="0" strike="noStrike" spc="-1">
               <a:latin typeface="Arial"/>
             </a:endParaRPr>
           </a:p>
@@ -978,11 +1124,14 @@
       </p:sp>
     </p:spTree>
   </p:cSld>
+  <p:clrMapOvr>
+    <a:masterClrMapping/>
+  </p:clrMapOvr>
 </p:sldLayout>
 </file>
 
 <file path=ppt/slideLayouts/slideLayout19.xml><?xml version="1.0" encoding="utf-8"?>
-<p:sldLayout xmlns:a="http://schemas.openxmlformats.org/drawingml/2006/main" xmlns:p="http://schemas.openxmlformats.org/presentationml/2006/main" xmlns:r="http://schemas.openxmlformats.org/officeDocument/2006/relationships" xmlns:p14="http://schemas.microsoft.com/office/powerpoint/2010/main" xmlns:p15="http://schemas.microsoft.com/office/powerpoint/2012/main" xmlns:mc="http://schemas.openxmlformats.org/markup-compatibility/2006" type="twoObjAndObj" preserve="1">
+<p:sldLayout xmlns:a="http://schemas.openxmlformats.org/drawingml/2006/main" xmlns:r="http://schemas.openxmlformats.org/officeDocument/2006/relationships" xmlns:p="http://schemas.openxmlformats.org/presentationml/2006/main" type="twoObjAndObj" preserve="1">
   <p:cSld name="Title, 2 Content and Content">
     <p:spTree>
       <p:nvGrpSpPr>
@@ -1018,12 +1167,13 @@
           </a:prstGeom>
         </p:spPr>
         <p:txBody>
-          <a:bodyPr lIns="0" rIns="0" tIns="0" bIns="0" anchor="ctr">
+          <a:bodyPr lIns="0" tIns="0" rIns="0" bIns="0" anchor="ctr">
             <a:spAutoFit/>
           </a:bodyPr>
+          <a:lstStyle/>
           <a:p>
             <a:pPr algn="ctr"/>
-            <a:endParaRPr b="0" lang="de-DE" sz="4400" spc="-1" strike="noStrike">
+            <a:endParaRPr lang="de-DE" sz="4400" b="0" strike="noStrike" spc="-1">
               <a:latin typeface="Arial"/>
             </a:endParaRPr>
           </a:p>
@@ -1049,11 +1199,12 @@
           </a:prstGeom>
         </p:spPr>
         <p:txBody>
-          <a:bodyPr lIns="0" rIns="0" tIns="0" bIns="0">
+          <a:bodyPr lIns="0" tIns="0" rIns="0" bIns="0">
             <a:normAutofit/>
           </a:bodyPr>
-          <a:p>
-            <a:endParaRPr b="0" lang="de-DE" sz="3200" spc="-1" strike="noStrike">
+          <a:lstStyle/>
+          <a:p>
+            <a:endParaRPr lang="de-DE" sz="3200" b="0" strike="noStrike" spc="-1">
               <a:latin typeface="Arial"/>
             </a:endParaRPr>
           </a:p>
@@ -1079,11 +1230,12 @@
           </a:prstGeom>
         </p:spPr>
         <p:txBody>
-          <a:bodyPr lIns="0" rIns="0" tIns="0" bIns="0">
+          <a:bodyPr lIns="0" tIns="0" rIns="0" bIns="0">
             <a:normAutofit/>
           </a:bodyPr>
-          <a:p>
-            <a:endParaRPr b="0" lang="de-DE" sz="3200" spc="-1" strike="noStrike">
+          <a:lstStyle/>
+          <a:p>
+            <a:endParaRPr lang="de-DE" sz="3200" b="0" strike="noStrike" spc="-1">
               <a:latin typeface="Arial"/>
             </a:endParaRPr>
           </a:p>
@@ -1109,11 +1261,12 @@
           </a:prstGeom>
         </p:spPr>
         <p:txBody>
-          <a:bodyPr lIns="0" rIns="0" tIns="0" bIns="0">
+          <a:bodyPr lIns="0" tIns="0" rIns="0" bIns="0">
             <a:normAutofit/>
           </a:bodyPr>
-          <a:p>
-            <a:endParaRPr b="0" lang="de-DE" sz="3200" spc="-1" strike="noStrike">
+          <a:lstStyle/>
+          <a:p>
+            <a:endParaRPr lang="de-DE" sz="3200" b="0" strike="noStrike" spc="-1">
               <a:latin typeface="Arial"/>
             </a:endParaRPr>
           </a:p>
@@ -1121,11 +1274,14 @@
       </p:sp>
     </p:spTree>
   </p:cSld>
+  <p:clrMapOvr>
+    <a:masterClrMapping/>
+  </p:clrMapOvr>
 </p:sldLayout>
 </file>
 
 <file path=ppt/slideLayouts/slideLayout2.xml><?xml version="1.0" encoding="utf-8"?>
-<p:sldLayout xmlns:a="http://schemas.openxmlformats.org/drawingml/2006/main" xmlns:p="http://schemas.openxmlformats.org/presentationml/2006/main" xmlns:r="http://schemas.openxmlformats.org/officeDocument/2006/relationships" xmlns:p14="http://schemas.microsoft.com/office/powerpoint/2010/main" xmlns:p15="http://schemas.microsoft.com/office/powerpoint/2012/main" xmlns:mc="http://schemas.openxmlformats.org/markup-compatibility/2006" type="tx" preserve="1">
+<p:sldLayout xmlns:a="http://schemas.openxmlformats.org/drawingml/2006/main" xmlns:r="http://schemas.openxmlformats.org/officeDocument/2006/relationships" xmlns:p="http://schemas.openxmlformats.org/presentationml/2006/main" type="tx" preserve="1">
   <p:cSld name="Title Slide">
     <p:spTree>
       <p:nvGrpSpPr>
@@ -1161,12 +1317,13 @@
           </a:prstGeom>
         </p:spPr>
         <p:txBody>
-          <a:bodyPr lIns="0" rIns="0" tIns="0" bIns="0" anchor="ctr">
+          <a:bodyPr lIns="0" tIns="0" rIns="0" bIns="0" anchor="ctr">
             <a:spAutoFit/>
           </a:bodyPr>
+          <a:lstStyle/>
           <a:p>
             <a:pPr algn="ctr"/>
-            <a:endParaRPr b="0" lang="de-DE" sz="4400" spc="-1" strike="noStrike">
+            <a:endParaRPr lang="de-DE" sz="4400" b="0" strike="noStrike" spc="-1">
               <a:latin typeface="Arial"/>
             </a:endParaRPr>
           </a:p>
@@ -1192,12 +1349,13 @@
           </a:prstGeom>
         </p:spPr>
         <p:txBody>
-          <a:bodyPr lIns="0" rIns="0" tIns="0" bIns="0" anchor="ctr">
+          <a:bodyPr lIns="0" tIns="0" rIns="0" bIns="0" anchor="ctr">
             <a:spAutoFit/>
           </a:bodyPr>
+          <a:lstStyle/>
           <a:p>
             <a:pPr algn="ctr"/>
-            <a:endParaRPr b="0" lang="de-DE" sz="3200" spc="-1" strike="noStrike">
+            <a:endParaRPr lang="de-DE" sz="3200" b="0" strike="noStrike" spc="-1">
               <a:latin typeface="Arial"/>
             </a:endParaRPr>
           </a:p>
@@ -1205,11 +1363,14 @@
       </p:sp>
     </p:spTree>
   </p:cSld>
+  <p:clrMapOvr>
+    <a:masterClrMapping/>
+  </p:clrMapOvr>
 </p:sldLayout>
 </file>
 
 <file path=ppt/slideLayouts/slideLayout20.xml><?xml version="1.0" encoding="utf-8"?>
-<p:sldLayout xmlns:a="http://schemas.openxmlformats.org/drawingml/2006/main" xmlns:p="http://schemas.openxmlformats.org/presentationml/2006/main" xmlns:r="http://schemas.openxmlformats.org/officeDocument/2006/relationships" xmlns:p14="http://schemas.microsoft.com/office/powerpoint/2010/main" xmlns:p15="http://schemas.microsoft.com/office/powerpoint/2012/main" xmlns:mc="http://schemas.openxmlformats.org/markup-compatibility/2006" type="objAndTwoObj" preserve="1">
+<p:sldLayout xmlns:a="http://schemas.openxmlformats.org/drawingml/2006/main" xmlns:r="http://schemas.openxmlformats.org/officeDocument/2006/relationships" xmlns:p="http://schemas.openxmlformats.org/presentationml/2006/main" type="objAndTwoObj" preserve="1">
   <p:cSld name="Title Content and 2 Content">
     <p:spTree>
       <p:nvGrpSpPr>
@@ -1245,12 +1406,13 @@
           </a:prstGeom>
         </p:spPr>
         <p:txBody>
-          <a:bodyPr lIns="0" rIns="0" tIns="0" bIns="0" anchor="ctr">
+          <a:bodyPr lIns="0" tIns="0" rIns="0" bIns="0" anchor="ctr">
             <a:spAutoFit/>
           </a:bodyPr>
+          <a:lstStyle/>
           <a:p>
             <a:pPr algn="ctr"/>
-            <a:endParaRPr b="0" lang="de-DE" sz="4400" spc="-1" strike="noStrike">
+            <a:endParaRPr lang="de-DE" sz="4400" b="0" strike="noStrike" spc="-1">
               <a:latin typeface="Arial"/>
             </a:endParaRPr>
           </a:p>
@@ -1276,11 +1438,12 @@
           </a:prstGeom>
         </p:spPr>
         <p:txBody>
-          <a:bodyPr lIns="0" rIns="0" tIns="0" bIns="0">
+          <a:bodyPr lIns="0" tIns="0" rIns="0" bIns="0">
             <a:normAutofit/>
           </a:bodyPr>
-          <a:p>
-            <a:endParaRPr b="0" lang="de-DE" sz="3200" spc="-1" strike="noStrike">
+          <a:lstStyle/>
+          <a:p>
+            <a:endParaRPr lang="de-DE" sz="3200" b="0" strike="noStrike" spc="-1">
               <a:latin typeface="Arial"/>
             </a:endParaRPr>
           </a:p>
@@ -1306,11 +1469,12 @@
           </a:prstGeom>
         </p:spPr>
         <p:txBody>
-          <a:bodyPr lIns="0" rIns="0" tIns="0" bIns="0">
+          <a:bodyPr lIns="0" tIns="0" rIns="0" bIns="0">
             <a:normAutofit/>
           </a:bodyPr>
-          <a:p>
-            <a:endParaRPr b="0" lang="de-DE" sz="3200" spc="-1" strike="noStrike">
+          <a:lstStyle/>
+          <a:p>
+            <a:endParaRPr lang="de-DE" sz="3200" b="0" strike="noStrike" spc="-1">
               <a:latin typeface="Arial"/>
             </a:endParaRPr>
           </a:p>
@@ -1336,11 +1500,12 @@
           </a:prstGeom>
         </p:spPr>
         <p:txBody>
-          <a:bodyPr lIns="0" rIns="0" tIns="0" bIns="0">
+          <a:bodyPr lIns="0" tIns="0" rIns="0" bIns="0">
             <a:normAutofit/>
           </a:bodyPr>
-          <a:p>
-            <a:endParaRPr b="0" lang="de-DE" sz="3200" spc="-1" strike="noStrike">
+          <a:lstStyle/>
+          <a:p>
+            <a:endParaRPr lang="de-DE" sz="3200" b="0" strike="noStrike" spc="-1">
               <a:latin typeface="Arial"/>
             </a:endParaRPr>
           </a:p>
@@ -1348,11 +1513,14 @@
       </p:sp>
     </p:spTree>
   </p:cSld>
+  <p:clrMapOvr>
+    <a:masterClrMapping/>
+  </p:clrMapOvr>
 </p:sldLayout>
 </file>
 
 <file path=ppt/slideLayouts/slideLayout21.xml><?xml version="1.0" encoding="utf-8"?>
-<p:sldLayout xmlns:a="http://schemas.openxmlformats.org/drawingml/2006/main" xmlns:p="http://schemas.openxmlformats.org/presentationml/2006/main" xmlns:r="http://schemas.openxmlformats.org/officeDocument/2006/relationships" xmlns:p14="http://schemas.microsoft.com/office/powerpoint/2010/main" xmlns:p15="http://schemas.microsoft.com/office/powerpoint/2012/main" xmlns:mc="http://schemas.openxmlformats.org/markup-compatibility/2006" type="twoObjOverTx" preserve="1">
+<p:sldLayout xmlns:a="http://schemas.openxmlformats.org/drawingml/2006/main" xmlns:r="http://schemas.openxmlformats.org/officeDocument/2006/relationships" xmlns:p="http://schemas.openxmlformats.org/presentationml/2006/main" type="twoObjOverTx" preserve="1">
   <p:cSld name="Title, 2 Content over Content">
     <p:spTree>
       <p:nvGrpSpPr>
@@ -1388,12 +1556,13 @@
           </a:prstGeom>
         </p:spPr>
         <p:txBody>
-          <a:bodyPr lIns="0" rIns="0" tIns="0" bIns="0" anchor="ctr">
+          <a:bodyPr lIns="0" tIns="0" rIns="0" bIns="0" anchor="ctr">
             <a:spAutoFit/>
           </a:bodyPr>
+          <a:lstStyle/>
           <a:p>
             <a:pPr algn="ctr"/>
-            <a:endParaRPr b="0" lang="de-DE" sz="4400" spc="-1" strike="noStrike">
+            <a:endParaRPr lang="de-DE" sz="4400" b="0" strike="noStrike" spc="-1">
               <a:latin typeface="Arial"/>
             </a:endParaRPr>
           </a:p>
@@ -1419,11 +1588,12 @@
           </a:prstGeom>
         </p:spPr>
         <p:txBody>
-          <a:bodyPr lIns="0" rIns="0" tIns="0" bIns="0">
+          <a:bodyPr lIns="0" tIns="0" rIns="0" bIns="0">
             <a:normAutofit/>
           </a:bodyPr>
-          <a:p>
-            <a:endParaRPr b="0" lang="de-DE" sz="3200" spc="-1" strike="noStrike">
+          <a:lstStyle/>
+          <a:p>
+            <a:endParaRPr lang="de-DE" sz="3200" b="0" strike="noStrike" spc="-1">
               <a:latin typeface="Arial"/>
             </a:endParaRPr>
           </a:p>
@@ -1449,11 +1619,12 @@
           </a:prstGeom>
         </p:spPr>
         <p:txBody>
-          <a:bodyPr lIns="0" rIns="0" tIns="0" bIns="0">
+          <a:bodyPr lIns="0" tIns="0" rIns="0" bIns="0">
             <a:normAutofit/>
           </a:bodyPr>
-          <a:p>
-            <a:endParaRPr b="0" lang="de-DE" sz="3200" spc="-1" strike="noStrike">
+          <a:lstStyle/>
+          <a:p>
+            <a:endParaRPr lang="de-DE" sz="3200" b="0" strike="noStrike" spc="-1">
               <a:latin typeface="Arial"/>
             </a:endParaRPr>
           </a:p>
@@ -1479,11 +1650,12 @@
           </a:prstGeom>
         </p:spPr>
         <p:txBody>
-          <a:bodyPr lIns="0" rIns="0" tIns="0" bIns="0">
+          <a:bodyPr lIns="0" tIns="0" rIns="0" bIns="0">
             <a:normAutofit/>
           </a:bodyPr>
-          <a:p>
-            <a:endParaRPr b="0" lang="de-DE" sz="3200" spc="-1" strike="noStrike">
+          <a:lstStyle/>
+          <a:p>
+            <a:endParaRPr lang="de-DE" sz="3200" b="0" strike="noStrike" spc="-1">
               <a:latin typeface="Arial"/>
             </a:endParaRPr>
           </a:p>
@@ -1491,11 +1663,14 @@
       </p:sp>
     </p:spTree>
   </p:cSld>
+  <p:clrMapOvr>
+    <a:masterClrMapping/>
+  </p:clrMapOvr>
 </p:sldLayout>
 </file>
 
 <file path=ppt/slideLayouts/slideLayout22.xml><?xml version="1.0" encoding="utf-8"?>
-<p:sldLayout xmlns:a="http://schemas.openxmlformats.org/drawingml/2006/main" xmlns:p="http://schemas.openxmlformats.org/presentationml/2006/main" xmlns:r="http://schemas.openxmlformats.org/officeDocument/2006/relationships" xmlns:p14="http://schemas.microsoft.com/office/powerpoint/2010/main" xmlns:p15="http://schemas.microsoft.com/office/powerpoint/2012/main" xmlns:mc="http://schemas.openxmlformats.org/markup-compatibility/2006" type="objOverTx" preserve="1">
+<p:sldLayout xmlns:a="http://schemas.openxmlformats.org/drawingml/2006/main" xmlns:r="http://schemas.openxmlformats.org/officeDocument/2006/relationships" xmlns:p="http://schemas.openxmlformats.org/presentationml/2006/main" type="objOverTx" preserve="1">
   <p:cSld name="Title, Content over Content">
     <p:spTree>
       <p:nvGrpSpPr>
@@ -1531,12 +1706,13 @@
           </a:prstGeom>
         </p:spPr>
         <p:txBody>
-          <a:bodyPr lIns="0" rIns="0" tIns="0" bIns="0" anchor="ctr">
+          <a:bodyPr lIns="0" tIns="0" rIns="0" bIns="0" anchor="ctr">
             <a:spAutoFit/>
           </a:bodyPr>
+          <a:lstStyle/>
           <a:p>
             <a:pPr algn="ctr"/>
-            <a:endParaRPr b="0" lang="de-DE" sz="4400" spc="-1" strike="noStrike">
+            <a:endParaRPr lang="de-DE" sz="4400" b="0" strike="noStrike" spc="-1">
               <a:latin typeface="Arial"/>
             </a:endParaRPr>
           </a:p>
@@ -1562,11 +1738,12 @@
           </a:prstGeom>
         </p:spPr>
         <p:txBody>
-          <a:bodyPr lIns="0" rIns="0" tIns="0" bIns="0">
+          <a:bodyPr lIns="0" tIns="0" rIns="0" bIns="0">
             <a:normAutofit/>
           </a:bodyPr>
-          <a:p>
-            <a:endParaRPr b="0" lang="de-DE" sz="3200" spc="-1" strike="noStrike">
+          <a:lstStyle/>
+          <a:p>
+            <a:endParaRPr lang="de-DE" sz="3200" b="0" strike="noStrike" spc="-1">
               <a:latin typeface="Arial"/>
             </a:endParaRPr>
           </a:p>
@@ -1592,11 +1769,12 @@
           </a:prstGeom>
         </p:spPr>
         <p:txBody>
-          <a:bodyPr lIns="0" rIns="0" tIns="0" bIns="0">
+          <a:bodyPr lIns="0" tIns="0" rIns="0" bIns="0">
             <a:normAutofit/>
           </a:bodyPr>
-          <a:p>
-            <a:endParaRPr b="0" lang="de-DE" sz="3200" spc="-1" strike="noStrike">
+          <a:lstStyle/>
+          <a:p>
+            <a:endParaRPr lang="de-DE" sz="3200" b="0" strike="noStrike" spc="-1">
               <a:latin typeface="Arial"/>
             </a:endParaRPr>
           </a:p>
@@ -1604,11 +1782,14 @@
       </p:sp>
     </p:spTree>
   </p:cSld>
+  <p:clrMapOvr>
+    <a:masterClrMapping/>
+  </p:clrMapOvr>
 </p:sldLayout>
 </file>
 
 <file path=ppt/slideLayouts/slideLayout23.xml><?xml version="1.0" encoding="utf-8"?>
-<p:sldLayout xmlns:a="http://schemas.openxmlformats.org/drawingml/2006/main" xmlns:p="http://schemas.openxmlformats.org/presentationml/2006/main" xmlns:r="http://schemas.openxmlformats.org/officeDocument/2006/relationships" xmlns:p14="http://schemas.microsoft.com/office/powerpoint/2010/main" xmlns:p15="http://schemas.microsoft.com/office/powerpoint/2012/main" xmlns:mc="http://schemas.openxmlformats.org/markup-compatibility/2006" type="fourObj" preserve="1">
+<p:sldLayout xmlns:a="http://schemas.openxmlformats.org/drawingml/2006/main" xmlns:r="http://schemas.openxmlformats.org/officeDocument/2006/relationships" xmlns:p="http://schemas.openxmlformats.org/presentationml/2006/main" type="fourObj" preserve="1">
   <p:cSld name="Title, 4 Content">
     <p:spTree>
       <p:nvGrpSpPr>
@@ -1644,12 +1825,13 @@
           </a:prstGeom>
         </p:spPr>
         <p:txBody>
-          <a:bodyPr lIns="0" rIns="0" tIns="0" bIns="0" anchor="ctr">
+          <a:bodyPr lIns="0" tIns="0" rIns="0" bIns="0" anchor="ctr">
             <a:spAutoFit/>
           </a:bodyPr>
+          <a:lstStyle/>
           <a:p>
             <a:pPr algn="ctr"/>
-            <a:endParaRPr b="0" lang="de-DE" sz="4400" spc="-1" strike="noStrike">
+            <a:endParaRPr lang="de-DE" sz="4400" b="0" strike="noStrike" spc="-1">
               <a:latin typeface="Arial"/>
             </a:endParaRPr>
           </a:p>
@@ -1675,11 +1857,12 @@
           </a:prstGeom>
         </p:spPr>
         <p:txBody>
-          <a:bodyPr lIns="0" rIns="0" tIns="0" bIns="0">
+          <a:bodyPr lIns="0" tIns="0" rIns="0" bIns="0">
             <a:normAutofit/>
           </a:bodyPr>
-          <a:p>
-            <a:endParaRPr b="0" lang="de-DE" sz="3200" spc="-1" strike="noStrike">
+          <a:lstStyle/>
+          <a:p>
+            <a:endParaRPr lang="de-DE" sz="3200" b="0" strike="noStrike" spc="-1">
               <a:latin typeface="Arial"/>
             </a:endParaRPr>
           </a:p>
@@ -1705,11 +1888,12 @@
           </a:prstGeom>
         </p:spPr>
         <p:txBody>
-          <a:bodyPr lIns="0" rIns="0" tIns="0" bIns="0">
+          <a:bodyPr lIns="0" tIns="0" rIns="0" bIns="0">
             <a:normAutofit/>
           </a:bodyPr>
-          <a:p>
-            <a:endParaRPr b="0" lang="de-DE" sz="3200" spc="-1" strike="noStrike">
+          <a:lstStyle/>
+          <a:p>
+            <a:endParaRPr lang="de-DE" sz="3200" b="0" strike="noStrike" spc="-1">
               <a:latin typeface="Arial"/>
             </a:endParaRPr>
           </a:p>
@@ -1735,11 +1919,12 @@
           </a:prstGeom>
         </p:spPr>
         <p:txBody>
-          <a:bodyPr lIns="0" rIns="0" tIns="0" bIns="0">
+          <a:bodyPr lIns="0" tIns="0" rIns="0" bIns="0">
             <a:normAutofit/>
           </a:bodyPr>
-          <a:p>
-            <a:endParaRPr b="0" lang="de-DE" sz="3200" spc="-1" strike="noStrike">
+          <a:lstStyle/>
+          <a:p>
+            <a:endParaRPr lang="de-DE" sz="3200" b="0" strike="noStrike" spc="-1">
               <a:latin typeface="Arial"/>
             </a:endParaRPr>
           </a:p>
@@ -1765,11 +1950,12 @@
           </a:prstGeom>
         </p:spPr>
         <p:txBody>
-          <a:bodyPr lIns="0" rIns="0" tIns="0" bIns="0">
+          <a:bodyPr lIns="0" tIns="0" rIns="0" bIns="0">
             <a:normAutofit/>
           </a:bodyPr>
-          <a:p>
-            <a:endParaRPr b="0" lang="de-DE" sz="3200" spc="-1" strike="noStrike">
+          <a:lstStyle/>
+          <a:p>
+            <a:endParaRPr lang="de-DE" sz="3200" b="0" strike="noStrike" spc="-1">
               <a:latin typeface="Arial"/>
             </a:endParaRPr>
           </a:p>
@@ -1777,11 +1963,14 @@
       </p:sp>
     </p:spTree>
   </p:cSld>
+  <p:clrMapOvr>
+    <a:masterClrMapping/>
+  </p:clrMapOvr>
 </p:sldLayout>
 </file>
 
 <file path=ppt/slideLayouts/slideLayout24.xml><?xml version="1.0" encoding="utf-8"?>
-<p:sldLayout xmlns:a="http://schemas.openxmlformats.org/drawingml/2006/main" xmlns:p="http://schemas.openxmlformats.org/presentationml/2006/main" xmlns:r="http://schemas.openxmlformats.org/officeDocument/2006/relationships" xmlns:p14="http://schemas.microsoft.com/office/powerpoint/2010/main" xmlns:p15="http://schemas.microsoft.com/office/powerpoint/2012/main" xmlns:mc="http://schemas.openxmlformats.org/markup-compatibility/2006" type="blank" preserve="1">
+<p:sldLayout xmlns:a="http://schemas.openxmlformats.org/drawingml/2006/main" xmlns:r="http://schemas.openxmlformats.org/officeDocument/2006/relationships" xmlns:p="http://schemas.openxmlformats.org/presentationml/2006/main" type="blank" preserve="1">
   <p:cSld name="Title, 6 Content">
     <p:spTree>
       <p:nvGrpSpPr>
@@ -1817,12 +2006,13 @@
           </a:prstGeom>
         </p:spPr>
         <p:txBody>
-          <a:bodyPr lIns="0" rIns="0" tIns="0" bIns="0" anchor="ctr">
+          <a:bodyPr lIns="0" tIns="0" rIns="0" bIns="0" anchor="ctr">
             <a:spAutoFit/>
           </a:bodyPr>
+          <a:lstStyle/>
           <a:p>
             <a:pPr algn="ctr"/>
-            <a:endParaRPr b="0" lang="de-DE" sz="4400" spc="-1" strike="noStrike">
+            <a:endParaRPr lang="de-DE" sz="4400" b="0" strike="noStrike" spc="-1">
               <a:latin typeface="Arial"/>
             </a:endParaRPr>
           </a:p>
@@ -1848,11 +2038,12 @@
           </a:prstGeom>
         </p:spPr>
         <p:txBody>
-          <a:bodyPr lIns="0" rIns="0" tIns="0" bIns="0">
+          <a:bodyPr lIns="0" tIns="0" rIns="0" bIns="0">
             <a:normAutofit/>
           </a:bodyPr>
-          <a:p>
-            <a:endParaRPr b="0" lang="de-DE" sz="3200" spc="-1" strike="noStrike">
+          <a:lstStyle/>
+          <a:p>
+            <a:endParaRPr lang="de-DE" sz="3200" b="0" strike="noStrike" spc="-1">
               <a:latin typeface="Arial"/>
             </a:endParaRPr>
           </a:p>
@@ -1878,11 +2069,12 @@
           </a:prstGeom>
         </p:spPr>
         <p:txBody>
-          <a:bodyPr lIns="0" rIns="0" tIns="0" bIns="0">
+          <a:bodyPr lIns="0" tIns="0" rIns="0" bIns="0">
             <a:normAutofit/>
           </a:bodyPr>
-          <a:p>
-            <a:endParaRPr b="0" lang="de-DE" sz="3200" spc="-1" strike="noStrike">
+          <a:lstStyle/>
+          <a:p>
+            <a:endParaRPr lang="de-DE" sz="3200" b="0" strike="noStrike" spc="-1">
               <a:latin typeface="Arial"/>
             </a:endParaRPr>
           </a:p>
@@ -1908,11 +2100,12 @@
           </a:prstGeom>
         </p:spPr>
         <p:txBody>
-          <a:bodyPr lIns="0" rIns="0" tIns="0" bIns="0">
+          <a:bodyPr lIns="0" tIns="0" rIns="0" bIns="0">
             <a:normAutofit/>
           </a:bodyPr>
-          <a:p>
-            <a:endParaRPr b="0" lang="de-DE" sz="3200" spc="-1" strike="noStrike">
+          <a:lstStyle/>
+          <a:p>
+            <a:endParaRPr lang="de-DE" sz="3200" b="0" strike="noStrike" spc="-1">
               <a:latin typeface="Arial"/>
             </a:endParaRPr>
           </a:p>
@@ -1938,11 +2131,12 @@
           </a:prstGeom>
         </p:spPr>
         <p:txBody>
-          <a:bodyPr lIns="0" rIns="0" tIns="0" bIns="0">
+          <a:bodyPr lIns="0" tIns="0" rIns="0" bIns="0">
             <a:normAutofit/>
           </a:bodyPr>
-          <a:p>
-            <a:endParaRPr b="0" lang="de-DE" sz="3200" spc="-1" strike="noStrike">
+          <a:lstStyle/>
+          <a:p>
+            <a:endParaRPr lang="de-DE" sz="3200" b="0" strike="noStrike" spc="-1">
               <a:latin typeface="Arial"/>
             </a:endParaRPr>
           </a:p>
@@ -1968,11 +2162,12 @@
           </a:prstGeom>
         </p:spPr>
         <p:txBody>
-          <a:bodyPr lIns="0" rIns="0" tIns="0" bIns="0">
+          <a:bodyPr lIns="0" tIns="0" rIns="0" bIns="0">
             <a:normAutofit/>
           </a:bodyPr>
-          <a:p>
-            <a:endParaRPr b="0" lang="de-DE" sz="3200" spc="-1" strike="noStrike">
+          <a:lstStyle/>
+          <a:p>
+            <a:endParaRPr lang="de-DE" sz="3200" b="0" strike="noStrike" spc="-1">
               <a:latin typeface="Arial"/>
             </a:endParaRPr>
           </a:p>
@@ -1998,11 +2193,12 @@
           </a:prstGeom>
         </p:spPr>
         <p:txBody>
-          <a:bodyPr lIns="0" rIns="0" tIns="0" bIns="0">
+          <a:bodyPr lIns="0" tIns="0" rIns="0" bIns="0">
             <a:normAutofit/>
           </a:bodyPr>
-          <a:p>
-            <a:endParaRPr b="0" lang="de-DE" sz="3200" spc="-1" strike="noStrike">
+          <a:lstStyle/>
+          <a:p>
+            <a:endParaRPr lang="de-DE" sz="3200" b="0" strike="noStrike" spc="-1">
               <a:latin typeface="Arial"/>
             </a:endParaRPr>
           </a:p>
@@ -2010,11 +2206,14 @@
       </p:sp>
     </p:spTree>
   </p:cSld>
+  <p:clrMapOvr>
+    <a:masterClrMapping/>
+  </p:clrMapOvr>
 </p:sldLayout>
 </file>
 
 <file path=ppt/slideLayouts/slideLayout3.xml><?xml version="1.0" encoding="utf-8"?>
-<p:sldLayout xmlns:a="http://schemas.openxmlformats.org/drawingml/2006/main" xmlns:p="http://schemas.openxmlformats.org/presentationml/2006/main" xmlns:r="http://schemas.openxmlformats.org/officeDocument/2006/relationships" xmlns:p14="http://schemas.microsoft.com/office/powerpoint/2010/main" xmlns:p15="http://schemas.microsoft.com/office/powerpoint/2012/main" xmlns:mc="http://schemas.openxmlformats.org/markup-compatibility/2006" type="obj" preserve="1">
+<p:sldLayout xmlns:a="http://schemas.openxmlformats.org/drawingml/2006/main" xmlns:r="http://schemas.openxmlformats.org/officeDocument/2006/relationships" xmlns:p="http://schemas.openxmlformats.org/presentationml/2006/main" type="obj" preserve="1">
   <p:cSld name="Title, Content">
     <p:spTree>
       <p:nvGrpSpPr>
@@ -2050,12 +2249,13 @@
           </a:prstGeom>
         </p:spPr>
         <p:txBody>
-          <a:bodyPr lIns="0" rIns="0" tIns="0" bIns="0" anchor="ctr">
+          <a:bodyPr lIns="0" tIns="0" rIns="0" bIns="0" anchor="ctr">
             <a:spAutoFit/>
           </a:bodyPr>
+          <a:lstStyle/>
           <a:p>
             <a:pPr algn="ctr"/>
-            <a:endParaRPr b="0" lang="de-DE" sz="4400" spc="-1" strike="noStrike">
+            <a:endParaRPr lang="de-DE" sz="4400" b="0" strike="noStrike" spc="-1">
               <a:latin typeface="Arial"/>
             </a:endParaRPr>
           </a:p>
@@ -2081,11 +2281,12 @@
           </a:prstGeom>
         </p:spPr>
         <p:txBody>
-          <a:bodyPr lIns="0" rIns="0" tIns="0" bIns="0">
+          <a:bodyPr lIns="0" tIns="0" rIns="0" bIns="0">
             <a:normAutofit/>
           </a:bodyPr>
-          <a:p>
-            <a:endParaRPr b="0" lang="de-DE" sz="3200" spc="-1" strike="noStrike">
+          <a:lstStyle/>
+          <a:p>
+            <a:endParaRPr lang="de-DE" sz="3200" b="0" strike="noStrike" spc="-1">
               <a:latin typeface="Arial"/>
             </a:endParaRPr>
           </a:p>
@@ -2093,11 +2294,14 @@
       </p:sp>
     </p:spTree>
   </p:cSld>
+  <p:clrMapOvr>
+    <a:masterClrMapping/>
+  </p:clrMapOvr>
 </p:sldLayout>
 </file>
 
 <file path=ppt/slideLayouts/slideLayout4.xml><?xml version="1.0" encoding="utf-8"?>
-<p:sldLayout xmlns:a="http://schemas.openxmlformats.org/drawingml/2006/main" xmlns:p="http://schemas.openxmlformats.org/presentationml/2006/main" xmlns:r="http://schemas.openxmlformats.org/officeDocument/2006/relationships" xmlns:p14="http://schemas.microsoft.com/office/powerpoint/2010/main" xmlns:p15="http://schemas.microsoft.com/office/powerpoint/2012/main" xmlns:mc="http://schemas.openxmlformats.org/markup-compatibility/2006" type="twoObj" preserve="1">
+<p:sldLayout xmlns:a="http://schemas.openxmlformats.org/drawingml/2006/main" xmlns:r="http://schemas.openxmlformats.org/officeDocument/2006/relationships" xmlns:p="http://schemas.openxmlformats.org/presentationml/2006/main" type="twoObj" preserve="1">
   <p:cSld name="Title, 2 Content">
     <p:spTree>
       <p:nvGrpSpPr>
@@ -2133,12 +2337,13 @@
           </a:prstGeom>
         </p:spPr>
         <p:txBody>
-          <a:bodyPr lIns="0" rIns="0" tIns="0" bIns="0" anchor="ctr">
+          <a:bodyPr lIns="0" tIns="0" rIns="0" bIns="0" anchor="ctr">
             <a:spAutoFit/>
           </a:bodyPr>
+          <a:lstStyle/>
           <a:p>
             <a:pPr algn="ctr"/>
-            <a:endParaRPr b="0" lang="de-DE" sz="4400" spc="-1" strike="noStrike">
+            <a:endParaRPr lang="de-DE" sz="4400" b="0" strike="noStrike" spc="-1">
               <a:latin typeface="Arial"/>
             </a:endParaRPr>
           </a:p>
@@ -2164,11 +2369,12 @@
           </a:prstGeom>
         </p:spPr>
         <p:txBody>
-          <a:bodyPr lIns="0" rIns="0" tIns="0" bIns="0">
+          <a:bodyPr lIns="0" tIns="0" rIns="0" bIns="0">
             <a:normAutofit/>
           </a:bodyPr>
-          <a:p>
-            <a:endParaRPr b="0" lang="de-DE" sz="3200" spc="-1" strike="noStrike">
+          <a:lstStyle/>
+          <a:p>
+            <a:endParaRPr lang="de-DE" sz="3200" b="0" strike="noStrike" spc="-1">
               <a:latin typeface="Arial"/>
             </a:endParaRPr>
           </a:p>
@@ -2194,11 +2400,12 @@
           </a:prstGeom>
         </p:spPr>
         <p:txBody>
-          <a:bodyPr lIns="0" rIns="0" tIns="0" bIns="0">
+          <a:bodyPr lIns="0" tIns="0" rIns="0" bIns="0">
             <a:normAutofit/>
           </a:bodyPr>
-          <a:p>
-            <a:endParaRPr b="0" lang="de-DE" sz="3200" spc="-1" strike="noStrike">
+          <a:lstStyle/>
+          <a:p>
+            <a:endParaRPr lang="de-DE" sz="3200" b="0" strike="noStrike" spc="-1">
               <a:latin typeface="Arial"/>
             </a:endParaRPr>
           </a:p>
@@ -2206,11 +2413,14 @@
       </p:sp>
     </p:spTree>
   </p:cSld>
+  <p:clrMapOvr>
+    <a:masterClrMapping/>
+  </p:clrMapOvr>
 </p:sldLayout>
 </file>
 
 <file path=ppt/slideLayouts/slideLayout5.xml><?xml version="1.0" encoding="utf-8"?>
-<p:sldLayout xmlns:a="http://schemas.openxmlformats.org/drawingml/2006/main" xmlns:p="http://schemas.openxmlformats.org/presentationml/2006/main" xmlns:r="http://schemas.openxmlformats.org/officeDocument/2006/relationships" xmlns:p14="http://schemas.microsoft.com/office/powerpoint/2010/main" xmlns:p15="http://schemas.microsoft.com/office/powerpoint/2012/main" xmlns:mc="http://schemas.openxmlformats.org/markup-compatibility/2006" type="titleOnly" preserve="1">
+<p:sldLayout xmlns:a="http://schemas.openxmlformats.org/drawingml/2006/main" xmlns:r="http://schemas.openxmlformats.org/officeDocument/2006/relationships" xmlns:p="http://schemas.openxmlformats.org/presentationml/2006/main" type="titleOnly" preserve="1">
   <p:cSld name="Title Only">
     <p:spTree>
       <p:nvGrpSpPr>
@@ -2246,12 +2456,13 @@
           </a:prstGeom>
         </p:spPr>
         <p:txBody>
-          <a:bodyPr lIns="0" rIns="0" tIns="0" bIns="0" anchor="ctr">
+          <a:bodyPr lIns="0" tIns="0" rIns="0" bIns="0" anchor="ctr">
             <a:spAutoFit/>
           </a:bodyPr>
+          <a:lstStyle/>
           <a:p>
             <a:pPr algn="ctr"/>
-            <a:endParaRPr b="0" lang="de-DE" sz="4400" spc="-1" strike="noStrike">
+            <a:endParaRPr lang="de-DE" sz="4400" b="0" strike="noStrike" spc="-1">
               <a:latin typeface="Arial"/>
             </a:endParaRPr>
           </a:p>
@@ -2259,11 +2470,14 @@
       </p:sp>
     </p:spTree>
   </p:cSld>
+  <p:clrMapOvr>
+    <a:masterClrMapping/>
+  </p:clrMapOvr>
 </p:sldLayout>
 </file>
 
 <file path=ppt/slideLayouts/slideLayout6.xml><?xml version="1.0" encoding="utf-8"?>
-<p:sldLayout xmlns:a="http://schemas.openxmlformats.org/drawingml/2006/main" xmlns:p="http://schemas.openxmlformats.org/presentationml/2006/main" xmlns:r="http://schemas.openxmlformats.org/officeDocument/2006/relationships" xmlns:p14="http://schemas.microsoft.com/office/powerpoint/2010/main" xmlns:p15="http://schemas.microsoft.com/office/powerpoint/2012/main" xmlns:mc="http://schemas.openxmlformats.org/markup-compatibility/2006" type="objOnly" preserve="1">
+<p:sldLayout xmlns:a="http://schemas.openxmlformats.org/drawingml/2006/main" xmlns:r="http://schemas.openxmlformats.org/officeDocument/2006/relationships" xmlns:p="http://schemas.openxmlformats.org/presentationml/2006/main" type="objOnly" preserve="1">
   <p:cSld name="Centered Text">
     <p:spTree>
       <p:nvGrpSpPr>
@@ -2299,12 +2513,13 @@
           </a:prstGeom>
         </p:spPr>
         <p:txBody>
-          <a:bodyPr lIns="0" rIns="0" tIns="0" bIns="0" anchor="ctr">
+          <a:bodyPr lIns="0" tIns="0" rIns="0" bIns="0" anchor="ctr">
             <a:spAutoFit/>
           </a:bodyPr>
+          <a:lstStyle/>
           <a:p>
             <a:pPr algn="ctr"/>
-            <a:endParaRPr b="0" lang="de-DE" sz="3200" spc="-1" strike="noStrike">
+            <a:endParaRPr lang="de-DE" sz="3200" b="0" strike="noStrike" spc="-1">
               <a:latin typeface="Arial"/>
             </a:endParaRPr>
           </a:p>
@@ -2312,11 +2527,14 @@
       </p:sp>
     </p:spTree>
   </p:cSld>
+  <p:clrMapOvr>
+    <a:masterClrMapping/>
+  </p:clrMapOvr>
 </p:sldLayout>
 </file>
 
 <file path=ppt/slideLayouts/slideLayout7.xml><?xml version="1.0" encoding="utf-8"?>
-<p:sldLayout xmlns:a="http://schemas.openxmlformats.org/drawingml/2006/main" xmlns:p="http://schemas.openxmlformats.org/presentationml/2006/main" xmlns:r="http://schemas.openxmlformats.org/officeDocument/2006/relationships" xmlns:p14="http://schemas.microsoft.com/office/powerpoint/2010/main" xmlns:p15="http://schemas.microsoft.com/office/powerpoint/2012/main" xmlns:mc="http://schemas.openxmlformats.org/markup-compatibility/2006" type="twoObjAndObj" preserve="1">
+<p:sldLayout xmlns:a="http://schemas.openxmlformats.org/drawingml/2006/main" xmlns:r="http://schemas.openxmlformats.org/officeDocument/2006/relationships" xmlns:p="http://schemas.openxmlformats.org/presentationml/2006/main" type="twoObjAndObj" preserve="1">
   <p:cSld name="Title, 2 Content and Content">
     <p:spTree>
       <p:nvGrpSpPr>
@@ -2352,12 +2570,13 @@
           </a:prstGeom>
         </p:spPr>
         <p:txBody>
-          <a:bodyPr lIns="0" rIns="0" tIns="0" bIns="0" anchor="ctr">
+          <a:bodyPr lIns="0" tIns="0" rIns="0" bIns="0" anchor="ctr">
             <a:spAutoFit/>
           </a:bodyPr>
+          <a:lstStyle/>
           <a:p>
             <a:pPr algn="ctr"/>
-            <a:endParaRPr b="0" lang="de-DE" sz="4400" spc="-1" strike="noStrike">
+            <a:endParaRPr lang="de-DE" sz="4400" b="0" strike="noStrike" spc="-1">
               <a:latin typeface="Arial"/>
             </a:endParaRPr>
           </a:p>
@@ -2383,11 +2602,12 @@
           </a:prstGeom>
         </p:spPr>
         <p:txBody>
-          <a:bodyPr lIns="0" rIns="0" tIns="0" bIns="0">
+          <a:bodyPr lIns="0" tIns="0" rIns="0" bIns="0">
             <a:normAutofit/>
           </a:bodyPr>
-          <a:p>
-            <a:endParaRPr b="0" lang="de-DE" sz="3200" spc="-1" strike="noStrike">
+          <a:lstStyle/>
+          <a:p>
+            <a:endParaRPr lang="de-DE" sz="3200" b="0" strike="noStrike" spc="-1">
               <a:latin typeface="Arial"/>
             </a:endParaRPr>
           </a:p>
@@ -2413,11 +2633,12 @@
           </a:prstGeom>
         </p:spPr>
         <p:txBody>
-          <a:bodyPr lIns="0" rIns="0" tIns="0" bIns="0">
+          <a:bodyPr lIns="0" tIns="0" rIns="0" bIns="0">
             <a:normAutofit/>
           </a:bodyPr>
-          <a:p>
-            <a:endParaRPr b="0" lang="de-DE" sz="3200" spc="-1" strike="noStrike">
+          <a:lstStyle/>
+          <a:p>
+            <a:endParaRPr lang="de-DE" sz="3200" b="0" strike="noStrike" spc="-1">
               <a:latin typeface="Arial"/>
             </a:endParaRPr>
           </a:p>
@@ -2443,11 +2664,12 @@
           </a:prstGeom>
         </p:spPr>
         <p:txBody>
-          <a:bodyPr lIns="0" rIns="0" tIns="0" bIns="0">
+          <a:bodyPr lIns="0" tIns="0" rIns="0" bIns="0">
             <a:normAutofit/>
           </a:bodyPr>
-          <a:p>
-            <a:endParaRPr b="0" lang="de-DE" sz="3200" spc="-1" strike="noStrike">
+          <a:lstStyle/>
+          <a:p>
+            <a:endParaRPr lang="de-DE" sz="3200" b="0" strike="noStrike" spc="-1">
               <a:latin typeface="Arial"/>
             </a:endParaRPr>
           </a:p>
@@ -2455,11 +2677,14 @@
       </p:sp>
     </p:spTree>
   </p:cSld>
+  <p:clrMapOvr>
+    <a:masterClrMapping/>
+  </p:clrMapOvr>
 </p:sldLayout>
 </file>
 
 <file path=ppt/slideLayouts/slideLayout8.xml><?xml version="1.0" encoding="utf-8"?>
-<p:sldLayout xmlns:a="http://schemas.openxmlformats.org/drawingml/2006/main" xmlns:p="http://schemas.openxmlformats.org/presentationml/2006/main" xmlns:r="http://schemas.openxmlformats.org/officeDocument/2006/relationships" xmlns:p14="http://schemas.microsoft.com/office/powerpoint/2010/main" xmlns:p15="http://schemas.microsoft.com/office/powerpoint/2012/main" xmlns:mc="http://schemas.openxmlformats.org/markup-compatibility/2006" type="objAndTwoObj" preserve="1">
+<p:sldLayout xmlns:a="http://schemas.openxmlformats.org/drawingml/2006/main" xmlns:r="http://schemas.openxmlformats.org/officeDocument/2006/relationships" xmlns:p="http://schemas.openxmlformats.org/presentationml/2006/main" type="objAndTwoObj" preserve="1">
   <p:cSld name="Title Content and 2 Content">
     <p:spTree>
       <p:nvGrpSpPr>
@@ -2495,12 +2720,13 @@
           </a:prstGeom>
         </p:spPr>
         <p:txBody>
-          <a:bodyPr lIns="0" rIns="0" tIns="0" bIns="0" anchor="ctr">
+          <a:bodyPr lIns="0" tIns="0" rIns="0" bIns="0" anchor="ctr">
             <a:spAutoFit/>
           </a:bodyPr>
+          <a:lstStyle/>
           <a:p>
             <a:pPr algn="ctr"/>
-            <a:endParaRPr b="0" lang="de-DE" sz="4400" spc="-1" strike="noStrike">
+            <a:endParaRPr lang="de-DE" sz="4400" b="0" strike="noStrike" spc="-1">
               <a:latin typeface="Arial"/>
             </a:endParaRPr>
           </a:p>
@@ -2526,11 +2752,12 @@
           </a:prstGeom>
         </p:spPr>
         <p:txBody>
-          <a:bodyPr lIns="0" rIns="0" tIns="0" bIns="0">
+          <a:bodyPr lIns="0" tIns="0" rIns="0" bIns="0">
             <a:normAutofit/>
           </a:bodyPr>
-          <a:p>
-            <a:endParaRPr b="0" lang="de-DE" sz="3200" spc="-1" strike="noStrike">
+          <a:lstStyle/>
+          <a:p>
+            <a:endParaRPr lang="de-DE" sz="3200" b="0" strike="noStrike" spc="-1">
               <a:latin typeface="Arial"/>
             </a:endParaRPr>
           </a:p>
@@ -2556,11 +2783,12 @@
           </a:prstGeom>
         </p:spPr>
         <p:txBody>
-          <a:bodyPr lIns="0" rIns="0" tIns="0" bIns="0">
+          <a:bodyPr lIns="0" tIns="0" rIns="0" bIns="0">
             <a:normAutofit/>
           </a:bodyPr>
-          <a:p>
-            <a:endParaRPr b="0" lang="de-DE" sz="3200" spc="-1" strike="noStrike">
+          <a:lstStyle/>
+          <a:p>
+            <a:endParaRPr lang="de-DE" sz="3200" b="0" strike="noStrike" spc="-1">
               <a:latin typeface="Arial"/>
             </a:endParaRPr>
           </a:p>
@@ -2586,11 +2814,12 @@
           </a:prstGeom>
         </p:spPr>
         <p:txBody>
-          <a:bodyPr lIns="0" rIns="0" tIns="0" bIns="0">
+          <a:bodyPr lIns="0" tIns="0" rIns="0" bIns="0">
             <a:normAutofit/>
           </a:bodyPr>
-          <a:p>
-            <a:endParaRPr b="0" lang="de-DE" sz="3200" spc="-1" strike="noStrike">
+          <a:lstStyle/>
+          <a:p>
+            <a:endParaRPr lang="de-DE" sz="3200" b="0" strike="noStrike" spc="-1">
               <a:latin typeface="Arial"/>
             </a:endParaRPr>
           </a:p>
@@ -2598,11 +2827,14 @@
       </p:sp>
     </p:spTree>
   </p:cSld>
+  <p:clrMapOvr>
+    <a:masterClrMapping/>
+  </p:clrMapOvr>
 </p:sldLayout>
 </file>
 
 <file path=ppt/slideLayouts/slideLayout9.xml><?xml version="1.0" encoding="utf-8"?>
-<p:sldLayout xmlns:a="http://schemas.openxmlformats.org/drawingml/2006/main" xmlns:p="http://schemas.openxmlformats.org/presentationml/2006/main" xmlns:r="http://schemas.openxmlformats.org/officeDocument/2006/relationships" xmlns:p14="http://schemas.microsoft.com/office/powerpoint/2010/main" xmlns:p15="http://schemas.microsoft.com/office/powerpoint/2012/main" xmlns:mc="http://schemas.openxmlformats.org/markup-compatibility/2006" type="twoObjOverTx" preserve="1">
+<p:sldLayout xmlns:a="http://schemas.openxmlformats.org/drawingml/2006/main" xmlns:r="http://schemas.openxmlformats.org/officeDocument/2006/relationships" xmlns:p="http://schemas.openxmlformats.org/presentationml/2006/main" type="twoObjOverTx" preserve="1">
   <p:cSld name="Title, 2 Content over Content">
     <p:spTree>
       <p:nvGrpSpPr>
@@ -2638,12 +2870,13 @@
           </a:prstGeom>
         </p:spPr>
         <p:txBody>
-          <a:bodyPr lIns="0" rIns="0" tIns="0" bIns="0" anchor="ctr">
+          <a:bodyPr lIns="0" tIns="0" rIns="0" bIns="0" anchor="ctr">
             <a:spAutoFit/>
           </a:bodyPr>
+          <a:lstStyle/>
           <a:p>
             <a:pPr algn="ctr"/>
-            <a:endParaRPr b="0" lang="de-DE" sz="4400" spc="-1" strike="noStrike">
+            <a:endParaRPr lang="de-DE" sz="4400" b="0" strike="noStrike" spc="-1">
               <a:latin typeface="Arial"/>
             </a:endParaRPr>
           </a:p>
@@ -2669,11 +2902,12 @@
           </a:prstGeom>
         </p:spPr>
         <p:txBody>
-          <a:bodyPr lIns="0" rIns="0" tIns="0" bIns="0">
+          <a:bodyPr lIns="0" tIns="0" rIns="0" bIns="0">
             <a:normAutofit/>
           </a:bodyPr>
-          <a:p>
-            <a:endParaRPr b="0" lang="de-DE" sz="3200" spc="-1" strike="noStrike">
+          <a:lstStyle/>
+          <a:p>
+            <a:endParaRPr lang="de-DE" sz="3200" b="0" strike="noStrike" spc="-1">
               <a:latin typeface="Arial"/>
             </a:endParaRPr>
           </a:p>
@@ -2699,11 +2933,12 @@
           </a:prstGeom>
         </p:spPr>
         <p:txBody>
-          <a:bodyPr lIns="0" rIns="0" tIns="0" bIns="0">
+          <a:bodyPr lIns="0" tIns="0" rIns="0" bIns="0">
             <a:normAutofit/>
           </a:bodyPr>
-          <a:p>
-            <a:endParaRPr b="0" lang="de-DE" sz="3200" spc="-1" strike="noStrike">
+          <a:lstStyle/>
+          <a:p>
+            <a:endParaRPr lang="de-DE" sz="3200" b="0" strike="noStrike" spc="-1">
               <a:latin typeface="Arial"/>
             </a:endParaRPr>
           </a:p>
@@ -2729,11 +2964,12 @@
           </a:prstGeom>
         </p:spPr>
         <p:txBody>
-          <a:bodyPr lIns="0" rIns="0" tIns="0" bIns="0">
+          <a:bodyPr lIns="0" tIns="0" rIns="0" bIns="0">
             <a:normAutofit/>
           </a:bodyPr>
-          <a:p>
-            <a:endParaRPr b="0" lang="de-DE" sz="3200" spc="-1" strike="noStrike">
+          <a:lstStyle/>
+          <a:p>
+            <a:endParaRPr lang="de-DE" sz="3200" b="0" strike="noStrike" spc="-1">
               <a:latin typeface="Arial"/>
             </a:endParaRPr>
           </a:p>
@@ -2741,17 +2977,21 @@
       </p:sp>
     </p:spTree>
   </p:cSld>
+  <p:clrMapOvr>
+    <a:masterClrMapping/>
+  </p:clrMapOvr>
 </p:sldLayout>
 </file>
 
 <file path=ppt/slideMasters/slideMaster1.xml><?xml version="1.0" encoding="utf-8"?>
-<p:sldMaster xmlns:a="http://schemas.openxmlformats.org/drawingml/2006/main" xmlns:p="http://schemas.openxmlformats.org/presentationml/2006/main" xmlns:r="http://schemas.openxmlformats.org/officeDocument/2006/relationships" xmlns:p14="http://schemas.microsoft.com/office/powerpoint/2010/main" xmlns:p15="http://schemas.microsoft.com/office/powerpoint/2012/main" xmlns:mc="http://schemas.openxmlformats.org/markup-compatibility/2006">
+<p:sldMaster xmlns:a="http://schemas.openxmlformats.org/drawingml/2006/main" xmlns:r="http://schemas.openxmlformats.org/officeDocument/2006/relationships" xmlns:p="http://schemas.openxmlformats.org/presentationml/2006/main">
   <p:cSld>
     <p:bg>
       <p:bgPr>
         <a:solidFill>
-          <a:srgbClr val="ffffff"/>
+          <a:srgbClr val="FFFFFF"/>
         </a:solidFill>
+        <a:effectLst/>
       </p:bgPr>
     </p:bg>
     <p:spTree>
@@ -2770,7 +3010,7 @@
       </p:grpSpPr>
       <p:grpSp>
         <p:nvGrpSpPr>
-          <p:cNvPr id="0" name="Group 1"/>
+          <p:cNvPr id="24" name="Group 1"/>
           <p:cNvGrpSpPr/>
           <p:nvPr/>
         </p:nvGrpSpPr>
@@ -2784,7 +3024,7 @@
         </p:grpSpPr>
         <p:sp>
           <p:nvSpPr>
-            <p:cNvPr id="1" name="Line 2"/>
+            <p:cNvPr id="25" name="Line 2"/>
             <p:cNvSpPr/>
             <p:nvPr/>
           </p:nvSpPr>
@@ -2869,6 +3109,7 @@
               <a:avLst/>
               <a:gdLst/>
               <a:ahLst/>
+              <a:cxnLst/>
               <a:rect l="l" t="t" r="r" b="b"/>
               <a:pathLst>
                 <a:path w="3007349" h="6866467">
@@ -2900,7 +3141,7 @@
               <a:noFill/>
             </a:ln>
             <a:effectLst>
-              <a:outerShdw blurRad="38100" dir="5400000" dist="25560" rotWithShape="0">
+              <a:outerShdw blurRad="38100" dist="25560" dir="5400000" rotWithShape="0">
                 <a:srgbClr val="000000">
                   <a:alpha val="35000"/>
                 </a:srgbClr>
@@ -2935,6 +3176,7 @@
               <a:avLst/>
               <a:gdLst/>
               <a:ahLst/>
+              <a:cxnLst/>
               <a:rect l="l" t="t" r="r" b="b"/>
               <a:pathLst>
                 <a:path w="2573311" h="6866467">
@@ -2966,7 +3208,7 @@
               <a:noFill/>
             </a:ln>
             <a:effectLst>
-              <a:outerShdw blurRad="38100" dir="5400000" dist="25560" rotWithShape="0">
+              <a:outerShdw blurRad="38100" dist="25560" dir="5400000" rotWithShape="0">
                 <a:srgbClr val="000000">
                   <a:alpha val="35000"/>
                 </a:srgbClr>
@@ -3012,7 +3254,7 @@
               <a:noFill/>
             </a:ln>
             <a:effectLst>
-              <a:outerShdw blurRad="38100" dir="5400000" dist="25560" rotWithShape="0">
+              <a:outerShdw blurRad="38100" dist="25560" dir="5400000" rotWithShape="0">
                 <a:srgbClr val="000000">
                   <a:alpha val="35000"/>
                 </a:srgbClr>
@@ -3047,6 +3289,7 @@
               <a:avLst/>
               <a:gdLst/>
               <a:ahLst/>
+              <a:cxnLst/>
               <a:rect l="l" t="t" r="r" b="b"/>
               <a:pathLst>
                 <a:path w="2858013" h="6866467">
@@ -3079,7 +3322,7 @@
               <a:noFill/>
             </a:ln>
             <a:effectLst>
-              <a:outerShdw blurRad="38100" dir="5400000" dist="25560" rotWithShape="0">
+              <a:outerShdw blurRad="38100" dist="25560" dir="5400000" rotWithShape="0">
                 <a:srgbClr val="000000">
                   <a:alpha val="35000"/>
                 </a:srgbClr>
@@ -3114,6 +3357,7 @@
               <a:avLst/>
               <a:gdLst/>
               <a:ahLst/>
+              <a:cxnLst/>
               <a:rect l="l" t="t" r="r" b="b"/>
               <a:pathLst>
                 <a:path w="1290094" h="6858000">
@@ -3145,7 +3389,7 @@
               <a:noFill/>
             </a:ln>
             <a:effectLst>
-              <a:outerShdw blurRad="38100" dir="5400000" dist="25560" rotWithShape="0">
+              <a:outerShdw blurRad="38100" dist="25560" dir="5400000" rotWithShape="0">
                 <a:srgbClr val="000000">
                   <a:alpha val="35000"/>
                 </a:srgbClr>
@@ -3180,6 +3424,7 @@
               <a:avLst/>
               <a:gdLst/>
               <a:ahLst/>
+              <a:cxnLst/>
               <a:rect l="l" t="t" r="r" b="b"/>
               <a:pathLst>
                 <a:path w="1249825" h="6858000">
@@ -3212,7 +3457,7 @@
               <a:noFill/>
             </a:ln>
             <a:effectLst>
-              <a:outerShdw blurRad="38100" dir="5400000" dist="25560" rotWithShape="0">
+              <a:outerShdw blurRad="38100" dist="25560" dir="5400000" rotWithShape="0">
                 <a:srgbClr val="000000">
                   <a:alpha val="35000"/>
                 </a:srgbClr>
@@ -3258,7 +3503,7 @@
               <a:noFill/>
             </a:ln>
             <a:effectLst>
-              <a:outerShdw blurRad="38100" dir="5400000" dist="25560" rotWithShape="0">
+              <a:outerShdw blurRad="38100" dist="25560" dir="5400000" rotWithShape="0">
                 <a:srgbClr val="000000">
                   <a:alpha val="35000"/>
                 </a:srgbClr>
@@ -3303,7 +3548,7 @@
               <a:noFill/>
             </a:ln>
             <a:effectLst>
-              <a:outerShdw blurRad="38100" dir="5400000" dist="25560" rotWithShape="0">
+              <a:outerShdw blurRad="38100" dist="25560" dir="5400000" rotWithShape="0">
                 <a:srgbClr val="000000">
                   <a:alpha val="35000"/>
                 </a:srgbClr>
@@ -3353,6 +3598,7 @@
               <a:avLst/>
               <a:gdLst/>
               <a:ahLst/>
+              <a:cxnLst/>
               <a:rect l="l" t="t" r="r" b="b"/>
               <a:pathLst>
                 <a:path w="863600" h="5698067">
@@ -3384,7 +3630,7 @@
               <a:noFill/>
             </a:ln>
             <a:effectLst>
-              <a:outerShdw blurRad="38100" dir="5400000" dist="25560" rotWithShape="0">
+              <a:outerShdw blurRad="38100" dist="25560" dir="5400000" rotWithShape="0">
                 <a:srgbClr val="000000">
                   <a:alpha val="35000"/>
                 </a:srgbClr>
@@ -3491,6 +3737,7 @@
               <a:avLst/>
               <a:gdLst/>
               <a:ahLst/>
+              <a:cxnLst/>
               <a:rect l="l" t="t" r="r" b="b"/>
               <a:pathLst>
                 <a:path w="3007349" h="6866467">
@@ -3522,7 +3769,7 @@
               <a:noFill/>
             </a:ln>
             <a:effectLst>
-              <a:outerShdw blurRad="38100" dir="5400000" dist="25560" rotWithShape="0">
+              <a:outerShdw blurRad="38100" dist="25560" dir="5400000" rotWithShape="0">
                 <a:srgbClr val="000000">
                   <a:alpha val="35000"/>
                 </a:srgbClr>
@@ -3557,6 +3804,7 @@
               <a:avLst/>
               <a:gdLst/>
               <a:ahLst/>
+              <a:cxnLst/>
               <a:rect l="l" t="t" r="r" b="b"/>
               <a:pathLst>
                 <a:path w="2573311" h="6866467">
@@ -3588,7 +3836,7 @@
               <a:noFill/>
             </a:ln>
             <a:effectLst>
-              <a:outerShdw blurRad="38100" dir="5400000" dist="25560" rotWithShape="0">
+              <a:outerShdw blurRad="38100" dist="25560" dir="5400000" rotWithShape="0">
                 <a:srgbClr val="000000">
                   <a:alpha val="35000"/>
                 </a:srgbClr>
@@ -3634,7 +3882,7 @@
               <a:noFill/>
             </a:ln>
             <a:effectLst>
-              <a:outerShdw blurRad="38100" dir="5400000" dist="25560" rotWithShape="0">
+              <a:outerShdw blurRad="38100" dist="25560" dir="5400000" rotWithShape="0">
                 <a:srgbClr val="000000">
                   <a:alpha val="35000"/>
                 </a:srgbClr>
@@ -3669,6 +3917,7 @@
               <a:avLst/>
               <a:gdLst/>
               <a:ahLst/>
+              <a:cxnLst/>
               <a:rect l="l" t="t" r="r" b="b"/>
               <a:pathLst>
                 <a:path w="2858013" h="6866467">
@@ -3701,7 +3950,7 @@
               <a:noFill/>
             </a:ln>
             <a:effectLst>
-              <a:outerShdw blurRad="38100" dir="5400000" dist="25560" rotWithShape="0">
+              <a:outerShdw blurRad="38100" dist="25560" dir="5400000" rotWithShape="0">
                 <a:srgbClr val="000000">
                   <a:alpha val="35000"/>
                 </a:srgbClr>
@@ -3736,6 +3985,7 @@
               <a:avLst/>
               <a:gdLst/>
               <a:ahLst/>
+              <a:cxnLst/>
               <a:rect l="l" t="t" r="r" b="b"/>
               <a:pathLst>
                 <a:path w="1290094" h="6858000">
@@ -3767,7 +4017,7 @@
               <a:noFill/>
             </a:ln>
             <a:effectLst>
-              <a:outerShdw blurRad="38100" dir="5400000" dist="25560" rotWithShape="0">
+              <a:outerShdw blurRad="38100" dist="25560" dir="5400000" rotWithShape="0">
                 <a:srgbClr val="000000">
                   <a:alpha val="35000"/>
                 </a:srgbClr>
@@ -3802,6 +4052,7 @@
               <a:avLst/>
               <a:gdLst/>
               <a:ahLst/>
+              <a:cxnLst/>
               <a:rect l="l" t="t" r="r" b="b"/>
               <a:pathLst>
                 <a:path w="1249825" h="6858000">
@@ -3834,7 +4085,7 @@
               <a:noFill/>
             </a:ln>
             <a:effectLst>
-              <a:outerShdw blurRad="38100" dir="5400000" dist="25560" rotWithShape="0">
+              <a:outerShdw blurRad="38100" dist="25560" dir="5400000" rotWithShape="0">
                 <a:srgbClr val="000000">
                   <a:alpha val="35000"/>
                 </a:srgbClr>
@@ -3880,7 +4131,7 @@
               <a:noFill/>
             </a:ln>
             <a:effectLst>
-              <a:outerShdw blurRad="38100" dir="5400000" dist="25560" rotWithShape="0">
+              <a:outerShdw blurRad="38100" dist="25560" dir="5400000" rotWithShape="0">
                 <a:srgbClr val="000000">
                   <a:alpha val="35000"/>
                 </a:srgbClr>
@@ -3921,19 +4172,17 @@
           </a:prstGeom>
         </p:spPr>
         <p:txBody>
-          <a:bodyPr lIns="0" rIns="0" tIns="0" bIns="0" anchor="ctr">
+          <a:bodyPr lIns="0" tIns="0" rIns="0" bIns="0" anchor="ctr">
             <a:spAutoFit/>
           </a:bodyPr>
+          <a:lstStyle/>
           <a:p>
             <a:r>
-              <a:rPr b="0" lang="de-DE" sz="1800" spc="-1" strike="noStrike">
+              <a:rPr lang="de-DE" sz="1800" b="0" strike="noStrike" spc="-1">
                 <a:latin typeface="Arial"/>
               </a:rPr>
               <a:t>Format des Titeltextes durch Klicken bearbeiten</a:t>
             </a:r>
-            <a:endParaRPr b="0" lang="de-DE" sz="1800" spc="-1" strike="noStrike">
-              <a:latin typeface="Arial"/>
-            </a:endParaRPr>
           </a:p>
         </p:txBody>
       </p:sp>
@@ -3957,9 +4206,10 @@
           </a:prstGeom>
         </p:spPr>
         <p:txBody>
-          <a:bodyPr lIns="0" rIns="0" tIns="0" bIns="0">
+          <a:bodyPr lIns="0" tIns="0" rIns="0" bIns="0">
             <a:normAutofit/>
           </a:bodyPr>
+          <a:lstStyle/>
           <a:p>
             <a:pPr marL="432000" indent="-324000">
               <a:spcBef>
@@ -3973,17 +4223,14 @@
               <a:buChar char=""/>
             </a:pPr>
             <a:r>
-              <a:rPr b="0" lang="de-DE" sz="1800" spc="-1" strike="noStrike">
+              <a:rPr lang="de-DE" sz="1800" b="0" strike="noStrike" spc="-1">
                 <a:latin typeface="Arial"/>
               </a:rPr>
               <a:t>Format des Gliederungstextes durch Klicken bearbeiten</a:t>
             </a:r>
-            <a:endParaRPr b="0" lang="de-DE" sz="1800" spc="-1" strike="noStrike">
-              <a:latin typeface="Arial"/>
-            </a:endParaRPr>
-          </a:p>
-          <a:p>
-            <a:pPr lvl="1" marL="864000" indent="-324000">
+          </a:p>
+          <a:p>
+            <a:pPr marL="864000" lvl="1" indent="-324000">
               <a:spcBef>
                 <a:spcPts val="1134"/>
               </a:spcBef>
@@ -3995,17 +4242,14 @@
               <a:buChar char=""/>
             </a:pPr>
             <a:r>
-              <a:rPr b="0" lang="de-DE" sz="1800" spc="-1" strike="noStrike">
+              <a:rPr lang="de-DE" sz="1800" b="0" strike="noStrike" spc="-1">
                 <a:latin typeface="Arial"/>
               </a:rPr>
               <a:t>Zweite Gliederungsebene</a:t>
             </a:r>
-            <a:endParaRPr b="0" lang="de-DE" sz="1800" spc="-1" strike="noStrike">
-              <a:latin typeface="Arial"/>
-            </a:endParaRPr>
-          </a:p>
-          <a:p>
-            <a:pPr lvl="2" marL="1296000" indent="-288000">
+          </a:p>
+          <a:p>
+            <a:pPr marL="1296000" lvl="2" indent="-288000">
               <a:spcBef>
                 <a:spcPts val="850"/>
               </a:spcBef>
@@ -4017,17 +4261,14 @@
               <a:buChar char=""/>
             </a:pPr>
             <a:r>
-              <a:rPr b="0" lang="de-DE" sz="1800" spc="-1" strike="noStrike">
+              <a:rPr lang="de-DE" sz="1800" b="0" strike="noStrike" spc="-1">
                 <a:latin typeface="Arial"/>
               </a:rPr>
               <a:t>Dritte Gliederungsebene</a:t>
             </a:r>
-            <a:endParaRPr b="0" lang="de-DE" sz="1800" spc="-1" strike="noStrike">
-              <a:latin typeface="Arial"/>
-            </a:endParaRPr>
-          </a:p>
-          <a:p>
-            <a:pPr lvl="3" marL="1728000" indent="-216000">
+          </a:p>
+          <a:p>
+            <a:pPr marL="1728000" lvl="3" indent="-216000">
               <a:spcBef>
                 <a:spcPts val="567"/>
               </a:spcBef>
@@ -4039,17 +4280,14 @@
               <a:buChar char=""/>
             </a:pPr>
             <a:r>
-              <a:rPr b="0" lang="de-DE" sz="1800" spc="-1" strike="noStrike">
+              <a:rPr lang="de-DE" sz="1800" b="0" strike="noStrike" spc="-1">
                 <a:latin typeface="Arial"/>
               </a:rPr>
               <a:t>Vierte Gliederungsebene</a:t>
             </a:r>
-            <a:endParaRPr b="0" lang="de-DE" sz="1800" spc="-1" strike="noStrike">
-              <a:latin typeface="Arial"/>
-            </a:endParaRPr>
-          </a:p>
-          <a:p>
-            <a:pPr lvl="4" marL="2160000" indent="-216000">
+          </a:p>
+          <a:p>
+            <a:pPr marL="2160000" lvl="4" indent="-216000">
               <a:spcBef>
                 <a:spcPts val="283"/>
               </a:spcBef>
@@ -4061,17 +4299,14 @@
               <a:buChar char=""/>
             </a:pPr>
             <a:r>
-              <a:rPr b="0" lang="de-DE" sz="1800" spc="-1" strike="noStrike">
+              <a:rPr lang="de-DE" sz="1800" b="0" strike="noStrike" spc="-1">
                 <a:latin typeface="Arial"/>
               </a:rPr>
               <a:t>Fünfte Gliederungsebene</a:t>
             </a:r>
-            <a:endParaRPr b="0" lang="de-DE" sz="1800" spc="-1" strike="noStrike">
-              <a:latin typeface="Arial"/>
-            </a:endParaRPr>
-          </a:p>
-          <a:p>
-            <a:pPr lvl="5" marL="2592000" indent="-216000">
+          </a:p>
+          <a:p>
+            <a:pPr marL="2592000" lvl="5" indent="-216000">
               <a:spcBef>
                 <a:spcPts val="283"/>
               </a:spcBef>
@@ -4083,17 +4318,14 @@
               <a:buChar char=""/>
             </a:pPr>
             <a:r>
-              <a:rPr b="0" lang="de-DE" sz="1800" spc="-1" strike="noStrike">
+              <a:rPr lang="de-DE" sz="1800" b="0" strike="noStrike" spc="-1">
                 <a:latin typeface="Arial"/>
               </a:rPr>
               <a:t>Sechste Gliederungsebene</a:t>
             </a:r>
-            <a:endParaRPr b="0" lang="de-DE" sz="1800" spc="-1" strike="noStrike">
-              <a:latin typeface="Arial"/>
-            </a:endParaRPr>
-          </a:p>
-          <a:p>
-            <a:pPr lvl="6" marL="3024000" indent="-216000">
+          </a:p>
+          <a:p>
+            <a:pPr marL="3024000" lvl="6" indent="-216000">
               <a:spcBef>
                 <a:spcPts val="283"/>
               </a:spcBef>
@@ -4105,45 +4337,323 @@
               <a:buChar char=""/>
             </a:pPr>
             <a:r>
-              <a:rPr b="0" lang="de-DE" sz="1800" spc="-1" strike="noStrike">
+              <a:rPr lang="de-DE" sz="1800" b="0" strike="noStrike" spc="-1">
                 <a:latin typeface="Arial"/>
               </a:rPr>
               <a:t>Siebte Gliederungsebene</a:t>
             </a:r>
-            <a:endParaRPr b="0" lang="de-DE" sz="1800" spc="-1" strike="noStrike">
-              <a:latin typeface="Arial"/>
-            </a:endParaRPr>
           </a:p>
         </p:txBody>
       </p:sp>
     </p:spTree>
   </p:cSld>
-  <p:clrMap bg1="lt1" bg2="lt2" tx1="dk1" tx2="dk2" accent1="accent1" accent2="accent2" accent3="accent3" accent4="accent4" accent5="accent5" accent6="accent6" hlink="hlink" folHlink="folHlink"/>
+  <p:clrMap bg1="lt1" tx1="dk1" bg2="lt2" tx2="dk2" accent1="accent1" accent2="accent2" accent3="accent3" accent4="accent4" accent5="accent5" accent6="accent6" hlink="hlink" folHlink="folHlink"/>
   <p:sldLayoutIdLst>
-    <p:sldLayoutId id="2147483649" r:id="rId2"/>
-    <p:sldLayoutId id="2147483650" r:id="rId3"/>
-    <p:sldLayoutId id="2147483651" r:id="rId4"/>
-    <p:sldLayoutId id="2147483652" r:id="rId5"/>
-    <p:sldLayoutId id="2147483653" r:id="rId6"/>
-    <p:sldLayoutId id="2147483654" r:id="rId7"/>
-    <p:sldLayoutId id="2147483655" r:id="rId8"/>
-    <p:sldLayoutId id="2147483656" r:id="rId9"/>
-    <p:sldLayoutId id="2147483657" r:id="rId10"/>
-    <p:sldLayoutId id="2147483658" r:id="rId11"/>
-    <p:sldLayoutId id="2147483659" r:id="rId12"/>
-    <p:sldLayoutId id="2147483660" r:id="rId13"/>
+    <p:sldLayoutId id="2147483649" r:id="rId1"/>
+    <p:sldLayoutId id="2147483650" r:id="rId2"/>
+    <p:sldLayoutId id="2147483651" r:id="rId3"/>
+    <p:sldLayoutId id="2147483652" r:id="rId4"/>
+    <p:sldLayoutId id="2147483653" r:id="rId5"/>
+    <p:sldLayoutId id="2147483654" r:id="rId6"/>
+    <p:sldLayoutId id="2147483655" r:id="rId7"/>
+    <p:sldLayoutId id="2147483656" r:id="rId8"/>
+    <p:sldLayoutId id="2147483657" r:id="rId9"/>
+    <p:sldLayoutId id="2147483658" r:id="rId10"/>
+    <p:sldLayoutId id="2147483659" r:id="rId11"/>
+    <p:sldLayoutId id="2147483660" r:id="rId12"/>
   </p:sldLayoutIdLst>
+  <p:txStyles>
+    <p:titleStyle>
+      <a:lvl1pPr algn="l" defTabSz="914400" rtl="0" eaLnBrk="1" latinLnBrk="0" hangingPunct="1">
+        <a:lnSpc>
+          <a:spcPct val="90000"/>
+        </a:lnSpc>
+        <a:spcBef>
+          <a:spcPct val="0"/>
+        </a:spcBef>
+        <a:buNone/>
+        <a:defRPr sz="4400" kern="1200">
+          <a:solidFill>
+            <a:schemeClr val="tx1"/>
+          </a:solidFill>
+          <a:latin typeface="+mj-lt"/>
+          <a:ea typeface="+mj-ea"/>
+          <a:cs typeface="+mj-cs"/>
+        </a:defRPr>
+      </a:lvl1pPr>
+    </p:titleStyle>
+    <p:bodyStyle>
+      <a:lvl1pPr marL="228600" indent="-228600" algn="l" defTabSz="914400" rtl="0" eaLnBrk="1" latinLnBrk="0" hangingPunct="1">
+        <a:lnSpc>
+          <a:spcPct val="90000"/>
+        </a:lnSpc>
+        <a:spcBef>
+          <a:spcPts val="1000"/>
+        </a:spcBef>
+        <a:buFont typeface="Arial" panose="020B0604020202020204" pitchFamily="34" charset="0"/>
+        <a:buChar char="•"/>
+        <a:defRPr sz="2800" kern="1200">
+          <a:solidFill>
+            <a:schemeClr val="tx1"/>
+          </a:solidFill>
+          <a:latin typeface="+mn-lt"/>
+          <a:ea typeface="+mn-ea"/>
+          <a:cs typeface="+mn-cs"/>
+        </a:defRPr>
+      </a:lvl1pPr>
+      <a:lvl2pPr marL="685800" indent="-228600" algn="l" defTabSz="914400" rtl="0" eaLnBrk="1" latinLnBrk="0" hangingPunct="1">
+        <a:lnSpc>
+          <a:spcPct val="90000"/>
+        </a:lnSpc>
+        <a:spcBef>
+          <a:spcPts val="500"/>
+        </a:spcBef>
+        <a:buFont typeface="Arial" panose="020B0604020202020204" pitchFamily="34" charset="0"/>
+        <a:buChar char="•"/>
+        <a:defRPr sz="2400" kern="1200">
+          <a:solidFill>
+            <a:schemeClr val="tx1"/>
+          </a:solidFill>
+          <a:latin typeface="+mn-lt"/>
+          <a:ea typeface="+mn-ea"/>
+          <a:cs typeface="+mn-cs"/>
+        </a:defRPr>
+      </a:lvl2pPr>
+      <a:lvl3pPr marL="1143000" indent="-228600" algn="l" defTabSz="914400" rtl="0" eaLnBrk="1" latinLnBrk="0" hangingPunct="1">
+        <a:lnSpc>
+          <a:spcPct val="90000"/>
+        </a:lnSpc>
+        <a:spcBef>
+          <a:spcPts val="500"/>
+        </a:spcBef>
+        <a:buFont typeface="Arial" panose="020B0604020202020204" pitchFamily="34" charset="0"/>
+        <a:buChar char="•"/>
+        <a:defRPr sz="2000" kern="1200">
+          <a:solidFill>
+            <a:schemeClr val="tx1"/>
+          </a:solidFill>
+          <a:latin typeface="+mn-lt"/>
+          <a:ea typeface="+mn-ea"/>
+          <a:cs typeface="+mn-cs"/>
+        </a:defRPr>
+      </a:lvl3pPr>
+      <a:lvl4pPr marL="1600200" indent="-228600" algn="l" defTabSz="914400" rtl="0" eaLnBrk="1" latinLnBrk="0" hangingPunct="1">
+        <a:lnSpc>
+          <a:spcPct val="90000"/>
+        </a:lnSpc>
+        <a:spcBef>
+          <a:spcPts val="500"/>
+        </a:spcBef>
+        <a:buFont typeface="Arial" panose="020B0604020202020204" pitchFamily="34" charset="0"/>
+        <a:buChar char="•"/>
+        <a:defRPr sz="1800" kern="1200">
+          <a:solidFill>
+            <a:schemeClr val="tx1"/>
+          </a:solidFill>
+          <a:latin typeface="+mn-lt"/>
+          <a:ea typeface="+mn-ea"/>
+          <a:cs typeface="+mn-cs"/>
+        </a:defRPr>
+      </a:lvl4pPr>
+      <a:lvl5pPr marL="2057400" indent="-228600" algn="l" defTabSz="914400" rtl="0" eaLnBrk="1" latinLnBrk="0" hangingPunct="1">
+        <a:lnSpc>
+          <a:spcPct val="90000"/>
+        </a:lnSpc>
+        <a:spcBef>
+          <a:spcPts val="500"/>
+        </a:spcBef>
+        <a:buFont typeface="Arial" panose="020B0604020202020204" pitchFamily="34" charset="0"/>
+        <a:buChar char="•"/>
+        <a:defRPr sz="1800" kern="1200">
+          <a:solidFill>
+            <a:schemeClr val="tx1"/>
+          </a:solidFill>
+          <a:latin typeface="+mn-lt"/>
+          <a:ea typeface="+mn-ea"/>
+          <a:cs typeface="+mn-cs"/>
+        </a:defRPr>
+      </a:lvl5pPr>
+      <a:lvl6pPr marL="2514600" indent="-228600" algn="l" defTabSz="914400" rtl="0" eaLnBrk="1" latinLnBrk="0" hangingPunct="1">
+        <a:lnSpc>
+          <a:spcPct val="90000"/>
+        </a:lnSpc>
+        <a:spcBef>
+          <a:spcPts val="500"/>
+        </a:spcBef>
+        <a:buFont typeface="Arial" panose="020B0604020202020204" pitchFamily="34" charset="0"/>
+        <a:buChar char="•"/>
+        <a:defRPr sz="1800" kern="1200">
+          <a:solidFill>
+            <a:schemeClr val="tx1"/>
+          </a:solidFill>
+          <a:latin typeface="+mn-lt"/>
+          <a:ea typeface="+mn-ea"/>
+          <a:cs typeface="+mn-cs"/>
+        </a:defRPr>
+      </a:lvl6pPr>
+      <a:lvl7pPr marL="2971800" indent="-228600" algn="l" defTabSz="914400" rtl="0" eaLnBrk="1" latinLnBrk="0" hangingPunct="1">
+        <a:lnSpc>
+          <a:spcPct val="90000"/>
+        </a:lnSpc>
+        <a:spcBef>
+          <a:spcPts val="500"/>
+        </a:spcBef>
+        <a:buFont typeface="Arial" panose="020B0604020202020204" pitchFamily="34" charset="0"/>
+        <a:buChar char="•"/>
+        <a:defRPr sz="1800" kern="1200">
+          <a:solidFill>
+            <a:schemeClr val="tx1"/>
+          </a:solidFill>
+          <a:latin typeface="+mn-lt"/>
+          <a:ea typeface="+mn-ea"/>
+          <a:cs typeface="+mn-cs"/>
+        </a:defRPr>
+      </a:lvl7pPr>
+      <a:lvl8pPr marL="3429000" indent="-228600" algn="l" defTabSz="914400" rtl="0" eaLnBrk="1" latinLnBrk="0" hangingPunct="1">
+        <a:lnSpc>
+          <a:spcPct val="90000"/>
+        </a:lnSpc>
+        <a:spcBef>
+          <a:spcPts val="500"/>
+        </a:spcBef>
+        <a:buFont typeface="Arial" panose="020B0604020202020204" pitchFamily="34" charset="0"/>
+        <a:buChar char="•"/>
+        <a:defRPr sz="1800" kern="1200">
+          <a:solidFill>
+            <a:schemeClr val="tx1"/>
+          </a:solidFill>
+          <a:latin typeface="+mn-lt"/>
+          <a:ea typeface="+mn-ea"/>
+          <a:cs typeface="+mn-cs"/>
+        </a:defRPr>
+      </a:lvl8pPr>
+      <a:lvl9pPr marL="3886200" indent="-228600" algn="l" defTabSz="914400" rtl="0" eaLnBrk="1" latinLnBrk="0" hangingPunct="1">
+        <a:lnSpc>
+          <a:spcPct val="90000"/>
+        </a:lnSpc>
+        <a:spcBef>
+          <a:spcPts val="500"/>
+        </a:spcBef>
+        <a:buFont typeface="Arial" panose="020B0604020202020204" pitchFamily="34" charset="0"/>
+        <a:buChar char="•"/>
+        <a:defRPr sz="1800" kern="1200">
+          <a:solidFill>
+            <a:schemeClr val="tx1"/>
+          </a:solidFill>
+          <a:latin typeface="+mn-lt"/>
+          <a:ea typeface="+mn-ea"/>
+          <a:cs typeface="+mn-cs"/>
+        </a:defRPr>
+      </a:lvl9pPr>
+    </p:bodyStyle>
+    <p:otherStyle>
+      <a:defPPr>
+        <a:defRPr lang="de-DE"/>
+      </a:defPPr>
+      <a:lvl1pPr marL="0" algn="l" defTabSz="914400" rtl="0" eaLnBrk="1" latinLnBrk="0" hangingPunct="1">
+        <a:defRPr sz="1800" kern="1200">
+          <a:solidFill>
+            <a:schemeClr val="tx1"/>
+          </a:solidFill>
+          <a:latin typeface="+mn-lt"/>
+          <a:ea typeface="+mn-ea"/>
+          <a:cs typeface="+mn-cs"/>
+        </a:defRPr>
+      </a:lvl1pPr>
+      <a:lvl2pPr marL="457200" algn="l" defTabSz="914400" rtl="0" eaLnBrk="1" latinLnBrk="0" hangingPunct="1">
+        <a:defRPr sz="1800" kern="1200">
+          <a:solidFill>
+            <a:schemeClr val="tx1"/>
+          </a:solidFill>
+          <a:latin typeface="+mn-lt"/>
+          <a:ea typeface="+mn-ea"/>
+          <a:cs typeface="+mn-cs"/>
+        </a:defRPr>
+      </a:lvl2pPr>
+      <a:lvl3pPr marL="914400" algn="l" defTabSz="914400" rtl="0" eaLnBrk="1" latinLnBrk="0" hangingPunct="1">
+        <a:defRPr sz="1800" kern="1200">
+          <a:solidFill>
+            <a:schemeClr val="tx1"/>
+          </a:solidFill>
+          <a:latin typeface="+mn-lt"/>
+          <a:ea typeface="+mn-ea"/>
+          <a:cs typeface="+mn-cs"/>
+        </a:defRPr>
+      </a:lvl3pPr>
+      <a:lvl4pPr marL="1371600" algn="l" defTabSz="914400" rtl="0" eaLnBrk="1" latinLnBrk="0" hangingPunct="1">
+        <a:defRPr sz="1800" kern="1200">
+          <a:solidFill>
+            <a:schemeClr val="tx1"/>
+          </a:solidFill>
+          <a:latin typeface="+mn-lt"/>
+          <a:ea typeface="+mn-ea"/>
+          <a:cs typeface="+mn-cs"/>
+        </a:defRPr>
+      </a:lvl4pPr>
+      <a:lvl5pPr marL="1828800" algn="l" defTabSz="914400" rtl="0" eaLnBrk="1" latinLnBrk="0" hangingPunct="1">
+        <a:defRPr sz="1800" kern="1200">
+          <a:solidFill>
+            <a:schemeClr val="tx1"/>
+          </a:solidFill>
+          <a:latin typeface="+mn-lt"/>
+          <a:ea typeface="+mn-ea"/>
+          <a:cs typeface="+mn-cs"/>
+        </a:defRPr>
+      </a:lvl5pPr>
+      <a:lvl6pPr marL="2286000" algn="l" defTabSz="914400" rtl="0" eaLnBrk="1" latinLnBrk="0" hangingPunct="1">
+        <a:defRPr sz="1800" kern="1200">
+          <a:solidFill>
+            <a:schemeClr val="tx1"/>
+          </a:solidFill>
+          <a:latin typeface="+mn-lt"/>
+          <a:ea typeface="+mn-ea"/>
+          <a:cs typeface="+mn-cs"/>
+        </a:defRPr>
+      </a:lvl6pPr>
+      <a:lvl7pPr marL="2743200" algn="l" defTabSz="914400" rtl="0" eaLnBrk="1" latinLnBrk="0" hangingPunct="1">
+        <a:defRPr sz="1800" kern="1200">
+          <a:solidFill>
+            <a:schemeClr val="tx1"/>
+          </a:solidFill>
+          <a:latin typeface="+mn-lt"/>
+          <a:ea typeface="+mn-ea"/>
+          <a:cs typeface="+mn-cs"/>
+        </a:defRPr>
+      </a:lvl7pPr>
+      <a:lvl8pPr marL="3200400" algn="l" defTabSz="914400" rtl="0" eaLnBrk="1" latinLnBrk="0" hangingPunct="1">
+        <a:defRPr sz="1800" kern="1200">
+          <a:solidFill>
+            <a:schemeClr val="tx1"/>
+          </a:solidFill>
+          <a:latin typeface="+mn-lt"/>
+          <a:ea typeface="+mn-ea"/>
+          <a:cs typeface="+mn-cs"/>
+        </a:defRPr>
+      </a:lvl8pPr>
+      <a:lvl9pPr marL="3657600" algn="l" defTabSz="914400" rtl="0" eaLnBrk="1" latinLnBrk="0" hangingPunct="1">
+        <a:defRPr sz="1800" kern="1200">
+          <a:solidFill>
+            <a:schemeClr val="tx1"/>
+          </a:solidFill>
+          <a:latin typeface="+mn-lt"/>
+          <a:ea typeface="+mn-ea"/>
+          <a:cs typeface="+mn-cs"/>
+        </a:defRPr>
+      </a:lvl9pPr>
+    </p:otherStyle>
+  </p:txStyles>
 </p:sldMaster>
 </file>
 
 <file path=ppt/slideMasters/slideMaster2.xml><?xml version="1.0" encoding="utf-8"?>
-<p:sldMaster xmlns:a="http://schemas.openxmlformats.org/drawingml/2006/main" xmlns:p="http://schemas.openxmlformats.org/presentationml/2006/main" xmlns:r="http://schemas.openxmlformats.org/officeDocument/2006/relationships" xmlns:p14="http://schemas.microsoft.com/office/powerpoint/2010/main" xmlns:p15="http://schemas.microsoft.com/office/powerpoint/2012/main" xmlns:mc="http://schemas.openxmlformats.org/markup-compatibility/2006">
+<p:sldMaster xmlns:a="http://schemas.openxmlformats.org/drawingml/2006/main" xmlns:r="http://schemas.openxmlformats.org/officeDocument/2006/relationships" xmlns:p="http://schemas.openxmlformats.org/presentationml/2006/main">
   <p:cSld>
     <p:bg>
       <p:bgPr>
         <a:solidFill>
-          <a:srgbClr val="ffffff"/>
+          <a:srgbClr val="FFFFFF"/>
         </a:solidFill>
+        <a:effectLst/>
       </p:bgPr>
     </p:bg>
     <p:spTree>
@@ -4261,6 +4771,7 @@
               <a:avLst/>
               <a:gdLst/>
               <a:ahLst/>
+              <a:cxnLst/>
               <a:rect l="l" t="t" r="r" b="b"/>
               <a:pathLst>
                 <a:path w="3007349" h="6866467">
@@ -4292,7 +4803,7 @@
               <a:noFill/>
             </a:ln>
             <a:effectLst>
-              <a:outerShdw blurRad="38100" dir="5400000" dist="25560" rotWithShape="0">
+              <a:outerShdw blurRad="38100" dist="25560" dir="5400000" rotWithShape="0">
                 <a:srgbClr val="000000">
                   <a:alpha val="35000"/>
                 </a:srgbClr>
@@ -4327,6 +4838,7 @@
               <a:avLst/>
               <a:gdLst/>
               <a:ahLst/>
+              <a:cxnLst/>
               <a:rect l="l" t="t" r="r" b="b"/>
               <a:pathLst>
                 <a:path w="2573311" h="6866467">
@@ -4358,7 +4870,7 @@
               <a:noFill/>
             </a:ln>
             <a:effectLst>
-              <a:outerShdw blurRad="38100" dir="5400000" dist="25560" rotWithShape="0">
+              <a:outerShdw blurRad="38100" dist="25560" dir="5400000" rotWithShape="0">
                 <a:srgbClr val="000000">
                   <a:alpha val="35000"/>
                 </a:srgbClr>
@@ -4404,7 +4916,7 @@
               <a:noFill/>
             </a:ln>
             <a:effectLst>
-              <a:outerShdw blurRad="38100" dir="5400000" dist="25560" rotWithShape="0">
+              <a:outerShdw blurRad="38100" dist="25560" dir="5400000" rotWithShape="0">
                 <a:srgbClr val="000000">
                   <a:alpha val="35000"/>
                 </a:srgbClr>
@@ -4439,6 +4951,7 @@
               <a:avLst/>
               <a:gdLst/>
               <a:ahLst/>
+              <a:cxnLst/>
               <a:rect l="l" t="t" r="r" b="b"/>
               <a:pathLst>
                 <a:path w="2858013" h="6866467">
@@ -4471,7 +4984,7 @@
               <a:noFill/>
             </a:ln>
             <a:effectLst>
-              <a:outerShdw blurRad="38100" dir="5400000" dist="25560" rotWithShape="0">
+              <a:outerShdw blurRad="38100" dist="25560" dir="5400000" rotWithShape="0">
                 <a:srgbClr val="000000">
                   <a:alpha val="35000"/>
                 </a:srgbClr>
@@ -4506,6 +5019,7 @@
               <a:avLst/>
               <a:gdLst/>
               <a:ahLst/>
+              <a:cxnLst/>
               <a:rect l="l" t="t" r="r" b="b"/>
               <a:pathLst>
                 <a:path w="1290094" h="6858000">
@@ -4537,7 +5051,7 @@
               <a:noFill/>
             </a:ln>
             <a:effectLst>
-              <a:outerShdw blurRad="38100" dir="5400000" dist="25560" rotWithShape="0">
+              <a:outerShdw blurRad="38100" dist="25560" dir="5400000" rotWithShape="0">
                 <a:srgbClr val="000000">
                   <a:alpha val="35000"/>
                 </a:srgbClr>
@@ -4572,6 +5086,7 @@
               <a:avLst/>
               <a:gdLst/>
               <a:ahLst/>
+              <a:cxnLst/>
               <a:rect l="l" t="t" r="r" b="b"/>
               <a:pathLst>
                 <a:path w="1249825" h="6858000">
@@ -4604,7 +5119,7 @@
               <a:noFill/>
             </a:ln>
             <a:effectLst>
-              <a:outerShdw blurRad="38100" dir="5400000" dist="25560" rotWithShape="0">
+              <a:outerShdw blurRad="38100" dist="25560" dir="5400000" rotWithShape="0">
                 <a:srgbClr val="000000">
                   <a:alpha val="35000"/>
                 </a:srgbClr>
@@ -4650,7 +5165,7 @@
               <a:noFill/>
             </a:ln>
             <a:effectLst>
-              <a:outerShdw blurRad="38100" dir="5400000" dist="25560" rotWithShape="0">
+              <a:outerShdw blurRad="38100" dist="25560" dir="5400000" rotWithShape="0">
                 <a:srgbClr val="000000">
                   <a:alpha val="35000"/>
                 </a:srgbClr>
@@ -4695,7 +5210,7 @@
               <a:noFill/>
             </a:ln>
             <a:effectLst>
-              <a:outerShdw blurRad="38100" dir="5400000" dist="25560" rotWithShape="0">
+              <a:outerShdw blurRad="38100" dist="25560" dir="5400000" rotWithShape="0">
                 <a:srgbClr val="000000">
                   <a:alpha val="35000"/>
                 </a:srgbClr>
@@ -4736,20 +5251,18 @@
           </a:prstGeom>
         </p:spPr>
         <p:txBody>
-          <a:bodyPr lIns="0" rIns="0" tIns="0" bIns="0" anchor="ctr">
+          <a:bodyPr lIns="0" tIns="0" rIns="0" bIns="0" anchor="ctr">
             <a:noAutofit/>
           </a:bodyPr>
+          <a:lstStyle/>
           <a:p>
             <a:pPr algn="ctr"/>
             <a:r>
-              <a:rPr b="0" lang="de-DE" sz="4400" spc="-1" strike="noStrike">
+              <a:rPr lang="de-DE" sz="4400" b="0" strike="noStrike" spc="-1">
                 <a:latin typeface="Arial"/>
               </a:rPr>
               <a:t>Format des Titeltextes durch Klicken bearbeiten</a:t>
             </a:r>
-            <a:endParaRPr b="0" lang="de-DE" sz="4400" spc="-1" strike="noStrike">
-              <a:latin typeface="Arial"/>
-            </a:endParaRPr>
           </a:p>
         </p:txBody>
       </p:sp>
@@ -4773,9 +5286,10 @@
           </a:prstGeom>
         </p:spPr>
         <p:txBody>
-          <a:bodyPr lIns="0" rIns="0" tIns="0" bIns="0">
+          <a:bodyPr lIns="0" tIns="0" rIns="0" bIns="0">
             <a:normAutofit/>
           </a:bodyPr>
+          <a:lstStyle/>
           <a:p>
             <a:pPr marL="432000" indent="-324000">
               <a:spcBef>
@@ -4789,17 +5303,14 @@
               <a:buChar char=""/>
             </a:pPr>
             <a:r>
-              <a:rPr b="0" lang="de-DE" sz="3200" spc="-1" strike="noStrike">
+              <a:rPr lang="de-DE" sz="3200" b="0" strike="noStrike" spc="-1">
                 <a:latin typeface="Arial"/>
               </a:rPr>
               <a:t>Format des Gliederungstextes durch Klicken bearbeiten</a:t>
             </a:r>
-            <a:endParaRPr b="0" lang="de-DE" sz="3200" spc="-1" strike="noStrike">
-              <a:latin typeface="Arial"/>
-            </a:endParaRPr>
-          </a:p>
-          <a:p>
-            <a:pPr lvl="1" marL="864000" indent="-324000">
+          </a:p>
+          <a:p>
+            <a:pPr marL="864000" lvl="1" indent="-324000">
               <a:spcBef>
                 <a:spcPts val="1134"/>
               </a:spcBef>
@@ -4811,17 +5322,14 @@
               <a:buChar char=""/>
             </a:pPr>
             <a:r>
-              <a:rPr b="0" lang="de-DE" sz="2800" spc="-1" strike="noStrike">
+              <a:rPr lang="de-DE" sz="2800" b="0" strike="noStrike" spc="-1">
                 <a:latin typeface="Arial"/>
               </a:rPr>
               <a:t>Zweite Gliederungsebene</a:t>
             </a:r>
-            <a:endParaRPr b="0" lang="de-DE" sz="2800" spc="-1" strike="noStrike">
-              <a:latin typeface="Arial"/>
-            </a:endParaRPr>
-          </a:p>
-          <a:p>
-            <a:pPr lvl="2" marL="1296000" indent="-288000">
+          </a:p>
+          <a:p>
+            <a:pPr marL="1296000" lvl="2" indent="-288000">
               <a:spcBef>
                 <a:spcPts val="850"/>
               </a:spcBef>
@@ -4833,17 +5341,14 @@
               <a:buChar char=""/>
             </a:pPr>
             <a:r>
-              <a:rPr b="0" lang="de-DE" sz="2400" spc="-1" strike="noStrike">
+              <a:rPr lang="de-DE" sz="2400" b="0" strike="noStrike" spc="-1">
                 <a:latin typeface="Arial"/>
               </a:rPr>
               <a:t>Dritte Gliederungsebene</a:t>
             </a:r>
-            <a:endParaRPr b="0" lang="de-DE" sz="2400" spc="-1" strike="noStrike">
-              <a:latin typeface="Arial"/>
-            </a:endParaRPr>
-          </a:p>
-          <a:p>
-            <a:pPr lvl="3" marL="1728000" indent="-216000">
+          </a:p>
+          <a:p>
+            <a:pPr marL="1728000" lvl="3" indent="-216000">
               <a:spcBef>
                 <a:spcPts val="567"/>
               </a:spcBef>
@@ -4855,17 +5360,14 @@
               <a:buChar char=""/>
             </a:pPr>
             <a:r>
-              <a:rPr b="0" lang="de-DE" sz="2000" spc="-1" strike="noStrike">
+              <a:rPr lang="de-DE" sz="2000" b="0" strike="noStrike" spc="-1">
                 <a:latin typeface="Arial"/>
               </a:rPr>
               <a:t>Vierte Gliederungsebene</a:t>
             </a:r>
-            <a:endParaRPr b="0" lang="de-DE" sz="2000" spc="-1" strike="noStrike">
-              <a:latin typeface="Arial"/>
-            </a:endParaRPr>
-          </a:p>
-          <a:p>
-            <a:pPr lvl="4" marL="2160000" indent="-216000">
+          </a:p>
+          <a:p>
+            <a:pPr marL="2160000" lvl="4" indent="-216000">
               <a:spcBef>
                 <a:spcPts val="283"/>
               </a:spcBef>
@@ -4877,17 +5379,14 @@
               <a:buChar char=""/>
             </a:pPr>
             <a:r>
-              <a:rPr b="0" lang="de-DE" sz="2000" spc="-1" strike="noStrike">
+              <a:rPr lang="de-DE" sz="2000" b="0" strike="noStrike" spc="-1">
                 <a:latin typeface="Arial"/>
               </a:rPr>
               <a:t>Fünfte Gliederungsebene</a:t>
             </a:r>
-            <a:endParaRPr b="0" lang="de-DE" sz="2000" spc="-1" strike="noStrike">
-              <a:latin typeface="Arial"/>
-            </a:endParaRPr>
-          </a:p>
-          <a:p>
-            <a:pPr lvl="5" marL="2592000" indent="-216000">
+          </a:p>
+          <a:p>
+            <a:pPr marL="2592000" lvl="5" indent="-216000">
               <a:spcBef>
                 <a:spcPts val="283"/>
               </a:spcBef>
@@ -4899,17 +5398,14 @@
               <a:buChar char=""/>
             </a:pPr>
             <a:r>
-              <a:rPr b="0" lang="de-DE" sz="2000" spc="-1" strike="noStrike">
+              <a:rPr lang="de-DE" sz="2000" b="0" strike="noStrike" spc="-1">
                 <a:latin typeface="Arial"/>
               </a:rPr>
               <a:t>Sechste Gliederungsebene</a:t>
             </a:r>
-            <a:endParaRPr b="0" lang="de-DE" sz="2000" spc="-1" strike="noStrike">
-              <a:latin typeface="Arial"/>
-            </a:endParaRPr>
-          </a:p>
-          <a:p>
-            <a:pPr lvl="6" marL="3024000" indent="-216000">
+          </a:p>
+          <a:p>
+            <a:pPr marL="3024000" lvl="6" indent="-216000">
               <a:spcBef>
                 <a:spcPts val="283"/>
               </a:spcBef>
@@ -4921,39 +5417,316 @@
               <a:buChar char=""/>
             </a:pPr>
             <a:r>
-              <a:rPr b="0" lang="de-DE" sz="2000" spc="-1" strike="noStrike">
+              <a:rPr lang="de-DE" sz="2000" b="0" strike="noStrike" spc="-1">
                 <a:latin typeface="Arial"/>
               </a:rPr>
               <a:t>Siebte Gliederungsebene</a:t>
             </a:r>
-            <a:endParaRPr b="0" lang="de-DE" sz="2000" spc="-1" strike="noStrike">
-              <a:latin typeface="Arial"/>
-            </a:endParaRPr>
           </a:p>
         </p:txBody>
       </p:sp>
     </p:spTree>
   </p:cSld>
-  <p:clrMap bg1="lt1" bg2="lt2" tx1="dk1" tx2="dk2" accent1="accent1" accent2="accent2" accent3="accent3" accent4="accent4" accent5="accent5" accent6="accent6" hlink="hlink" folHlink="folHlink"/>
+  <p:clrMap bg1="lt1" tx1="dk1" bg2="lt2" tx2="dk2" accent1="accent1" accent2="accent2" accent3="accent3" accent4="accent4" accent5="accent5" accent6="accent6" hlink="hlink" folHlink="folHlink"/>
   <p:sldLayoutIdLst>
-    <p:sldLayoutId id="2147483662" r:id="rId2"/>
-    <p:sldLayoutId id="2147483663" r:id="rId3"/>
-    <p:sldLayoutId id="2147483664" r:id="rId4"/>
-    <p:sldLayoutId id="2147483665" r:id="rId5"/>
-    <p:sldLayoutId id="2147483666" r:id="rId6"/>
-    <p:sldLayoutId id="2147483667" r:id="rId7"/>
-    <p:sldLayoutId id="2147483668" r:id="rId8"/>
-    <p:sldLayoutId id="2147483669" r:id="rId9"/>
-    <p:sldLayoutId id="2147483670" r:id="rId10"/>
-    <p:sldLayoutId id="2147483671" r:id="rId11"/>
-    <p:sldLayoutId id="2147483672" r:id="rId12"/>
-    <p:sldLayoutId id="2147483673" r:id="rId13"/>
+    <p:sldLayoutId id="2147483662" r:id="rId1"/>
+    <p:sldLayoutId id="2147483663" r:id="rId2"/>
+    <p:sldLayoutId id="2147483664" r:id="rId3"/>
+    <p:sldLayoutId id="2147483665" r:id="rId4"/>
+    <p:sldLayoutId id="2147483666" r:id="rId5"/>
+    <p:sldLayoutId id="2147483667" r:id="rId6"/>
+    <p:sldLayoutId id="2147483668" r:id="rId7"/>
+    <p:sldLayoutId id="2147483669" r:id="rId8"/>
+    <p:sldLayoutId id="2147483670" r:id="rId9"/>
+    <p:sldLayoutId id="2147483671" r:id="rId10"/>
+    <p:sldLayoutId id="2147483672" r:id="rId11"/>
+    <p:sldLayoutId id="2147483673" r:id="rId12"/>
   </p:sldLayoutIdLst>
+  <p:txStyles>
+    <p:titleStyle>
+      <a:lvl1pPr algn="l" defTabSz="914400" rtl="0" eaLnBrk="1" latinLnBrk="0" hangingPunct="1">
+        <a:lnSpc>
+          <a:spcPct val="90000"/>
+        </a:lnSpc>
+        <a:spcBef>
+          <a:spcPct val="0"/>
+        </a:spcBef>
+        <a:buNone/>
+        <a:defRPr sz="4400" kern="1200">
+          <a:solidFill>
+            <a:schemeClr val="tx1"/>
+          </a:solidFill>
+          <a:latin typeface="+mj-lt"/>
+          <a:ea typeface="+mj-ea"/>
+          <a:cs typeface="+mj-cs"/>
+        </a:defRPr>
+      </a:lvl1pPr>
+    </p:titleStyle>
+    <p:bodyStyle>
+      <a:lvl1pPr marL="228600" indent="-228600" algn="l" defTabSz="914400" rtl="0" eaLnBrk="1" latinLnBrk="0" hangingPunct="1">
+        <a:lnSpc>
+          <a:spcPct val="90000"/>
+        </a:lnSpc>
+        <a:spcBef>
+          <a:spcPts val="1000"/>
+        </a:spcBef>
+        <a:buFont typeface="Arial" panose="020B0604020202020204" pitchFamily="34" charset="0"/>
+        <a:buChar char="•"/>
+        <a:defRPr sz="2800" kern="1200">
+          <a:solidFill>
+            <a:schemeClr val="tx1"/>
+          </a:solidFill>
+          <a:latin typeface="+mn-lt"/>
+          <a:ea typeface="+mn-ea"/>
+          <a:cs typeface="+mn-cs"/>
+        </a:defRPr>
+      </a:lvl1pPr>
+      <a:lvl2pPr marL="685800" indent="-228600" algn="l" defTabSz="914400" rtl="0" eaLnBrk="1" latinLnBrk="0" hangingPunct="1">
+        <a:lnSpc>
+          <a:spcPct val="90000"/>
+        </a:lnSpc>
+        <a:spcBef>
+          <a:spcPts val="500"/>
+        </a:spcBef>
+        <a:buFont typeface="Arial" panose="020B0604020202020204" pitchFamily="34" charset="0"/>
+        <a:buChar char="•"/>
+        <a:defRPr sz="2400" kern="1200">
+          <a:solidFill>
+            <a:schemeClr val="tx1"/>
+          </a:solidFill>
+          <a:latin typeface="+mn-lt"/>
+          <a:ea typeface="+mn-ea"/>
+          <a:cs typeface="+mn-cs"/>
+        </a:defRPr>
+      </a:lvl2pPr>
+      <a:lvl3pPr marL="1143000" indent="-228600" algn="l" defTabSz="914400" rtl="0" eaLnBrk="1" latinLnBrk="0" hangingPunct="1">
+        <a:lnSpc>
+          <a:spcPct val="90000"/>
+        </a:lnSpc>
+        <a:spcBef>
+          <a:spcPts val="500"/>
+        </a:spcBef>
+        <a:buFont typeface="Arial" panose="020B0604020202020204" pitchFamily="34" charset="0"/>
+        <a:buChar char="•"/>
+        <a:defRPr sz="2000" kern="1200">
+          <a:solidFill>
+            <a:schemeClr val="tx1"/>
+          </a:solidFill>
+          <a:latin typeface="+mn-lt"/>
+          <a:ea typeface="+mn-ea"/>
+          <a:cs typeface="+mn-cs"/>
+        </a:defRPr>
+      </a:lvl3pPr>
+      <a:lvl4pPr marL="1600200" indent="-228600" algn="l" defTabSz="914400" rtl="0" eaLnBrk="1" latinLnBrk="0" hangingPunct="1">
+        <a:lnSpc>
+          <a:spcPct val="90000"/>
+        </a:lnSpc>
+        <a:spcBef>
+          <a:spcPts val="500"/>
+        </a:spcBef>
+        <a:buFont typeface="Arial" panose="020B0604020202020204" pitchFamily="34" charset="0"/>
+        <a:buChar char="•"/>
+        <a:defRPr sz="1800" kern="1200">
+          <a:solidFill>
+            <a:schemeClr val="tx1"/>
+          </a:solidFill>
+          <a:latin typeface="+mn-lt"/>
+          <a:ea typeface="+mn-ea"/>
+          <a:cs typeface="+mn-cs"/>
+        </a:defRPr>
+      </a:lvl4pPr>
+      <a:lvl5pPr marL="2057400" indent="-228600" algn="l" defTabSz="914400" rtl="0" eaLnBrk="1" latinLnBrk="0" hangingPunct="1">
+        <a:lnSpc>
+          <a:spcPct val="90000"/>
+        </a:lnSpc>
+        <a:spcBef>
+          <a:spcPts val="500"/>
+        </a:spcBef>
+        <a:buFont typeface="Arial" panose="020B0604020202020204" pitchFamily="34" charset="0"/>
+        <a:buChar char="•"/>
+        <a:defRPr sz="1800" kern="1200">
+          <a:solidFill>
+            <a:schemeClr val="tx1"/>
+          </a:solidFill>
+          <a:latin typeface="+mn-lt"/>
+          <a:ea typeface="+mn-ea"/>
+          <a:cs typeface="+mn-cs"/>
+        </a:defRPr>
+      </a:lvl5pPr>
+      <a:lvl6pPr marL="2514600" indent="-228600" algn="l" defTabSz="914400" rtl="0" eaLnBrk="1" latinLnBrk="0" hangingPunct="1">
+        <a:lnSpc>
+          <a:spcPct val="90000"/>
+        </a:lnSpc>
+        <a:spcBef>
+          <a:spcPts val="500"/>
+        </a:spcBef>
+        <a:buFont typeface="Arial" panose="020B0604020202020204" pitchFamily="34" charset="0"/>
+        <a:buChar char="•"/>
+        <a:defRPr sz="1800" kern="1200">
+          <a:solidFill>
+            <a:schemeClr val="tx1"/>
+          </a:solidFill>
+          <a:latin typeface="+mn-lt"/>
+          <a:ea typeface="+mn-ea"/>
+          <a:cs typeface="+mn-cs"/>
+        </a:defRPr>
+      </a:lvl6pPr>
+      <a:lvl7pPr marL="2971800" indent="-228600" algn="l" defTabSz="914400" rtl="0" eaLnBrk="1" latinLnBrk="0" hangingPunct="1">
+        <a:lnSpc>
+          <a:spcPct val="90000"/>
+        </a:lnSpc>
+        <a:spcBef>
+          <a:spcPts val="500"/>
+        </a:spcBef>
+        <a:buFont typeface="Arial" panose="020B0604020202020204" pitchFamily="34" charset="0"/>
+        <a:buChar char="•"/>
+        <a:defRPr sz="1800" kern="1200">
+          <a:solidFill>
+            <a:schemeClr val="tx1"/>
+          </a:solidFill>
+          <a:latin typeface="+mn-lt"/>
+          <a:ea typeface="+mn-ea"/>
+          <a:cs typeface="+mn-cs"/>
+        </a:defRPr>
+      </a:lvl7pPr>
+      <a:lvl8pPr marL="3429000" indent="-228600" algn="l" defTabSz="914400" rtl="0" eaLnBrk="1" latinLnBrk="0" hangingPunct="1">
+        <a:lnSpc>
+          <a:spcPct val="90000"/>
+        </a:lnSpc>
+        <a:spcBef>
+          <a:spcPts val="500"/>
+        </a:spcBef>
+        <a:buFont typeface="Arial" panose="020B0604020202020204" pitchFamily="34" charset="0"/>
+        <a:buChar char="•"/>
+        <a:defRPr sz="1800" kern="1200">
+          <a:solidFill>
+            <a:schemeClr val="tx1"/>
+          </a:solidFill>
+          <a:latin typeface="+mn-lt"/>
+          <a:ea typeface="+mn-ea"/>
+          <a:cs typeface="+mn-cs"/>
+        </a:defRPr>
+      </a:lvl8pPr>
+      <a:lvl9pPr marL="3886200" indent="-228600" algn="l" defTabSz="914400" rtl="0" eaLnBrk="1" latinLnBrk="0" hangingPunct="1">
+        <a:lnSpc>
+          <a:spcPct val="90000"/>
+        </a:lnSpc>
+        <a:spcBef>
+          <a:spcPts val="500"/>
+        </a:spcBef>
+        <a:buFont typeface="Arial" panose="020B0604020202020204" pitchFamily="34" charset="0"/>
+        <a:buChar char="•"/>
+        <a:defRPr sz="1800" kern="1200">
+          <a:solidFill>
+            <a:schemeClr val="tx1"/>
+          </a:solidFill>
+          <a:latin typeface="+mn-lt"/>
+          <a:ea typeface="+mn-ea"/>
+          <a:cs typeface="+mn-cs"/>
+        </a:defRPr>
+      </a:lvl9pPr>
+    </p:bodyStyle>
+    <p:otherStyle>
+      <a:defPPr>
+        <a:defRPr lang="de-DE"/>
+      </a:defPPr>
+      <a:lvl1pPr marL="0" algn="l" defTabSz="914400" rtl="0" eaLnBrk="1" latinLnBrk="0" hangingPunct="1">
+        <a:defRPr sz="1800" kern="1200">
+          <a:solidFill>
+            <a:schemeClr val="tx1"/>
+          </a:solidFill>
+          <a:latin typeface="+mn-lt"/>
+          <a:ea typeface="+mn-ea"/>
+          <a:cs typeface="+mn-cs"/>
+        </a:defRPr>
+      </a:lvl1pPr>
+      <a:lvl2pPr marL="457200" algn="l" defTabSz="914400" rtl="0" eaLnBrk="1" latinLnBrk="0" hangingPunct="1">
+        <a:defRPr sz="1800" kern="1200">
+          <a:solidFill>
+            <a:schemeClr val="tx1"/>
+          </a:solidFill>
+          <a:latin typeface="+mn-lt"/>
+          <a:ea typeface="+mn-ea"/>
+          <a:cs typeface="+mn-cs"/>
+        </a:defRPr>
+      </a:lvl2pPr>
+      <a:lvl3pPr marL="914400" algn="l" defTabSz="914400" rtl="0" eaLnBrk="1" latinLnBrk="0" hangingPunct="1">
+        <a:defRPr sz="1800" kern="1200">
+          <a:solidFill>
+            <a:schemeClr val="tx1"/>
+          </a:solidFill>
+          <a:latin typeface="+mn-lt"/>
+          <a:ea typeface="+mn-ea"/>
+          <a:cs typeface="+mn-cs"/>
+        </a:defRPr>
+      </a:lvl3pPr>
+      <a:lvl4pPr marL="1371600" algn="l" defTabSz="914400" rtl="0" eaLnBrk="1" latinLnBrk="0" hangingPunct="1">
+        <a:defRPr sz="1800" kern="1200">
+          <a:solidFill>
+            <a:schemeClr val="tx1"/>
+          </a:solidFill>
+          <a:latin typeface="+mn-lt"/>
+          <a:ea typeface="+mn-ea"/>
+          <a:cs typeface="+mn-cs"/>
+        </a:defRPr>
+      </a:lvl4pPr>
+      <a:lvl5pPr marL="1828800" algn="l" defTabSz="914400" rtl="0" eaLnBrk="1" latinLnBrk="0" hangingPunct="1">
+        <a:defRPr sz="1800" kern="1200">
+          <a:solidFill>
+            <a:schemeClr val="tx1"/>
+          </a:solidFill>
+          <a:latin typeface="+mn-lt"/>
+          <a:ea typeface="+mn-ea"/>
+          <a:cs typeface="+mn-cs"/>
+        </a:defRPr>
+      </a:lvl5pPr>
+      <a:lvl6pPr marL="2286000" algn="l" defTabSz="914400" rtl="0" eaLnBrk="1" latinLnBrk="0" hangingPunct="1">
+        <a:defRPr sz="1800" kern="1200">
+          <a:solidFill>
+            <a:schemeClr val="tx1"/>
+          </a:solidFill>
+          <a:latin typeface="+mn-lt"/>
+          <a:ea typeface="+mn-ea"/>
+          <a:cs typeface="+mn-cs"/>
+        </a:defRPr>
+      </a:lvl6pPr>
+      <a:lvl7pPr marL="2743200" algn="l" defTabSz="914400" rtl="0" eaLnBrk="1" latinLnBrk="0" hangingPunct="1">
+        <a:defRPr sz="1800" kern="1200">
+          <a:solidFill>
+            <a:schemeClr val="tx1"/>
+          </a:solidFill>
+          <a:latin typeface="+mn-lt"/>
+          <a:ea typeface="+mn-ea"/>
+          <a:cs typeface="+mn-cs"/>
+        </a:defRPr>
+      </a:lvl7pPr>
+      <a:lvl8pPr marL="3200400" algn="l" defTabSz="914400" rtl="0" eaLnBrk="1" latinLnBrk="0" hangingPunct="1">
+        <a:defRPr sz="1800" kern="1200">
+          <a:solidFill>
+            <a:schemeClr val="tx1"/>
+          </a:solidFill>
+          <a:latin typeface="+mn-lt"/>
+          <a:ea typeface="+mn-ea"/>
+          <a:cs typeface="+mn-cs"/>
+        </a:defRPr>
+      </a:lvl8pPr>
+      <a:lvl9pPr marL="3657600" algn="l" defTabSz="914400" rtl="0" eaLnBrk="1" latinLnBrk="0" hangingPunct="1">
+        <a:defRPr sz="1800" kern="1200">
+          <a:solidFill>
+            <a:schemeClr val="tx1"/>
+          </a:solidFill>
+          <a:latin typeface="+mn-lt"/>
+          <a:ea typeface="+mn-ea"/>
+          <a:cs typeface="+mn-cs"/>
+        </a:defRPr>
+      </a:lvl9pPr>
+    </p:otherStyle>
+  </p:txStyles>
 </p:sldMaster>
 </file>
 
 <file path=ppt/slides/slide1.xml><?xml version="1.0" encoding="utf-8"?>
-<p:sld xmlns:a="http://schemas.openxmlformats.org/drawingml/2006/main" xmlns:p="http://schemas.openxmlformats.org/presentationml/2006/main" xmlns:r="http://schemas.openxmlformats.org/officeDocument/2006/relationships" xmlns:p14="http://schemas.microsoft.com/office/powerpoint/2010/main" xmlns:p15="http://schemas.microsoft.com/office/powerpoint/2012/main" xmlns:mc="http://schemas.openxmlformats.org/markup-compatibility/2006">
+<p:sld xmlns:a="http://schemas.openxmlformats.org/drawingml/2006/main" xmlns:r="http://schemas.openxmlformats.org/officeDocument/2006/relationships" xmlns:p="http://schemas.openxmlformats.org/presentationml/2006/main">
   <p:cSld>
     <p:spTree>
       <p:nvGrpSpPr>
@@ -4989,15 +5762,22 @@
           </a:ln>
         </p:spPr>
         <p:style>
-          <a:lnRef idx="0"/>
-          <a:fillRef idx="0"/>
-          <a:effectRef idx="0"/>
+          <a:lnRef idx="0">
+            <a:scrgbClr r="0" g="0" b="0"/>
+          </a:lnRef>
+          <a:fillRef idx="0">
+            <a:scrgbClr r="0" g="0" b="0"/>
+          </a:fillRef>
+          <a:effectRef idx="0">
+            <a:scrgbClr r="0" g="0" b="0"/>
+          </a:effectRef>
           <a:fontRef idx="minor"/>
         </p:style>
         <p:txBody>
-          <a:bodyPr lIns="90000" rIns="90000" tIns="45000" bIns="45000" anchor="b">
+          <a:bodyPr lIns="90000" tIns="45000" rIns="90000" bIns="45000" anchor="b">
             <a:noAutofit/>
           </a:bodyPr>
+          <a:lstStyle/>
           <a:p>
             <a:pPr algn="r">
               <a:lnSpc>
@@ -5005,16 +5785,16 @@
               </a:lnSpc>
             </a:pPr>
             <a:r>
-              <a:rPr b="0" lang="de-DE" sz="6000" spc="-1" strike="noStrike">
+              <a:rPr lang="de-DE" sz="6000" b="0" strike="noStrike" spc="-1">
                 <a:solidFill>
-                  <a:srgbClr val="5fcbef"/>
+                  <a:srgbClr val="5FCBEF"/>
                 </a:solidFill>
                 <a:latin typeface="Trebuchet MS"/>
                 <a:ea typeface="DejaVu Sans"/>
               </a:rPr>
               <a:t>IoT – Praktikum 2018/19</a:t>
             </a:r>
-            <a:endParaRPr b="0" lang="de-DE" sz="6000" spc="-1" strike="noStrike">
+            <a:endParaRPr lang="de-DE" sz="6000" b="0" strike="noStrike" spc="-1">
               <a:latin typeface="Arial"/>
             </a:endParaRPr>
           </a:p>
@@ -5040,15 +5820,22 @@
           </a:ln>
         </p:spPr>
         <p:style>
-          <a:lnRef idx="0"/>
-          <a:fillRef idx="0"/>
-          <a:effectRef idx="0"/>
+          <a:lnRef idx="0">
+            <a:scrgbClr r="0" g="0" b="0"/>
+          </a:lnRef>
+          <a:fillRef idx="0">
+            <a:scrgbClr r="0" g="0" b="0"/>
+          </a:fillRef>
+          <a:effectRef idx="0">
+            <a:scrgbClr r="0" g="0" b="0"/>
+          </a:effectRef>
           <a:fontRef idx="minor"/>
         </p:style>
         <p:txBody>
-          <a:bodyPr lIns="90000" rIns="90000" tIns="45000" bIns="45000">
+          <a:bodyPr lIns="90000" tIns="45000" rIns="90000" bIns="45000">
             <a:noAutofit/>
           </a:bodyPr>
+          <a:lstStyle/>
           <a:p>
             <a:pPr algn="r">
               <a:lnSpc>
@@ -5059,7 +5846,7 @@
               </a:spcBef>
             </a:pPr>
             <a:r>
-              <a:rPr b="0" lang="de-DE" sz="2400" spc="-1" strike="noStrike">
+              <a:rPr lang="de-DE" sz="2400" b="0" strike="noStrike" spc="-1">
                 <a:solidFill>
                   <a:srgbClr val="808080"/>
                 </a:solidFill>
@@ -5068,7 +5855,7 @@
               </a:rPr>
               <a:t>Team A:</a:t>
             </a:r>
-            <a:endParaRPr b="0" lang="de-DE" sz="2400" spc="-1" strike="noStrike">
+            <a:endParaRPr lang="de-DE" sz="2400" b="0" strike="noStrike" spc="-1">
               <a:latin typeface="Arial"/>
             </a:endParaRPr>
           </a:p>
@@ -5082,7 +5869,7 @@
               </a:spcBef>
             </a:pPr>
             <a:r>
-              <a:rPr b="0" lang="de-DE" sz="2400" spc="-1" strike="noStrike">
+              <a:rPr lang="de-DE" sz="2400" b="0" strike="noStrike" spc="-1">
                 <a:solidFill>
                   <a:srgbClr val="808080"/>
                 </a:solidFill>
@@ -5091,7 +5878,7 @@
               </a:rPr>
               <a:t>AVR-Technologie</a:t>
             </a:r>
-            <a:endParaRPr b="0" lang="de-DE" sz="2400" spc="-1" strike="noStrike">
+            <a:endParaRPr lang="de-DE" sz="2400" b="0" strike="noStrike" spc="-1">
               <a:latin typeface="Arial"/>
             </a:endParaRPr>
           </a:p>
@@ -5105,7 +5892,7 @@
               </a:spcBef>
             </a:pPr>
             <a:r>
-              <a:rPr b="0" lang="de-DE" sz="2400" spc="-1" strike="noStrike">
+              <a:rPr lang="de-DE" sz="2400" b="0" strike="noStrike" spc="-1">
                 <a:solidFill>
                   <a:srgbClr val="808080"/>
                 </a:solidFill>
@@ -5114,7 +5901,7 @@
               </a:rPr>
               <a:t>TI CC1101</a:t>
             </a:r>
-            <a:endParaRPr b="0" lang="de-DE" sz="2400" spc="-1" strike="noStrike">
+            <a:endParaRPr lang="de-DE" sz="2400" b="0" strike="noStrike" spc="-1">
               <a:latin typeface="Arial"/>
             </a:endParaRPr>
           </a:p>
@@ -5122,14 +5909,9 @@
       </p:sp>
     </p:spTree>
   </p:cSld>
-  <mc:AlternateContent>
-    <mc:Choice Requires="p14">
-      <p:transition spd="slow" p14:dur="2000"/>
-    </mc:Choice>
-    <mc:Fallback>
-      <p:transition spd="slow"/>
-    </mc:Fallback>
-  </mc:AlternateContent>
+  <p:clrMapOvr>
+    <a:masterClrMapping/>
+  </p:clrMapOvr>
   <p:timing>
     <p:tnLst>
       <p:par>
@@ -5138,14 +5920,14 @@
             <p:seq>
               <p:cTn id="2" dur="indefinite" nodeType="mainSeq"/>
               <p:prevCondLst>
-                <p:cond delay="0" evt="onPrev">
+                <p:cond evt="onPrev" delay="0">
                   <p:tgtEl>
                     <p:sldTgt/>
                   </p:tgtEl>
                 </p:cond>
               </p:prevCondLst>
               <p:nextCondLst>
-                <p:cond delay="0" evt="onNext">
+                <p:cond evt="onNext" delay="0">
                   <p:tgtEl>
                     <p:sldTgt/>
                   </p:tgtEl>
@@ -5161,7 +5943,414 @@
 </file>
 
 <file path=ppt/slides/slide10.xml><?xml version="1.0" encoding="utf-8"?>
-<p:sld xmlns:a="http://schemas.openxmlformats.org/drawingml/2006/main" xmlns:p="http://schemas.openxmlformats.org/presentationml/2006/main" xmlns:r="http://schemas.openxmlformats.org/officeDocument/2006/relationships" xmlns:p14="http://schemas.microsoft.com/office/powerpoint/2010/main" xmlns:p15="http://schemas.microsoft.com/office/powerpoint/2012/main" xmlns:mc="http://schemas.openxmlformats.org/markup-compatibility/2006">
+<p:sld xmlns:a="http://schemas.openxmlformats.org/drawingml/2006/main" xmlns:r="http://schemas.openxmlformats.org/officeDocument/2006/relationships" xmlns:p="http://schemas.openxmlformats.org/presentationml/2006/main">
+  <p:cSld>
+    <p:spTree>
+      <p:nvGrpSpPr>
+        <p:cNvPr id="1" name=""/>
+        <p:cNvGrpSpPr/>
+        <p:nvPr/>
+      </p:nvGrpSpPr>
+      <p:grpSpPr>
+        <a:xfrm>
+          <a:off x="0" y="0"/>
+          <a:ext cx="0" cy="0"/>
+          <a:chOff x="0" y="0"/>
+          <a:chExt cx="0" cy="0"/>
+        </a:xfrm>
+      </p:grpSpPr>
+      <p:sp>
+        <p:nvSpPr>
+          <p:cNvPr id="138" name="CustomShape 1"/>
+          <p:cNvSpPr/>
+          <p:nvPr/>
+        </p:nvSpPr>
+        <p:spPr>
+          <a:xfrm>
+            <a:off x="677160" y="609480"/>
+            <a:ext cx="8595720" cy="1319760"/>
+          </a:xfrm>
+          <a:prstGeom prst="rect">
+            <a:avLst/>
+          </a:prstGeom>
+          <a:noFill/>
+          <a:ln>
+            <a:noFill/>
+          </a:ln>
+        </p:spPr>
+        <p:style>
+          <a:lnRef idx="0">
+            <a:scrgbClr r="0" g="0" b="0"/>
+          </a:lnRef>
+          <a:fillRef idx="0">
+            <a:scrgbClr r="0" g="0" b="0"/>
+          </a:fillRef>
+          <a:effectRef idx="0">
+            <a:scrgbClr r="0" g="0" b="0"/>
+          </a:effectRef>
+          <a:fontRef idx="minor"/>
+        </p:style>
+        <p:txBody>
+          <a:bodyPr lIns="90000" tIns="45000" rIns="90000" bIns="45000">
+            <a:noAutofit/>
+          </a:bodyPr>
+          <a:lstStyle/>
+          <a:p>
+            <a:pPr>
+              <a:lnSpc>
+                <a:spcPct val="100000"/>
+              </a:lnSpc>
+            </a:pPr>
+            <a:r>
+              <a:rPr lang="de-DE" sz="3600" b="0" u="sng" strike="noStrike" spc="-1" dirty="0" err="1">
+                <a:solidFill>
+                  <a:srgbClr val="5FCBEF"/>
+                </a:solidFill>
+                <a:uFillTx/>
+                <a:latin typeface="Trebuchet MS"/>
+                <a:ea typeface="DejaVu Sans"/>
+              </a:rPr>
+              <a:t>pinMode</a:t>
+            </a:r>
+            <a:r>
+              <a:rPr lang="de-DE" sz="3600" b="0" u="sng" strike="noStrike" spc="-1" dirty="0">
+                <a:solidFill>
+                  <a:srgbClr val="5FCBEF"/>
+                </a:solidFill>
+                <a:uFillTx/>
+                <a:latin typeface="Trebuchet MS"/>
+                <a:ea typeface="DejaVu Sans"/>
+              </a:rPr>
+              <a:t> - Output</a:t>
+            </a:r>
+            <a:endParaRPr lang="de-DE" sz="3600" b="0" strike="noStrike" spc="-1" dirty="0">
+              <a:latin typeface="Arial"/>
+            </a:endParaRPr>
+          </a:p>
+        </p:txBody>
+      </p:sp>
+      <p:sp>
+        <p:nvSpPr>
+          <p:cNvPr id="139" name="CustomShape 2"/>
+          <p:cNvSpPr/>
+          <p:nvPr/>
+        </p:nvSpPr>
+        <p:spPr>
+          <a:xfrm>
+            <a:off x="1379520" y="2095200"/>
+            <a:ext cx="8595720" cy="3879720"/>
+          </a:xfrm>
+          <a:prstGeom prst="rect">
+            <a:avLst/>
+          </a:prstGeom>
+          <a:noFill/>
+          <a:ln>
+            <a:noFill/>
+          </a:ln>
+        </p:spPr>
+        <p:style>
+          <a:lnRef idx="0">
+            <a:scrgbClr r="0" g="0" b="0"/>
+          </a:lnRef>
+          <a:fillRef idx="0">
+            <a:scrgbClr r="0" g="0" b="0"/>
+          </a:fillRef>
+          <a:effectRef idx="0">
+            <a:scrgbClr r="0" g="0" b="0"/>
+          </a:effectRef>
+          <a:fontRef idx="minor"/>
+        </p:style>
+        <p:txBody>
+          <a:bodyPr lIns="90000" tIns="45000" rIns="90000" bIns="45000">
+            <a:noAutofit/>
+          </a:bodyPr>
+          <a:lstStyle/>
+          <a:p>
+            <a:pPr marL="343080" indent="-342000">
+              <a:lnSpc>
+                <a:spcPct val="150000"/>
+              </a:lnSpc>
+              <a:spcBef>
+                <a:spcPts val="1001"/>
+              </a:spcBef>
+              <a:buClr>
+                <a:srgbClr val="5FCBEF"/>
+              </a:buClr>
+              <a:buSzPct val="80000"/>
+              <a:buFont typeface="Wingdings 3" charset="2"/>
+              <a:buChar char=""/>
+            </a:pPr>
+            <a:r>
+              <a:rPr lang="de-DE" sz="1800" b="0" strike="noStrike" spc="-1" dirty="0">
+                <a:solidFill>
+                  <a:srgbClr val="404040"/>
+                </a:solidFill>
+                <a:latin typeface="Trebuchet MS"/>
+                <a:ea typeface="DejaVu Sans"/>
+              </a:rPr>
+              <a:t>Im Register definieren ​</a:t>
+            </a:r>
+            <a:endParaRPr lang="de-DE" sz="1800" b="0" strike="noStrike" spc="-1" dirty="0">
+              <a:latin typeface="Arial"/>
+            </a:endParaRPr>
+          </a:p>
+          <a:p>
+            <a:pPr marL="343080" indent="-342000">
+              <a:lnSpc>
+                <a:spcPct val="150000"/>
+              </a:lnSpc>
+              <a:spcBef>
+                <a:spcPts val="1001"/>
+              </a:spcBef>
+              <a:buClr>
+                <a:srgbClr val="5FCBEF"/>
+              </a:buClr>
+              <a:buSzPct val="80000"/>
+              <a:buFont typeface="Wingdings 3" charset="2"/>
+              <a:buChar char=""/>
+            </a:pPr>
+            <a:r>
+              <a:rPr lang="de-DE" sz="1800" b="0" strike="noStrike" spc="-1" dirty="0">
+                <a:solidFill>
+                  <a:srgbClr val="404040"/>
+                </a:solidFill>
+                <a:latin typeface="Trebuchet MS"/>
+                <a:ea typeface="DejaVu Sans"/>
+              </a:rPr>
+              <a:t>DDRD |= (1&lt;&lt;4)​</a:t>
+            </a:r>
+            <a:endParaRPr lang="de-DE" sz="1800" b="0" strike="noStrike" spc="-1" dirty="0">
+              <a:latin typeface="Arial"/>
+            </a:endParaRPr>
+          </a:p>
+          <a:p>
+            <a:pPr marL="343080" indent="-342000">
+              <a:lnSpc>
+                <a:spcPct val="150000"/>
+              </a:lnSpc>
+              <a:spcBef>
+                <a:spcPts val="1001"/>
+              </a:spcBef>
+              <a:buClr>
+                <a:srgbClr val="5FCBEF"/>
+              </a:buClr>
+              <a:buSzPct val="80000"/>
+              <a:buFont typeface="Wingdings 3" charset="2"/>
+              <a:buChar char=""/>
+            </a:pPr>
+            <a:r>
+              <a:rPr lang="de-DE" sz="1800" b="0" strike="noStrike" spc="-1" dirty="0">
+                <a:solidFill>
+                  <a:srgbClr val="404040"/>
+                </a:solidFill>
+                <a:latin typeface="Trebuchet MS"/>
+                <a:ea typeface="DejaVu Sans"/>
+              </a:rPr>
+              <a:t>Nehmen wir an: DDRD = 001</a:t>
+            </a:r>
+            <a:r>
+              <a:rPr lang="de-DE" sz="1800" b="0" strike="noStrike" spc="-1" dirty="0">
+                <a:solidFill>
+                  <a:srgbClr val="FF0000"/>
+                </a:solidFill>
+                <a:latin typeface="Trebuchet MS"/>
+                <a:ea typeface="DejaVu Sans"/>
+              </a:rPr>
+              <a:t>0</a:t>
+            </a:r>
+            <a:r>
+              <a:rPr lang="de-DE" sz="1800" b="0" strike="noStrike" spc="-1" dirty="0">
+                <a:solidFill>
+                  <a:srgbClr val="404040"/>
+                </a:solidFill>
+                <a:latin typeface="Trebuchet MS"/>
+                <a:ea typeface="DejaVu Sans"/>
+              </a:rPr>
+              <a:t>0101​</a:t>
+            </a:r>
+            <a:endParaRPr lang="de-DE" sz="1800" b="0" strike="noStrike" spc="-1" dirty="0">
+              <a:latin typeface="Arial"/>
+            </a:endParaRPr>
+          </a:p>
+          <a:p>
+            <a:pPr marL="343080" indent="-342000">
+              <a:lnSpc>
+                <a:spcPct val="150000"/>
+              </a:lnSpc>
+              <a:spcBef>
+                <a:spcPts val="1001"/>
+              </a:spcBef>
+              <a:buClr>
+                <a:srgbClr val="5FCBEF"/>
+              </a:buClr>
+              <a:buSzPct val="80000"/>
+              <a:buFont typeface="Wingdings 3" charset="2"/>
+              <a:buChar char=""/>
+            </a:pPr>
+            <a:r>
+              <a:rPr lang="de-DE" sz="1800" b="0" strike="noStrike" spc="-1" dirty="0">
+                <a:solidFill>
+                  <a:srgbClr val="404040"/>
+                </a:solidFill>
+                <a:latin typeface="Trebuchet MS"/>
+                <a:ea typeface="DejaVu Sans"/>
+              </a:rPr>
+              <a:t>ausführen von DDRD |= (1&lt;&lt;4):​</a:t>
+            </a:r>
+            <a:endParaRPr lang="de-DE" sz="1800" b="0" strike="noStrike" spc="-1" dirty="0">
+              <a:latin typeface="Arial"/>
+            </a:endParaRPr>
+          </a:p>
+          <a:p>
+            <a:pPr marL="343080" indent="-342000">
+              <a:lnSpc>
+                <a:spcPct val="150000"/>
+              </a:lnSpc>
+              <a:spcBef>
+                <a:spcPts val="1001"/>
+              </a:spcBef>
+              <a:buClr>
+                <a:srgbClr val="5FCBEF"/>
+              </a:buClr>
+              <a:buSzPct val="80000"/>
+              <a:buFont typeface="Wingdings 3" charset="2"/>
+              <a:buChar char=""/>
+            </a:pPr>
+            <a:r>
+              <a:rPr lang="de-DE" sz="1800" b="0" strike="noStrike" spc="-1" dirty="0">
+                <a:solidFill>
+                  <a:srgbClr val="404040"/>
+                </a:solidFill>
+                <a:latin typeface="Trebuchet MS"/>
+                <a:ea typeface="DejaVu Sans"/>
+              </a:rPr>
+              <a:t>1 = 00000001​ -&gt; (1&lt;&lt;4) = 000</a:t>
+            </a:r>
+            <a:r>
+              <a:rPr lang="de-DE" sz="1800" b="0" strike="noStrike" spc="-1" dirty="0">
+                <a:solidFill>
+                  <a:srgbClr val="FF0000"/>
+                </a:solidFill>
+                <a:latin typeface="Trebuchet MS"/>
+                <a:ea typeface="DejaVu Sans"/>
+              </a:rPr>
+              <a:t>1</a:t>
+            </a:r>
+            <a:r>
+              <a:rPr lang="de-DE" sz="1800" b="0" strike="noStrike" spc="-1" dirty="0">
+                <a:solidFill>
+                  <a:srgbClr val="404040"/>
+                </a:solidFill>
+                <a:latin typeface="Trebuchet MS"/>
+                <a:ea typeface="DejaVu Sans"/>
+              </a:rPr>
+              <a:t>0000​</a:t>
+            </a:r>
+            <a:endParaRPr lang="de-DE" sz="1800" b="0" strike="noStrike" spc="-1" dirty="0">
+              <a:latin typeface="Arial"/>
+            </a:endParaRPr>
+          </a:p>
+          <a:p>
+            <a:pPr marL="343080" indent="-342000">
+              <a:lnSpc>
+                <a:spcPct val="150000"/>
+              </a:lnSpc>
+              <a:spcBef>
+                <a:spcPts val="1001"/>
+              </a:spcBef>
+              <a:buClr>
+                <a:srgbClr val="5FCBEF"/>
+              </a:buClr>
+              <a:buSzPct val="80000"/>
+              <a:buFont typeface="Wingdings 3" charset="2"/>
+              <a:buChar char=""/>
+            </a:pPr>
+            <a:r>
+              <a:rPr lang="de-DE" sz="1800" b="0" strike="noStrike" spc="-1" dirty="0">
+                <a:solidFill>
+                  <a:srgbClr val="404040"/>
+                </a:solidFill>
+                <a:latin typeface="Trebuchet MS"/>
+                <a:ea typeface="DejaVu Sans"/>
+              </a:rPr>
+              <a:t>00100101 | 00010000 = 001</a:t>
+            </a:r>
+            <a:r>
+              <a:rPr lang="de-DE" sz="1800" b="0" strike="noStrike" spc="-1" dirty="0">
+                <a:solidFill>
+                  <a:srgbClr val="FF0000"/>
+                </a:solidFill>
+                <a:latin typeface="Trebuchet MS"/>
+                <a:ea typeface="DejaVu Sans"/>
+              </a:rPr>
+              <a:t>1</a:t>
+            </a:r>
+            <a:r>
+              <a:rPr lang="de-DE" sz="1800" b="0" strike="noStrike" spc="-1" dirty="0">
+                <a:solidFill>
+                  <a:srgbClr val="404040"/>
+                </a:solidFill>
+                <a:latin typeface="Trebuchet MS"/>
+                <a:ea typeface="DejaVu Sans"/>
+              </a:rPr>
+              <a:t>0101 //4. Bit nun 1</a:t>
+            </a:r>
+            <a:endParaRPr lang="de-DE" sz="1800" b="0" strike="noStrike" spc="-1" dirty="0">
+              <a:latin typeface="Arial"/>
+            </a:endParaRPr>
+          </a:p>
+          <a:p>
+            <a:pPr>
+              <a:lnSpc>
+                <a:spcPct val="100000"/>
+              </a:lnSpc>
+              <a:spcBef>
+                <a:spcPts val="1001"/>
+              </a:spcBef>
+            </a:pPr>
+            <a:endParaRPr lang="de-DE" sz="1800" b="0" strike="noStrike" spc="-1" dirty="0">
+              <a:latin typeface="Arial"/>
+            </a:endParaRPr>
+          </a:p>
+        </p:txBody>
+      </p:sp>
+    </p:spTree>
+  </p:cSld>
+  <p:clrMapOvr>
+    <a:masterClrMapping/>
+  </p:clrMapOvr>
+  <p:timing>
+    <p:tnLst>
+      <p:par>
+        <p:cTn id="1" dur="indefinite" restart="never" nodeType="tmRoot">
+          <p:childTnLst>
+            <p:seq>
+              <p:cTn id="2" dur="indefinite" nodeType="mainSeq"/>
+              <p:prevCondLst>
+                <p:cond evt="onPrev" delay="0">
+                  <p:tgtEl>
+                    <p:sldTgt/>
+                  </p:tgtEl>
+                </p:cond>
+              </p:prevCondLst>
+              <p:nextCondLst>
+                <p:cond evt="onNext" delay="0">
+                  <p:tgtEl>
+                    <p:sldTgt/>
+                  </p:tgtEl>
+                </p:cond>
+              </p:nextCondLst>
+            </p:seq>
+          </p:childTnLst>
+        </p:cTn>
+      </p:par>
+    </p:tnLst>
+  </p:timing>
+</p:sld>
+</file>
+
+<file path=ppt/slides/slide11.xml><?xml version="1.0" encoding="utf-8"?>
+<p:sld xmlns:a="http://schemas.openxmlformats.org/drawingml/2006/main" xmlns:r="http://schemas.openxmlformats.org/officeDocument/2006/relationships" xmlns:p="http://schemas.openxmlformats.org/presentationml/2006/main">
   <p:cSld>
     <p:spTree>
       <p:nvGrpSpPr>
@@ -5197,15 +6386,22 @@
           </a:ln>
         </p:spPr>
         <p:style>
-          <a:lnRef idx="0"/>
-          <a:fillRef idx="0"/>
-          <a:effectRef idx="0"/>
+          <a:lnRef idx="0">
+            <a:scrgbClr r="0" g="0" b="0"/>
+          </a:lnRef>
+          <a:fillRef idx="0">
+            <a:scrgbClr r="0" g="0" b="0"/>
+          </a:fillRef>
+          <a:effectRef idx="0">
+            <a:scrgbClr r="0" g="0" b="0"/>
+          </a:effectRef>
           <a:fontRef idx="minor"/>
         </p:style>
         <p:txBody>
-          <a:bodyPr lIns="90000" rIns="90000" tIns="45000" bIns="45000">
+          <a:bodyPr lIns="90000" tIns="45000" rIns="90000" bIns="45000">
             <a:noAutofit/>
           </a:bodyPr>
+          <a:lstStyle/>
           <a:p>
             <a:pPr>
               <a:lnSpc>
@@ -5213,17 +6409,28 @@
               </a:lnSpc>
             </a:pPr>
             <a:r>
-              <a:rPr b="0" lang="de-DE" sz="3600" spc="-1" strike="noStrike" u="sng">
+              <a:rPr lang="de-DE" sz="3600" b="0" u="sng" strike="noStrike" spc="-1" dirty="0" err="1">
                 <a:solidFill>
-                  <a:srgbClr val="5fcbef"/>
+                  <a:srgbClr val="5FCBEF"/>
                 </a:solidFill>
                 <a:uFillTx/>
                 <a:latin typeface="Trebuchet MS"/>
                 <a:ea typeface="DejaVu Sans"/>
               </a:rPr>
-              <a:t>pinMode - Output</a:t>
+              <a:t>pinMode</a:t>
             </a:r>
-            <a:endParaRPr b="0" lang="de-DE" sz="3600" spc="-1" strike="noStrike">
+            <a:r>
+              <a:rPr lang="de-DE" sz="3600" b="0" u="sng" strike="noStrike" spc="-1" dirty="0">
+                <a:solidFill>
+                  <a:srgbClr val="5FCBEF"/>
+                </a:solidFill>
+                <a:uFillTx/>
+                <a:latin typeface="Trebuchet MS"/>
+                <a:ea typeface="DejaVu Sans"/>
+              </a:rPr>
+              <a:t> - Input</a:t>
+            </a:r>
+            <a:endParaRPr lang="de-DE" sz="3600" b="0" strike="noStrike" spc="-1" dirty="0">
               <a:latin typeface="Arial"/>
             </a:endParaRPr>
           </a:p>
@@ -5249,15 +6456,22 @@
           </a:ln>
         </p:spPr>
         <p:style>
-          <a:lnRef idx="0"/>
-          <a:fillRef idx="0"/>
-          <a:effectRef idx="0"/>
+          <a:lnRef idx="0">
+            <a:scrgbClr r="0" g="0" b="0"/>
+          </a:lnRef>
+          <a:fillRef idx="0">
+            <a:scrgbClr r="0" g="0" b="0"/>
+          </a:fillRef>
+          <a:effectRef idx="0">
+            <a:scrgbClr r="0" g="0" b="0"/>
+          </a:effectRef>
           <a:fontRef idx="minor"/>
         </p:style>
         <p:txBody>
-          <a:bodyPr lIns="90000" rIns="90000" tIns="45000" bIns="45000">
+          <a:bodyPr lIns="90000" tIns="45000" rIns="90000" bIns="45000">
             <a:noAutofit/>
           </a:bodyPr>
+          <a:lstStyle/>
           <a:p>
             <a:pPr marL="343080" indent="-342000">
               <a:lnSpc>
@@ -5267,14 +6481,14 @@
                 <a:spcPts val="1001"/>
               </a:spcBef>
               <a:buClr>
-                <a:srgbClr val="5fcbef"/>
+                <a:srgbClr val="5FCBEF"/>
               </a:buClr>
               <a:buSzPct val="80000"/>
               <a:buFont typeface="Wingdings 3" charset="2"/>
               <a:buChar char=""/>
             </a:pPr>
             <a:r>
-              <a:rPr b="0" lang="de-DE" sz="1800" spc="-1" strike="noStrike">
+              <a:rPr lang="de-DE" sz="1800" b="0" strike="noStrike" spc="-1" dirty="0">
                 <a:solidFill>
                   <a:srgbClr val="404040"/>
                 </a:solidFill>
@@ -5283,7 +6497,7 @@
               </a:rPr>
               <a:t>DDRD &amp;= ~(1&lt;&lt;2)​</a:t>
             </a:r>
-            <a:endParaRPr b="0" lang="de-DE" sz="1800" spc="-1" strike="noStrike">
+            <a:endParaRPr lang="de-DE" sz="1800" b="0" strike="noStrike" spc="-1" dirty="0">
               <a:latin typeface="Arial"/>
             </a:endParaRPr>
           </a:p>
@@ -5296,23 +6510,43 @@
                 <a:spcPts val="1001"/>
               </a:spcBef>
               <a:buClr>
-                <a:srgbClr val="5fcbef"/>
+                <a:srgbClr val="5FCBEF"/>
               </a:buClr>
               <a:buSzPct val="80000"/>
               <a:buFont typeface="Wingdings 3" charset="2"/>
               <a:buChar char=""/>
             </a:pPr>
             <a:r>
-              <a:rPr b="0" lang="de-DE" sz="1800" spc="-1" strike="noStrike">
+              <a:rPr lang="de-DE" sz="1800" b="0" strike="noStrike" spc="-1" dirty="0">
                 <a:solidFill>
                   <a:srgbClr val="404040"/>
                 </a:solidFill>
                 <a:latin typeface="Trebuchet MS"/>
                 <a:ea typeface="DejaVu Sans"/>
               </a:rPr>
-              <a:t>Wieder: DDRD = 00100101​</a:t>
+              <a:t>Wieder: DDRD = 00100</a:t>
             </a:r>
-            <a:endParaRPr b="0" lang="de-DE" sz="1800" spc="-1" strike="noStrike">
+            <a:r>
+              <a:rPr lang="de-DE" sz="1800" b="0" strike="noStrike" spc="-1" dirty="0">
+                <a:solidFill>
+                  <a:srgbClr val="FF0000"/>
+                </a:solidFill>
+                <a:latin typeface="Trebuchet MS"/>
+                <a:ea typeface="DejaVu Sans"/>
+              </a:rPr>
+              <a:t>1</a:t>
+            </a:r>
+            <a:r>
+              <a:rPr lang="de-DE" sz="1800" b="0" strike="noStrike" spc="-1" dirty="0">
+                <a:solidFill>
+                  <a:srgbClr val="404040"/>
+                </a:solidFill>
+                <a:latin typeface="Trebuchet MS"/>
+                <a:ea typeface="DejaVu Sans"/>
+              </a:rPr>
+              <a:t>01​</a:t>
+            </a:r>
+            <a:endParaRPr lang="de-DE" sz="1800" b="0" strike="noStrike" spc="-1" dirty="0">
               <a:latin typeface="Arial"/>
             </a:endParaRPr>
           </a:p>
@@ -5325,14 +6559,14 @@
                 <a:spcPts val="1001"/>
               </a:spcBef>
               <a:buClr>
-                <a:srgbClr val="5fcbef"/>
+                <a:srgbClr val="5FCBEF"/>
               </a:buClr>
               <a:buSzPct val="80000"/>
               <a:buFont typeface="Wingdings 3" charset="2"/>
               <a:buChar char=""/>
             </a:pPr>
             <a:r>
-              <a:rPr b="0" lang="de-DE" sz="1800" spc="-1" strike="noStrike">
+              <a:rPr lang="de-DE" sz="1800" b="0" strike="noStrike" spc="-1" dirty="0">
                 <a:solidFill>
                   <a:srgbClr val="404040"/>
                 </a:solidFill>
@@ -5341,7 +6575,7 @@
               </a:rPr>
               <a:t>Ausführen von DDRD &amp;= ~(1&lt;&lt;2):​</a:t>
             </a:r>
-            <a:endParaRPr b="0" lang="de-DE" sz="1800" spc="-1" strike="noStrike">
+            <a:endParaRPr lang="de-DE" sz="1800" b="0" strike="noStrike" spc="-1" dirty="0">
               <a:latin typeface="Arial"/>
             </a:endParaRPr>
           </a:p>
@@ -5354,23 +6588,43 @@
                 <a:spcPts val="1001"/>
               </a:spcBef>
               <a:buClr>
-                <a:srgbClr val="5fcbef"/>
+                <a:srgbClr val="5FCBEF"/>
               </a:buClr>
               <a:buSzPct val="80000"/>
               <a:buFont typeface="Wingdings 3" charset="2"/>
               <a:buChar char=""/>
             </a:pPr>
             <a:r>
-              <a:rPr b="0" lang="de-DE" sz="1800" spc="-1" strike="noStrike">
+              <a:rPr lang="de-DE" sz="1800" b="0" strike="noStrike" spc="-1" dirty="0">
                 <a:solidFill>
                   <a:srgbClr val="404040"/>
                 </a:solidFill>
                 <a:latin typeface="Trebuchet MS"/>
                 <a:ea typeface="DejaVu Sans"/>
               </a:rPr>
-              <a:t>1 = 00000001​ -&gt; (1&lt;&lt;2) = 00000100​</a:t>
+              <a:t>1 = 00000001​ -&gt; (1&lt;&lt;2) = 00000</a:t>
             </a:r>
-            <a:endParaRPr b="0" lang="de-DE" sz="1800" spc="-1" strike="noStrike">
+            <a:r>
+              <a:rPr lang="de-DE" sz="1800" b="0" strike="noStrike" spc="-1" dirty="0">
+                <a:solidFill>
+                  <a:srgbClr val="FF0000"/>
+                </a:solidFill>
+                <a:latin typeface="Trebuchet MS"/>
+                <a:ea typeface="DejaVu Sans"/>
+              </a:rPr>
+              <a:t>1</a:t>
+            </a:r>
+            <a:r>
+              <a:rPr lang="de-DE" sz="1800" b="0" strike="noStrike" spc="-1" dirty="0">
+                <a:solidFill>
+                  <a:srgbClr val="404040"/>
+                </a:solidFill>
+                <a:latin typeface="Trebuchet MS"/>
+                <a:ea typeface="DejaVu Sans"/>
+              </a:rPr>
+              <a:t>00​</a:t>
+            </a:r>
+            <a:endParaRPr lang="de-DE" sz="1800" b="0" strike="noStrike" spc="-1" dirty="0">
               <a:latin typeface="Arial"/>
             </a:endParaRPr>
           </a:p>
@@ -5383,23 +6637,43 @@
                 <a:spcPts val="1001"/>
               </a:spcBef>
               <a:buClr>
-                <a:srgbClr val="5fcbef"/>
+                <a:srgbClr val="5FCBEF"/>
               </a:buClr>
               <a:buSzPct val="80000"/>
               <a:buFont typeface="Wingdings 3" charset="2"/>
               <a:buChar char=""/>
             </a:pPr>
             <a:r>
-              <a:rPr b="0" lang="de-DE" sz="1800" spc="-1" strike="noStrike">
+              <a:rPr lang="de-DE" sz="1800" b="0" strike="noStrike" spc="-1" dirty="0">
                 <a:solidFill>
                   <a:srgbClr val="404040"/>
                 </a:solidFill>
                 <a:latin typeface="Trebuchet MS"/>
                 <a:ea typeface="DejaVu Sans"/>
               </a:rPr>
-              <a:t>Negieren von (1&lt;&lt;2):​ ~(1&lt;&lt;2) = 11111011​</a:t>
+              <a:t>Negieren von (1&lt;&lt;2):​ ~(1&lt;&lt;2) = 11111</a:t>
             </a:r>
-            <a:endParaRPr b="0" lang="de-DE" sz="1800" spc="-1" strike="noStrike">
+            <a:r>
+              <a:rPr lang="de-DE" sz="1800" b="0" strike="noStrike" spc="-1" dirty="0">
+                <a:solidFill>
+                  <a:srgbClr val="FF0000"/>
+                </a:solidFill>
+                <a:latin typeface="Trebuchet MS"/>
+                <a:ea typeface="DejaVu Sans"/>
+              </a:rPr>
+              <a:t>0</a:t>
+            </a:r>
+            <a:r>
+              <a:rPr lang="de-DE" sz="1800" b="0" strike="noStrike" spc="-1" dirty="0">
+                <a:solidFill>
+                  <a:srgbClr val="404040"/>
+                </a:solidFill>
+                <a:latin typeface="Trebuchet MS"/>
+                <a:ea typeface="DejaVu Sans"/>
+              </a:rPr>
+              <a:t>11​</a:t>
+            </a:r>
+            <a:endParaRPr lang="de-DE" sz="1800" b="0" strike="noStrike" spc="-1" dirty="0">
               <a:latin typeface="Arial"/>
             </a:endParaRPr>
           </a:p>
@@ -5412,23 +6686,43 @@
                 <a:spcPts val="1001"/>
               </a:spcBef>
               <a:buClr>
-                <a:srgbClr val="5fcbef"/>
+                <a:srgbClr val="5FCBEF"/>
               </a:buClr>
               <a:buSzPct val="80000"/>
               <a:buFont typeface="Wingdings 3" charset="2"/>
               <a:buChar char=""/>
             </a:pPr>
             <a:r>
-              <a:rPr b="0" lang="de-DE" sz="1800" spc="-1" strike="noStrike">
+              <a:rPr lang="de-DE" sz="1800" b="0" strike="noStrike" spc="-1" dirty="0">
                 <a:solidFill>
                   <a:srgbClr val="404040"/>
                 </a:solidFill>
                 <a:latin typeface="Trebuchet MS"/>
                 <a:ea typeface="DejaVu Sans"/>
               </a:rPr>
-              <a:t>00100101 &amp; 11111011 = 00100001 //2. Bit nun 0</a:t>
+              <a:t>00100101 &amp; 11111011 = 00100</a:t>
             </a:r>
-            <a:endParaRPr b="0" lang="de-DE" sz="1800" spc="-1" strike="noStrike">
+            <a:r>
+              <a:rPr lang="de-DE" sz="1800" b="0" strike="noStrike" spc="-1" dirty="0">
+                <a:solidFill>
+                  <a:srgbClr val="FF0000"/>
+                </a:solidFill>
+                <a:latin typeface="Trebuchet MS"/>
+                <a:ea typeface="DejaVu Sans"/>
+              </a:rPr>
+              <a:t>0</a:t>
+            </a:r>
+            <a:r>
+              <a:rPr lang="de-DE" sz="1800" b="0" strike="noStrike" spc="-1" dirty="0">
+                <a:solidFill>
+                  <a:srgbClr val="404040"/>
+                </a:solidFill>
+                <a:latin typeface="Trebuchet MS"/>
+                <a:ea typeface="DejaVu Sans"/>
+              </a:rPr>
+              <a:t>01 //2. Bit nun 0</a:t>
+            </a:r>
+            <a:endParaRPr lang="de-DE" sz="1800" b="0" strike="noStrike" spc="-1" dirty="0">
               <a:latin typeface="Arial"/>
             </a:endParaRPr>
           </a:p>
@@ -5441,7 +6735,7 @@
                 <a:spcPts val="1001"/>
               </a:spcBef>
             </a:pPr>
-            <a:endParaRPr b="0" lang="de-DE" sz="1800" spc="-1" strike="noStrike">
+            <a:endParaRPr lang="de-DE" sz="1800" b="0" strike="noStrike" spc="-1" dirty="0">
               <a:latin typeface="Arial"/>
             </a:endParaRPr>
           </a:p>
@@ -5449,357 +6743,25 @@
       </p:sp>
     </p:spTree>
   </p:cSld>
-  <mc:AlternateContent>
-    <mc:Choice Requires="p14">
-      <p:transition spd="slow" p14:dur="2000"/>
-    </mc:Choice>
-    <mc:Fallback>
-      <p:transition spd="slow"/>
-    </mc:Fallback>
-  </mc:AlternateContent>
+  <p:clrMapOvr>
+    <a:masterClrMapping/>
+  </p:clrMapOvr>
   <p:timing>
     <p:tnLst>
       <p:par>
-        <p:cTn id="19" dur="indefinite" restart="never" nodeType="tmRoot">
+        <p:cTn id="1" dur="indefinite" restart="never" nodeType="tmRoot">
           <p:childTnLst>
             <p:seq>
-              <p:cTn id="20" dur="indefinite" nodeType="mainSeq"/>
+              <p:cTn id="2" dur="indefinite" nodeType="mainSeq"/>
               <p:prevCondLst>
-                <p:cond delay="0" evt="onPrev">
+                <p:cond evt="onPrev" delay="0">
                   <p:tgtEl>
                     <p:sldTgt/>
                   </p:tgtEl>
                 </p:cond>
               </p:prevCondLst>
               <p:nextCondLst>
-                <p:cond delay="0" evt="onNext">
-                  <p:tgtEl>
-                    <p:sldTgt/>
-                  </p:tgtEl>
-                </p:cond>
-              </p:nextCondLst>
-            </p:seq>
-          </p:childTnLst>
-        </p:cTn>
-      </p:par>
-    </p:tnLst>
-  </p:timing>
-</p:sld>
-</file>
-
-<file path=ppt/slides/slide11.xml><?xml version="1.0" encoding="utf-8"?>
-<p:sld xmlns:a="http://schemas.openxmlformats.org/drawingml/2006/main" xmlns:p="http://schemas.openxmlformats.org/presentationml/2006/main" xmlns:r="http://schemas.openxmlformats.org/officeDocument/2006/relationships" xmlns:p14="http://schemas.microsoft.com/office/powerpoint/2010/main" xmlns:p15="http://schemas.microsoft.com/office/powerpoint/2012/main" xmlns:mc="http://schemas.openxmlformats.org/markup-compatibility/2006">
-  <p:cSld>
-    <p:spTree>
-      <p:nvGrpSpPr>
-        <p:cNvPr id="1" name=""/>
-        <p:cNvGrpSpPr/>
-        <p:nvPr/>
-      </p:nvGrpSpPr>
-      <p:grpSpPr>
-        <a:xfrm>
-          <a:off x="0" y="0"/>
-          <a:ext cx="0" cy="0"/>
-          <a:chOff x="0" y="0"/>
-          <a:chExt cx="0" cy="0"/>
-        </a:xfrm>
-      </p:grpSpPr>
-      <p:sp>
-        <p:nvSpPr>
-          <p:cNvPr id="138" name="CustomShape 1"/>
-          <p:cNvSpPr/>
-          <p:nvPr/>
-        </p:nvSpPr>
-        <p:spPr>
-          <a:xfrm>
-            <a:off x="677160" y="609480"/>
-            <a:ext cx="8595720" cy="1319760"/>
-          </a:xfrm>
-          <a:prstGeom prst="rect">
-            <a:avLst/>
-          </a:prstGeom>
-          <a:noFill/>
-          <a:ln>
-            <a:noFill/>
-          </a:ln>
-        </p:spPr>
-        <p:style>
-          <a:lnRef idx="0"/>
-          <a:fillRef idx="0"/>
-          <a:effectRef idx="0"/>
-          <a:fontRef idx="minor"/>
-        </p:style>
-        <p:txBody>
-          <a:bodyPr lIns="90000" rIns="90000" tIns="45000" bIns="45000">
-            <a:noAutofit/>
-          </a:bodyPr>
-          <a:p>
-            <a:pPr>
-              <a:lnSpc>
-                <a:spcPct val="100000"/>
-              </a:lnSpc>
-            </a:pPr>
-            <a:r>
-              <a:rPr b="0" lang="de-DE" sz="3600" spc="-1" strike="noStrike" u="sng">
-                <a:solidFill>
-                  <a:srgbClr val="5fcbef"/>
-                </a:solidFill>
-                <a:uFillTx/>
-                <a:latin typeface="Trebuchet MS"/>
-                <a:ea typeface="DejaVu Sans"/>
-              </a:rPr>
-              <a:t>pinMode - Input</a:t>
-            </a:r>
-            <a:endParaRPr b="0" lang="de-DE" sz="3600" spc="-1" strike="noStrike">
-              <a:latin typeface="Arial"/>
-            </a:endParaRPr>
-          </a:p>
-        </p:txBody>
-      </p:sp>
-      <p:sp>
-        <p:nvSpPr>
-          <p:cNvPr id="139" name="CustomShape 2"/>
-          <p:cNvSpPr/>
-          <p:nvPr/>
-        </p:nvSpPr>
-        <p:spPr>
-          <a:xfrm>
-            <a:off x="1379520" y="2095200"/>
-            <a:ext cx="8595720" cy="3879720"/>
-          </a:xfrm>
-          <a:prstGeom prst="rect">
-            <a:avLst/>
-          </a:prstGeom>
-          <a:noFill/>
-          <a:ln>
-            <a:noFill/>
-          </a:ln>
-        </p:spPr>
-        <p:style>
-          <a:lnRef idx="0"/>
-          <a:fillRef idx="0"/>
-          <a:effectRef idx="0"/>
-          <a:fontRef idx="minor"/>
-        </p:style>
-        <p:txBody>
-          <a:bodyPr lIns="90000" rIns="90000" tIns="45000" bIns="45000">
-            <a:noAutofit/>
-          </a:bodyPr>
-          <a:p>
-            <a:pPr marL="343080" indent="-342000">
-              <a:lnSpc>
-                <a:spcPct val="150000"/>
-              </a:lnSpc>
-              <a:spcBef>
-                <a:spcPts val="1001"/>
-              </a:spcBef>
-              <a:buClr>
-                <a:srgbClr val="5fcbef"/>
-              </a:buClr>
-              <a:buSzPct val="80000"/>
-              <a:buFont typeface="Wingdings 3" charset="2"/>
-              <a:buChar char=""/>
-            </a:pPr>
-            <a:r>
-              <a:rPr b="0" lang="de-DE" sz="1800" spc="-1" strike="noStrike">
-                <a:solidFill>
-                  <a:srgbClr val="404040"/>
-                </a:solidFill>
-                <a:latin typeface="Trebuchet MS"/>
-                <a:ea typeface="DejaVu Sans"/>
-              </a:rPr>
-              <a:t>Im Register definieren ​</a:t>
-            </a:r>
-            <a:endParaRPr b="0" lang="de-DE" sz="1800" spc="-1" strike="noStrike">
-              <a:latin typeface="Arial"/>
-            </a:endParaRPr>
-          </a:p>
-          <a:p>
-            <a:pPr marL="343080" indent="-342000">
-              <a:lnSpc>
-                <a:spcPct val="150000"/>
-              </a:lnSpc>
-              <a:spcBef>
-                <a:spcPts val="1001"/>
-              </a:spcBef>
-              <a:buClr>
-                <a:srgbClr val="5fcbef"/>
-              </a:buClr>
-              <a:buSzPct val="80000"/>
-              <a:buFont typeface="Wingdings 3" charset="2"/>
-              <a:buChar char=""/>
-            </a:pPr>
-            <a:r>
-              <a:rPr b="0" lang="de-DE" sz="1800" spc="-1" strike="noStrike">
-                <a:solidFill>
-                  <a:srgbClr val="404040"/>
-                </a:solidFill>
-                <a:latin typeface="Trebuchet MS"/>
-                <a:ea typeface="DejaVu Sans"/>
-              </a:rPr>
-              <a:t>DDRD |= (1&lt;&lt;4)​</a:t>
-            </a:r>
-            <a:endParaRPr b="0" lang="de-DE" sz="1800" spc="-1" strike="noStrike">
-              <a:latin typeface="Arial"/>
-            </a:endParaRPr>
-          </a:p>
-          <a:p>
-            <a:pPr marL="343080" indent="-342000">
-              <a:lnSpc>
-                <a:spcPct val="150000"/>
-              </a:lnSpc>
-              <a:spcBef>
-                <a:spcPts val="1001"/>
-              </a:spcBef>
-              <a:buClr>
-                <a:srgbClr val="5fcbef"/>
-              </a:buClr>
-              <a:buSzPct val="80000"/>
-              <a:buFont typeface="Wingdings 3" charset="2"/>
-              <a:buChar char=""/>
-            </a:pPr>
-            <a:r>
-              <a:rPr b="0" lang="de-DE" sz="1800" spc="-1" strike="noStrike">
-                <a:solidFill>
-                  <a:srgbClr val="404040"/>
-                </a:solidFill>
-                <a:latin typeface="Trebuchet MS"/>
-                <a:ea typeface="DejaVu Sans"/>
-              </a:rPr>
-              <a:t>Nehmen wir an: DDRD = 00100101​</a:t>
-            </a:r>
-            <a:endParaRPr b="0" lang="de-DE" sz="1800" spc="-1" strike="noStrike">
-              <a:latin typeface="Arial"/>
-            </a:endParaRPr>
-          </a:p>
-          <a:p>
-            <a:pPr marL="343080" indent="-342000">
-              <a:lnSpc>
-                <a:spcPct val="150000"/>
-              </a:lnSpc>
-              <a:spcBef>
-                <a:spcPts val="1001"/>
-              </a:spcBef>
-              <a:buClr>
-                <a:srgbClr val="5fcbef"/>
-              </a:buClr>
-              <a:buSzPct val="80000"/>
-              <a:buFont typeface="Wingdings 3" charset="2"/>
-              <a:buChar char=""/>
-            </a:pPr>
-            <a:r>
-              <a:rPr b="0" lang="de-DE" sz="1800" spc="-1" strike="noStrike">
-                <a:solidFill>
-                  <a:srgbClr val="404040"/>
-                </a:solidFill>
-                <a:latin typeface="Trebuchet MS"/>
-                <a:ea typeface="DejaVu Sans"/>
-              </a:rPr>
-              <a:t>ausführen von DDRD |= (1&lt;&lt;4):​</a:t>
-            </a:r>
-            <a:endParaRPr b="0" lang="de-DE" sz="1800" spc="-1" strike="noStrike">
-              <a:latin typeface="Arial"/>
-            </a:endParaRPr>
-          </a:p>
-          <a:p>
-            <a:pPr marL="343080" indent="-342000">
-              <a:lnSpc>
-                <a:spcPct val="150000"/>
-              </a:lnSpc>
-              <a:spcBef>
-                <a:spcPts val="1001"/>
-              </a:spcBef>
-              <a:buClr>
-                <a:srgbClr val="5fcbef"/>
-              </a:buClr>
-              <a:buSzPct val="80000"/>
-              <a:buFont typeface="Wingdings 3" charset="2"/>
-              <a:buChar char=""/>
-            </a:pPr>
-            <a:r>
-              <a:rPr b="0" lang="de-DE" sz="1800" spc="-1" strike="noStrike">
-                <a:solidFill>
-                  <a:srgbClr val="404040"/>
-                </a:solidFill>
-                <a:latin typeface="Trebuchet MS"/>
-                <a:ea typeface="DejaVu Sans"/>
-              </a:rPr>
-              <a:t>1 = 00000001​ -&gt; (1&lt;&lt;4) = 00010000​</a:t>
-            </a:r>
-            <a:endParaRPr b="0" lang="de-DE" sz="1800" spc="-1" strike="noStrike">
-              <a:latin typeface="Arial"/>
-            </a:endParaRPr>
-          </a:p>
-          <a:p>
-            <a:pPr marL="343080" indent="-342000">
-              <a:lnSpc>
-                <a:spcPct val="150000"/>
-              </a:lnSpc>
-              <a:spcBef>
-                <a:spcPts val="1001"/>
-              </a:spcBef>
-              <a:buClr>
-                <a:srgbClr val="5fcbef"/>
-              </a:buClr>
-              <a:buSzPct val="80000"/>
-              <a:buFont typeface="Wingdings 3" charset="2"/>
-              <a:buChar char=""/>
-            </a:pPr>
-            <a:r>
-              <a:rPr b="0" lang="de-DE" sz="1800" spc="-1" strike="noStrike">
-                <a:solidFill>
-                  <a:srgbClr val="404040"/>
-                </a:solidFill>
-                <a:latin typeface="Trebuchet MS"/>
-                <a:ea typeface="DejaVu Sans"/>
-              </a:rPr>
-              <a:t>00100101 | 00010000 = 00110101 //4. Bit nun 1</a:t>
-            </a:r>
-            <a:endParaRPr b="0" lang="de-DE" sz="1800" spc="-1" strike="noStrike">
-              <a:latin typeface="Arial"/>
-            </a:endParaRPr>
-          </a:p>
-          <a:p>
-            <a:pPr>
-              <a:lnSpc>
-                <a:spcPct val="100000"/>
-              </a:lnSpc>
-              <a:spcBef>
-                <a:spcPts val="1001"/>
-              </a:spcBef>
-            </a:pPr>
-            <a:endParaRPr b="0" lang="de-DE" sz="1800" spc="-1" strike="noStrike">
-              <a:latin typeface="Arial"/>
-            </a:endParaRPr>
-          </a:p>
-        </p:txBody>
-      </p:sp>
-    </p:spTree>
-  </p:cSld>
-  <mc:AlternateContent>
-    <mc:Choice Requires="p14">
-      <p:transition spd="slow" p14:dur="2000"/>
-    </mc:Choice>
-    <mc:Fallback>
-      <p:transition spd="slow"/>
-    </mc:Fallback>
-  </mc:AlternateContent>
-  <p:timing>
-    <p:tnLst>
-      <p:par>
-        <p:cTn id="21" dur="indefinite" restart="never" nodeType="tmRoot">
-          <p:childTnLst>
-            <p:seq>
-              <p:cTn id="22" dur="indefinite" nodeType="mainSeq"/>
-              <p:prevCondLst>
-                <p:cond delay="0" evt="onPrev">
-                  <p:tgtEl>
-                    <p:sldTgt/>
-                  </p:tgtEl>
-                </p:cond>
-              </p:prevCondLst>
-              <p:nextCondLst>
-                <p:cond delay="0" evt="onNext">
+                <p:cond evt="onNext" delay="0">
                   <p:tgtEl>
                     <p:sldTgt/>
                   </p:tgtEl>
@@ -5815,7 +6777,7 @@
 </file>
 
 <file path=ppt/slides/slide12.xml><?xml version="1.0" encoding="utf-8"?>
-<p:sld xmlns:a="http://schemas.openxmlformats.org/drawingml/2006/main" xmlns:p="http://schemas.openxmlformats.org/presentationml/2006/main" xmlns:r="http://schemas.openxmlformats.org/officeDocument/2006/relationships" xmlns:p14="http://schemas.microsoft.com/office/powerpoint/2010/main" xmlns:p15="http://schemas.microsoft.com/office/powerpoint/2012/main" xmlns:mc="http://schemas.openxmlformats.org/markup-compatibility/2006">
+<p:sld xmlns:a="http://schemas.openxmlformats.org/drawingml/2006/main" xmlns:r="http://schemas.openxmlformats.org/officeDocument/2006/relationships" xmlns:p="http://schemas.openxmlformats.org/presentationml/2006/main">
   <p:cSld>
     <p:spTree>
       <p:nvGrpSpPr>
@@ -5851,15 +6813,22 @@
           </a:ln>
         </p:spPr>
         <p:style>
-          <a:lnRef idx="0"/>
-          <a:fillRef idx="0"/>
-          <a:effectRef idx="0"/>
+          <a:lnRef idx="0">
+            <a:scrgbClr r="0" g="0" b="0"/>
+          </a:lnRef>
+          <a:fillRef idx="0">
+            <a:scrgbClr r="0" g="0" b="0"/>
+          </a:fillRef>
+          <a:effectRef idx="0">
+            <a:scrgbClr r="0" g="0" b="0"/>
+          </a:effectRef>
           <a:fontRef idx="minor"/>
         </p:style>
         <p:txBody>
-          <a:bodyPr lIns="90000" rIns="90000" tIns="45000" bIns="45000">
+          <a:bodyPr lIns="90000" tIns="45000" rIns="90000" bIns="45000">
             <a:noAutofit/>
           </a:bodyPr>
+          <a:lstStyle/>
           <a:p>
             <a:pPr>
               <a:lnSpc>
@@ -5867,9 +6836,9 @@
               </a:lnSpc>
             </a:pPr>
             <a:r>
-              <a:rPr b="0" lang="de-DE" sz="3600" spc="-1" strike="noStrike" u="sng">
+              <a:rPr lang="de-DE" sz="3600" b="0" u="sng" strike="noStrike" spc="-1">
                 <a:solidFill>
-                  <a:srgbClr val="5fcbef"/>
+                  <a:srgbClr val="5FCBEF"/>
                 </a:solidFill>
                 <a:uFillTx/>
                 <a:latin typeface="Trebuchet MS"/>
@@ -5877,7 +6846,7 @@
               </a:rPr>
               <a:t>digitalWrite</a:t>
             </a:r>
-            <a:endParaRPr b="0" lang="de-DE" sz="3600" spc="-1" strike="noStrike">
+            <a:endParaRPr lang="de-DE" sz="3600" b="0" strike="noStrike" spc="-1">
               <a:latin typeface="Arial"/>
             </a:endParaRPr>
           </a:p>
@@ -5903,15 +6872,22 @@
           </a:ln>
         </p:spPr>
         <p:style>
-          <a:lnRef idx="0"/>
-          <a:fillRef idx="0"/>
-          <a:effectRef idx="0"/>
+          <a:lnRef idx="0">
+            <a:scrgbClr r="0" g="0" b="0"/>
+          </a:lnRef>
+          <a:fillRef idx="0">
+            <a:scrgbClr r="0" g="0" b="0"/>
+          </a:fillRef>
+          <a:effectRef idx="0">
+            <a:scrgbClr r="0" g="0" b="0"/>
+          </a:effectRef>
           <a:fontRef idx="minor"/>
         </p:style>
         <p:txBody>
-          <a:bodyPr lIns="90000" rIns="90000" tIns="45000" bIns="45000">
+          <a:bodyPr lIns="90000" tIns="45000" rIns="90000" bIns="45000">
             <a:noAutofit/>
           </a:bodyPr>
+          <a:lstStyle/>
           <a:p>
             <a:pPr marL="343080" indent="-342000">
               <a:lnSpc>
@@ -5921,14 +6897,14 @@
                 <a:spcPts val="1001"/>
               </a:spcBef>
               <a:buClr>
-                <a:srgbClr val="5fcbef"/>
+                <a:srgbClr val="5FCBEF"/>
               </a:buClr>
               <a:buSzPct val="80000"/>
               <a:buFont typeface="Wingdings 3" charset="2"/>
               <a:buChar char=""/>
             </a:pPr>
             <a:r>
-              <a:rPr b="0" lang="de-DE" sz="1800" spc="-1" strike="noStrike">
+              <a:rPr lang="de-DE" sz="1800" b="0" strike="noStrike" spc="-1">
                 <a:solidFill>
                   <a:srgbClr val="404040"/>
                 </a:solidFill>
@@ -5937,7 +6913,7 @@
               </a:rPr>
               <a:t>Ins Port Register eintragen​</a:t>
             </a:r>
-            <a:endParaRPr b="0" lang="de-DE" sz="1800" spc="-1" strike="noStrike">
+            <a:endParaRPr lang="de-DE" sz="1800" b="0" strike="noStrike" spc="-1">
               <a:latin typeface="Arial"/>
             </a:endParaRPr>
           </a:p>
@@ -5950,14 +6926,14 @@
                 <a:spcPts val="1001"/>
               </a:spcBef>
               <a:buClr>
-                <a:srgbClr val="5fcbef"/>
+                <a:srgbClr val="5FCBEF"/>
               </a:buClr>
               <a:buSzPct val="80000"/>
               <a:buFont typeface="Wingdings 3" charset="2"/>
               <a:buChar char=""/>
             </a:pPr>
             <a:r>
-              <a:rPr b="0" lang="de-DE" sz="1800" spc="-1" strike="noStrike">
+              <a:rPr lang="de-DE" sz="1800" b="0" strike="noStrike" spc="-1">
                 <a:solidFill>
                   <a:srgbClr val="404040"/>
                 </a:solidFill>
@@ -5966,12 +6942,12 @@
               </a:rPr>
               <a:t>HIGH:​</a:t>
             </a:r>
-            <a:endParaRPr b="0" lang="de-DE" sz="1800" spc="-1" strike="noStrike">
-              <a:latin typeface="Arial"/>
-            </a:endParaRPr>
-          </a:p>
-          <a:p>
-            <a:pPr lvl="1" marL="743040" indent="-284760">
+            <a:endParaRPr lang="de-DE" sz="1800" b="0" strike="noStrike" spc="-1">
+              <a:latin typeface="Arial"/>
+            </a:endParaRPr>
+          </a:p>
+          <a:p>
+            <a:pPr marL="743040" lvl="1" indent="-284760">
               <a:lnSpc>
                 <a:spcPct val="150000"/>
               </a:lnSpc>
@@ -5979,14 +6955,14 @@
                 <a:spcPts val="1001"/>
               </a:spcBef>
               <a:buClr>
-                <a:srgbClr val="5fcbef"/>
+                <a:srgbClr val="5FCBEF"/>
               </a:buClr>
               <a:buSzPct val="80000"/>
               <a:buFont typeface="Wingdings 3" charset="2"/>
               <a:buChar char=""/>
             </a:pPr>
             <a:r>
-              <a:rPr b="0" lang="de-DE" sz="1600" spc="-1" strike="noStrike">
+              <a:rPr lang="de-DE" sz="1600" b="0" strike="noStrike" spc="-1">
                 <a:solidFill>
                   <a:srgbClr val="404040"/>
                 </a:solidFill>
@@ -5995,7 +6971,7 @@
               </a:rPr>
               <a:t>PORTD |= (1&lt;&lt;4);​</a:t>
             </a:r>
-            <a:endParaRPr b="0" lang="de-DE" sz="1600" spc="-1" strike="noStrike">
+            <a:endParaRPr lang="de-DE" sz="1600" b="0" strike="noStrike" spc="-1">
               <a:latin typeface="Arial"/>
             </a:endParaRPr>
           </a:p>
@@ -6008,14 +6984,14 @@
                 <a:spcPts val="1001"/>
               </a:spcBef>
               <a:buClr>
-                <a:srgbClr val="5fcbef"/>
+                <a:srgbClr val="5FCBEF"/>
               </a:buClr>
               <a:buSzPct val="80000"/>
               <a:buFont typeface="Wingdings 3" charset="2"/>
               <a:buChar char=""/>
             </a:pPr>
             <a:r>
-              <a:rPr b="0" lang="de-DE" sz="1800" spc="-1" strike="noStrike">
+              <a:rPr lang="de-DE" sz="1800" b="0" strike="noStrike" spc="-1">
                 <a:solidFill>
                   <a:srgbClr val="404040"/>
                 </a:solidFill>
@@ -6024,12 +7000,12 @@
               </a:rPr>
               <a:t>LOW:​</a:t>
             </a:r>
-            <a:endParaRPr b="0" lang="de-DE" sz="1800" spc="-1" strike="noStrike">
-              <a:latin typeface="Arial"/>
-            </a:endParaRPr>
-          </a:p>
-          <a:p>
-            <a:pPr lvl="1" marL="743040" indent="-284760">
+            <a:endParaRPr lang="de-DE" sz="1800" b="0" strike="noStrike" spc="-1">
+              <a:latin typeface="Arial"/>
+            </a:endParaRPr>
+          </a:p>
+          <a:p>
+            <a:pPr marL="743040" lvl="1" indent="-284760">
               <a:lnSpc>
                 <a:spcPct val="150000"/>
               </a:lnSpc>
@@ -6037,14 +7013,14 @@
                 <a:spcPts val="1001"/>
               </a:spcBef>
               <a:buClr>
-                <a:srgbClr val="5fcbef"/>
+                <a:srgbClr val="5FCBEF"/>
               </a:buClr>
               <a:buSzPct val="80000"/>
               <a:buFont typeface="Wingdings 3" charset="2"/>
               <a:buChar char=""/>
             </a:pPr>
             <a:r>
-              <a:rPr b="0" lang="de-DE" sz="1600" spc="-1" strike="noStrike">
+              <a:rPr lang="de-DE" sz="1600" b="0" strike="noStrike" spc="-1">
                 <a:solidFill>
                   <a:srgbClr val="404040"/>
                 </a:solidFill>
@@ -6053,7 +7029,7 @@
               </a:rPr>
               <a:t>PORTD &amp;= ~(1&lt;&lt;4);​</a:t>
             </a:r>
-            <a:endParaRPr b="0" lang="de-DE" sz="1600" spc="-1" strike="noStrike">
+            <a:endParaRPr lang="de-DE" sz="1600" b="0" strike="noStrike" spc="-1">
               <a:latin typeface="Arial"/>
             </a:endParaRPr>
           </a:p>
@@ -6066,7 +7042,7 @@
                 <a:spcPts val="1001"/>
               </a:spcBef>
             </a:pPr>
-            <a:endParaRPr b="0" lang="de-DE" sz="1600" spc="-1" strike="noStrike">
+            <a:endParaRPr lang="de-DE" sz="1600" b="0" strike="noStrike" spc="-1">
               <a:latin typeface="Arial"/>
             </a:endParaRPr>
           </a:p>
@@ -6074,30 +7050,25 @@
       </p:sp>
     </p:spTree>
   </p:cSld>
-  <mc:AlternateContent>
-    <mc:Choice Requires="p14">
-      <p:transition spd="slow" p14:dur="2000"/>
-    </mc:Choice>
-    <mc:Fallback>
-      <p:transition spd="slow"/>
-    </mc:Fallback>
-  </mc:AlternateContent>
+  <p:clrMapOvr>
+    <a:masterClrMapping/>
+  </p:clrMapOvr>
   <p:timing>
     <p:tnLst>
       <p:par>
-        <p:cTn id="23" dur="indefinite" restart="never" nodeType="tmRoot">
+        <p:cTn id="1" dur="indefinite" restart="never" nodeType="tmRoot">
           <p:childTnLst>
             <p:seq>
-              <p:cTn id="24" dur="indefinite" nodeType="mainSeq"/>
+              <p:cTn id="2" dur="indefinite" nodeType="mainSeq"/>
               <p:prevCondLst>
-                <p:cond delay="0" evt="onPrev">
+                <p:cond evt="onPrev" delay="0">
                   <p:tgtEl>
                     <p:sldTgt/>
                   </p:tgtEl>
                 </p:cond>
               </p:prevCondLst>
               <p:nextCondLst>
-                <p:cond delay="0" evt="onNext">
+                <p:cond evt="onNext" delay="0">
                   <p:tgtEl>
                     <p:sldTgt/>
                   </p:tgtEl>
@@ -6113,7 +7084,7 @@
 </file>
 
 <file path=ppt/slides/slide13.xml><?xml version="1.0" encoding="utf-8"?>
-<p:sld xmlns:a="http://schemas.openxmlformats.org/drawingml/2006/main" xmlns:p="http://schemas.openxmlformats.org/presentationml/2006/main" xmlns:r="http://schemas.openxmlformats.org/officeDocument/2006/relationships" xmlns:p14="http://schemas.microsoft.com/office/powerpoint/2010/main" xmlns:p15="http://schemas.microsoft.com/office/powerpoint/2012/main" xmlns:mc="http://schemas.openxmlformats.org/markup-compatibility/2006">
+<p:sld xmlns:a="http://schemas.openxmlformats.org/drawingml/2006/main" xmlns:r="http://schemas.openxmlformats.org/officeDocument/2006/relationships" xmlns:p="http://schemas.openxmlformats.org/presentationml/2006/main">
   <p:cSld>
     <p:spTree>
       <p:nvGrpSpPr>
@@ -6149,15 +7120,22 @@
           </a:ln>
         </p:spPr>
         <p:style>
-          <a:lnRef idx="0"/>
-          <a:fillRef idx="0"/>
-          <a:effectRef idx="0"/>
+          <a:lnRef idx="0">
+            <a:scrgbClr r="0" g="0" b="0"/>
+          </a:lnRef>
+          <a:fillRef idx="0">
+            <a:scrgbClr r="0" g="0" b="0"/>
+          </a:fillRef>
+          <a:effectRef idx="0">
+            <a:scrgbClr r="0" g="0" b="0"/>
+          </a:effectRef>
           <a:fontRef idx="minor"/>
         </p:style>
         <p:txBody>
-          <a:bodyPr lIns="90000" rIns="90000" tIns="45000" bIns="45000">
+          <a:bodyPr lIns="90000" tIns="45000" rIns="90000" bIns="45000">
             <a:noAutofit/>
           </a:bodyPr>
+          <a:lstStyle/>
           <a:p>
             <a:pPr>
               <a:lnSpc>
@@ -6165,9 +7143,9 @@
               </a:lnSpc>
             </a:pPr>
             <a:r>
-              <a:rPr b="0" lang="de-DE" sz="3600" spc="-1" strike="noStrike" u="sng">
+              <a:rPr lang="de-DE" sz="3600" b="0" u="sng" strike="noStrike" spc="-1">
                 <a:solidFill>
-                  <a:srgbClr val="5fcbef"/>
+                  <a:srgbClr val="5FCBEF"/>
                 </a:solidFill>
                 <a:uFillTx/>
                 <a:latin typeface="Trebuchet MS"/>
@@ -6175,7 +7153,7 @@
               </a:rPr>
               <a:t>digitalRead</a:t>
             </a:r>
-            <a:endParaRPr b="0" lang="de-DE" sz="3600" spc="-1" strike="noStrike">
+            <a:endParaRPr lang="de-DE" sz="3600" b="0" strike="noStrike" spc="-1">
               <a:latin typeface="Arial"/>
             </a:endParaRPr>
           </a:p>
@@ -6201,15 +7179,22 @@
           </a:ln>
         </p:spPr>
         <p:style>
-          <a:lnRef idx="0"/>
-          <a:fillRef idx="0"/>
-          <a:effectRef idx="0"/>
+          <a:lnRef idx="0">
+            <a:scrgbClr r="0" g="0" b="0"/>
+          </a:lnRef>
+          <a:fillRef idx="0">
+            <a:scrgbClr r="0" g="0" b="0"/>
+          </a:fillRef>
+          <a:effectRef idx="0">
+            <a:scrgbClr r="0" g="0" b="0"/>
+          </a:effectRef>
           <a:fontRef idx="minor"/>
         </p:style>
         <p:txBody>
-          <a:bodyPr lIns="90000" rIns="90000" tIns="45000" bIns="45000">
+          <a:bodyPr lIns="90000" tIns="45000" rIns="90000" bIns="45000">
             <a:noAutofit/>
           </a:bodyPr>
+          <a:lstStyle/>
           <a:p>
             <a:pPr marL="343080" indent="-342000">
               <a:lnSpc>
@@ -6219,14 +7204,14 @@
                 <a:spcPts val="1001"/>
               </a:spcBef>
               <a:buClr>
-                <a:srgbClr val="5fcbef"/>
+                <a:srgbClr val="5FCBEF"/>
               </a:buClr>
               <a:buSzPct val="80000"/>
               <a:buFont typeface="Wingdings 3" charset="2"/>
               <a:buChar char=""/>
             </a:pPr>
             <a:r>
-              <a:rPr b="0" lang="de-DE" sz="1800" spc="-1" strike="noStrike">
+              <a:rPr lang="de-DE" sz="1800" b="0" strike="noStrike" spc="-1" dirty="0">
                 <a:solidFill>
                   <a:srgbClr val="404040"/>
                 </a:solidFill>
@@ -6235,7 +7220,7 @@
               </a:rPr>
               <a:t>(PIND &amp; (1&lt;&lt;4)) </a:t>
             </a:r>
-            <a:endParaRPr b="0" lang="de-DE" sz="1800" spc="-1" strike="noStrike">
+            <a:endParaRPr lang="de-DE" sz="1800" b="0" strike="noStrike" spc="-1" dirty="0">
               <a:latin typeface="Arial"/>
             </a:endParaRPr>
           </a:p>
@@ -6248,14 +7233,14 @@
                 <a:spcPts val="1001"/>
               </a:spcBef>
               <a:buClr>
-                <a:srgbClr val="5fcbef"/>
+                <a:srgbClr val="5FCBEF"/>
               </a:buClr>
               <a:buSzPct val="80000"/>
               <a:buFont typeface="Wingdings 3" charset="2"/>
               <a:buChar char=""/>
             </a:pPr>
             <a:r>
-              <a:rPr b="0" lang="de-DE" sz="1800" spc="-1" strike="noStrike">
+              <a:rPr lang="de-DE" sz="1800" b="0" strike="noStrike" spc="-1" dirty="0">
                 <a:solidFill>
                   <a:srgbClr val="404040"/>
                 </a:solidFill>
@@ -6264,7 +7249,7 @@
               </a:rPr>
               <a:t>Nehmen wir an PortD4 ist High​</a:t>
             </a:r>
-            <a:endParaRPr b="0" lang="de-DE" sz="1800" spc="-1" strike="noStrike">
+            <a:endParaRPr lang="de-DE" sz="1800" b="0" strike="noStrike" spc="-1" dirty="0">
               <a:latin typeface="Arial"/>
             </a:endParaRPr>
           </a:p>
@@ -6277,23 +7262,43 @@
                 <a:spcPts val="1001"/>
               </a:spcBef>
               <a:buClr>
-                <a:srgbClr val="5fcbef"/>
+                <a:srgbClr val="5FCBEF"/>
               </a:buClr>
               <a:buSzPct val="80000"/>
               <a:buFont typeface="Wingdings 3" charset="2"/>
               <a:buChar char=""/>
             </a:pPr>
             <a:r>
-              <a:rPr b="0" lang="de-DE" sz="1800" spc="-1" strike="noStrike">
+              <a:rPr lang="de-DE" sz="1800" b="0" strike="noStrike" spc="-1" dirty="0">
                 <a:solidFill>
                   <a:srgbClr val="404040"/>
                 </a:solidFill>
                 <a:latin typeface="Trebuchet MS"/>
                 <a:ea typeface="DejaVu Sans"/>
               </a:rPr>
-              <a:t>z.B. PIND = 10010001​</a:t>
+              <a:t>z.B. PIND = 100</a:t>
             </a:r>
-            <a:endParaRPr b="0" lang="de-DE" sz="1800" spc="-1" strike="noStrike">
+            <a:r>
+              <a:rPr lang="de-DE" sz="1800" b="0" strike="noStrike" spc="-1" dirty="0">
+                <a:solidFill>
+                  <a:srgbClr val="FF0000"/>
+                </a:solidFill>
+                <a:latin typeface="Trebuchet MS"/>
+                <a:ea typeface="DejaVu Sans"/>
+              </a:rPr>
+              <a:t>1</a:t>
+            </a:r>
+            <a:r>
+              <a:rPr lang="de-DE" sz="1800" b="0" strike="noStrike" spc="-1" dirty="0">
+                <a:solidFill>
+                  <a:srgbClr val="404040"/>
+                </a:solidFill>
+                <a:latin typeface="Trebuchet MS"/>
+                <a:ea typeface="DejaVu Sans"/>
+              </a:rPr>
+              <a:t>0001​</a:t>
+            </a:r>
+            <a:endParaRPr lang="de-DE" sz="1800" b="0" strike="noStrike" spc="-1" dirty="0">
               <a:latin typeface="Arial"/>
             </a:endParaRPr>
           </a:p>
@@ -6306,14 +7311,14 @@
                 <a:spcPts val="1001"/>
               </a:spcBef>
               <a:buClr>
-                <a:srgbClr val="5fcbef"/>
+                <a:srgbClr val="5FCBEF"/>
               </a:buClr>
               <a:buSzPct val="80000"/>
               <a:buFont typeface="Wingdings 3" charset="2"/>
               <a:buChar char=""/>
             </a:pPr>
             <a:r>
-              <a:rPr b="0" lang="de-DE" sz="1800" spc="-1" strike="noStrike">
+              <a:rPr lang="de-DE" sz="1800" b="0" strike="noStrike" spc="-1" dirty="0">
                 <a:solidFill>
                   <a:srgbClr val="404040"/>
                 </a:solidFill>
@@ -6322,7 +7327,7 @@
               </a:rPr>
               <a:t>1 = 00000001​ -&gt; (1&lt;&lt;4) = 00010000​</a:t>
             </a:r>
-            <a:endParaRPr b="0" lang="de-DE" sz="1800" spc="-1" strike="noStrike">
+            <a:endParaRPr lang="de-DE" sz="1800" b="0" strike="noStrike" spc="-1" dirty="0">
               <a:latin typeface="Arial"/>
             </a:endParaRPr>
           </a:p>
@@ -6335,14 +7340,14 @@
                 <a:spcPts val="1001"/>
               </a:spcBef>
               <a:buClr>
-                <a:srgbClr val="5fcbef"/>
+                <a:srgbClr val="5FCBEF"/>
               </a:buClr>
               <a:buSzPct val="80000"/>
               <a:buFont typeface="Wingdings 3" charset="2"/>
               <a:buChar char=""/>
             </a:pPr>
             <a:r>
-              <a:rPr b="0" lang="de-DE" sz="1800" spc="-1" strike="noStrike">
+              <a:rPr lang="de-DE" sz="1800" b="0" strike="noStrike" spc="-1" dirty="0">
                 <a:solidFill>
                   <a:srgbClr val="404040"/>
                 </a:solidFill>
@@ -6351,7 +7356,7 @@
               </a:rPr>
               <a:t>10010001 &amp; 00010000 = 00010000 //Das Ergebnis ist 16​</a:t>
             </a:r>
-            <a:endParaRPr b="0" lang="de-DE" sz="1800" spc="-1" strike="noStrike">
+            <a:endParaRPr lang="de-DE" sz="1800" b="0" strike="noStrike" spc="-1" dirty="0">
               <a:latin typeface="Arial"/>
             </a:endParaRPr>
           </a:p>
@@ -6364,23 +7369,43 @@
                 <a:spcPts val="1001"/>
               </a:spcBef>
               <a:buClr>
-                <a:srgbClr val="5fcbef"/>
+                <a:srgbClr val="5FCBEF"/>
               </a:buClr>
               <a:buSzPct val="80000"/>
               <a:buFont typeface="Wingdings 3" charset="2"/>
               <a:buChar char=""/>
             </a:pPr>
             <a:r>
-              <a:rPr b="0" lang="de-DE" sz="1800" spc="-1" strike="noStrike">
+              <a:rPr lang="de-DE" sz="1800" b="0" strike="noStrike" spc="-1" dirty="0">
                 <a:solidFill>
                   <a:srgbClr val="404040"/>
                 </a:solidFill>
                 <a:latin typeface="Trebuchet MS"/>
                 <a:ea typeface="DejaVu Sans"/>
               </a:rPr>
-              <a:t>Da 16 &gt; 0 erhalten wir true​</a:t>
+              <a:t>Da 16 &gt; 0 erhalten wir </a:t>
             </a:r>
-            <a:endParaRPr b="0" lang="de-DE" sz="1800" spc="-1" strike="noStrike">
+            <a:r>
+              <a:rPr lang="de-DE" sz="1800" b="0" strike="noStrike" spc="-1" dirty="0" err="1">
+                <a:solidFill>
+                  <a:srgbClr val="404040"/>
+                </a:solidFill>
+                <a:latin typeface="Trebuchet MS"/>
+                <a:ea typeface="DejaVu Sans"/>
+              </a:rPr>
+              <a:t>true</a:t>
+            </a:r>
+            <a:r>
+              <a:rPr lang="de-DE" sz="1800" b="0" strike="noStrike" spc="-1" dirty="0">
+                <a:solidFill>
+                  <a:srgbClr val="404040"/>
+                </a:solidFill>
+                <a:latin typeface="Trebuchet MS"/>
+                <a:ea typeface="DejaVu Sans"/>
+              </a:rPr>
+              <a:t>​</a:t>
+            </a:r>
+            <a:endParaRPr lang="de-DE" sz="1800" b="0" strike="noStrike" spc="-1" dirty="0">
               <a:latin typeface="Arial"/>
             </a:endParaRPr>
           </a:p>
@@ -6393,14 +7418,14 @@
                 <a:spcPts val="1001"/>
               </a:spcBef>
               <a:buClr>
-                <a:srgbClr val="5fcbef"/>
+                <a:srgbClr val="5FCBEF"/>
               </a:buClr>
               <a:buSzPct val="80000"/>
               <a:buFont typeface="Wingdings 3" charset="2"/>
               <a:buChar char=""/>
             </a:pPr>
             <a:r>
-              <a:rPr b="0" lang="de-DE" sz="1800" spc="-1" strike="noStrike">
+              <a:rPr lang="de-DE" sz="1800" b="0" strike="noStrike" spc="-1" dirty="0">
                 <a:solidFill>
                   <a:srgbClr val="404040"/>
                 </a:solidFill>
@@ -6409,7 +7434,7 @@
               </a:rPr>
               <a:t>Wenn das Ergebnis 0 ist dann ist der Port LOW</a:t>
             </a:r>
-            <a:endParaRPr b="0" lang="de-DE" sz="1800" spc="-1" strike="noStrike">
+            <a:endParaRPr lang="de-DE" sz="1800" b="0" strike="noStrike" spc="-1" dirty="0">
               <a:latin typeface="Arial"/>
             </a:endParaRPr>
           </a:p>
@@ -6422,7 +7447,7 @@
                 <a:spcPts val="1001"/>
               </a:spcBef>
             </a:pPr>
-            <a:endParaRPr b="0" lang="de-DE" sz="1800" spc="-1" strike="noStrike">
+            <a:endParaRPr lang="de-DE" sz="1800" b="0" strike="noStrike" spc="-1" dirty="0">
               <a:latin typeface="Arial"/>
             </a:endParaRPr>
           </a:p>
@@ -6430,30 +7455,25 @@
       </p:sp>
     </p:spTree>
   </p:cSld>
-  <mc:AlternateContent>
-    <mc:Choice Requires="p14">
-      <p:transition spd="slow" p14:dur="2000"/>
-    </mc:Choice>
-    <mc:Fallback>
-      <p:transition spd="slow"/>
-    </mc:Fallback>
-  </mc:AlternateContent>
+  <p:clrMapOvr>
+    <a:masterClrMapping/>
+  </p:clrMapOvr>
   <p:timing>
     <p:tnLst>
       <p:par>
-        <p:cTn id="25" dur="indefinite" restart="never" nodeType="tmRoot">
+        <p:cTn id="1" dur="indefinite" restart="never" nodeType="tmRoot">
           <p:childTnLst>
             <p:seq>
-              <p:cTn id="26" dur="indefinite" nodeType="mainSeq"/>
+              <p:cTn id="2" dur="indefinite" nodeType="mainSeq"/>
               <p:prevCondLst>
-                <p:cond delay="0" evt="onPrev">
+                <p:cond evt="onPrev" delay="0">
                   <p:tgtEl>
                     <p:sldTgt/>
                   </p:tgtEl>
                 </p:cond>
               </p:prevCondLst>
               <p:nextCondLst>
-                <p:cond delay="0" evt="onNext">
+                <p:cond evt="onNext" delay="0">
                   <p:tgtEl>
                     <p:sldTgt/>
                   </p:tgtEl>
@@ -6469,7 +7489,7 @@
 </file>
 
 <file path=ppt/slides/slide14.xml><?xml version="1.0" encoding="utf-8"?>
-<p:sld xmlns:a="http://schemas.openxmlformats.org/drawingml/2006/main" xmlns:p="http://schemas.openxmlformats.org/presentationml/2006/main" xmlns:r="http://schemas.openxmlformats.org/officeDocument/2006/relationships" xmlns:p14="http://schemas.microsoft.com/office/powerpoint/2010/main" xmlns:p15="http://schemas.microsoft.com/office/powerpoint/2012/main" xmlns:mc="http://schemas.openxmlformats.org/markup-compatibility/2006">
+<p:sld xmlns:a="http://schemas.openxmlformats.org/drawingml/2006/main" xmlns:r="http://schemas.openxmlformats.org/officeDocument/2006/relationships" xmlns:p="http://schemas.openxmlformats.org/presentationml/2006/main">
   <p:cSld>
     <p:spTree>
       <p:nvGrpSpPr>
@@ -6505,15 +7525,22 @@
           </a:ln>
         </p:spPr>
         <p:style>
-          <a:lnRef idx="0"/>
-          <a:fillRef idx="0"/>
-          <a:effectRef idx="0"/>
+          <a:lnRef idx="0">
+            <a:scrgbClr r="0" g="0" b="0"/>
+          </a:lnRef>
+          <a:fillRef idx="0">
+            <a:scrgbClr r="0" g="0" b="0"/>
+          </a:fillRef>
+          <a:effectRef idx="0">
+            <a:scrgbClr r="0" g="0" b="0"/>
+          </a:effectRef>
           <a:fontRef idx="minor"/>
         </p:style>
         <p:txBody>
-          <a:bodyPr lIns="90000" rIns="90000" tIns="45000" bIns="45000">
+          <a:bodyPr lIns="90000" tIns="45000" rIns="90000" bIns="45000">
             <a:noAutofit/>
           </a:bodyPr>
+          <a:lstStyle/>
           <a:p>
             <a:pPr>
               <a:lnSpc>
@@ -6521,16 +7548,16 @@
               </a:lnSpc>
             </a:pPr>
             <a:r>
-              <a:rPr b="0" lang="de-DE" sz="3600" spc="-1" strike="noStrike">
+              <a:rPr lang="de-DE" sz="3600" b="0" strike="noStrike" spc="-1">
                 <a:solidFill>
-                  <a:srgbClr val="5fcbef"/>
+                  <a:srgbClr val="5FCBEF"/>
                 </a:solidFill>
                 <a:latin typeface="Trebuchet MS"/>
                 <a:ea typeface="DejaVu Sans"/>
               </a:rPr>
               <a:t>Fehlerbehebung:</a:t>
             </a:r>
-            <a:endParaRPr b="0" lang="de-DE" sz="3600" spc="-1" strike="noStrike">
+            <a:endParaRPr lang="de-DE" sz="3600" b="0" strike="noStrike" spc="-1">
               <a:latin typeface="Arial"/>
             </a:endParaRPr>
           </a:p>
@@ -6556,50 +7583,33 @@
           </a:ln>
         </p:spPr>
         <p:style>
-          <a:lnRef idx="0"/>
-          <a:fillRef idx="0"/>
-          <a:effectRef idx="0"/>
+          <a:lnRef idx="0">
+            <a:scrgbClr r="0" g="0" b="0"/>
+          </a:lnRef>
+          <a:fillRef idx="0">
+            <a:scrgbClr r="0" g="0" b="0"/>
+          </a:fillRef>
+          <a:effectRef idx="0">
+            <a:scrgbClr r="0" g="0" b="0"/>
+          </a:effectRef>
           <a:fontRef idx="minor"/>
         </p:style>
       </p:sp>
       <p:pic>
         <p:nvPicPr>
-          <p:cNvPr id="146" name="Grafik 2" descr=""/>
-          <p:cNvPicPr/>
-          <p:nvPr/>
-        </p:nvPicPr>
-        <p:blipFill>
-          <a:blip r:embed="rId1"/>
-          <a:srcRect l="0" t="3023" r="0" b="4586"/>
-          <a:stretch/>
-        </p:blipFill>
-        <p:spPr>
-          <a:xfrm>
-            <a:off x="4836960" y="808920"/>
-            <a:ext cx="2904840" cy="1319760"/>
-          </a:xfrm>
-          <a:prstGeom prst="rect">
-            <a:avLst/>
-          </a:prstGeom>
-          <a:ln>
-            <a:noFill/>
-          </a:ln>
-        </p:spPr>
-      </p:pic>
-      <p:pic>
-        <p:nvPicPr>
-          <p:cNvPr id="147" name="Grafik 4" descr=""/>
+          <p:cNvPr id="146" name="Grafik 2"/>
           <p:cNvPicPr/>
           <p:nvPr/>
         </p:nvPicPr>
         <p:blipFill>
           <a:blip r:embed="rId2"/>
+          <a:srcRect t="3023" b="4586"/>
           <a:stretch/>
         </p:blipFill>
         <p:spPr>
           <a:xfrm>
-            <a:off x="687960" y="2391480"/>
-            <a:ext cx="3028680" cy="1113840"/>
+            <a:off x="4836960" y="808920"/>
+            <a:ext cx="2904840" cy="1319760"/>
           </a:xfrm>
           <a:prstGeom prst="rect">
             <a:avLst/>
@@ -6611,18 +7621,19 @@
       </p:pic>
       <p:pic>
         <p:nvPicPr>
-          <p:cNvPr id="148" name="Grafik 6" descr=""/>
+          <p:cNvPr id="149" name="Grafik 8"/>
           <p:cNvPicPr/>
           <p:nvPr/>
         </p:nvPicPr>
         <p:blipFill>
           <a:blip r:embed="rId3"/>
+          <a:srcRect r="65128" b="37664"/>
           <a:stretch/>
         </p:blipFill>
         <p:spPr>
           <a:xfrm>
-            <a:off x="4817880" y="2391480"/>
-            <a:ext cx="2923920" cy="1152000"/>
+            <a:off x="677160" y="1468800"/>
+            <a:ext cx="3251880" cy="2606040"/>
           </a:xfrm>
           <a:prstGeom prst="rect">
             <a:avLst/>
@@ -6634,42 +7645,18 @@
       </p:pic>
       <p:pic>
         <p:nvPicPr>
-          <p:cNvPr id="149" name="Grafik 8" descr=""/>
+          <p:cNvPr id="150" name="Grafik 10"/>
           <p:cNvPicPr/>
           <p:nvPr/>
         </p:nvPicPr>
         <p:blipFill>
           <a:blip r:embed="rId4"/>
-          <a:srcRect l="0" t="0" r="65128" b="37664"/>
+          <a:srcRect r="18517" b="20218"/>
           <a:stretch/>
         </p:blipFill>
         <p:spPr>
           <a:xfrm>
-            <a:off x="677160" y="3506040"/>
-            <a:ext cx="3251880" cy="2606040"/>
-          </a:xfrm>
-          <a:prstGeom prst="rect">
-            <a:avLst/>
-          </a:prstGeom>
-          <a:ln>
-            <a:noFill/>
-          </a:ln>
-        </p:spPr>
-      </p:pic>
-      <p:pic>
-        <p:nvPicPr>
-          <p:cNvPr id="150" name="Grafik 10" descr=""/>
-          <p:cNvPicPr/>
-          <p:nvPr/>
-        </p:nvPicPr>
-        <p:blipFill>
-          <a:blip r:embed="rId5"/>
-          <a:srcRect l="0" t="0" r="18517" b="20218"/>
-          <a:stretch/>
-        </p:blipFill>
-        <p:spPr>
-          <a:xfrm>
-            <a:off x="4653720" y="3544200"/>
+            <a:off x="4489920" y="3112200"/>
             <a:ext cx="3251880" cy="2606040"/>
           </a:xfrm>
           <a:prstGeom prst="rect">
@@ -6697,7 +7684,7 @@
           <a:noFill/>
           <a:ln>
             <a:solidFill>
-              <a:srgbClr val="ff0000"/>
+              <a:srgbClr val="FF0000"/>
             </a:solidFill>
             <a:round/>
           </a:ln>
@@ -6719,30 +7706,25 @@
       </p:sp>
     </p:spTree>
   </p:cSld>
-  <mc:AlternateContent>
-    <mc:Choice Requires="p14">
-      <p:transition spd="slow" p14:dur="2000"/>
-    </mc:Choice>
-    <mc:Fallback>
-      <p:transition spd="slow"/>
-    </mc:Fallback>
-  </mc:AlternateContent>
+  <p:clrMapOvr>
+    <a:masterClrMapping/>
+  </p:clrMapOvr>
   <p:timing>
     <p:tnLst>
       <p:par>
-        <p:cTn id="27" dur="indefinite" restart="never" nodeType="tmRoot">
+        <p:cTn id="1" dur="indefinite" restart="never" nodeType="tmRoot">
           <p:childTnLst>
             <p:seq>
-              <p:cTn id="28" dur="indefinite" nodeType="mainSeq"/>
+              <p:cTn id="2" dur="indefinite" nodeType="mainSeq"/>
               <p:prevCondLst>
-                <p:cond delay="0" evt="onPrev">
+                <p:cond evt="onPrev" delay="0">
                   <p:tgtEl>
                     <p:sldTgt/>
                   </p:tgtEl>
                 </p:cond>
               </p:prevCondLst>
               <p:nextCondLst>
-                <p:cond delay="0" evt="onNext">
+                <p:cond evt="onNext" delay="0">
                   <p:tgtEl>
                     <p:sldTgt/>
                   </p:tgtEl>
@@ -6758,7 +7740,7 @@
 </file>
 
 <file path=ppt/slides/slide15.xml><?xml version="1.0" encoding="utf-8"?>
-<p:sld xmlns:a="http://schemas.openxmlformats.org/drawingml/2006/main" xmlns:p="http://schemas.openxmlformats.org/presentationml/2006/main" xmlns:r="http://schemas.openxmlformats.org/officeDocument/2006/relationships" xmlns:p14="http://schemas.microsoft.com/office/powerpoint/2010/main" xmlns:p15="http://schemas.microsoft.com/office/powerpoint/2012/main" xmlns:mc="http://schemas.openxmlformats.org/markup-compatibility/2006">
+<p:sld xmlns:a="http://schemas.openxmlformats.org/drawingml/2006/main" xmlns:r="http://schemas.openxmlformats.org/officeDocument/2006/relationships" xmlns:p="http://schemas.openxmlformats.org/presentationml/2006/main">
   <p:cSld>
     <p:spTree>
       <p:nvGrpSpPr>
@@ -6794,15 +7776,22 @@
           </a:ln>
         </p:spPr>
         <p:style>
-          <a:lnRef idx="0"/>
-          <a:fillRef idx="0"/>
-          <a:effectRef idx="0"/>
+          <a:lnRef idx="0">
+            <a:scrgbClr r="0" g="0" b="0"/>
+          </a:lnRef>
+          <a:fillRef idx="0">
+            <a:scrgbClr r="0" g="0" b="0"/>
+          </a:fillRef>
+          <a:effectRef idx="0">
+            <a:scrgbClr r="0" g="0" b="0"/>
+          </a:effectRef>
           <a:fontRef idx="minor"/>
         </p:style>
         <p:txBody>
-          <a:bodyPr lIns="90000" rIns="90000" tIns="45000" bIns="45000">
+          <a:bodyPr lIns="90000" tIns="45000" rIns="90000" bIns="45000">
             <a:noAutofit/>
           </a:bodyPr>
+          <a:lstStyle/>
           <a:p>
             <a:pPr>
               <a:lnSpc>
@@ -6810,9 +7799,9 @@
               </a:lnSpc>
             </a:pPr>
             <a:r>
-              <a:rPr b="0" lang="de-DE" sz="3600" spc="-1" strike="noStrike" u="sng">
+              <a:rPr lang="de-DE" sz="3600" b="0" u="sng" strike="noStrike" spc="-1">
                 <a:solidFill>
-                  <a:srgbClr val="5fcbef"/>
+                  <a:srgbClr val="5FCBEF"/>
                 </a:solidFill>
                 <a:uFillTx/>
                 <a:latin typeface="Trebuchet MS"/>
@@ -6820,7 +7809,7 @@
               </a:rPr>
               <a:t>Temperatur- und Luftfeuchtigkeitssensor</a:t>
             </a:r>
-            <a:endParaRPr b="0" lang="de-DE" sz="3600" spc="-1" strike="noStrike">
+            <a:endParaRPr lang="de-DE" sz="3600" b="0" strike="noStrike" spc="-1">
               <a:latin typeface="Arial"/>
             </a:endParaRPr>
           </a:p>
@@ -6846,15 +7835,22 @@
           </a:ln>
         </p:spPr>
         <p:style>
-          <a:lnRef idx="0"/>
-          <a:fillRef idx="0"/>
-          <a:effectRef idx="0"/>
+          <a:lnRef idx="0">
+            <a:scrgbClr r="0" g="0" b="0"/>
+          </a:lnRef>
+          <a:fillRef idx="0">
+            <a:scrgbClr r="0" g="0" b="0"/>
+          </a:fillRef>
+          <a:effectRef idx="0">
+            <a:scrgbClr r="0" g="0" b="0"/>
+          </a:effectRef>
           <a:fontRef idx="minor"/>
         </p:style>
         <p:txBody>
-          <a:bodyPr lIns="90000" rIns="90000" tIns="45000" bIns="45000">
+          <a:bodyPr lIns="90000" tIns="45000" rIns="90000" bIns="45000">
             <a:noAutofit/>
           </a:bodyPr>
+          <a:lstStyle/>
           <a:p>
             <a:pPr marL="343080" indent="-342000">
               <a:lnSpc>
@@ -6864,14 +7860,14 @@
                 <a:spcPts val="1001"/>
               </a:spcBef>
               <a:buClr>
-                <a:srgbClr val="5fcbef"/>
+                <a:srgbClr val="5FCBEF"/>
               </a:buClr>
               <a:buSzPct val="80000"/>
               <a:buFont typeface="Wingdings 3" charset="2"/>
               <a:buChar char=""/>
             </a:pPr>
             <a:r>
-              <a:rPr b="0" lang="de-DE" sz="1800" spc="-1" strike="noStrike">
+              <a:rPr lang="de-DE" sz="1800" b="0" strike="noStrike" spc="-1">
                 <a:solidFill>
                   <a:srgbClr val="404040"/>
                 </a:solidFill>
@@ -6880,7 +7876,7 @@
               </a:rPr>
               <a:t>3,3 – 5,5 Volt Versorgung</a:t>
             </a:r>
-            <a:endParaRPr b="0" lang="de-DE" sz="1800" spc="-1" strike="noStrike">
+            <a:endParaRPr lang="de-DE" sz="1800" b="0" strike="noStrike" spc="-1">
               <a:latin typeface="Arial"/>
             </a:endParaRPr>
           </a:p>
@@ -6893,14 +7889,14 @@
                 <a:spcPts val="1001"/>
               </a:spcBef>
               <a:buClr>
-                <a:srgbClr val="5fcbef"/>
+                <a:srgbClr val="5FCBEF"/>
               </a:buClr>
               <a:buSzPct val="80000"/>
               <a:buFont typeface="Wingdings 3" charset="2"/>
               <a:buChar char=""/>
             </a:pPr>
             <a:r>
-              <a:rPr b="0" lang="de-DE" sz="1800" spc="-1" strike="noStrike">
+              <a:rPr lang="de-DE" sz="1800" b="0" strike="noStrike" spc="-1">
                 <a:solidFill>
                   <a:srgbClr val="404040"/>
                 </a:solidFill>
@@ -6909,7 +7905,7 @@
               </a:rPr>
               <a:t>Serial Interface(Single-Wire Two-Way)</a:t>
             </a:r>
-            <a:endParaRPr b="0" lang="de-DE" sz="1800" spc="-1" strike="noStrike">
+            <a:endParaRPr lang="de-DE" sz="1800" b="0" strike="noStrike" spc="-1">
               <a:latin typeface="Arial"/>
             </a:endParaRPr>
           </a:p>
@@ -6922,14 +7918,14 @@
                 <a:spcPts val="1001"/>
               </a:spcBef>
               <a:buClr>
-                <a:srgbClr val="5fcbef"/>
+                <a:srgbClr val="5FCBEF"/>
               </a:buClr>
               <a:buSzPct val="80000"/>
               <a:buFont typeface="Wingdings 3" charset="2"/>
               <a:buChar char=""/>
             </a:pPr>
             <a:r>
-              <a:rPr b="0" lang="de-DE" sz="1800" spc="-1" strike="noStrike">
+              <a:rPr lang="de-DE" sz="1800" b="0" strike="noStrike" spc="-1">
                 <a:solidFill>
                   <a:srgbClr val="404040"/>
                 </a:solidFill>
@@ -6938,7 +7934,7 @@
               </a:rPr>
               <a:t>Kommunikationsprozess: ~4 ms</a:t>
             </a:r>
-            <a:endParaRPr b="0" lang="de-DE" sz="1800" spc="-1" strike="noStrike">
+            <a:endParaRPr lang="de-DE" sz="1800" b="0" strike="noStrike" spc="-1">
               <a:latin typeface="Arial"/>
             </a:endParaRPr>
           </a:p>
@@ -6951,14 +7947,14 @@
                 <a:spcPts val="1001"/>
               </a:spcBef>
               <a:buClr>
-                <a:srgbClr val="5fcbef"/>
+                <a:srgbClr val="5FCBEF"/>
               </a:buClr>
               <a:buSzPct val="80000"/>
               <a:buFont typeface="Wingdings 3" charset="2"/>
               <a:buChar char=""/>
             </a:pPr>
             <a:r>
-              <a:rPr b="0" lang="de-DE" sz="1800" spc="-1" strike="noStrike">
+              <a:rPr lang="de-DE" sz="1800" b="0" strike="noStrike" spc="-1">
                 <a:solidFill>
                   <a:srgbClr val="404040"/>
                 </a:solidFill>
@@ -6967,7 +7963,7 @@
               </a:rPr>
               <a:t>40bits Daten</a:t>
             </a:r>
-            <a:endParaRPr b="0" lang="de-DE" sz="1800" spc="-1" strike="noStrike">
+            <a:endParaRPr lang="de-DE" sz="1800" b="0" strike="noStrike" spc="-1">
               <a:latin typeface="Arial"/>
             </a:endParaRPr>
           </a:p>
@@ -6980,7 +7976,7 @@
                 <a:spcPts val="1001"/>
               </a:spcBef>
             </a:pPr>
-            <a:endParaRPr b="0" lang="de-DE" sz="1800" spc="-1" strike="noStrike">
+            <a:endParaRPr lang="de-DE" sz="1800" b="0" strike="noStrike" spc="-1">
               <a:latin typeface="Arial"/>
             </a:endParaRPr>
           </a:p>
@@ -6993,7 +7989,7 @@
                 <a:spcPts val="1001"/>
               </a:spcBef>
             </a:pPr>
-            <a:endParaRPr b="0" lang="de-DE" sz="1800" spc="-1" strike="noStrike">
+            <a:endParaRPr lang="de-DE" sz="1800" b="0" strike="noStrike" spc="-1">
               <a:latin typeface="Arial"/>
             </a:endParaRPr>
           </a:p>
@@ -7001,12 +7997,12 @@
       </p:sp>
       <p:pic>
         <p:nvPicPr>
-          <p:cNvPr id="154" name="Grafik 4" descr=""/>
+          <p:cNvPr id="154" name="Grafik 4"/>
           <p:cNvPicPr/>
           <p:nvPr/>
         </p:nvPicPr>
         <p:blipFill>
-          <a:blip r:embed="rId1"/>
+          <a:blip r:embed="rId2"/>
           <a:stretch/>
         </p:blipFill>
         <p:spPr>
@@ -7024,30 +8020,25 @@
       </p:pic>
     </p:spTree>
   </p:cSld>
-  <mc:AlternateContent>
-    <mc:Choice Requires="p14">
-      <p:transition spd="slow" p14:dur="2000"/>
-    </mc:Choice>
-    <mc:Fallback>
-      <p:transition spd="slow"/>
-    </mc:Fallback>
-  </mc:AlternateContent>
+  <p:clrMapOvr>
+    <a:masterClrMapping/>
+  </p:clrMapOvr>
   <p:timing>
     <p:tnLst>
       <p:par>
-        <p:cTn id="29" dur="indefinite" restart="never" nodeType="tmRoot">
+        <p:cTn id="1" dur="indefinite" restart="never" nodeType="tmRoot">
           <p:childTnLst>
             <p:seq>
-              <p:cTn id="30" dur="indefinite" nodeType="mainSeq"/>
+              <p:cTn id="2" dur="indefinite" nodeType="mainSeq"/>
               <p:prevCondLst>
-                <p:cond delay="0" evt="onPrev">
+                <p:cond evt="onPrev" delay="0">
                   <p:tgtEl>
                     <p:sldTgt/>
                   </p:tgtEl>
                 </p:cond>
               </p:prevCondLst>
               <p:nextCondLst>
-                <p:cond delay="0" evt="onNext">
+                <p:cond evt="onNext" delay="0">
                   <p:tgtEl>
                     <p:sldTgt/>
                   </p:tgtEl>
@@ -7063,7 +8054,7 @@
 </file>
 
 <file path=ppt/slides/slide16.xml><?xml version="1.0" encoding="utf-8"?>
-<p:sld xmlns:a="http://schemas.openxmlformats.org/drawingml/2006/main" xmlns:p="http://schemas.openxmlformats.org/presentationml/2006/main" xmlns:r="http://schemas.openxmlformats.org/officeDocument/2006/relationships" xmlns:p14="http://schemas.microsoft.com/office/powerpoint/2010/main" xmlns:p15="http://schemas.microsoft.com/office/powerpoint/2012/main" xmlns:mc="http://schemas.openxmlformats.org/markup-compatibility/2006">
+<p:sld xmlns:a="http://schemas.openxmlformats.org/drawingml/2006/main" xmlns:r="http://schemas.openxmlformats.org/officeDocument/2006/relationships" xmlns:p="http://schemas.openxmlformats.org/presentationml/2006/main">
   <p:cSld>
     <p:spTree>
       <p:nvGrpSpPr>
@@ -7099,15 +8090,22 @@
           </a:ln>
         </p:spPr>
         <p:style>
-          <a:lnRef idx="0"/>
-          <a:fillRef idx="0"/>
-          <a:effectRef idx="0"/>
+          <a:lnRef idx="0">
+            <a:scrgbClr r="0" g="0" b="0"/>
+          </a:lnRef>
+          <a:fillRef idx="0">
+            <a:scrgbClr r="0" g="0" b="0"/>
+          </a:fillRef>
+          <a:effectRef idx="0">
+            <a:scrgbClr r="0" g="0" b="0"/>
+          </a:effectRef>
           <a:fontRef idx="minor"/>
         </p:style>
         <p:txBody>
-          <a:bodyPr lIns="90000" rIns="90000" tIns="45000" bIns="45000">
+          <a:bodyPr lIns="90000" tIns="45000" rIns="90000" bIns="45000">
             <a:noAutofit/>
           </a:bodyPr>
+          <a:lstStyle/>
           <a:p>
             <a:pPr>
               <a:lnSpc>
@@ -7115,9 +8113,9 @@
               </a:lnSpc>
             </a:pPr>
             <a:r>
-              <a:rPr b="0" lang="de-DE" sz="3600" spc="-1" strike="noStrike" u="sng">
+              <a:rPr lang="de-DE" sz="3600" b="0" u="sng" strike="noStrike" spc="-1">
                 <a:solidFill>
-                  <a:srgbClr val="5fcbef"/>
+                  <a:srgbClr val="5FCBEF"/>
                 </a:solidFill>
                 <a:uFillTx/>
                 <a:latin typeface="Trebuchet MS"/>
@@ -7125,7 +8123,7 @@
               </a:rPr>
               <a:t>Kommunikationsprozess:</a:t>
             </a:r>
-            <a:endParaRPr b="0" lang="de-DE" sz="3600" spc="-1" strike="noStrike">
+            <a:endParaRPr lang="de-DE" sz="3600" b="0" strike="noStrike" spc="-1">
               <a:latin typeface="Arial"/>
             </a:endParaRPr>
           </a:p>
@@ -7133,12 +8131,12 @@
       </p:sp>
       <p:pic>
         <p:nvPicPr>
-          <p:cNvPr id="156" name="Inhaltsplatzhalter 5" descr=""/>
+          <p:cNvPr id="156" name="Inhaltsplatzhalter 5"/>
           <p:cNvPicPr/>
           <p:nvPr/>
         </p:nvPicPr>
         <p:blipFill>
-          <a:blip r:embed="rId1"/>
+          <a:blip r:embed="rId2"/>
           <a:stretch/>
         </p:blipFill>
         <p:spPr>
@@ -7156,30 +8154,25 @@
       </p:pic>
     </p:spTree>
   </p:cSld>
-  <mc:AlternateContent>
-    <mc:Choice Requires="p14">
-      <p:transition spd="slow" p14:dur="2000"/>
-    </mc:Choice>
-    <mc:Fallback>
-      <p:transition spd="slow"/>
-    </mc:Fallback>
-  </mc:AlternateContent>
+  <p:clrMapOvr>
+    <a:masterClrMapping/>
+  </p:clrMapOvr>
   <p:timing>
     <p:tnLst>
       <p:par>
-        <p:cTn id="31" dur="indefinite" restart="never" nodeType="tmRoot">
+        <p:cTn id="1" dur="indefinite" restart="never" nodeType="tmRoot">
           <p:childTnLst>
             <p:seq>
-              <p:cTn id="32" dur="indefinite" nodeType="mainSeq"/>
+              <p:cTn id="2" dur="indefinite" nodeType="mainSeq"/>
               <p:prevCondLst>
-                <p:cond delay="0" evt="onPrev">
+                <p:cond evt="onPrev" delay="0">
                   <p:tgtEl>
                     <p:sldTgt/>
                   </p:tgtEl>
                 </p:cond>
               </p:prevCondLst>
               <p:nextCondLst>
-                <p:cond delay="0" evt="onNext">
+                <p:cond evt="onNext" delay="0">
                   <p:tgtEl>
                     <p:sldTgt/>
                   </p:tgtEl>
@@ -7195,7 +8188,7 @@
 </file>
 
 <file path=ppt/slides/slide17.xml><?xml version="1.0" encoding="utf-8"?>
-<p:sld xmlns:a="http://schemas.openxmlformats.org/drawingml/2006/main" xmlns:p="http://schemas.openxmlformats.org/presentationml/2006/main" xmlns:r="http://schemas.openxmlformats.org/officeDocument/2006/relationships" xmlns:p14="http://schemas.microsoft.com/office/powerpoint/2010/main" xmlns:p15="http://schemas.microsoft.com/office/powerpoint/2012/main" xmlns:mc="http://schemas.openxmlformats.org/markup-compatibility/2006">
+<p:sld xmlns:a="http://schemas.openxmlformats.org/drawingml/2006/main" xmlns:r="http://schemas.openxmlformats.org/officeDocument/2006/relationships" xmlns:p="http://schemas.openxmlformats.org/presentationml/2006/main">
   <p:cSld>
     <p:spTree>
       <p:nvGrpSpPr>
@@ -7231,15 +8224,22 @@
           </a:ln>
         </p:spPr>
         <p:style>
-          <a:lnRef idx="0"/>
-          <a:fillRef idx="0"/>
-          <a:effectRef idx="0"/>
+          <a:lnRef idx="0">
+            <a:scrgbClr r="0" g="0" b="0"/>
+          </a:lnRef>
+          <a:fillRef idx="0">
+            <a:scrgbClr r="0" g="0" b="0"/>
+          </a:fillRef>
+          <a:effectRef idx="0">
+            <a:scrgbClr r="0" g="0" b="0"/>
+          </a:effectRef>
           <a:fontRef idx="minor"/>
         </p:style>
         <p:txBody>
-          <a:bodyPr lIns="90000" rIns="90000" tIns="45000" bIns="45000">
+          <a:bodyPr lIns="90000" tIns="45000" rIns="90000" bIns="45000">
             <a:noAutofit/>
           </a:bodyPr>
+          <a:lstStyle/>
           <a:p>
             <a:pPr>
               <a:lnSpc>
@@ -7247,9 +8247,9 @@
               </a:lnSpc>
             </a:pPr>
             <a:r>
-              <a:rPr b="0" lang="de-DE" sz="3600" spc="-1" strike="noStrike" u="sng">
+              <a:rPr lang="de-DE" sz="3600" b="0" u="sng" strike="noStrike" spc="-1">
                 <a:solidFill>
-                  <a:srgbClr val="5fcbef"/>
+                  <a:srgbClr val="5FCBEF"/>
                 </a:solidFill>
                 <a:uFillTx/>
                 <a:latin typeface="Trebuchet MS"/>
@@ -7257,7 +8257,7 @@
               </a:rPr>
               <a:t>Bit-Übertragung:</a:t>
             </a:r>
-            <a:endParaRPr b="0" lang="de-DE" sz="3600" spc="-1" strike="noStrike">
+            <a:endParaRPr lang="de-DE" sz="3600" b="0" strike="noStrike" spc="-1">
               <a:latin typeface="Arial"/>
             </a:endParaRPr>
           </a:p>
@@ -7265,12 +8265,12 @@
       </p:sp>
       <p:pic>
         <p:nvPicPr>
-          <p:cNvPr id="158" name="Inhaltsplatzhalter 4" descr=""/>
+          <p:cNvPr id="158" name="Inhaltsplatzhalter 4"/>
           <p:cNvPicPr/>
           <p:nvPr/>
         </p:nvPicPr>
         <p:blipFill>
-          <a:blip r:embed="rId1"/>
+          <a:blip r:embed="rId2"/>
           <a:stretch/>
         </p:blipFill>
         <p:spPr>
@@ -7288,30 +8288,25 @@
       </p:pic>
     </p:spTree>
   </p:cSld>
-  <mc:AlternateContent>
-    <mc:Choice Requires="p14">
-      <p:transition spd="slow" p14:dur="2000"/>
-    </mc:Choice>
-    <mc:Fallback>
-      <p:transition spd="slow"/>
-    </mc:Fallback>
-  </mc:AlternateContent>
+  <p:clrMapOvr>
+    <a:masterClrMapping/>
+  </p:clrMapOvr>
   <p:timing>
     <p:tnLst>
       <p:par>
-        <p:cTn id="33" dur="indefinite" restart="never" nodeType="tmRoot">
+        <p:cTn id="1" dur="indefinite" restart="never" nodeType="tmRoot">
           <p:childTnLst>
             <p:seq>
-              <p:cTn id="34" dur="indefinite" nodeType="mainSeq"/>
+              <p:cTn id="2" dur="indefinite" nodeType="mainSeq"/>
               <p:prevCondLst>
-                <p:cond delay="0" evt="onPrev">
+                <p:cond evt="onPrev" delay="0">
                   <p:tgtEl>
                     <p:sldTgt/>
                   </p:tgtEl>
                 </p:cond>
               </p:prevCondLst>
               <p:nextCondLst>
-                <p:cond delay="0" evt="onNext">
+                <p:cond evt="onNext" delay="0">
                   <p:tgtEl>
                     <p:sldTgt/>
                   </p:tgtEl>
@@ -7327,7 +8322,7 @@
 </file>
 
 <file path=ppt/slides/slide18.xml><?xml version="1.0" encoding="utf-8"?>
-<p:sld xmlns:a="http://schemas.openxmlformats.org/drawingml/2006/main" xmlns:p="http://schemas.openxmlformats.org/presentationml/2006/main" xmlns:r="http://schemas.openxmlformats.org/officeDocument/2006/relationships" xmlns:p14="http://schemas.microsoft.com/office/powerpoint/2010/main" xmlns:p15="http://schemas.microsoft.com/office/powerpoint/2012/main" xmlns:mc="http://schemas.openxmlformats.org/markup-compatibility/2006">
+<p:sld xmlns:a="http://schemas.openxmlformats.org/drawingml/2006/main" xmlns:r="http://schemas.openxmlformats.org/officeDocument/2006/relationships" xmlns:p="http://schemas.openxmlformats.org/presentationml/2006/main">
   <p:cSld>
     <p:spTree>
       <p:nvGrpSpPr>
@@ -7363,15 +8358,22 @@
           </a:ln>
         </p:spPr>
         <p:style>
-          <a:lnRef idx="0"/>
-          <a:fillRef idx="0"/>
-          <a:effectRef idx="0"/>
+          <a:lnRef idx="0">
+            <a:scrgbClr r="0" g="0" b="0"/>
+          </a:lnRef>
+          <a:fillRef idx="0">
+            <a:scrgbClr r="0" g="0" b="0"/>
+          </a:fillRef>
+          <a:effectRef idx="0">
+            <a:scrgbClr r="0" g="0" b="0"/>
+          </a:effectRef>
           <a:fontRef idx="minor"/>
         </p:style>
         <p:txBody>
-          <a:bodyPr lIns="90000" rIns="90000" tIns="45000" bIns="45000">
+          <a:bodyPr lIns="90000" tIns="45000" rIns="90000" bIns="45000">
             <a:noAutofit/>
           </a:bodyPr>
+          <a:lstStyle/>
           <a:p>
             <a:pPr>
               <a:lnSpc>
@@ -7379,9 +8381,9 @@
               </a:lnSpc>
             </a:pPr>
             <a:r>
-              <a:rPr b="0" lang="de-DE" sz="3600" spc="-1" strike="noStrike" u="sng">
+              <a:rPr lang="de-DE" sz="3600" b="0" u="sng" strike="noStrike" spc="-1">
                 <a:solidFill>
-                  <a:srgbClr val="5fcbef"/>
+                  <a:srgbClr val="5FCBEF"/>
                 </a:solidFill>
                 <a:uFillTx/>
                 <a:latin typeface="Trebuchet MS"/>
@@ -7389,7 +8391,7 @@
               </a:rPr>
               <a:t>parse-Methode:</a:t>
             </a:r>
-            <a:endParaRPr b="0" lang="de-DE" sz="3600" spc="-1" strike="noStrike">
+            <a:endParaRPr lang="de-DE" sz="3600" b="0" strike="noStrike" spc="-1">
               <a:latin typeface="Arial"/>
             </a:endParaRPr>
           </a:p>
@@ -7397,12 +8399,12 @@
       </p:sp>
       <p:pic>
         <p:nvPicPr>
-          <p:cNvPr id="160" name="Inhaltsplatzhalter 5" descr=""/>
+          <p:cNvPr id="160" name="Inhaltsplatzhalter 5"/>
           <p:cNvPicPr/>
           <p:nvPr/>
         </p:nvPicPr>
         <p:blipFill>
-          <a:blip r:embed="rId1"/>
+          <a:blip r:embed="rId2"/>
           <a:stretch/>
         </p:blipFill>
         <p:spPr>
@@ -7420,30 +8422,25 @@
       </p:pic>
     </p:spTree>
   </p:cSld>
-  <mc:AlternateContent>
-    <mc:Choice Requires="p14">
-      <p:transition spd="slow" p14:dur="2000"/>
-    </mc:Choice>
-    <mc:Fallback>
-      <p:transition spd="slow"/>
-    </mc:Fallback>
-  </mc:AlternateContent>
+  <p:clrMapOvr>
+    <a:masterClrMapping/>
+  </p:clrMapOvr>
   <p:timing>
     <p:tnLst>
       <p:par>
-        <p:cTn id="35" dur="indefinite" restart="never" nodeType="tmRoot">
+        <p:cTn id="1" dur="indefinite" restart="never" nodeType="tmRoot">
           <p:childTnLst>
             <p:seq>
-              <p:cTn id="36" dur="indefinite" nodeType="mainSeq"/>
+              <p:cTn id="2" dur="indefinite" nodeType="mainSeq"/>
               <p:prevCondLst>
-                <p:cond delay="0" evt="onPrev">
+                <p:cond evt="onPrev" delay="0">
                   <p:tgtEl>
                     <p:sldTgt/>
                   </p:tgtEl>
                 </p:cond>
               </p:prevCondLst>
               <p:nextCondLst>
-                <p:cond delay="0" evt="onNext">
+                <p:cond evt="onNext" delay="0">
                   <p:tgtEl>
                     <p:sldTgt/>
                   </p:tgtEl>
@@ -7459,7 +8456,7 @@
 </file>
 
 <file path=ppt/slides/slide19.xml><?xml version="1.0" encoding="utf-8"?>
-<p:sld xmlns:a="http://schemas.openxmlformats.org/drawingml/2006/main" xmlns:p="http://schemas.openxmlformats.org/presentationml/2006/main" xmlns:r="http://schemas.openxmlformats.org/officeDocument/2006/relationships" xmlns:p14="http://schemas.microsoft.com/office/powerpoint/2010/main" xmlns:p15="http://schemas.microsoft.com/office/powerpoint/2012/main" xmlns:mc="http://schemas.openxmlformats.org/markup-compatibility/2006">
+<p:sld xmlns:a="http://schemas.openxmlformats.org/drawingml/2006/main" xmlns:r="http://schemas.openxmlformats.org/officeDocument/2006/relationships" xmlns:p="http://schemas.openxmlformats.org/presentationml/2006/main">
   <p:cSld>
     <p:spTree>
       <p:nvGrpSpPr>
@@ -7495,15 +8492,22 @@
           </a:ln>
         </p:spPr>
         <p:style>
-          <a:lnRef idx="0"/>
-          <a:fillRef idx="0"/>
-          <a:effectRef idx="0"/>
+          <a:lnRef idx="0">
+            <a:scrgbClr r="0" g="0" b="0"/>
+          </a:lnRef>
+          <a:fillRef idx="0">
+            <a:scrgbClr r="0" g="0" b="0"/>
+          </a:fillRef>
+          <a:effectRef idx="0">
+            <a:scrgbClr r="0" g="0" b="0"/>
+          </a:effectRef>
           <a:fontRef idx="minor"/>
         </p:style>
         <p:txBody>
-          <a:bodyPr lIns="90000" rIns="90000" tIns="45000" bIns="45000">
+          <a:bodyPr lIns="90000" tIns="45000" rIns="90000" bIns="45000">
             <a:noAutofit/>
           </a:bodyPr>
+          <a:lstStyle/>
           <a:p>
             <a:pPr>
               <a:lnSpc>
@@ -7511,9 +8515,9 @@
               </a:lnSpc>
             </a:pPr>
             <a:r>
-              <a:rPr b="0" lang="de-DE" sz="3600" spc="-1" strike="noStrike" u="sng">
+              <a:rPr lang="de-DE" sz="3600" b="0" u="sng" strike="noStrike" spc="-1">
                 <a:solidFill>
-                  <a:srgbClr val="5fcbef"/>
+                  <a:srgbClr val="5FCBEF"/>
                 </a:solidFill>
                 <a:uFillTx/>
                 <a:latin typeface="Trebuchet MS"/>
@@ -7521,7 +8525,7 @@
               </a:rPr>
               <a:t>Derzeitiger Microcontroller</a:t>
             </a:r>
-            <a:endParaRPr b="0" lang="de-DE" sz="3600" spc="-1" strike="noStrike">
+            <a:endParaRPr lang="de-DE" sz="3600" b="0" strike="noStrike" spc="-1">
               <a:latin typeface="Arial"/>
             </a:endParaRPr>
           </a:p>
@@ -7547,21 +8551,27 @@
           </a:ln>
         </p:spPr>
         <p:style>
-          <a:lnRef idx="0"/>
-          <a:fillRef idx="0"/>
-          <a:effectRef idx="0"/>
+          <a:lnRef idx="0">
+            <a:scrgbClr r="0" g="0" b="0"/>
+          </a:lnRef>
+          <a:fillRef idx="0">
+            <a:scrgbClr r="0" g="0" b="0"/>
+          </a:fillRef>
+          <a:effectRef idx="0">
+            <a:scrgbClr r="0" g="0" b="0"/>
+          </a:effectRef>
           <a:fontRef idx="minor"/>
         </p:style>
       </p:sp>
       <p:pic>
         <p:nvPicPr>
-          <p:cNvPr id="163" name="" descr=""/>
+          <p:cNvPr id="163" name="Grafik 162"/>
           <p:cNvPicPr/>
           <p:nvPr/>
         </p:nvPicPr>
         <p:blipFill>
-          <a:blip r:embed="rId1"/>
-          <a:srcRect l="3415" t="1235" r="4274" b="0"/>
+          <a:blip r:embed="rId2"/>
+          <a:srcRect l="3415" t="1235" r="4274"/>
           <a:stretch/>
         </p:blipFill>
         <p:spPr>
@@ -7579,30 +8589,25 @@
       </p:pic>
     </p:spTree>
   </p:cSld>
-  <mc:AlternateContent>
-    <mc:Choice Requires="p14">
-      <p:transition spd="slow" p14:dur="2000"/>
-    </mc:Choice>
-    <mc:Fallback>
-      <p:transition spd="slow"/>
-    </mc:Fallback>
-  </mc:AlternateContent>
+  <p:clrMapOvr>
+    <a:masterClrMapping/>
+  </p:clrMapOvr>
   <p:timing>
     <p:tnLst>
       <p:par>
-        <p:cTn id="37" dur="indefinite" restart="never" nodeType="tmRoot">
+        <p:cTn id="1" dur="indefinite" restart="never" nodeType="tmRoot">
           <p:childTnLst>
             <p:seq>
-              <p:cTn id="38" dur="indefinite" nodeType="mainSeq"/>
+              <p:cTn id="2" dur="indefinite" nodeType="mainSeq"/>
               <p:prevCondLst>
-                <p:cond delay="0" evt="onPrev">
+                <p:cond evt="onPrev" delay="0">
                   <p:tgtEl>
                     <p:sldTgt/>
                   </p:tgtEl>
                 </p:cond>
               </p:prevCondLst>
               <p:nextCondLst>
-                <p:cond delay="0" evt="onNext">
+                <p:cond evt="onNext" delay="0">
                   <p:tgtEl>
                     <p:sldTgt/>
                   </p:tgtEl>
@@ -7618,7 +8623,7 @@
 </file>
 
 <file path=ppt/slides/slide2.xml><?xml version="1.0" encoding="utf-8"?>
-<p:sld xmlns:a="http://schemas.openxmlformats.org/drawingml/2006/main" xmlns:p="http://schemas.openxmlformats.org/presentationml/2006/main" xmlns:r="http://schemas.openxmlformats.org/officeDocument/2006/relationships" xmlns:p14="http://schemas.microsoft.com/office/powerpoint/2010/main" xmlns:p15="http://schemas.microsoft.com/office/powerpoint/2012/main" xmlns:mc="http://schemas.openxmlformats.org/markup-compatibility/2006">
+<p:sld xmlns:a="http://schemas.openxmlformats.org/drawingml/2006/main" xmlns:r="http://schemas.openxmlformats.org/officeDocument/2006/relationships" xmlns:p="http://schemas.openxmlformats.org/presentationml/2006/main">
   <p:cSld>
     <p:spTree>
       <p:nvGrpSpPr>
@@ -7654,15 +8659,22 @@
           </a:ln>
         </p:spPr>
         <p:style>
-          <a:lnRef idx="0"/>
-          <a:fillRef idx="0"/>
-          <a:effectRef idx="0"/>
+          <a:lnRef idx="0">
+            <a:scrgbClr r="0" g="0" b="0"/>
+          </a:lnRef>
+          <a:fillRef idx="0">
+            <a:scrgbClr r="0" g="0" b="0"/>
+          </a:fillRef>
+          <a:effectRef idx="0">
+            <a:scrgbClr r="0" g="0" b="0"/>
+          </a:effectRef>
           <a:fontRef idx="minor"/>
         </p:style>
         <p:txBody>
-          <a:bodyPr lIns="90000" rIns="90000" tIns="45000" bIns="45000">
+          <a:bodyPr lIns="90000" tIns="45000" rIns="90000" bIns="45000">
             <a:noAutofit/>
           </a:bodyPr>
+          <a:lstStyle/>
           <a:p>
             <a:pPr>
               <a:lnSpc>
@@ -7670,9 +8682,9 @@
               </a:lnSpc>
             </a:pPr>
             <a:r>
-              <a:rPr b="0" lang="de-DE" sz="3600" spc="-1" strike="noStrike" u="sng">
+              <a:rPr lang="de-DE" sz="3600" b="0" u="sng" strike="noStrike" spc="-1">
                 <a:solidFill>
-                  <a:srgbClr val="5fcbef"/>
+                  <a:srgbClr val="5FCBEF"/>
                 </a:solidFill>
                 <a:uFillTx/>
                 <a:latin typeface="Trebuchet MS"/>
@@ -7680,7 +8692,7 @@
               </a:rPr>
               <a:t>Der Start … </a:t>
             </a:r>
-            <a:endParaRPr b="0" lang="de-DE" sz="3600" spc="-1" strike="noStrike">
+            <a:endParaRPr lang="de-DE" sz="3600" b="0" strike="noStrike" spc="-1">
               <a:latin typeface="Arial"/>
             </a:endParaRPr>
           </a:p>
@@ -7688,12 +8700,12 @@
       </p:sp>
       <p:pic>
         <p:nvPicPr>
-          <p:cNvPr id="112" name="Inhaltsplatzhalter 4" descr=""/>
+          <p:cNvPr id="112" name="Inhaltsplatzhalter 4"/>
           <p:cNvPicPr/>
           <p:nvPr/>
         </p:nvPicPr>
         <p:blipFill>
-          <a:blip r:embed="rId1"/>
+          <a:blip r:embed="rId2"/>
           <a:stretch/>
         </p:blipFill>
         <p:spPr>
@@ -7711,7 +8723,7 @@
             <a:miter/>
           </a:ln>
           <a:effectLst>
-            <a:outerShdw algn="tl" blurRad="50800" dir="2700000" dist="37674" rotWithShape="0">
+            <a:outerShdw blurRad="50800" dist="37674" dir="2700000" algn="tl" rotWithShape="0">
               <a:srgbClr val="000000">
                 <a:alpha val="43000"/>
               </a:srgbClr>
@@ -7778,15 +8790,22 @@
           </a:ln>
         </p:spPr>
         <p:style>
-          <a:lnRef idx="0"/>
-          <a:fillRef idx="0"/>
-          <a:effectRef idx="0"/>
+          <a:lnRef idx="0">
+            <a:scrgbClr r="0" g="0" b="0"/>
+          </a:lnRef>
+          <a:fillRef idx="0">
+            <a:scrgbClr r="0" g="0" b="0"/>
+          </a:fillRef>
+          <a:effectRef idx="0">
+            <a:scrgbClr r="0" g="0" b="0"/>
+          </a:effectRef>
           <a:fontRef idx="minor"/>
         </p:style>
         <p:txBody>
-          <a:bodyPr lIns="90000" rIns="90000" tIns="45000" bIns="45000">
+          <a:bodyPr lIns="90000" tIns="45000" rIns="90000" bIns="45000">
             <a:noAutofit/>
           </a:bodyPr>
+          <a:lstStyle/>
           <a:p>
             <a:pPr marL="343080" indent="-342000">
               <a:lnSpc>
@@ -7796,14 +8815,14 @@
                 <a:spcPts val="1001"/>
               </a:spcBef>
               <a:buClr>
-                <a:srgbClr val="5fcbef"/>
+                <a:srgbClr val="5FCBEF"/>
               </a:buClr>
               <a:buSzPct val="80000"/>
               <a:buFont typeface="Wingdings 3" charset="2"/>
               <a:buChar char=""/>
             </a:pPr>
             <a:r>
-              <a:rPr b="0" lang="de-DE" sz="1800" spc="-1" strike="noStrike">
+              <a:rPr lang="de-DE" sz="1800" b="0" strike="noStrike" spc="-1">
                 <a:solidFill>
                   <a:srgbClr val="404040"/>
                 </a:solidFill>
@@ -7812,7 +8831,7 @@
               </a:rPr>
               <a:t>Grundverständnis </a:t>
             </a:r>
-            <a:endParaRPr b="0" lang="de-DE" sz="1800" spc="-1" strike="noStrike">
+            <a:endParaRPr lang="de-DE" sz="1800" b="0" strike="noStrike" spc="-1">
               <a:latin typeface="Arial"/>
             </a:endParaRPr>
           </a:p>
@@ -7825,14 +8844,14 @@
                 <a:spcPts val="1001"/>
               </a:spcBef>
               <a:buClr>
-                <a:srgbClr val="5fcbef"/>
+                <a:srgbClr val="5FCBEF"/>
               </a:buClr>
               <a:buSzPct val="80000"/>
               <a:buFont typeface="Wingdings 3" charset="2"/>
               <a:buChar char=""/>
             </a:pPr>
             <a:r>
-              <a:rPr b="0" lang="de-DE" sz="1800" spc="-1" strike="noStrike">
+              <a:rPr lang="de-DE" sz="1800" b="0" strike="noStrike" spc="-1">
                 <a:solidFill>
                   <a:srgbClr val="404040"/>
                 </a:solidFill>
@@ -7841,12 +8860,12 @@
               </a:rPr>
               <a:t>Arbeiten mit Sensoren</a:t>
             </a:r>
-            <a:endParaRPr b="0" lang="de-DE" sz="1800" spc="-1" strike="noStrike">
-              <a:latin typeface="Arial"/>
-            </a:endParaRPr>
-          </a:p>
-          <a:p>
-            <a:pPr lvl="2" marL="800280" indent="-342000">
+            <a:endParaRPr lang="de-DE" sz="1800" b="0" strike="noStrike" spc="-1">
+              <a:latin typeface="Arial"/>
+            </a:endParaRPr>
+          </a:p>
+          <a:p>
+            <a:pPr marL="800280" lvl="2" indent="-342000">
               <a:lnSpc>
                 <a:spcPct val="150000"/>
               </a:lnSpc>
@@ -7854,14 +8873,14 @@
                 <a:spcPts val="1001"/>
               </a:spcBef>
               <a:buClr>
-                <a:srgbClr val="5fcbef"/>
+                <a:srgbClr val="5FCBEF"/>
               </a:buClr>
               <a:buSzPct val="80000"/>
               <a:buFont typeface="Wingdings 3" charset="2"/>
               <a:buChar char=""/>
             </a:pPr>
             <a:r>
-              <a:rPr b="0" lang="de-DE" sz="1800" spc="-1" strike="noStrike">
+              <a:rPr lang="de-DE" sz="1800" b="0" strike="noStrike" spc="-1">
                 <a:solidFill>
                   <a:srgbClr val="404040"/>
                 </a:solidFill>
@@ -7870,12 +8889,12 @@
               </a:rPr>
               <a:t>Fernbedienung</a:t>
             </a:r>
-            <a:endParaRPr b="0" lang="de-DE" sz="1800" spc="-1" strike="noStrike">
-              <a:latin typeface="Arial"/>
-            </a:endParaRPr>
-          </a:p>
-          <a:p>
-            <a:pPr lvl="2" marL="800280" indent="-342000">
+            <a:endParaRPr lang="de-DE" sz="1800" b="0" strike="noStrike" spc="-1">
+              <a:latin typeface="Arial"/>
+            </a:endParaRPr>
+          </a:p>
+          <a:p>
+            <a:pPr marL="800280" lvl="2" indent="-342000">
               <a:lnSpc>
                 <a:spcPct val="150000"/>
               </a:lnSpc>
@@ -7883,14 +8902,14 @@
                 <a:spcPts val="1001"/>
               </a:spcBef>
               <a:buClr>
-                <a:srgbClr val="5fcbef"/>
+                <a:srgbClr val="5FCBEF"/>
               </a:buClr>
               <a:buSzPct val="80000"/>
               <a:buFont typeface="Wingdings 3" charset="2"/>
               <a:buChar char=""/>
             </a:pPr>
             <a:r>
-              <a:rPr b="0" lang="de-DE" sz="1800" spc="-1" strike="noStrike">
+              <a:rPr lang="de-DE" sz="1800" b="0" strike="noStrike" spc="-1">
                 <a:solidFill>
                   <a:srgbClr val="404040"/>
                 </a:solidFill>
@@ -7899,12 +8918,12 @@
               </a:rPr>
               <a:t>Abstandsensor</a:t>
             </a:r>
-            <a:endParaRPr b="0" lang="de-DE" sz="1800" spc="-1" strike="noStrike">
-              <a:latin typeface="Arial"/>
-            </a:endParaRPr>
-          </a:p>
-          <a:p>
-            <a:pPr lvl="2" marL="800280" indent="-342000">
+            <a:endParaRPr lang="de-DE" sz="1800" b="0" strike="noStrike" spc="-1">
+              <a:latin typeface="Arial"/>
+            </a:endParaRPr>
+          </a:p>
+          <a:p>
+            <a:pPr marL="800280" lvl="2" indent="-342000">
               <a:lnSpc>
                 <a:spcPct val="150000"/>
               </a:lnSpc>
@@ -7912,14 +8931,14 @@
                 <a:spcPts val="1001"/>
               </a:spcBef>
               <a:buClr>
-                <a:srgbClr val="5fcbef"/>
+                <a:srgbClr val="5FCBEF"/>
               </a:buClr>
               <a:buSzPct val="80000"/>
               <a:buFont typeface="Wingdings 3" charset="2"/>
               <a:buChar char=""/>
             </a:pPr>
             <a:r>
-              <a:rPr b="0" lang="de-DE" sz="1800" spc="-1" strike="noStrike">
+              <a:rPr lang="de-DE" sz="1800" b="0" strike="noStrike" spc="-1">
                 <a:solidFill>
                   <a:srgbClr val="404040"/>
                 </a:solidFill>
@@ -7928,7 +8947,7 @@
               </a:rPr>
               <a:t>Bewegungsmelder</a:t>
             </a:r>
-            <a:endParaRPr b="0" lang="de-DE" sz="1800" spc="-1" strike="noStrike">
+            <a:endParaRPr lang="de-DE" sz="1800" b="0" strike="noStrike" spc="-1">
               <a:latin typeface="Arial"/>
             </a:endParaRPr>
           </a:p>
@@ -7941,14 +8960,14 @@
                 <a:spcPts val="1001"/>
               </a:spcBef>
               <a:buClr>
-                <a:srgbClr val="5fcbef"/>
+                <a:srgbClr val="5FCBEF"/>
               </a:buClr>
               <a:buSzPct val="80000"/>
               <a:buFont typeface="Wingdings 3" charset="2"/>
               <a:buChar char=""/>
             </a:pPr>
             <a:r>
-              <a:rPr b="0" lang="de-DE" sz="1800" spc="-1" strike="noStrike">
+              <a:rPr lang="de-DE" sz="1800" b="0" strike="noStrike" spc="-1">
                 <a:solidFill>
                   <a:srgbClr val="404040"/>
                 </a:solidFill>
@@ -7957,12 +8976,12 @@
               </a:rPr>
               <a:t>Aber auch mit</a:t>
             </a:r>
-            <a:endParaRPr b="0" lang="de-DE" sz="1800" spc="-1" strike="noStrike">
-              <a:latin typeface="Arial"/>
-            </a:endParaRPr>
-          </a:p>
-          <a:p>
-            <a:pPr lvl="2" marL="800280" indent="-342000">
+            <a:endParaRPr lang="de-DE" sz="1800" b="0" strike="noStrike" spc="-1">
+              <a:latin typeface="Arial"/>
+            </a:endParaRPr>
+          </a:p>
+          <a:p>
+            <a:pPr marL="800280" lvl="2" indent="-342000">
               <a:lnSpc>
                 <a:spcPct val="150000"/>
               </a:lnSpc>
@@ -7970,14 +8989,14 @@
                 <a:spcPts val="1001"/>
               </a:spcBef>
               <a:buClr>
-                <a:srgbClr val="5fcbef"/>
+                <a:srgbClr val="5FCBEF"/>
               </a:buClr>
               <a:buSzPct val="80000"/>
               <a:buFont typeface="Wingdings 3" charset="2"/>
               <a:buChar char=""/>
             </a:pPr>
             <a:r>
-              <a:rPr b="0" lang="de-DE" sz="1800" spc="-1" strike="noStrike">
+              <a:rPr lang="de-DE" sz="1800" b="0" strike="noStrike" spc="-1">
                 <a:solidFill>
                   <a:srgbClr val="404040"/>
                 </a:solidFill>
@@ -7986,7 +9005,7 @@
               </a:rPr>
               <a:t>Motoren</a:t>
             </a:r>
-            <a:endParaRPr b="0" lang="de-DE" sz="1800" spc="-1" strike="noStrike">
+            <a:endParaRPr lang="de-DE" sz="1800" b="0" strike="noStrike" spc="-1">
               <a:latin typeface="Arial"/>
             </a:endParaRPr>
           </a:p>
@@ -7996,7 +9015,7 @@
                 <a:spcPct val="100000"/>
               </a:lnSpc>
             </a:pPr>
-            <a:endParaRPr b="0" lang="de-DE" sz="1800" spc="-1" strike="noStrike">
+            <a:endParaRPr lang="de-DE" sz="1800" b="0" strike="noStrike" spc="-1">
               <a:latin typeface="Arial"/>
             </a:endParaRPr>
           </a:p>
@@ -8004,30 +9023,25 @@
       </p:sp>
     </p:spTree>
   </p:cSld>
-  <mc:AlternateContent>
-    <mc:Choice Requires="p14">
-      <p:transition spd="slow" p14:dur="2000"/>
-    </mc:Choice>
-    <mc:Fallback>
-      <p:transition spd="slow"/>
-    </mc:Fallback>
-  </mc:AlternateContent>
+  <p:clrMapOvr>
+    <a:masterClrMapping/>
+  </p:clrMapOvr>
   <p:timing>
     <p:tnLst>
       <p:par>
-        <p:cTn id="3" dur="indefinite" restart="never" nodeType="tmRoot">
+        <p:cTn id="1" dur="indefinite" restart="never" nodeType="tmRoot">
           <p:childTnLst>
             <p:seq>
-              <p:cTn id="4" dur="indefinite" nodeType="mainSeq"/>
+              <p:cTn id="2" dur="indefinite" nodeType="mainSeq"/>
               <p:prevCondLst>
-                <p:cond delay="0" evt="onPrev">
+                <p:cond evt="onPrev" delay="0">
                   <p:tgtEl>
                     <p:sldTgt/>
                   </p:tgtEl>
                 </p:cond>
               </p:prevCondLst>
               <p:nextCondLst>
-                <p:cond delay="0" evt="onNext">
+                <p:cond evt="onNext" delay="0">
                   <p:tgtEl>
                     <p:sldTgt/>
                   </p:tgtEl>
@@ -8043,7 +9057,7 @@
 </file>
 
 <file path=ppt/slides/slide20.xml><?xml version="1.0" encoding="utf-8"?>
-<p:sld xmlns:a="http://schemas.openxmlformats.org/drawingml/2006/main" xmlns:p="http://schemas.openxmlformats.org/presentationml/2006/main" xmlns:r="http://schemas.openxmlformats.org/officeDocument/2006/relationships" xmlns:p14="http://schemas.microsoft.com/office/powerpoint/2010/main" xmlns:p15="http://schemas.microsoft.com/office/powerpoint/2012/main" xmlns:mc="http://schemas.openxmlformats.org/markup-compatibility/2006">
+<p:sld xmlns:a="http://schemas.openxmlformats.org/drawingml/2006/main" xmlns:r="http://schemas.openxmlformats.org/officeDocument/2006/relationships" xmlns:p="http://schemas.openxmlformats.org/presentationml/2006/main">
   <p:cSld>
     <p:spTree>
       <p:nvGrpSpPr>
@@ -8079,15 +9093,22 @@
           </a:ln>
         </p:spPr>
         <p:style>
-          <a:lnRef idx="0"/>
-          <a:fillRef idx="0"/>
-          <a:effectRef idx="0"/>
+          <a:lnRef idx="0">
+            <a:scrgbClr r="0" g="0" b="0"/>
+          </a:lnRef>
+          <a:fillRef idx="0">
+            <a:scrgbClr r="0" g="0" b="0"/>
+          </a:fillRef>
+          <a:effectRef idx="0">
+            <a:scrgbClr r="0" g="0" b="0"/>
+          </a:effectRef>
           <a:fontRef idx="minor"/>
         </p:style>
         <p:txBody>
-          <a:bodyPr lIns="90000" rIns="90000" tIns="45000" bIns="45000">
+          <a:bodyPr lIns="90000" tIns="45000" rIns="90000" bIns="45000">
             <a:noAutofit/>
           </a:bodyPr>
+          <a:lstStyle/>
           <a:p>
             <a:pPr>
               <a:lnSpc>
@@ -8095,9 +9116,9 @@
               </a:lnSpc>
             </a:pPr>
             <a:r>
-              <a:rPr b="0" lang="de-DE" sz="3600" spc="-1" strike="noStrike" u="sng">
+              <a:rPr lang="de-DE" sz="3600" b="0" u="sng" strike="noStrike" spc="-1">
                 <a:solidFill>
-                  <a:srgbClr val="5fcbef"/>
+                  <a:srgbClr val="5FCBEF"/>
                 </a:solidFill>
                 <a:uFillTx/>
                 <a:latin typeface="Trebuchet MS"/>
@@ -8105,7 +9126,7 @@
               </a:rPr>
               <a:t>Future</a:t>
             </a:r>
-            <a:endParaRPr b="0" lang="de-DE" sz="3600" spc="-1" strike="noStrike">
+            <a:endParaRPr lang="de-DE" sz="3600" b="0" strike="noStrike" spc="-1">
               <a:latin typeface="Arial"/>
             </a:endParaRPr>
           </a:p>
@@ -8131,15 +9152,22 @@
           </a:ln>
         </p:spPr>
         <p:style>
-          <a:lnRef idx="0"/>
-          <a:fillRef idx="0"/>
-          <a:effectRef idx="0"/>
+          <a:lnRef idx="0">
+            <a:scrgbClr r="0" g="0" b="0"/>
+          </a:lnRef>
+          <a:fillRef idx="0">
+            <a:scrgbClr r="0" g="0" b="0"/>
+          </a:fillRef>
+          <a:effectRef idx="0">
+            <a:scrgbClr r="0" g="0" b="0"/>
+          </a:effectRef>
           <a:fontRef idx="minor"/>
         </p:style>
         <p:txBody>
-          <a:bodyPr lIns="90000" rIns="90000" tIns="45000" bIns="45000">
+          <a:bodyPr lIns="90000" tIns="45000" rIns="90000" bIns="45000">
             <a:noAutofit/>
           </a:bodyPr>
+          <a:lstStyle/>
           <a:p>
             <a:pPr marL="343080" indent="-342000">
               <a:lnSpc>
@@ -8149,14 +9177,14 @@
                 <a:spcPts val="1001"/>
               </a:spcBef>
               <a:buClr>
-                <a:srgbClr val="5fcbef"/>
+                <a:srgbClr val="5FCBEF"/>
               </a:buClr>
               <a:buSzPct val="80000"/>
               <a:buFont typeface="Wingdings 3" charset="2"/>
               <a:buChar char=""/>
             </a:pPr>
             <a:r>
-              <a:rPr b="0" lang="de-DE" sz="1800" spc="-1" strike="noStrike">
+              <a:rPr lang="de-DE" sz="1800" b="0" strike="noStrike" spc="-1">
                 <a:solidFill>
                   <a:srgbClr val="404040"/>
                 </a:solidFill>
@@ -8165,7 +9193,7 @@
               </a:rPr>
               <a:t>weiterer Sensor ???</a:t>
             </a:r>
-            <a:endParaRPr b="0" lang="de-DE" sz="1800" spc="-1" strike="noStrike">
+            <a:endParaRPr lang="de-DE" sz="1800" b="0" strike="noStrike" spc="-1">
               <a:latin typeface="Arial"/>
             </a:endParaRPr>
           </a:p>
@@ -8178,14 +9206,14 @@
                 <a:spcPts val="1001"/>
               </a:spcBef>
               <a:buClr>
-                <a:srgbClr val="5fcbef"/>
+                <a:srgbClr val="5FCBEF"/>
               </a:buClr>
               <a:buSzPct val="80000"/>
               <a:buFont typeface="Wingdings 3" charset="2"/>
               <a:buChar char=""/>
             </a:pPr>
             <a:r>
-              <a:rPr b="0" lang="de-DE" sz="1800" spc="-1" strike="noStrike">
+              <a:rPr lang="de-DE" sz="1800" b="0" strike="noStrike" spc="-1">
                 <a:solidFill>
                   <a:srgbClr val="404040"/>
                 </a:solidFill>
@@ -8194,7 +9222,7 @@
               </a:rPr>
               <a:t>Übertragung zur Station/Rasperry Pi</a:t>
             </a:r>
-            <a:endParaRPr b="0" lang="de-DE" sz="1800" spc="-1" strike="noStrike">
+            <a:endParaRPr lang="de-DE" sz="1800" b="0" strike="noStrike" spc="-1">
               <a:latin typeface="Arial"/>
             </a:endParaRPr>
           </a:p>
@@ -8207,14 +9235,14 @@
                 <a:spcPts val="1001"/>
               </a:spcBef>
               <a:buClr>
-                <a:srgbClr val="5fcbef"/>
+                <a:srgbClr val="5FCBEF"/>
               </a:buClr>
               <a:buSzPct val="80000"/>
               <a:buFont typeface="Wingdings 3" charset="2"/>
               <a:buChar char=""/>
             </a:pPr>
             <a:r>
-              <a:rPr b="0" lang="de-DE" sz="1800" spc="-1" strike="noStrike">
+              <a:rPr lang="de-DE" sz="1800" b="0" strike="noStrike" spc="-1">
                 <a:solidFill>
                   <a:srgbClr val="404040"/>
                 </a:solidFill>
@@ -8223,7 +9251,7 @@
               </a:rPr>
               <a:t>Stromversorgung</a:t>
             </a:r>
-            <a:endParaRPr b="0" lang="de-DE" sz="1800" spc="-1" strike="noStrike">
+            <a:endParaRPr lang="de-DE" sz="1800" b="0" strike="noStrike" spc="-1">
               <a:latin typeface="Arial"/>
             </a:endParaRPr>
           </a:p>
@@ -8236,14 +9264,14 @@
                 <a:spcPts val="1001"/>
               </a:spcBef>
               <a:buClr>
-                <a:srgbClr val="5fcbef"/>
+                <a:srgbClr val="5FCBEF"/>
               </a:buClr>
               <a:buSzPct val="80000"/>
               <a:buFont typeface="Wingdings 3" charset="2"/>
               <a:buChar char=""/>
             </a:pPr>
             <a:r>
-              <a:rPr b="0" lang="de-DE" sz="1800" spc="-1" strike="noStrike">
+              <a:rPr lang="de-DE" sz="1800" b="0" strike="noStrike" spc="-1">
                 <a:solidFill>
                   <a:srgbClr val="404040"/>
                 </a:solidFill>
@@ -8252,7 +9280,7 @@
               </a:rPr>
               <a:t>Platine</a:t>
             </a:r>
-            <a:endParaRPr b="0" lang="de-DE" sz="1800" spc="-1" strike="noStrike">
+            <a:endParaRPr lang="de-DE" sz="1800" b="0" strike="noStrike" spc="-1">
               <a:latin typeface="Arial"/>
             </a:endParaRPr>
           </a:p>
@@ -8260,30 +9288,25 @@
       </p:sp>
     </p:spTree>
   </p:cSld>
-  <mc:AlternateContent>
-    <mc:Choice Requires="p14">
-      <p:transition spd="slow" p14:dur="2000"/>
-    </mc:Choice>
-    <mc:Fallback>
-      <p:transition spd="slow"/>
-    </mc:Fallback>
-  </mc:AlternateContent>
+  <p:clrMapOvr>
+    <a:masterClrMapping/>
+  </p:clrMapOvr>
   <p:timing>
     <p:tnLst>
       <p:par>
-        <p:cTn id="39" dur="indefinite" restart="never" nodeType="tmRoot">
+        <p:cTn id="1" dur="indefinite" restart="never" nodeType="tmRoot">
           <p:childTnLst>
             <p:seq>
-              <p:cTn id="40" dur="indefinite" nodeType="mainSeq"/>
+              <p:cTn id="2" dur="indefinite" nodeType="mainSeq"/>
               <p:prevCondLst>
-                <p:cond delay="0" evt="onPrev">
+                <p:cond evt="onPrev" delay="0">
                   <p:tgtEl>
                     <p:sldTgt/>
                   </p:tgtEl>
                 </p:cond>
               </p:prevCondLst>
               <p:nextCondLst>
-                <p:cond delay="0" evt="onNext">
+                <p:cond evt="onNext" delay="0">
                   <p:tgtEl>
                     <p:sldTgt/>
                   </p:tgtEl>
@@ -8299,7 +9322,7 @@
 </file>
 
 <file path=ppt/slides/slide3.xml><?xml version="1.0" encoding="utf-8"?>
-<p:sld xmlns:a="http://schemas.openxmlformats.org/drawingml/2006/main" xmlns:p="http://schemas.openxmlformats.org/presentationml/2006/main" xmlns:r="http://schemas.openxmlformats.org/officeDocument/2006/relationships" xmlns:p14="http://schemas.microsoft.com/office/powerpoint/2010/main" xmlns:p15="http://schemas.microsoft.com/office/powerpoint/2012/main" xmlns:mc="http://schemas.openxmlformats.org/markup-compatibility/2006">
+<p:sld xmlns:a="http://schemas.openxmlformats.org/drawingml/2006/main" xmlns:r="http://schemas.openxmlformats.org/officeDocument/2006/relationships" xmlns:p="http://schemas.openxmlformats.org/presentationml/2006/main">
   <p:cSld>
     <p:spTree>
       <p:nvGrpSpPr>
@@ -8335,15 +9358,22 @@
           </a:ln>
         </p:spPr>
         <p:style>
-          <a:lnRef idx="0"/>
-          <a:fillRef idx="0"/>
-          <a:effectRef idx="0"/>
+          <a:lnRef idx="0">
+            <a:scrgbClr r="0" g="0" b="0"/>
+          </a:lnRef>
+          <a:fillRef idx="0">
+            <a:scrgbClr r="0" g="0" b="0"/>
+          </a:fillRef>
+          <a:effectRef idx="0">
+            <a:scrgbClr r="0" g="0" b="0"/>
+          </a:effectRef>
           <a:fontRef idx="minor"/>
         </p:style>
         <p:txBody>
-          <a:bodyPr lIns="90000" rIns="90000" tIns="45000" bIns="45000">
+          <a:bodyPr lIns="90000" tIns="45000" rIns="90000" bIns="45000">
             <a:noAutofit/>
           </a:bodyPr>
+          <a:lstStyle/>
           <a:p>
             <a:pPr>
               <a:lnSpc>
@@ -8351,16 +9381,16 @@
               </a:lnSpc>
             </a:pPr>
             <a:r>
-              <a:rPr b="0" lang="de-DE" sz="3600" spc="-1" strike="noStrike">
+              <a:rPr lang="de-DE" sz="3600" b="0" strike="noStrike" spc="-1">
                 <a:solidFill>
-                  <a:srgbClr val="5fcbef"/>
+                  <a:srgbClr val="5FCBEF"/>
                 </a:solidFill>
                 <a:latin typeface="Trebuchet MS"/>
                 <a:ea typeface="DejaVu Sans"/>
               </a:rPr>
               <a:t>Einparksensor</a:t>
             </a:r>
-            <a:endParaRPr b="0" lang="de-DE" sz="3600" spc="-1" strike="noStrike">
+            <a:endParaRPr lang="de-DE" sz="3600" b="0" strike="noStrike" spc="-1">
               <a:latin typeface="Arial"/>
             </a:endParaRPr>
           </a:p>
@@ -8368,35 +9398,35 @@
       </p:sp>
       <p:pic>
         <p:nvPicPr>
-          <p:cNvPr id="116" name="Grafik 3" descr=""/>
-          <p:cNvPicPr/>
-          <p:nvPr/>
-        </p:nvPicPr>
-        <p:blipFill>
-          <a:blip r:embed="rId1"/>
-          <a:stretch/>
-        </p:blipFill>
-        <p:spPr>
-          <a:xfrm>
-            <a:off x="677160" y="1477800"/>
-            <a:ext cx="7691040" cy="4534920"/>
-          </a:xfrm>
-          <a:prstGeom prst="rect">
-            <a:avLst/>
-          </a:prstGeom>
-          <a:ln>
-            <a:noFill/>
-          </a:ln>
-        </p:spPr>
-      </p:pic>
-      <p:pic>
-        <p:nvPicPr>
-          <p:cNvPr id="117" name="Inhaltsplatzhalter 4" descr=""/>
+          <p:cNvPr id="116" name="Grafik 3"/>
           <p:cNvPicPr/>
           <p:nvPr/>
         </p:nvPicPr>
         <p:blipFill>
           <a:blip r:embed="rId2"/>
+          <a:stretch/>
+        </p:blipFill>
+        <p:spPr>
+          <a:xfrm>
+            <a:off x="677160" y="1477800"/>
+            <a:ext cx="7691040" cy="4534920"/>
+          </a:xfrm>
+          <a:prstGeom prst="rect">
+            <a:avLst/>
+          </a:prstGeom>
+          <a:ln>
+            <a:noFill/>
+          </a:ln>
+        </p:spPr>
+      </p:pic>
+      <p:pic>
+        <p:nvPicPr>
+          <p:cNvPr id="117" name="Inhaltsplatzhalter 4"/>
+          <p:cNvPicPr/>
+          <p:nvPr/>
+        </p:nvPicPr>
+        <p:blipFill>
+          <a:blip r:embed="rId3"/>
           <a:srcRect l="7491" t="29601" r="7259" b="9914"/>
           <a:stretch/>
         </p:blipFill>
@@ -8415,30 +9445,25 @@
       </p:pic>
     </p:spTree>
   </p:cSld>
-  <mc:AlternateContent>
-    <mc:Choice Requires="p14">
-      <p:transition spd="slow" p14:dur="2000"/>
-    </mc:Choice>
-    <mc:Fallback>
-      <p:transition spd="slow"/>
-    </mc:Fallback>
-  </mc:AlternateContent>
+  <p:clrMapOvr>
+    <a:masterClrMapping/>
+  </p:clrMapOvr>
   <p:timing>
     <p:tnLst>
       <p:par>
-        <p:cTn id="5" dur="indefinite" restart="never" nodeType="tmRoot">
+        <p:cTn id="1" dur="indefinite" restart="never" nodeType="tmRoot">
           <p:childTnLst>
             <p:seq>
-              <p:cTn id="6" dur="indefinite" nodeType="mainSeq"/>
+              <p:cTn id="2" dur="indefinite" nodeType="mainSeq"/>
               <p:prevCondLst>
-                <p:cond delay="0" evt="onPrev">
+                <p:cond evt="onPrev" delay="0">
                   <p:tgtEl>
                     <p:sldTgt/>
                   </p:tgtEl>
                 </p:cond>
               </p:prevCondLst>
               <p:nextCondLst>
-                <p:cond delay="0" evt="onNext">
+                <p:cond evt="onNext" delay="0">
                   <p:tgtEl>
                     <p:sldTgt/>
                   </p:tgtEl>
@@ -8454,7 +9479,7 @@
 </file>
 
 <file path=ppt/slides/slide4.xml><?xml version="1.0" encoding="utf-8"?>
-<p:sld xmlns:a="http://schemas.openxmlformats.org/drawingml/2006/main" xmlns:p="http://schemas.openxmlformats.org/presentationml/2006/main" xmlns:r="http://schemas.openxmlformats.org/officeDocument/2006/relationships" xmlns:p14="http://schemas.microsoft.com/office/powerpoint/2010/main" xmlns:p15="http://schemas.microsoft.com/office/powerpoint/2012/main" xmlns:mc="http://schemas.openxmlformats.org/markup-compatibility/2006">
+<p:sld xmlns:a="http://schemas.openxmlformats.org/drawingml/2006/main" xmlns:r="http://schemas.openxmlformats.org/officeDocument/2006/relationships" xmlns:p="http://schemas.openxmlformats.org/presentationml/2006/main">
   <p:cSld>
     <p:spTree>
       <p:nvGrpSpPr>
@@ -8490,15 +9515,22 @@
           </a:ln>
         </p:spPr>
         <p:style>
-          <a:lnRef idx="0"/>
-          <a:fillRef idx="0"/>
-          <a:effectRef idx="0"/>
+          <a:lnRef idx="0">
+            <a:scrgbClr r="0" g="0" b="0"/>
+          </a:lnRef>
+          <a:fillRef idx="0">
+            <a:scrgbClr r="0" g="0" b="0"/>
+          </a:fillRef>
+          <a:effectRef idx="0">
+            <a:scrgbClr r="0" g="0" b="0"/>
+          </a:effectRef>
           <a:fontRef idx="minor"/>
         </p:style>
         <p:txBody>
-          <a:bodyPr lIns="90000" rIns="90000" tIns="45000" bIns="45000">
+          <a:bodyPr lIns="90000" tIns="45000" rIns="90000" bIns="45000">
             <a:noAutofit/>
           </a:bodyPr>
+          <a:lstStyle/>
           <a:p>
             <a:pPr>
               <a:lnSpc>
@@ -8506,9 +9538,9 @@
               </a:lnSpc>
             </a:pPr>
             <a:r>
-              <a:rPr b="0" lang="de-DE" sz="3600" spc="-1" strike="noStrike" u="sng">
+              <a:rPr lang="de-DE" sz="3600" b="0" u="sng" strike="noStrike" spc="-1">
                 <a:solidFill>
-                  <a:srgbClr val="5fcbef"/>
+                  <a:srgbClr val="5FCBEF"/>
                 </a:solidFill>
                 <a:uFillTx/>
                 <a:latin typeface="Trebuchet MS"/>
@@ -8516,7 +9548,7 @@
               </a:rPr>
               <a:t>Idee</a:t>
             </a:r>
-            <a:endParaRPr b="0" lang="de-DE" sz="3600" spc="-1" strike="noStrike">
+            <a:endParaRPr lang="de-DE" sz="3600" b="0" strike="noStrike" spc="-1">
               <a:latin typeface="Arial"/>
             </a:endParaRPr>
           </a:p>
@@ -8524,12 +9556,12 @@
       </p:sp>
       <p:pic>
         <p:nvPicPr>
-          <p:cNvPr id="119" name="Inhaltsplatzhalter 4" descr=""/>
+          <p:cNvPr id="119" name="Inhaltsplatzhalter 4"/>
           <p:cNvPicPr/>
           <p:nvPr/>
         </p:nvPicPr>
         <p:blipFill>
-          <a:blip r:embed="rId1"/>
+          <a:blip r:embed="rId2"/>
           <a:stretch/>
         </p:blipFill>
         <p:spPr>
@@ -8565,15 +9597,22 @@
           </a:ln>
         </p:spPr>
         <p:style>
-          <a:lnRef idx="0"/>
-          <a:fillRef idx="0"/>
-          <a:effectRef idx="0"/>
+          <a:lnRef idx="0">
+            <a:scrgbClr r="0" g="0" b="0"/>
+          </a:lnRef>
+          <a:fillRef idx="0">
+            <a:scrgbClr r="0" g="0" b="0"/>
+          </a:fillRef>
+          <a:effectRef idx="0">
+            <a:scrgbClr r="0" g="0" b="0"/>
+          </a:effectRef>
           <a:fontRef idx="minor"/>
         </p:style>
         <p:txBody>
-          <a:bodyPr lIns="90000" rIns="90000" tIns="45000" bIns="45000">
+          <a:bodyPr lIns="90000" tIns="45000" rIns="90000" bIns="45000">
             <a:noAutofit/>
           </a:bodyPr>
+          <a:lstStyle/>
           <a:p>
             <a:pPr marL="343080" indent="-342000">
               <a:lnSpc>
@@ -8583,14 +9622,14 @@
                 <a:spcPts val="1001"/>
               </a:spcBef>
               <a:buClr>
-                <a:srgbClr val="5fcbef"/>
+                <a:srgbClr val="5FCBEF"/>
               </a:buClr>
               <a:buSzPct val="80000"/>
               <a:buFont typeface="Wingdings 3" charset="2"/>
               <a:buChar char=""/>
             </a:pPr>
             <a:r>
-              <a:rPr b="0" lang="de-DE" sz="2000" spc="-1" strike="noStrike">
+              <a:rPr lang="de-DE" sz="2000" b="0" strike="noStrike" spc="-1">
                 <a:solidFill>
                   <a:srgbClr val="404040"/>
                 </a:solidFill>
@@ -8599,7 +9638,7 @@
               </a:rPr>
               <a:t>Temperatur</a:t>
             </a:r>
-            <a:endParaRPr b="0" lang="de-DE" sz="2000" spc="-1" strike="noStrike">
+            <a:endParaRPr lang="de-DE" sz="2000" b="0" strike="noStrike" spc="-1">
               <a:latin typeface="Arial"/>
             </a:endParaRPr>
           </a:p>
@@ -8612,14 +9651,14 @@
                 <a:spcPts val="1001"/>
               </a:spcBef>
               <a:buClr>
-                <a:srgbClr val="5fcbef"/>
+                <a:srgbClr val="5FCBEF"/>
               </a:buClr>
               <a:buSzPct val="80000"/>
               <a:buFont typeface="Wingdings 3" charset="2"/>
               <a:buChar char=""/>
             </a:pPr>
             <a:r>
-              <a:rPr b="0" lang="de-DE" sz="2000" spc="-1" strike="noStrike">
+              <a:rPr lang="de-DE" sz="2000" b="0" strike="noStrike" spc="-1">
                 <a:solidFill>
                   <a:srgbClr val="404040"/>
                 </a:solidFill>
@@ -8628,7 +9667,7 @@
               </a:rPr>
               <a:t>Luftfeuchtigkeit</a:t>
             </a:r>
-            <a:endParaRPr b="0" lang="de-DE" sz="2000" spc="-1" strike="noStrike">
+            <a:endParaRPr lang="de-DE" sz="2000" b="0" strike="noStrike" spc="-1">
               <a:latin typeface="Arial"/>
             </a:endParaRPr>
           </a:p>
@@ -8641,14 +9680,14 @@
                 <a:spcPts val="1001"/>
               </a:spcBef>
               <a:buClr>
-                <a:srgbClr val="5fcbef"/>
+                <a:srgbClr val="5FCBEF"/>
               </a:buClr>
               <a:buSzPct val="80000"/>
               <a:buFont typeface="Wingdings 3" charset="2"/>
               <a:buChar char=""/>
             </a:pPr>
             <a:r>
-              <a:rPr b="0" lang="de-DE" sz="2000" spc="-1" strike="noStrike">
+              <a:rPr lang="de-DE" sz="2000" b="0" strike="noStrike" spc="-1">
                 <a:solidFill>
                   <a:srgbClr val="404040"/>
                 </a:solidFill>
@@ -8657,7 +9696,7 @@
               </a:rPr>
               <a:t>…</a:t>
             </a:r>
-            <a:endParaRPr b="0" lang="de-DE" sz="2000" spc="-1" strike="noStrike">
+            <a:endParaRPr lang="de-DE" sz="2000" b="0" strike="noStrike" spc="-1">
               <a:latin typeface="Arial"/>
             </a:endParaRPr>
           </a:p>
@@ -8665,30 +9704,25 @@
       </p:sp>
     </p:spTree>
   </p:cSld>
-  <mc:AlternateContent>
-    <mc:Choice Requires="p14">
-      <p:transition spd="slow" p14:dur="2000"/>
-    </mc:Choice>
-    <mc:Fallback>
-      <p:transition spd="slow"/>
-    </mc:Fallback>
-  </mc:AlternateContent>
+  <p:clrMapOvr>
+    <a:masterClrMapping/>
+  </p:clrMapOvr>
   <p:timing>
     <p:tnLst>
       <p:par>
-        <p:cTn id="7" dur="indefinite" restart="never" nodeType="tmRoot">
+        <p:cTn id="1" dur="indefinite" restart="never" nodeType="tmRoot">
           <p:childTnLst>
             <p:seq>
-              <p:cTn id="8" dur="indefinite" nodeType="mainSeq"/>
+              <p:cTn id="2" dur="indefinite" nodeType="mainSeq"/>
               <p:prevCondLst>
-                <p:cond delay="0" evt="onPrev">
+                <p:cond evt="onPrev" delay="0">
                   <p:tgtEl>
                     <p:sldTgt/>
                   </p:tgtEl>
                 </p:cond>
               </p:prevCondLst>
               <p:nextCondLst>
-                <p:cond delay="0" evt="onNext">
+                <p:cond evt="onNext" delay="0">
                   <p:tgtEl>
                     <p:sldTgt/>
                   </p:tgtEl>
@@ -8704,7 +9738,7 @@
 </file>
 
 <file path=ppt/slides/slide5.xml><?xml version="1.0" encoding="utf-8"?>
-<p:sld xmlns:a="http://schemas.openxmlformats.org/drawingml/2006/main" xmlns:p="http://schemas.openxmlformats.org/presentationml/2006/main" xmlns:r="http://schemas.openxmlformats.org/officeDocument/2006/relationships" xmlns:p14="http://schemas.microsoft.com/office/powerpoint/2010/main" xmlns:p15="http://schemas.microsoft.com/office/powerpoint/2012/main" xmlns:mc="http://schemas.openxmlformats.org/markup-compatibility/2006">
+<p:sld xmlns:a="http://schemas.openxmlformats.org/drawingml/2006/main" xmlns:r="http://schemas.openxmlformats.org/officeDocument/2006/relationships" xmlns:p="http://schemas.openxmlformats.org/presentationml/2006/main">
   <p:cSld>
     <p:spTree>
       <p:nvGrpSpPr>
@@ -8740,15 +9774,22 @@
           </a:ln>
         </p:spPr>
         <p:style>
-          <a:lnRef idx="0"/>
-          <a:fillRef idx="0"/>
-          <a:effectRef idx="0"/>
+          <a:lnRef idx="0">
+            <a:scrgbClr r="0" g="0" b="0"/>
+          </a:lnRef>
+          <a:fillRef idx="0">
+            <a:scrgbClr r="0" g="0" b="0"/>
+          </a:fillRef>
+          <a:effectRef idx="0">
+            <a:scrgbClr r="0" g="0" b="0"/>
+          </a:effectRef>
           <a:fontRef idx="minor"/>
         </p:style>
         <p:txBody>
-          <a:bodyPr lIns="90000" rIns="90000" tIns="45000" bIns="45000">
+          <a:bodyPr lIns="90000" tIns="45000" rIns="90000" bIns="45000">
             <a:noAutofit/>
           </a:bodyPr>
+          <a:lstStyle/>
           <a:p>
             <a:pPr>
               <a:lnSpc>
@@ -8756,9 +9797,9 @@
               </a:lnSpc>
             </a:pPr>
             <a:r>
-              <a:rPr b="0" lang="de-DE" sz="3600" spc="-1" strike="noStrike" u="sng">
+              <a:rPr lang="de-DE" sz="3600" b="0" u="sng" strike="noStrike" spc="-1">
                 <a:solidFill>
-                  <a:srgbClr val="5fcbef"/>
+                  <a:srgbClr val="5FCBEF"/>
                 </a:solidFill>
                 <a:uFillTx/>
                 <a:latin typeface="Trebuchet MS"/>
@@ -8766,7 +9807,7 @@
               </a:rPr>
               <a:t>Atmel ATmega 328p</a:t>
             </a:r>
-            <a:endParaRPr b="0" lang="de-DE" sz="3600" spc="-1" strike="noStrike">
+            <a:endParaRPr lang="de-DE" sz="3600" b="0" strike="noStrike" spc="-1">
               <a:latin typeface="Arial"/>
             </a:endParaRPr>
           </a:p>
@@ -8792,15 +9833,22 @@
           </a:ln>
         </p:spPr>
         <p:style>
-          <a:lnRef idx="0"/>
-          <a:fillRef idx="0"/>
-          <a:effectRef idx="0"/>
+          <a:lnRef idx="0">
+            <a:scrgbClr r="0" g="0" b="0"/>
+          </a:lnRef>
+          <a:fillRef idx="0">
+            <a:scrgbClr r="0" g="0" b="0"/>
+          </a:fillRef>
+          <a:effectRef idx="0">
+            <a:scrgbClr r="0" g="0" b="0"/>
+          </a:effectRef>
           <a:fontRef idx="minor"/>
         </p:style>
         <p:txBody>
-          <a:bodyPr lIns="90000" rIns="90000" tIns="45000" bIns="45000">
+          <a:bodyPr lIns="90000" tIns="45000" rIns="90000" bIns="45000">
             <a:normAutofit/>
           </a:bodyPr>
+          <a:lstStyle/>
           <a:p>
             <a:pPr marL="343080" indent="-342000">
               <a:lnSpc>
@@ -8810,14 +9858,14 @@
                 <a:spcPts val="1001"/>
               </a:spcBef>
               <a:buClr>
-                <a:srgbClr val="5fcbef"/>
+                <a:srgbClr val="5FCBEF"/>
               </a:buClr>
               <a:buSzPct val="80000"/>
               <a:buFont typeface="Wingdings 3" charset="2"/>
               <a:buChar char=""/>
             </a:pPr>
             <a:r>
-              <a:rPr b="0" lang="de-DE" sz="1800" spc="-1" strike="noStrike">
+              <a:rPr lang="de-DE" sz="1800" b="0" strike="noStrike" spc="-1">
                 <a:solidFill>
                   <a:srgbClr val="404040"/>
                 </a:solidFill>
@@ -8826,7 +9874,7 @@
               </a:rPr>
               <a:t>tinyAVR, megaAVR und xmegaAVR</a:t>
             </a:r>
-            <a:endParaRPr b="0" lang="de-DE" sz="1800" spc="-1" strike="noStrike">
+            <a:endParaRPr lang="de-DE" sz="1800" b="0" strike="noStrike" spc="-1">
               <a:latin typeface="Arial"/>
             </a:endParaRPr>
           </a:p>
@@ -8839,14 +9887,14 @@
                 <a:spcPts val="1001"/>
               </a:spcBef>
               <a:buClr>
-                <a:srgbClr val="5fcbef"/>
+                <a:srgbClr val="5FCBEF"/>
               </a:buClr>
               <a:buSzPct val="80000"/>
               <a:buFont typeface="Wingdings 3" charset="2"/>
               <a:buChar char=""/>
             </a:pPr>
             <a:r>
-              <a:rPr b="0" lang="de-DE" sz="1800" spc="-1" strike="noStrike">
+              <a:rPr lang="de-DE" sz="1800" b="0" strike="noStrike" spc="-1">
                 <a:solidFill>
                   <a:srgbClr val="404040"/>
                 </a:solidFill>
@@ -8855,7 +9903,7 @@
               </a:rPr>
               <a:t>8-bit AVR-Microcontroller</a:t>
             </a:r>
-            <a:endParaRPr b="0" lang="de-DE" sz="1800" spc="-1" strike="noStrike">
+            <a:endParaRPr lang="de-DE" sz="1800" b="0" strike="noStrike" spc="-1">
               <a:latin typeface="Arial"/>
             </a:endParaRPr>
           </a:p>
@@ -8868,14 +9916,14 @@
                 <a:spcPts val="1001"/>
               </a:spcBef>
               <a:buClr>
-                <a:srgbClr val="5fcbef"/>
+                <a:srgbClr val="5FCBEF"/>
               </a:buClr>
               <a:buSzPct val="80000"/>
               <a:buFont typeface="Wingdings 3" charset="2"/>
               <a:buChar char=""/>
             </a:pPr>
             <a:r>
-              <a:rPr b="0" lang="de-DE" sz="1800" spc="-1" strike="noStrike">
+              <a:rPr lang="de-DE" sz="1800" b="0" strike="noStrike" spc="-1">
                 <a:solidFill>
                   <a:srgbClr val="404040"/>
                 </a:solidFill>
@@ -8884,7 +9932,7 @@
               </a:rPr>
               <a:t>Spannung zwischen 1,8 – 5,5V</a:t>
             </a:r>
-            <a:endParaRPr b="0" lang="de-DE" sz="1800" spc="-1" strike="noStrike">
+            <a:endParaRPr lang="de-DE" sz="1800" b="0" strike="noStrike" spc="-1">
               <a:latin typeface="Arial"/>
             </a:endParaRPr>
           </a:p>
@@ -8897,14 +9945,14 @@
                 <a:spcPts val="1001"/>
               </a:spcBef>
               <a:buClr>
-                <a:srgbClr val="5fcbef"/>
+                <a:srgbClr val="5FCBEF"/>
               </a:buClr>
               <a:buSzPct val="80000"/>
               <a:buFont typeface="Wingdings 3" charset="2"/>
               <a:buChar char=""/>
             </a:pPr>
             <a:r>
-              <a:rPr b="0" lang="de-DE" sz="1800" spc="-1" strike="noStrike">
+              <a:rPr lang="de-DE" sz="1800" b="0" strike="noStrike" spc="-1">
                 <a:solidFill>
                   <a:srgbClr val="404040"/>
                 </a:solidFill>
@@ -8913,7 +9961,7 @@
               </a:rPr>
               <a:t>32 KiB Flash-Speicher</a:t>
             </a:r>
-            <a:endParaRPr b="0" lang="de-DE" sz="1800" spc="-1" strike="noStrike">
+            <a:endParaRPr lang="de-DE" sz="1800" b="0" strike="noStrike" spc="-1">
               <a:latin typeface="Arial"/>
             </a:endParaRPr>
           </a:p>
@@ -8926,14 +9974,14 @@
                 <a:spcPts val="1001"/>
               </a:spcBef>
               <a:buClr>
-                <a:srgbClr val="5fcbef"/>
+                <a:srgbClr val="5FCBEF"/>
               </a:buClr>
               <a:buSzPct val="80000"/>
               <a:buFont typeface="Wingdings 3" charset="2"/>
               <a:buChar char=""/>
             </a:pPr>
             <a:r>
-              <a:rPr b="0" lang="de-DE" sz="1800" spc="-1" strike="noStrike">
+              <a:rPr lang="de-DE" sz="1800" b="0" strike="noStrike" spc="-1">
                 <a:solidFill>
                   <a:srgbClr val="404040"/>
                 </a:solidFill>
@@ -8942,12 +9990,12 @@
               </a:rPr>
               <a:t>Stromsparende Architektur</a:t>
             </a:r>
-            <a:endParaRPr b="0" lang="de-DE" sz="1800" spc="-1" strike="noStrike">
-              <a:latin typeface="Arial"/>
-            </a:endParaRPr>
-          </a:p>
-          <a:p>
-            <a:pPr lvl="1" marL="743040" indent="-284760">
+            <a:endParaRPr lang="de-DE" sz="1800" b="0" strike="noStrike" spc="-1">
+              <a:latin typeface="Arial"/>
+            </a:endParaRPr>
+          </a:p>
+          <a:p>
+            <a:pPr marL="743040" lvl="1" indent="-284760">
               <a:lnSpc>
                 <a:spcPct val="100000"/>
               </a:lnSpc>
@@ -8955,14 +10003,14 @@
                 <a:spcPts val="1001"/>
               </a:spcBef>
               <a:buClr>
-                <a:srgbClr val="5fcbef"/>
+                <a:srgbClr val="5FCBEF"/>
               </a:buClr>
               <a:buSzPct val="80000"/>
               <a:buFont typeface="Wingdings 3" charset="2"/>
               <a:buChar char=""/>
             </a:pPr>
             <a:r>
-              <a:rPr b="0" lang="de-DE" sz="1600" spc="-1" strike="noStrike">
+              <a:rPr lang="de-DE" sz="1600" b="0" strike="noStrike" spc="-1">
                 <a:solidFill>
                   <a:srgbClr val="404040"/>
                 </a:solidFill>
@@ -8971,7 +10019,7 @@
               </a:rPr>
               <a:t>Pico Power</a:t>
             </a:r>
-            <a:endParaRPr b="0" lang="de-DE" sz="1600" spc="-1" strike="noStrike">
+            <a:endParaRPr lang="de-DE" sz="1600" b="0" strike="noStrike" spc="-1">
               <a:latin typeface="Arial"/>
             </a:endParaRPr>
           </a:p>
@@ -8979,13 +10027,13 @@
       </p:sp>
       <p:pic>
         <p:nvPicPr>
-          <p:cNvPr id="123" name="Grafik 4" descr=""/>
+          <p:cNvPr id="123" name="Grafik 4"/>
           <p:cNvPicPr/>
           <p:nvPr/>
         </p:nvPicPr>
         <p:blipFill>
-          <a:blip r:embed="rId1"/>
-          <a:srcRect l="13855" t="0" r="17222" b="0"/>
+          <a:blip r:embed="rId2"/>
+          <a:srcRect l="13855" r="17222"/>
           <a:stretch/>
         </p:blipFill>
         <p:spPr>
@@ -9003,30 +10051,25 @@
       </p:pic>
     </p:spTree>
   </p:cSld>
-  <mc:AlternateContent>
-    <mc:Choice Requires="p14">
-      <p:transition spd="slow" p14:dur="2000"/>
-    </mc:Choice>
-    <mc:Fallback>
-      <p:transition spd="slow"/>
-    </mc:Fallback>
-  </mc:AlternateContent>
+  <p:clrMapOvr>
+    <a:masterClrMapping/>
+  </p:clrMapOvr>
   <p:timing>
     <p:tnLst>
       <p:par>
-        <p:cTn id="9" dur="indefinite" restart="never" nodeType="tmRoot">
+        <p:cTn id="1" dur="indefinite" restart="never" nodeType="tmRoot">
           <p:childTnLst>
             <p:seq>
-              <p:cTn id="10" dur="indefinite" nodeType="mainSeq"/>
+              <p:cTn id="2" dur="indefinite" nodeType="mainSeq"/>
               <p:prevCondLst>
-                <p:cond delay="0" evt="onPrev">
+                <p:cond evt="onPrev" delay="0">
                   <p:tgtEl>
                     <p:sldTgt/>
                   </p:tgtEl>
                 </p:cond>
               </p:prevCondLst>
               <p:nextCondLst>
-                <p:cond delay="0" evt="onNext">
+                <p:cond evt="onNext" delay="0">
                   <p:tgtEl>
                     <p:sldTgt/>
                   </p:tgtEl>
@@ -9042,7 +10085,7 @@
 </file>
 
 <file path=ppt/slides/slide6.xml><?xml version="1.0" encoding="utf-8"?>
-<p:sld xmlns:a="http://schemas.openxmlformats.org/drawingml/2006/main" xmlns:p="http://schemas.openxmlformats.org/presentationml/2006/main" xmlns:r="http://schemas.openxmlformats.org/officeDocument/2006/relationships" xmlns:p14="http://schemas.microsoft.com/office/powerpoint/2010/main" xmlns:p15="http://schemas.microsoft.com/office/powerpoint/2012/main" xmlns:mc="http://schemas.openxmlformats.org/markup-compatibility/2006">
+<p:sld xmlns:a="http://schemas.openxmlformats.org/drawingml/2006/main" xmlns:r="http://schemas.openxmlformats.org/officeDocument/2006/relationships" xmlns:p="http://schemas.openxmlformats.org/presentationml/2006/main">
   <p:cSld>
     <p:spTree>
       <p:nvGrpSpPr>
@@ -9078,15 +10121,22 @@
           </a:ln>
         </p:spPr>
         <p:style>
-          <a:lnRef idx="0"/>
-          <a:fillRef idx="0"/>
-          <a:effectRef idx="0"/>
+          <a:lnRef idx="0">
+            <a:scrgbClr r="0" g="0" b="0"/>
+          </a:lnRef>
+          <a:fillRef idx="0">
+            <a:scrgbClr r="0" g="0" b="0"/>
+          </a:fillRef>
+          <a:effectRef idx="0">
+            <a:scrgbClr r="0" g="0" b="0"/>
+          </a:effectRef>
           <a:fontRef idx="minor"/>
         </p:style>
         <p:txBody>
-          <a:bodyPr lIns="90000" rIns="90000" tIns="45000" bIns="45000">
+          <a:bodyPr lIns="90000" tIns="45000" rIns="90000" bIns="45000">
             <a:noAutofit/>
           </a:bodyPr>
+          <a:lstStyle/>
           <a:p>
             <a:pPr>
               <a:lnSpc>
@@ -9094,9 +10144,9 @@
               </a:lnSpc>
             </a:pPr>
             <a:r>
-              <a:rPr b="0" lang="de-DE" sz="3600" spc="-1" strike="noStrike" u="sng">
+              <a:rPr lang="de-DE" sz="3600" b="0" u="sng" strike="noStrike" spc="-1">
                 <a:solidFill>
-                  <a:srgbClr val="5fcbef"/>
+                  <a:srgbClr val="5FCBEF"/>
                 </a:solidFill>
                 <a:uFillTx/>
                 <a:latin typeface="Trebuchet MS"/>
@@ -9104,7 +10154,7 @@
               </a:rPr>
               <a:t>Vom Arduino zum Standalone</a:t>
             </a:r>
-            <a:endParaRPr b="0" lang="de-DE" sz="3600" spc="-1" strike="noStrike">
+            <a:endParaRPr lang="de-DE" sz="3600" b="0" strike="noStrike" spc="-1">
               <a:latin typeface="Arial"/>
             </a:endParaRPr>
           </a:p>
@@ -9130,15 +10180,22 @@
           </a:ln>
         </p:spPr>
         <p:style>
-          <a:lnRef idx="0"/>
-          <a:fillRef idx="0"/>
-          <a:effectRef idx="0"/>
+          <a:lnRef idx="0">
+            <a:scrgbClr r="0" g="0" b="0"/>
+          </a:lnRef>
+          <a:fillRef idx="0">
+            <a:scrgbClr r="0" g="0" b="0"/>
+          </a:fillRef>
+          <a:effectRef idx="0">
+            <a:scrgbClr r="0" g="0" b="0"/>
+          </a:effectRef>
           <a:fontRef idx="minor"/>
         </p:style>
         <p:txBody>
-          <a:bodyPr lIns="90000" rIns="90000" tIns="45000" bIns="45000">
+          <a:bodyPr lIns="90000" tIns="45000" rIns="90000" bIns="45000">
             <a:normAutofit/>
           </a:bodyPr>
+          <a:lstStyle/>
           <a:p>
             <a:pPr marL="343080" indent="-342000">
               <a:lnSpc>
@@ -9148,14 +10205,14 @@
                 <a:spcPts val="1001"/>
               </a:spcBef>
               <a:buClr>
-                <a:srgbClr val="5fcbef"/>
+                <a:srgbClr val="5FCBEF"/>
               </a:buClr>
               <a:buSzPct val="80000"/>
               <a:buFont typeface="Wingdings 3" charset="2"/>
               <a:buChar char=""/>
             </a:pPr>
             <a:r>
-              <a:rPr b="0" lang="de-DE" sz="1800" spc="-1" strike="noStrike">
+              <a:rPr lang="de-DE" sz="1800" b="0" strike="noStrike" spc="-1">
                 <a:solidFill>
                   <a:srgbClr val="404040"/>
                 </a:solidFill>
@@ -9164,12 +10221,12 @@
               </a:rPr>
               <a:t>Arduino als</a:t>
             </a:r>
-            <a:endParaRPr b="0" lang="de-DE" sz="1800" spc="-1" strike="noStrike">
-              <a:latin typeface="Arial"/>
-            </a:endParaRPr>
-          </a:p>
-          <a:p>
-            <a:pPr lvl="1" marL="743040" indent="-284760">
+            <a:endParaRPr lang="de-DE" sz="1800" b="0" strike="noStrike" spc="-1">
+              <a:latin typeface="Arial"/>
+            </a:endParaRPr>
+          </a:p>
+          <a:p>
+            <a:pPr marL="743040" lvl="1" indent="-284760">
               <a:lnSpc>
                 <a:spcPct val="150000"/>
               </a:lnSpc>
@@ -9177,14 +10234,14 @@
                 <a:spcPts val="1001"/>
               </a:spcBef>
               <a:buClr>
-                <a:srgbClr val="5fcbef"/>
+                <a:srgbClr val="5FCBEF"/>
               </a:buClr>
               <a:buSzPct val="80000"/>
               <a:buFont typeface="Wingdings 3" charset="2"/>
               <a:buChar char=""/>
             </a:pPr>
             <a:r>
-              <a:rPr b="0" lang="de-DE" sz="1600" spc="-1" strike="noStrike">
+              <a:rPr lang="de-DE" sz="1600" b="0" strike="noStrike" spc="-1">
                 <a:solidFill>
                   <a:srgbClr val="404040"/>
                 </a:solidFill>
@@ -9193,12 +10250,12 @@
               </a:rPr>
               <a:t>Stromversorgung</a:t>
             </a:r>
-            <a:endParaRPr b="0" lang="de-DE" sz="1600" spc="-1" strike="noStrike">
-              <a:latin typeface="Arial"/>
-            </a:endParaRPr>
-          </a:p>
-          <a:p>
-            <a:pPr lvl="1" marL="743040" indent="-284760">
+            <a:endParaRPr lang="de-DE" sz="1600" b="0" strike="noStrike" spc="-1">
+              <a:latin typeface="Arial"/>
+            </a:endParaRPr>
+          </a:p>
+          <a:p>
+            <a:pPr marL="743040" lvl="1" indent="-284760">
               <a:lnSpc>
                 <a:spcPct val="150000"/>
               </a:lnSpc>
@@ -9206,14 +10263,14 @@
                 <a:spcPts val="1001"/>
               </a:spcBef>
               <a:buClr>
-                <a:srgbClr val="5fcbef"/>
+                <a:srgbClr val="5FCBEF"/>
               </a:buClr>
               <a:buSzPct val="80000"/>
               <a:buFont typeface="Wingdings 3" charset="2"/>
               <a:buChar char=""/>
             </a:pPr>
             <a:r>
-              <a:rPr b="0" lang="de-DE" sz="1600" spc="-1" strike="noStrike">
+              <a:rPr lang="de-DE" sz="1600" b="0" strike="noStrike" spc="-1">
                 <a:solidFill>
                   <a:srgbClr val="404040"/>
                 </a:solidFill>
@@ -9222,7 +10279,7 @@
               </a:rPr>
               <a:t>Programmierschnittstelle</a:t>
             </a:r>
-            <a:endParaRPr b="0" lang="de-DE" sz="1600" spc="-1" strike="noStrike">
+            <a:endParaRPr lang="de-DE" sz="1600" b="0" strike="noStrike" spc="-1">
               <a:latin typeface="Arial"/>
             </a:endParaRPr>
           </a:p>
@@ -9230,12 +10287,12 @@
       </p:sp>
       <p:pic>
         <p:nvPicPr>
-          <p:cNvPr id="126" name="Picture 2" descr=""/>
+          <p:cNvPr id="126" name="Picture 2"/>
           <p:cNvPicPr/>
           <p:nvPr/>
         </p:nvPicPr>
         <p:blipFill>
-          <a:blip r:embed="rId1"/>
+          <a:blip r:embed="rId2"/>
           <a:stretch/>
         </p:blipFill>
         <p:spPr>
@@ -9253,30 +10310,25 @@
       </p:pic>
     </p:spTree>
   </p:cSld>
-  <mc:AlternateContent>
-    <mc:Choice Requires="p14">
-      <p:transition spd="slow" p14:dur="2000"/>
-    </mc:Choice>
-    <mc:Fallback>
-      <p:transition spd="slow"/>
-    </mc:Fallback>
-  </mc:AlternateContent>
+  <p:clrMapOvr>
+    <a:masterClrMapping/>
+  </p:clrMapOvr>
   <p:timing>
     <p:tnLst>
       <p:par>
-        <p:cTn id="11" dur="indefinite" restart="never" nodeType="tmRoot">
+        <p:cTn id="1" dur="indefinite" restart="never" nodeType="tmRoot">
           <p:childTnLst>
             <p:seq>
-              <p:cTn id="12" dur="indefinite" nodeType="mainSeq"/>
+              <p:cTn id="2" dur="indefinite" nodeType="mainSeq"/>
               <p:prevCondLst>
-                <p:cond delay="0" evt="onPrev">
+                <p:cond evt="onPrev" delay="0">
                   <p:tgtEl>
                     <p:sldTgt/>
                   </p:tgtEl>
                 </p:cond>
               </p:prevCondLst>
               <p:nextCondLst>
-                <p:cond delay="0" evt="onNext">
+                <p:cond evt="onNext" delay="0">
                   <p:tgtEl>
                     <p:sldTgt/>
                   </p:tgtEl>
@@ -9292,7 +10344,7 @@
 </file>
 
 <file path=ppt/slides/slide7.xml><?xml version="1.0" encoding="utf-8"?>
-<p:sld xmlns:a="http://schemas.openxmlformats.org/drawingml/2006/main" xmlns:p="http://schemas.openxmlformats.org/presentationml/2006/main" xmlns:r="http://schemas.openxmlformats.org/officeDocument/2006/relationships" xmlns:p14="http://schemas.microsoft.com/office/powerpoint/2010/main" xmlns:p15="http://schemas.microsoft.com/office/powerpoint/2012/main" xmlns:mc="http://schemas.openxmlformats.org/markup-compatibility/2006">
+<p:sld xmlns:a="http://schemas.openxmlformats.org/drawingml/2006/main" xmlns:r="http://schemas.openxmlformats.org/officeDocument/2006/relationships" xmlns:p="http://schemas.openxmlformats.org/presentationml/2006/main">
   <p:cSld>
     <p:spTree>
       <p:nvGrpSpPr>
@@ -9328,15 +10380,22 @@
           </a:ln>
         </p:spPr>
         <p:style>
-          <a:lnRef idx="0"/>
-          <a:fillRef idx="0"/>
-          <a:effectRef idx="0"/>
+          <a:lnRef idx="0">
+            <a:scrgbClr r="0" g="0" b="0"/>
+          </a:lnRef>
+          <a:fillRef idx="0">
+            <a:scrgbClr r="0" g="0" b="0"/>
+          </a:fillRef>
+          <a:effectRef idx="0">
+            <a:scrgbClr r="0" g="0" b="0"/>
+          </a:effectRef>
           <a:fontRef idx="minor"/>
         </p:style>
         <p:txBody>
-          <a:bodyPr lIns="90000" rIns="90000" tIns="45000" bIns="45000">
+          <a:bodyPr lIns="90000" tIns="45000" rIns="90000" bIns="45000">
             <a:noAutofit/>
           </a:bodyPr>
+          <a:lstStyle/>
           <a:p>
             <a:pPr>
               <a:lnSpc>
@@ -9344,9 +10403,9 @@
               </a:lnSpc>
             </a:pPr>
             <a:r>
-              <a:rPr b="0" lang="de-DE" sz="3600" spc="-1" strike="noStrike" u="sng">
+              <a:rPr lang="de-DE" sz="3600" b="0" u="sng" strike="noStrike" spc="-1">
                 <a:solidFill>
-                  <a:srgbClr val="5fcbef"/>
+                  <a:srgbClr val="5FCBEF"/>
                 </a:solidFill>
                 <a:uFillTx/>
                 <a:latin typeface="Trebuchet MS"/>
@@ -9354,7 +10413,7 @@
               </a:rPr>
               <a:t>Pololu AVR-Programmer</a:t>
             </a:r>
-            <a:endParaRPr b="0" lang="de-DE" sz="3600" spc="-1" strike="noStrike">
+            <a:endParaRPr lang="de-DE" sz="3600" b="0" strike="noStrike" spc="-1">
               <a:latin typeface="Arial"/>
             </a:endParaRPr>
           </a:p>
@@ -9362,12 +10421,12 @@
       </p:sp>
       <p:pic>
         <p:nvPicPr>
-          <p:cNvPr id="128" name="Inhaltsplatzhalter 4" descr=""/>
+          <p:cNvPr id="128" name="Inhaltsplatzhalter 4"/>
           <p:cNvPicPr/>
           <p:nvPr/>
         </p:nvPicPr>
         <p:blipFill>
-          <a:blip r:embed="rId1"/>
+          <a:blip r:embed="rId2"/>
           <a:stretch/>
         </p:blipFill>
         <p:spPr>
@@ -9403,15 +10462,22 @@
           </a:ln>
         </p:spPr>
         <p:style>
-          <a:lnRef idx="0"/>
-          <a:fillRef idx="0"/>
-          <a:effectRef idx="0"/>
+          <a:lnRef idx="0">
+            <a:scrgbClr r="0" g="0" b="0"/>
+          </a:lnRef>
+          <a:fillRef idx="0">
+            <a:scrgbClr r="0" g="0" b="0"/>
+          </a:fillRef>
+          <a:effectRef idx="0">
+            <a:scrgbClr r="0" g="0" b="0"/>
+          </a:effectRef>
           <a:fontRef idx="minor"/>
         </p:style>
         <p:txBody>
-          <a:bodyPr lIns="90000" rIns="90000" tIns="45000" bIns="45000">
+          <a:bodyPr lIns="90000" tIns="45000" rIns="90000" bIns="45000">
             <a:noAutofit/>
           </a:bodyPr>
+          <a:lstStyle/>
           <a:p>
             <a:pPr marL="343080" indent="-342000">
               <a:lnSpc>
@@ -9421,14 +10487,14 @@
                 <a:spcPts val="1001"/>
               </a:spcBef>
               <a:buClr>
-                <a:srgbClr val="5fcbef"/>
+                <a:srgbClr val="5FCBEF"/>
               </a:buClr>
               <a:buSzPct val="80000"/>
               <a:buFont typeface="Wingdings 3" charset="2"/>
               <a:buChar char=""/>
             </a:pPr>
             <a:r>
-              <a:rPr b="0" lang="de-DE" sz="1800" spc="-1" strike="noStrike">
+              <a:rPr lang="de-DE" sz="1800" b="0" strike="noStrike" spc="-1">
                 <a:solidFill>
                   <a:srgbClr val="404040"/>
                 </a:solidFill>
@@ -9437,7 +10503,7 @@
               </a:rPr>
               <a:t>ISP (In-System Programmer)</a:t>
             </a:r>
-            <a:endParaRPr b="0" lang="de-DE" sz="1800" spc="-1" strike="noStrike">
+            <a:endParaRPr lang="de-DE" sz="1800" b="0" strike="noStrike" spc="-1">
               <a:latin typeface="Arial"/>
             </a:endParaRPr>
           </a:p>
@@ -9450,14 +10516,14 @@
                 <a:spcPts val="1001"/>
               </a:spcBef>
               <a:buClr>
-                <a:srgbClr val="5fcbef"/>
+                <a:srgbClr val="5FCBEF"/>
               </a:buClr>
               <a:buSzPct val="80000"/>
               <a:buFont typeface="Wingdings 3" charset="2"/>
               <a:buChar char=""/>
             </a:pPr>
             <a:r>
-              <a:rPr b="0" lang="de-DE" sz="1800" spc="-1" strike="noStrike">
+              <a:rPr lang="de-DE" sz="1800" b="0" strike="noStrike" spc="-1">
                 <a:solidFill>
                   <a:srgbClr val="404040"/>
                 </a:solidFill>
@@ -9466,12 +10532,12 @@
               </a:rPr>
               <a:t>2 Ports für </a:t>
             </a:r>
-            <a:endParaRPr b="0" lang="de-DE" sz="1800" spc="-1" strike="noStrike">
-              <a:latin typeface="Arial"/>
-            </a:endParaRPr>
-          </a:p>
-          <a:p>
-            <a:pPr lvl="1" marL="800280" indent="-342000">
+            <a:endParaRPr lang="de-DE" sz="1800" b="0" strike="noStrike" spc="-1">
+              <a:latin typeface="Arial"/>
+            </a:endParaRPr>
+          </a:p>
+          <a:p>
+            <a:pPr marL="800280" lvl="1" indent="-342000">
               <a:lnSpc>
                 <a:spcPct val="100000"/>
               </a:lnSpc>
@@ -9479,14 +10545,14 @@
                 <a:spcPts val="1001"/>
               </a:spcBef>
               <a:buClr>
-                <a:srgbClr val="5fcbef"/>
+                <a:srgbClr val="5FCBEF"/>
               </a:buClr>
               <a:buSzPct val="80000"/>
               <a:buFont typeface="Wingdings 3" charset="2"/>
               <a:buChar char=""/>
             </a:pPr>
             <a:r>
-              <a:rPr b="0" lang="de-DE" sz="1800" spc="-1" strike="noStrike">
+              <a:rPr lang="de-DE" sz="1800" b="0" strike="noStrike" spc="-1">
                 <a:solidFill>
                   <a:srgbClr val="404040"/>
                 </a:solidFill>
@@ -9495,12 +10561,12 @@
               </a:rPr>
               <a:t>Programmieren</a:t>
             </a:r>
-            <a:endParaRPr b="0" lang="de-DE" sz="1800" spc="-1" strike="noStrike">
-              <a:latin typeface="Arial"/>
-            </a:endParaRPr>
-          </a:p>
-          <a:p>
-            <a:pPr lvl="1" marL="800280" indent="-342000">
+            <a:endParaRPr lang="de-DE" sz="1800" b="0" strike="noStrike" spc="-1">
+              <a:latin typeface="Arial"/>
+            </a:endParaRPr>
+          </a:p>
+          <a:p>
+            <a:pPr marL="800280" lvl="1" indent="-342000">
               <a:lnSpc>
                 <a:spcPct val="100000"/>
               </a:lnSpc>
@@ -9508,14 +10574,14 @@
                 <a:spcPts val="1001"/>
               </a:spcBef>
               <a:buClr>
-                <a:srgbClr val="5fcbef"/>
+                <a:srgbClr val="5FCBEF"/>
               </a:buClr>
               <a:buSzPct val="80000"/>
               <a:buFont typeface="Wingdings 3" charset="2"/>
               <a:buChar char=""/>
             </a:pPr>
             <a:r>
-              <a:rPr b="0" lang="de-DE" sz="1800" spc="-1" strike="noStrike">
+              <a:rPr lang="de-DE" sz="1800" b="0" strike="noStrike" spc="-1">
                 <a:solidFill>
                   <a:srgbClr val="404040"/>
                 </a:solidFill>
@@ -9524,7 +10590,7 @@
               </a:rPr>
               <a:t>Serielle Ausgabe</a:t>
             </a:r>
-            <a:endParaRPr b="0" lang="de-DE" sz="1800" spc="-1" strike="noStrike">
+            <a:endParaRPr lang="de-DE" sz="1800" b="0" strike="noStrike" spc="-1">
               <a:latin typeface="Arial"/>
             </a:endParaRPr>
           </a:p>
@@ -9534,7 +10600,7 @@
                 <a:spcPct val="100000"/>
               </a:lnSpc>
             </a:pPr>
-            <a:endParaRPr b="0" lang="de-DE" sz="1800" spc="-1" strike="noStrike">
+            <a:endParaRPr lang="de-DE" sz="1800" b="0" strike="noStrike" spc="-1">
               <a:latin typeface="Arial"/>
             </a:endParaRPr>
           </a:p>
@@ -9542,30 +10608,25 @@
       </p:sp>
     </p:spTree>
   </p:cSld>
-  <mc:AlternateContent>
-    <mc:Choice Requires="p14">
-      <p:transition spd="slow" p14:dur="2000"/>
-    </mc:Choice>
-    <mc:Fallback>
-      <p:transition spd="slow"/>
-    </mc:Fallback>
-  </mc:AlternateContent>
+  <p:clrMapOvr>
+    <a:masterClrMapping/>
+  </p:clrMapOvr>
   <p:timing>
     <p:tnLst>
       <p:par>
-        <p:cTn id="13" dur="indefinite" restart="never" nodeType="tmRoot">
+        <p:cTn id="1" dur="indefinite" restart="never" nodeType="tmRoot">
           <p:childTnLst>
             <p:seq>
-              <p:cTn id="14" dur="indefinite" nodeType="mainSeq"/>
+              <p:cTn id="2" dur="indefinite" nodeType="mainSeq"/>
               <p:prevCondLst>
-                <p:cond delay="0" evt="onPrev">
+                <p:cond evt="onPrev" delay="0">
                   <p:tgtEl>
                     <p:sldTgt/>
                   </p:tgtEl>
                 </p:cond>
               </p:prevCondLst>
               <p:nextCondLst>
-                <p:cond delay="0" evt="onNext">
+                <p:cond evt="onNext" delay="0">
                   <p:tgtEl>
                     <p:sldTgt/>
                   </p:tgtEl>
@@ -9581,7 +10642,7 @@
 </file>
 
 <file path=ppt/slides/slide8.xml><?xml version="1.0" encoding="utf-8"?>
-<p:sld xmlns:a="http://schemas.openxmlformats.org/drawingml/2006/main" xmlns:p="http://schemas.openxmlformats.org/presentationml/2006/main" xmlns:r="http://schemas.openxmlformats.org/officeDocument/2006/relationships" xmlns:p14="http://schemas.microsoft.com/office/powerpoint/2010/main" xmlns:p15="http://schemas.microsoft.com/office/powerpoint/2012/main" xmlns:mc="http://schemas.openxmlformats.org/markup-compatibility/2006">
+<p:sld xmlns:a="http://schemas.openxmlformats.org/drawingml/2006/main" xmlns:r="http://schemas.openxmlformats.org/officeDocument/2006/relationships" xmlns:p="http://schemas.openxmlformats.org/presentationml/2006/main">
   <p:cSld>
     <p:spTree>
       <p:nvGrpSpPr>
@@ -9617,15 +10678,22 @@
           </a:ln>
         </p:spPr>
         <p:style>
-          <a:lnRef idx="0"/>
-          <a:fillRef idx="0"/>
-          <a:effectRef idx="0"/>
+          <a:lnRef idx="0">
+            <a:scrgbClr r="0" g="0" b="0"/>
+          </a:lnRef>
+          <a:fillRef idx="0">
+            <a:scrgbClr r="0" g="0" b="0"/>
+          </a:fillRef>
+          <a:effectRef idx="0">
+            <a:scrgbClr r="0" g="0" b="0"/>
+          </a:effectRef>
           <a:fontRef idx="minor"/>
         </p:style>
         <p:txBody>
-          <a:bodyPr lIns="90000" rIns="90000" tIns="45000" bIns="45000">
+          <a:bodyPr lIns="90000" tIns="45000" rIns="90000" bIns="45000">
             <a:noAutofit/>
           </a:bodyPr>
+          <a:lstStyle/>
           <a:p>
             <a:pPr>
               <a:lnSpc>
@@ -9633,16 +10701,16 @@
               </a:lnSpc>
             </a:pPr>
             <a:r>
-              <a:rPr b="0" lang="de-DE" sz="3600" spc="-1" strike="noStrike">
+              <a:rPr lang="de-DE" sz="3600" b="0" strike="noStrike" spc="-1">
                 <a:solidFill>
-                  <a:srgbClr val="5fcbef"/>
+                  <a:srgbClr val="5FCBEF"/>
                 </a:solidFill>
                 <a:latin typeface="Trebuchet MS"/>
                 <a:ea typeface="DejaVu Sans"/>
               </a:rPr>
               <a:t>Atmel Studio und Tera Term</a:t>
             </a:r>
-            <a:endParaRPr b="0" lang="de-DE" sz="3600" spc="-1" strike="noStrike">
+            <a:endParaRPr lang="de-DE" sz="3600" b="0" strike="noStrike" spc="-1">
               <a:latin typeface="Arial"/>
             </a:endParaRPr>
           </a:p>
@@ -9668,38 +10736,21 @@
           </a:ln>
         </p:spPr>
         <p:style>
-          <a:lnRef idx="0"/>
-          <a:fillRef idx="0"/>
-          <a:effectRef idx="0"/>
+          <a:lnRef idx="0">
+            <a:scrgbClr r="0" g="0" b="0"/>
+          </a:lnRef>
+          <a:fillRef idx="0">
+            <a:scrgbClr r="0" g="0" b="0"/>
+          </a:fillRef>
+          <a:effectRef idx="0">
+            <a:scrgbClr r="0" g="0" b="0"/>
+          </a:effectRef>
           <a:fontRef idx="minor"/>
         </p:style>
       </p:sp>
       <p:pic>
         <p:nvPicPr>
-          <p:cNvPr id="132" name="Grafik 2" descr=""/>
-          <p:cNvPicPr/>
-          <p:nvPr/>
-        </p:nvPicPr>
-        <p:blipFill>
-          <a:blip r:embed="rId1"/>
-          <a:stretch/>
-        </p:blipFill>
-        <p:spPr>
-          <a:xfrm>
-            <a:off x="677160" y="1422360"/>
-            <a:ext cx="8903880" cy="5005800"/>
-          </a:xfrm>
-          <a:prstGeom prst="rect">
-            <a:avLst/>
-          </a:prstGeom>
-          <a:ln>
-            <a:noFill/>
-          </a:ln>
-        </p:spPr>
-      </p:pic>
-      <p:pic>
-        <p:nvPicPr>
-          <p:cNvPr id="133" name="Grafik 4" descr=""/>
+          <p:cNvPr id="132" name="Grafik 2"/>
           <p:cNvPicPr/>
           <p:nvPr/>
         </p:nvPicPr>
@@ -9709,8 +10760,8 @@
         </p:blipFill>
         <p:spPr>
           <a:xfrm>
-            <a:off x="4030920" y="2164680"/>
-            <a:ext cx="4162680" cy="3407760"/>
+            <a:off x="677160" y="1422360"/>
+            <a:ext cx="8903880" cy="5005800"/>
           </a:xfrm>
           <a:prstGeom prst="rect">
             <a:avLst/>
@@ -9720,32 +10771,50 @@
           </a:ln>
         </p:spPr>
       </p:pic>
+      <p:pic>
+        <p:nvPicPr>
+          <p:cNvPr id="133" name="Grafik 4"/>
+          <p:cNvPicPr/>
+          <p:nvPr/>
+        </p:nvPicPr>
+        <p:blipFill>
+          <a:blip r:embed="rId3"/>
+          <a:stretch/>
+        </p:blipFill>
+        <p:spPr>
+          <a:xfrm>
+            <a:off x="4030920" y="2164680"/>
+            <a:ext cx="4162680" cy="3407760"/>
+          </a:xfrm>
+          <a:prstGeom prst="rect">
+            <a:avLst/>
+          </a:prstGeom>
+          <a:ln>
+            <a:noFill/>
+          </a:ln>
+        </p:spPr>
+      </p:pic>
     </p:spTree>
   </p:cSld>
-  <mc:AlternateContent>
-    <mc:Choice Requires="p14">
-      <p:transition spd="slow" p14:dur="2000"/>
-    </mc:Choice>
-    <mc:Fallback>
-      <p:transition spd="slow"/>
-    </mc:Fallback>
-  </mc:AlternateContent>
+  <p:clrMapOvr>
+    <a:masterClrMapping/>
+  </p:clrMapOvr>
   <p:timing>
     <p:tnLst>
       <p:par>
-        <p:cTn id="15" dur="indefinite" restart="never" nodeType="tmRoot">
+        <p:cTn id="1" dur="indefinite" restart="never" nodeType="tmRoot">
           <p:childTnLst>
             <p:seq>
-              <p:cTn id="16" dur="indefinite" nodeType="mainSeq"/>
+              <p:cTn id="2" dur="indefinite" nodeType="mainSeq"/>
               <p:prevCondLst>
-                <p:cond delay="0" evt="onPrev">
+                <p:cond evt="onPrev" delay="0">
                   <p:tgtEl>
                     <p:sldTgt/>
                   </p:tgtEl>
                 </p:cond>
               </p:prevCondLst>
               <p:nextCondLst>
-                <p:cond delay="0" evt="onNext">
+                <p:cond evt="onNext" delay="0">
                   <p:tgtEl>
                     <p:sldTgt/>
                   </p:tgtEl>
@@ -9761,7 +10830,7 @@
 </file>
 
 <file path=ppt/slides/slide9.xml><?xml version="1.0" encoding="utf-8"?>
-<p:sld xmlns:a="http://schemas.openxmlformats.org/drawingml/2006/main" xmlns:p="http://schemas.openxmlformats.org/presentationml/2006/main" xmlns:r="http://schemas.openxmlformats.org/officeDocument/2006/relationships" xmlns:p14="http://schemas.microsoft.com/office/powerpoint/2010/main" xmlns:p15="http://schemas.microsoft.com/office/powerpoint/2012/main" xmlns:mc="http://schemas.openxmlformats.org/markup-compatibility/2006">
+<p:sld xmlns:a="http://schemas.openxmlformats.org/drawingml/2006/main" xmlns:r="http://schemas.openxmlformats.org/officeDocument/2006/relationships" xmlns:p="http://schemas.openxmlformats.org/presentationml/2006/main">
   <p:cSld>
     <p:spTree>
       <p:nvGrpSpPr>
@@ -9797,15 +10866,22 @@
           </a:ln>
         </p:spPr>
         <p:style>
-          <a:lnRef idx="0"/>
-          <a:fillRef idx="0"/>
-          <a:effectRef idx="0"/>
+          <a:lnRef idx="0">
+            <a:scrgbClr r="0" g="0" b="0"/>
+          </a:lnRef>
+          <a:fillRef idx="0">
+            <a:scrgbClr r="0" g="0" b="0"/>
+          </a:fillRef>
+          <a:effectRef idx="0">
+            <a:scrgbClr r="0" g="0" b="0"/>
+          </a:effectRef>
           <a:fontRef idx="minor"/>
         </p:style>
         <p:txBody>
-          <a:bodyPr lIns="90000" rIns="90000" tIns="45000" bIns="45000">
+          <a:bodyPr lIns="90000" tIns="45000" rIns="90000" bIns="45000">
             <a:noAutofit/>
           </a:bodyPr>
+          <a:lstStyle/>
           <a:p>
             <a:pPr>
               <a:lnSpc>
@@ -9813,9 +10889,9 @@
               </a:lnSpc>
             </a:pPr>
             <a:r>
-              <a:rPr b="0" lang="de-DE" sz="3600" spc="-1" strike="noStrike" u="sng">
+              <a:rPr lang="de-DE" sz="3600" b="0" u="sng" strike="noStrike" spc="-1">
                 <a:solidFill>
-                  <a:srgbClr val="5fcbef"/>
+                  <a:srgbClr val="5FCBEF"/>
                 </a:solidFill>
                 <a:uFillTx/>
                 <a:latin typeface="Trebuchet MS"/>
@@ -9823,7 +10899,7 @@
               </a:rPr>
               <a:t>Blink-Sketch</a:t>
             </a:r>
-            <a:endParaRPr b="0" lang="de-DE" sz="3600" spc="-1" strike="noStrike">
+            <a:endParaRPr lang="de-DE" sz="3600" b="0" strike="noStrike" spc="-1">
               <a:latin typeface="Arial"/>
             </a:endParaRPr>
           </a:p>
@@ -9831,13 +10907,13 @@
       </p:sp>
       <p:pic>
         <p:nvPicPr>
-          <p:cNvPr id="135" name="Inhaltsplatzhalter 4" descr=""/>
+          <p:cNvPr id="135" name="Inhaltsplatzhalter 4"/>
           <p:cNvPicPr/>
           <p:nvPr/>
         </p:nvPicPr>
         <p:blipFill>
-          <a:blip r:embed="rId1"/>
-          <a:srcRect l="0" t="1002" r="0" b="0"/>
+          <a:blip r:embed="rId2"/>
+          <a:srcRect t="1002"/>
           <a:stretch/>
         </p:blipFill>
         <p:spPr>
@@ -9855,30 +10931,25 @@
       </p:pic>
     </p:spTree>
   </p:cSld>
-  <mc:AlternateContent>
-    <mc:Choice Requires="p14">
-      <p:transition spd="slow" p14:dur="2000"/>
-    </mc:Choice>
-    <mc:Fallback>
-      <p:transition spd="slow"/>
-    </mc:Fallback>
-  </mc:AlternateContent>
+  <p:clrMapOvr>
+    <a:masterClrMapping/>
+  </p:clrMapOvr>
   <p:timing>
     <p:tnLst>
       <p:par>
-        <p:cTn id="17" dur="indefinite" restart="never" nodeType="tmRoot">
+        <p:cTn id="1" dur="indefinite" restart="never" nodeType="tmRoot">
           <p:childTnLst>
             <p:seq>
-              <p:cTn id="18" dur="indefinite" nodeType="mainSeq"/>
+              <p:cTn id="2" dur="indefinite" nodeType="mainSeq"/>
               <p:prevCondLst>
-                <p:cond delay="0" evt="onPrev">
+                <p:cond evt="onPrev" delay="0">
                   <p:tgtEl>
                     <p:sldTgt/>
                   </p:tgtEl>
                 </p:cond>
               </p:prevCondLst>
               <p:nextCondLst>
-                <p:cond delay="0" evt="onNext">
+                <p:cond evt="onNext" delay="0">
                   <p:tgtEl>
                     <p:sldTgt/>
                   </p:tgtEl>
@@ -9904,34 +10975,34 @@
         <a:sysClr val="window" lastClr="FFFFFF"/>
       </a:lt1>
       <a:dk2>
-        <a:srgbClr val="2c3c43"/>
+        <a:srgbClr val="2C3C43"/>
       </a:dk2>
       <a:lt2>
-        <a:srgbClr val="ebebeb"/>
+        <a:srgbClr val="EBEBEB"/>
       </a:lt2>
       <a:accent1>
-        <a:srgbClr val="5fcbef"/>
+        <a:srgbClr val="5FCBEF"/>
       </a:accent1>
       <a:accent2>
-        <a:srgbClr val="2e83c3"/>
+        <a:srgbClr val="2E83C3"/>
       </a:accent2>
       <a:accent3>
-        <a:srgbClr val="42d0a2"/>
+        <a:srgbClr val="42D0A2"/>
       </a:accent3>
       <a:accent4>
-        <a:srgbClr val="2e946b"/>
+        <a:srgbClr val="2E946B"/>
       </a:accent4>
       <a:accent5>
-        <a:srgbClr val="42b051"/>
+        <a:srgbClr val="42B051"/>
       </a:accent5>
       <a:accent6>
-        <a:srgbClr val="96d141"/>
+        <a:srgbClr val="96D141"/>
       </a:accent6>
       <a:hlink>
-        <a:srgbClr val="3fcde7"/>
+        <a:srgbClr val="3FCDE7"/>
       </a:hlink>
       <a:folHlink>
-        <a:srgbClr val="a9d3e1"/>
+        <a:srgbClr val="A9D3E1"/>
       </a:folHlink>
     </a:clrScheme>
     <a:fontScheme name="Office">
@@ -10113,6 +11184,8 @@
       </a:bgFillStyleLst>
     </a:fmtScheme>
   </a:themeElements>
+  <a:objectDefaults/>
+  <a:extraClrSchemeLst/>
 </a:theme>
 </file>
 
@@ -10127,34 +11200,34 @@
         <a:sysClr val="window" lastClr="FFFFFF"/>
       </a:lt1>
       <a:dk2>
-        <a:srgbClr val="2c3c43"/>
+        <a:srgbClr val="2C3C43"/>
       </a:dk2>
       <a:lt2>
-        <a:srgbClr val="ebebeb"/>
+        <a:srgbClr val="EBEBEB"/>
       </a:lt2>
       <a:accent1>
-        <a:srgbClr val="5fcbef"/>
+        <a:srgbClr val="5FCBEF"/>
       </a:accent1>
       <a:accent2>
-        <a:srgbClr val="2e83c3"/>
+        <a:srgbClr val="2E83C3"/>
       </a:accent2>
       <a:accent3>
-        <a:srgbClr val="42d0a2"/>
+        <a:srgbClr val="42D0A2"/>
       </a:accent3>
       <a:accent4>
-        <a:srgbClr val="2e946b"/>
+        <a:srgbClr val="2E946B"/>
       </a:accent4>
       <a:accent5>
-        <a:srgbClr val="42b051"/>
+        <a:srgbClr val="42B051"/>
       </a:accent5>
       <a:accent6>
-        <a:srgbClr val="96d141"/>
+        <a:srgbClr val="96D141"/>
       </a:accent6>
       <a:hlink>
-        <a:srgbClr val="3fcde7"/>
+        <a:srgbClr val="3FCDE7"/>
       </a:hlink>
       <a:folHlink>
-        <a:srgbClr val="a9d3e1"/>
+        <a:srgbClr val="A9D3E1"/>
       </a:folHlink>
     </a:clrScheme>
     <a:fontScheme name="Office">
@@ -10336,5 +11409,7 @@
       </a:bgFillStyleLst>
     </a:fmtScheme>
   </a:themeElements>
+  <a:objectDefaults/>
+  <a:extraClrSchemeLst/>
 </a:theme>
 </file>
--- a/5. Semester/IoT/iot/powerPoint.pptx
+++ b/5. Semester/IoT/iot/powerPoint.pptx
@@ -24,8 +24,9 @@
     <p:sldId id="271" r:id="rId18"/>
     <p:sldId id="272" r:id="rId19"/>
     <p:sldId id="273" r:id="rId20"/>
-    <p:sldId id="274" r:id="rId21"/>
-    <p:sldId id="275" r:id="rId22"/>
+    <p:sldId id="276" r:id="rId21"/>
+    <p:sldId id="274" r:id="rId22"/>
+    <p:sldId id="275" r:id="rId23"/>
   </p:sldIdLst>
   <p:sldSz cx="12192000" cy="6858000"/>
   <p:notesSz cx="7559675" cy="10691813"/>
@@ -124,6 +125,11 @@
       </a:defRPr>
     </a:lvl9pPr>
   </p:defaultTextStyle>
+  <p:extLst>
+    <p:ext uri="{EFAFB233-063F-42B5-8137-9DF3F51BA10A}">
+      <p15:sldGuideLst xmlns:p15="http://schemas.microsoft.com/office/powerpoint/2012/main"/>
+    </p:ext>
+  </p:extLst>
 </p:presentation>
 </file>
 
@@ -7608,8 +7614,8 @@
         </p:blipFill>
         <p:spPr>
           <a:xfrm>
-            <a:off x="4836960" y="808920"/>
-            <a:ext cx="2904840" cy="1319760"/>
+            <a:off x="677160" y="1663161"/>
+            <a:ext cx="3156376" cy="1554107"/>
           </a:xfrm>
           <a:prstGeom prst="rect">
             <a:avLst/>
@@ -7632,32 +7638,8 @@
         </p:blipFill>
         <p:spPr>
           <a:xfrm>
-            <a:off x="677160" y="1468800"/>
-            <a:ext cx="3251880" cy="2606040"/>
-          </a:xfrm>
-          <a:prstGeom prst="rect">
-            <a:avLst/>
-          </a:prstGeom>
-          <a:ln>
-            <a:noFill/>
-          </a:ln>
-        </p:spPr>
-      </p:pic>
-      <p:pic>
-        <p:nvPicPr>
-          <p:cNvPr id="150" name="Grafik 10"/>
-          <p:cNvPicPr/>
-          <p:nvPr/>
-        </p:nvPicPr>
-        <p:blipFill>
-          <a:blip r:embed="rId4"/>
-          <a:srcRect r="18517" b="20218"/>
-          <a:stretch/>
-        </p:blipFill>
-        <p:spPr>
-          <a:xfrm>
-            <a:off x="4489920" y="3112200"/>
-            <a:ext cx="3251880" cy="2606040"/>
+            <a:off x="5107364" y="1663161"/>
+            <a:ext cx="3420706" cy="2651703"/>
           </a:xfrm>
           <a:prstGeom prst="rect">
             <a:avLst/>
@@ -7675,8 +7657,8 @@
         </p:nvSpPr>
         <p:spPr>
           <a:xfrm>
-            <a:off x="4761720" y="1792440"/>
-            <a:ext cx="2667960" cy="306000"/>
+            <a:off x="677160" y="2812552"/>
+            <a:ext cx="2662806" cy="361414"/>
           </a:xfrm>
           <a:prstGeom prst="ellipse">
             <a:avLst/>
@@ -7704,6 +7686,42 @@
           <a:fontRef idx="minor"/>
         </p:style>
       </p:sp>
+      <p:pic>
+        <p:nvPicPr>
+          <p:cNvPr id="7" name="Grafik 6">
+            <a:extLst>
+              <a:ext uri="{FF2B5EF4-FFF2-40B4-BE49-F238E27FC236}">
+                <a16:creationId xmlns:a16="http://schemas.microsoft.com/office/drawing/2014/main" id="{1572E738-81D3-49DD-990F-C26F139DD79B}"/>
+              </a:ext>
+            </a:extLst>
+          </p:cNvPr>
+          <p:cNvPicPr>
+            <a:picLocks noChangeAspect="1"/>
+          </p:cNvPicPr>
+          <p:nvPr/>
+        </p:nvPicPr>
+        <p:blipFill>
+          <a:blip r:embed="rId4">
+            <a:extLst>
+              <a:ext uri="{28A0092B-C50C-407E-A947-70E740481C1C}">
+                <a14:useLocalDpi xmlns:a14="http://schemas.microsoft.com/office/drawing/2010/main" val="0"/>
+              </a:ext>
+            </a:extLst>
+          </a:blip>
+          <a:stretch>
+            <a:fillRect/>
+          </a:stretch>
+        </p:blipFill>
+        <p:spPr>
+          <a:xfrm>
+            <a:off x="1340932" y="3904638"/>
+            <a:ext cx="3156376" cy="2367282"/>
+          </a:xfrm>
+          <a:prstGeom prst="rect">
+            <a:avLst/>
+          </a:prstGeom>
+        </p:spPr>
+      </p:pic>
     </p:spTree>
   </p:cSld>
   <p:clrMapOvr>
@@ -8474,7 +8492,7 @@
       </p:grpSpPr>
       <p:sp>
         <p:nvSpPr>
-          <p:cNvPr id="161" name="CustomShape 1"/>
+          <p:cNvPr id="144" name="CustomShape 1"/>
           <p:cNvSpPr/>
           <p:nvPr/>
         </p:nvSpPr>
@@ -8515,15 +8533,14 @@
               </a:lnSpc>
             </a:pPr>
             <a:r>
-              <a:rPr lang="de-DE" sz="3600" b="0" u="sng" strike="noStrike" spc="-1">
+              <a:rPr lang="de-DE" sz="3600" b="0" strike="noStrike" spc="-1">
                 <a:solidFill>
                   <a:srgbClr val="5FCBEF"/>
                 </a:solidFill>
-                <a:uFillTx/>
                 <a:latin typeface="Trebuchet MS"/>
                 <a:ea typeface="DejaVu Sans"/>
               </a:rPr>
-              <a:t>Derzeitiger Microcontroller</a:t>
+              <a:t>Fehlerbehebung:</a:t>
             </a:r>
             <a:endParaRPr lang="de-DE" sz="3600" b="0" strike="noStrike" spc="-1">
               <a:latin typeface="Arial"/>
@@ -8533,13 +8550,13 @@
       </p:sp>
       <p:sp>
         <p:nvSpPr>
-          <p:cNvPr id="162" name="CustomShape 2"/>
+          <p:cNvPr id="145" name="CustomShape 2"/>
           <p:cNvSpPr/>
           <p:nvPr/>
         </p:nvSpPr>
         <p:spPr>
           <a:xfrm>
-            <a:off x="966240" y="1684800"/>
+            <a:off x="677160" y="2160720"/>
             <a:ext cx="8595720" cy="3879720"/>
           </a:xfrm>
           <a:prstGeom prst="rect">
@@ -8565,29 +8582,102 @@
       </p:sp>
       <p:pic>
         <p:nvPicPr>
-          <p:cNvPr id="163" name="Grafik 162"/>
-          <p:cNvPicPr/>
+          <p:cNvPr id="3" name="Grafik 2">
+            <a:extLst>
+              <a:ext uri="{FF2B5EF4-FFF2-40B4-BE49-F238E27FC236}">
+                <a16:creationId xmlns:a16="http://schemas.microsoft.com/office/drawing/2014/main" id="{53CD913E-EC6C-4B29-9BC5-19A9B5444B90}"/>
+              </a:ext>
+            </a:extLst>
+          </p:cNvPr>
+          <p:cNvPicPr>
+            <a:picLocks noChangeAspect="1"/>
+          </p:cNvPicPr>
           <p:nvPr/>
         </p:nvPicPr>
         <p:blipFill>
-          <a:blip r:embed="rId2"/>
-          <a:srcRect l="3415" t="1235" r="4274"/>
-          <a:stretch/>
+          <a:blip r:embed="rId2">
+            <a:extLst>
+              <a:ext uri="{28A0092B-C50C-407E-A947-70E740481C1C}">
+                <a14:useLocalDpi xmlns:a14="http://schemas.microsoft.com/office/drawing/2010/main" val="0"/>
+              </a:ext>
+            </a:extLst>
+          </a:blip>
+          <a:stretch>
+            <a:fillRect/>
+          </a:stretch>
         </p:blipFill>
         <p:spPr>
           <a:xfrm>
-            <a:off x="376560" y="1728000"/>
-            <a:ext cx="8479080" cy="3744000"/>
-          </a:xfrm>
-          <a:prstGeom prst="rect">
-            <a:avLst/>
-          </a:prstGeom>
+            <a:off x="913596" y="1737207"/>
+            <a:ext cx="4180700" cy="1547403"/>
+          </a:xfrm>
+          <a:prstGeom prst="rect">
+            <a:avLst/>
+          </a:prstGeom>
+        </p:spPr>
+      </p:pic>
+      <p:sp>
+        <p:nvSpPr>
+          <p:cNvPr id="9" name="Pfeil: nach oben gebogen 8">
+            <a:extLst>
+              <a:ext uri="{FF2B5EF4-FFF2-40B4-BE49-F238E27FC236}">
+                <a16:creationId xmlns:a16="http://schemas.microsoft.com/office/drawing/2014/main" id="{055CB9A0-D220-4221-88CB-AE0B524D4955}"/>
+              </a:ext>
+            </a:extLst>
+          </p:cNvPr>
+          <p:cNvSpPr/>
+          <p:nvPr/>
+        </p:nvSpPr>
+        <p:spPr>
+          <a:xfrm rot="5400000">
+            <a:off x="2809379" y="2880823"/>
+            <a:ext cx="1099674" cy="1270535"/>
+          </a:xfrm>
+          <a:prstGeom prst="bentUpArrow">
+            <a:avLst>
+              <a:gd name="adj1" fmla="val 9220"/>
+              <a:gd name="adj2" fmla="val 16260"/>
+              <a:gd name="adj3" fmla="val 50000"/>
+            </a:avLst>
+          </a:prstGeom>
+          <a:solidFill>
+            <a:srgbClr val="FF0000"/>
+          </a:solidFill>
           <a:ln>
             <a:noFill/>
           </a:ln>
         </p:spPr>
-      </p:pic>
+        <p:style>
+          <a:lnRef idx="2">
+            <a:schemeClr val="accent1">
+              <a:shade val="50000"/>
+            </a:schemeClr>
+          </a:lnRef>
+          <a:fillRef idx="1">
+            <a:schemeClr val="accent1"/>
+          </a:fillRef>
+          <a:effectRef idx="0">
+            <a:schemeClr val="accent1"/>
+          </a:effectRef>
+          <a:fontRef idx="minor">
+            <a:schemeClr val="lt1"/>
+          </a:fontRef>
+        </p:style>
+        <p:txBody>
+          <a:bodyPr rtlCol="0" anchor="ctr"/>
+          <a:lstStyle/>
+          <a:p>
+            <a:pPr algn="ctr"/>
+            <a:endParaRPr lang="de-DE"/>
+          </a:p>
+        </p:txBody>
+      </p:sp>
     </p:spTree>
+    <p:extLst>
+      <p:ext uri="{BB962C8B-B14F-4D97-AF65-F5344CB8AC3E}">
+        <p14:creationId xmlns:p14="http://schemas.microsoft.com/office/powerpoint/2010/main" val="2747213450"/>
+      </p:ext>
+    </p:extLst>
   </p:cSld>
   <p:clrMapOvr>
     <a:masterClrMapping/>
@@ -9057,6 +9147,173 @@
 </file>
 
 <file path=ppt/slides/slide20.xml><?xml version="1.0" encoding="utf-8"?>
+<p:sld xmlns:a="http://schemas.openxmlformats.org/drawingml/2006/main" xmlns:r="http://schemas.openxmlformats.org/officeDocument/2006/relationships" xmlns:p="http://schemas.openxmlformats.org/presentationml/2006/main">
+  <p:cSld>
+    <p:spTree>
+      <p:nvGrpSpPr>
+        <p:cNvPr id="1" name=""/>
+        <p:cNvGrpSpPr/>
+        <p:nvPr/>
+      </p:nvGrpSpPr>
+      <p:grpSpPr>
+        <a:xfrm>
+          <a:off x="0" y="0"/>
+          <a:ext cx="0" cy="0"/>
+          <a:chOff x="0" y="0"/>
+          <a:chExt cx="0" cy="0"/>
+        </a:xfrm>
+      </p:grpSpPr>
+      <p:sp>
+        <p:nvSpPr>
+          <p:cNvPr id="161" name="CustomShape 1"/>
+          <p:cNvSpPr/>
+          <p:nvPr/>
+        </p:nvSpPr>
+        <p:spPr>
+          <a:xfrm>
+            <a:off x="677160" y="609480"/>
+            <a:ext cx="8595720" cy="1319760"/>
+          </a:xfrm>
+          <a:prstGeom prst="rect">
+            <a:avLst/>
+          </a:prstGeom>
+          <a:noFill/>
+          <a:ln>
+            <a:noFill/>
+          </a:ln>
+        </p:spPr>
+        <p:style>
+          <a:lnRef idx="0">
+            <a:scrgbClr r="0" g="0" b="0"/>
+          </a:lnRef>
+          <a:fillRef idx="0">
+            <a:scrgbClr r="0" g="0" b="0"/>
+          </a:fillRef>
+          <a:effectRef idx="0">
+            <a:scrgbClr r="0" g="0" b="0"/>
+          </a:effectRef>
+          <a:fontRef idx="minor"/>
+        </p:style>
+        <p:txBody>
+          <a:bodyPr lIns="90000" tIns="45000" rIns="90000" bIns="45000">
+            <a:noAutofit/>
+          </a:bodyPr>
+          <a:lstStyle/>
+          <a:p>
+            <a:pPr>
+              <a:lnSpc>
+                <a:spcPct val="100000"/>
+              </a:lnSpc>
+            </a:pPr>
+            <a:r>
+              <a:rPr lang="de-DE" sz="3600" b="0" u="sng" strike="noStrike" spc="-1">
+                <a:solidFill>
+                  <a:srgbClr val="5FCBEF"/>
+                </a:solidFill>
+                <a:uFillTx/>
+                <a:latin typeface="Trebuchet MS"/>
+                <a:ea typeface="DejaVu Sans"/>
+              </a:rPr>
+              <a:t>Derzeitiger Microcontroller</a:t>
+            </a:r>
+            <a:endParaRPr lang="de-DE" sz="3600" b="0" strike="noStrike" spc="-1">
+              <a:latin typeface="Arial"/>
+            </a:endParaRPr>
+          </a:p>
+        </p:txBody>
+      </p:sp>
+      <p:sp>
+        <p:nvSpPr>
+          <p:cNvPr id="162" name="CustomShape 2"/>
+          <p:cNvSpPr/>
+          <p:nvPr/>
+        </p:nvSpPr>
+        <p:spPr>
+          <a:xfrm>
+            <a:off x="966240" y="1684800"/>
+            <a:ext cx="8595720" cy="3879720"/>
+          </a:xfrm>
+          <a:prstGeom prst="rect">
+            <a:avLst/>
+          </a:prstGeom>
+          <a:noFill/>
+          <a:ln>
+            <a:noFill/>
+          </a:ln>
+        </p:spPr>
+        <p:style>
+          <a:lnRef idx="0">
+            <a:scrgbClr r="0" g="0" b="0"/>
+          </a:lnRef>
+          <a:fillRef idx="0">
+            <a:scrgbClr r="0" g="0" b="0"/>
+          </a:fillRef>
+          <a:effectRef idx="0">
+            <a:scrgbClr r="0" g="0" b="0"/>
+          </a:effectRef>
+          <a:fontRef idx="minor"/>
+        </p:style>
+      </p:sp>
+      <p:pic>
+        <p:nvPicPr>
+          <p:cNvPr id="163" name="Grafik 162"/>
+          <p:cNvPicPr/>
+          <p:nvPr/>
+        </p:nvPicPr>
+        <p:blipFill>
+          <a:blip r:embed="rId2"/>
+          <a:srcRect l="3415" t="1235" r="4274"/>
+          <a:stretch/>
+        </p:blipFill>
+        <p:spPr>
+          <a:xfrm>
+            <a:off x="376560" y="1728000"/>
+            <a:ext cx="8479080" cy="3744000"/>
+          </a:xfrm>
+          <a:prstGeom prst="rect">
+            <a:avLst/>
+          </a:prstGeom>
+          <a:ln>
+            <a:noFill/>
+          </a:ln>
+        </p:spPr>
+      </p:pic>
+    </p:spTree>
+  </p:cSld>
+  <p:clrMapOvr>
+    <a:masterClrMapping/>
+  </p:clrMapOvr>
+  <p:timing>
+    <p:tnLst>
+      <p:par>
+        <p:cTn id="1" dur="indefinite" restart="never" nodeType="tmRoot">
+          <p:childTnLst>
+            <p:seq>
+              <p:cTn id="2" dur="indefinite" nodeType="mainSeq"/>
+              <p:prevCondLst>
+                <p:cond evt="onPrev" delay="0">
+                  <p:tgtEl>
+                    <p:sldTgt/>
+                  </p:tgtEl>
+                </p:cond>
+              </p:prevCondLst>
+              <p:nextCondLst>
+                <p:cond evt="onNext" delay="0">
+                  <p:tgtEl>
+                    <p:sldTgt/>
+                  </p:tgtEl>
+                </p:cond>
+              </p:nextCondLst>
+            </p:seq>
+          </p:childTnLst>
+        </p:cTn>
+      </p:par>
+    </p:tnLst>
+  </p:timing>
+</p:sld>
+</file>
+
+<file path=ppt/slides/slide21.xml><?xml version="1.0" encoding="utf-8"?>
 <p:sld xmlns:a="http://schemas.openxmlformats.org/drawingml/2006/main" xmlns:r="http://schemas.openxmlformats.org/officeDocument/2006/relationships" xmlns:p="http://schemas.openxmlformats.org/presentationml/2006/main">
   <p:cSld>
     <p:spTree>

--- a/5. Semester/IoT/iot/powerPoint.pptx
+++ b/5. Semester/IoT/iot/powerPoint.pptx
@@ -8608,7 +8608,7 @@
         </p:blipFill>
         <p:spPr>
           <a:xfrm>
-            <a:off x="913596" y="1737207"/>
+            <a:off x="1568114" y="1998641"/>
             <a:ext cx="4180700" cy="1547403"/>
           </a:xfrm>
           <a:prstGeom prst="rect">
@@ -8630,7 +8630,7 @@
         </p:nvSpPr>
         <p:spPr>
           <a:xfrm rot="5400000">
-            <a:off x="2809379" y="2880823"/>
+            <a:off x="3367644" y="3343570"/>
             <a:ext cx="1099674" cy="1270535"/>
           </a:xfrm>
           <a:prstGeom prst="bentUpArrow">
@@ -8672,6 +8672,42 @@
           </a:p>
         </p:txBody>
       </p:sp>
+      <p:pic>
+        <p:nvPicPr>
+          <p:cNvPr id="4" name="Grafik 3">
+            <a:extLst>
+              <a:ext uri="{FF2B5EF4-FFF2-40B4-BE49-F238E27FC236}">
+                <a16:creationId xmlns:a16="http://schemas.microsoft.com/office/drawing/2014/main" id="{5DB81916-3203-412A-9E05-ED85027269B5}"/>
+              </a:ext>
+            </a:extLst>
+          </p:cNvPr>
+          <p:cNvPicPr>
+            <a:picLocks noChangeAspect="1"/>
+          </p:cNvPicPr>
+          <p:nvPr/>
+        </p:nvPicPr>
+        <p:blipFill>
+          <a:blip r:embed="rId3">
+            <a:extLst>
+              <a:ext uri="{28A0092B-C50C-407E-A947-70E740481C1C}">
+                <a14:useLocalDpi xmlns:a14="http://schemas.microsoft.com/office/drawing/2010/main" val="0"/>
+              </a:ext>
+            </a:extLst>
+          </a:blip>
+          <a:stretch>
+            <a:fillRect/>
+          </a:stretch>
+        </p:blipFill>
+        <p:spPr>
+          <a:xfrm>
+            <a:off x="4873862" y="3383964"/>
+            <a:ext cx="3519640" cy="2056745"/>
+          </a:xfrm>
+          <a:prstGeom prst="rect">
+            <a:avLst/>
+          </a:prstGeom>
+        </p:spPr>
+      </p:pic>
     </p:spTree>
     <p:extLst>
       <p:ext uri="{BB962C8B-B14F-4D97-AF65-F5344CB8AC3E}">

--- a/5. Semester/IoT/iot/powerPoint.pptx
+++ b/5. Semester/IoT/iot/powerPoint.pptx
@@ -127,7 +127,7 @@
   </p:defaultTextStyle>
   <p:extLst>
     <p:ext uri="{EFAFB233-063F-42B5-8137-9DF3F51BA10A}">
-      <p15:sldGuideLst xmlns:p15="http://schemas.microsoft.com/office/powerpoint/2012/main"/>
+      <p15:sldGuideLst xmlns:p15="http://schemas.microsoft.com/office/powerpoint/2012/main" xmlns=""/>
     </p:ext>
   </p:extLst>
 </p:presentation>
@@ -7691,7 +7691,7 @@
           <p:cNvPr id="7" name="Grafik 6">
             <a:extLst>
               <a:ext uri="{FF2B5EF4-FFF2-40B4-BE49-F238E27FC236}">
-                <a16:creationId xmlns:a16="http://schemas.microsoft.com/office/drawing/2014/main" id="{1572E738-81D3-49DD-990F-C26F139DD79B}"/>
+                <a16:creationId xmlns:a16="http://schemas.microsoft.com/office/drawing/2014/main" xmlns="" id="{1572E738-81D3-49DD-990F-C26F139DD79B}"/>
               </a:ext>
             </a:extLst>
           </p:cNvPr>
@@ -7701,7 +7701,7 @@
           <p:nvPr/>
         </p:nvPicPr>
         <p:blipFill>
-          <a:blip r:embed="rId4">
+          <a:blip r:embed="rId4" cstate="print">
             <a:extLst>
               <a:ext uri="{28A0092B-C50C-407E-A947-70E740481C1C}">
                 <a14:useLocalDpi xmlns:a14="http://schemas.microsoft.com/office/drawing/2010/main" val="0"/>
@@ -8585,7 +8585,7 @@
           <p:cNvPr id="3" name="Grafik 2">
             <a:extLst>
               <a:ext uri="{FF2B5EF4-FFF2-40B4-BE49-F238E27FC236}">
-                <a16:creationId xmlns:a16="http://schemas.microsoft.com/office/drawing/2014/main" id="{53CD913E-EC6C-4B29-9BC5-19A9B5444B90}"/>
+                <a16:creationId xmlns:a16="http://schemas.microsoft.com/office/drawing/2014/main" xmlns="" id="{53CD913E-EC6C-4B29-9BC5-19A9B5444B90}"/>
               </a:ext>
             </a:extLst>
           </p:cNvPr>
@@ -8621,7 +8621,7 @@
           <p:cNvPr id="9" name="Pfeil: nach oben gebogen 8">
             <a:extLst>
               <a:ext uri="{FF2B5EF4-FFF2-40B4-BE49-F238E27FC236}">
-                <a16:creationId xmlns:a16="http://schemas.microsoft.com/office/drawing/2014/main" id="{055CB9A0-D220-4221-88CB-AE0B524D4955}"/>
+                <a16:creationId xmlns:a16="http://schemas.microsoft.com/office/drawing/2014/main" xmlns="" id="{055CB9A0-D220-4221-88CB-AE0B524D4955}"/>
               </a:ext>
             </a:extLst>
           </p:cNvPr>
@@ -8677,7 +8677,7 @@
           <p:cNvPr id="4" name="Grafik 3">
             <a:extLst>
               <a:ext uri="{FF2B5EF4-FFF2-40B4-BE49-F238E27FC236}">
-                <a16:creationId xmlns:a16="http://schemas.microsoft.com/office/drawing/2014/main" id="{5DB81916-3203-412A-9E05-ED85027269B5}"/>
+                <a16:creationId xmlns:a16="http://schemas.microsoft.com/office/drawing/2014/main" xmlns="" id="{5DB81916-3203-412A-9E05-ED85027269B5}"/>
               </a:ext>
             </a:extLst>
           </p:cNvPr>
@@ -9922,18 +9922,70 @@
               <a:buChar char=""/>
             </a:pPr>
             <a:r>
-              <a:rPr lang="de-DE" sz="2000" b="0" strike="noStrike" spc="-1">
+              <a:rPr lang="de-DE" sz="2000" b="0" strike="noStrike" spc="-1" dirty="0" smtClean="0">
                 <a:solidFill>
                   <a:srgbClr val="404040"/>
                 </a:solidFill>
                 <a:latin typeface="Trebuchet MS"/>
                 <a:ea typeface="DejaVu Sans"/>
               </a:rPr>
+              <a:t>DHT11</a:t>
+            </a:r>
+          </a:p>
+          <a:p>
+            <a:pPr marL="800280" lvl="1" indent="-342000">
+              <a:lnSpc>
+                <a:spcPct val="150000"/>
+              </a:lnSpc>
+              <a:spcBef>
+                <a:spcPts val="1001"/>
+              </a:spcBef>
+              <a:buClr>
+                <a:srgbClr val="5FCBEF"/>
+              </a:buClr>
+              <a:buSzPct val="80000"/>
+              <a:buFont typeface="Wingdings 3" charset="2"/>
+              <a:buChar char=""/>
+            </a:pPr>
+            <a:r>
+              <a:rPr lang="de-DE" b="0" strike="noStrike" spc="-1" dirty="0" smtClean="0">
+                <a:solidFill>
+                  <a:srgbClr val="404040"/>
+                </a:solidFill>
+                <a:latin typeface="Trebuchet MS"/>
+                <a:ea typeface="DejaVu Sans"/>
+              </a:rPr>
               <a:t>Temperatur</a:t>
             </a:r>
-            <a:endParaRPr lang="de-DE" sz="2000" b="0" strike="noStrike" spc="-1">
-              <a:latin typeface="Arial"/>
-            </a:endParaRPr>
+            <a:endParaRPr lang="de-DE" b="0" strike="noStrike" spc="-1" dirty="0">
+              <a:latin typeface="Arial"/>
+            </a:endParaRPr>
+          </a:p>
+          <a:p>
+            <a:pPr marL="800280" lvl="1" indent="-342000">
+              <a:lnSpc>
+                <a:spcPct val="150000"/>
+              </a:lnSpc>
+              <a:spcBef>
+                <a:spcPts val="1001"/>
+              </a:spcBef>
+              <a:buClr>
+                <a:srgbClr val="5FCBEF"/>
+              </a:buClr>
+              <a:buSzPct val="80000"/>
+              <a:buFont typeface="Wingdings 3" charset="2"/>
+              <a:buChar char=""/>
+            </a:pPr>
+            <a:r>
+              <a:rPr lang="de-DE" b="0" strike="noStrike" spc="-1" dirty="0" smtClean="0">
+                <a:solidFill>
+                  <a:srgbClr val="404040"/>
+                </a:solidFill>
+                <a:latin typeface="Trebuchet MS"/>
+                <a:ea typeface="DejaVu Sans"/>
+              </a:rPr>
+              <a:t>Luftfeuchtigkeit</a:t>
+            </a:r>
           </a:p>
           <a:p>
             <a:pPr marL="343080" indent="-342000">
@@ -9951,17 +10003,21 @@
               <a:buChar char=""/>
             </a:pPr>
             <a:r>
-              <a:rPr lang="de-DE" sz="2000" b="0" strike="noStrike" spc="-1">
+              <a:rPr lang="de-DE" sz="2000" spc="-1" dirty="0" smtClean="0">
                 <a:solidFill>
                   <a:srgbClr val="404040"/>
                 </a:solidFill>
                 <a:latin typeface="Trebuchet MS"/>
                 <a:ea typeface="DejaVu Sans"/>
               </a:rPr>
-              <a:t>Luftfeuchtigkeit</a:t>
-            </a:r>
-            <a:endParaRPr lang="de-DE" sz="2000" b="0" strike="noStrike" spc="-1">
-              <a:latin typeface="Arial"/>
+              <a:t>TI CC1101</a:t>
+            </a:r>
+            <a:endParaRPr lang="de-DE" sz="2000" b="0" strike="noStrike" spc="-1" dirty="0" smtClean="0">
+              <a:solidFill>
+                <a:srgbClr val="404040"/>
+              </a:solidFill>
+              <a:latin typeface="Trebuchet MS"/>
+              <a:ea typeface="DejaVu Sans"/>
             </a:endParaRPr>
           </a:p>
           <a:p>
@@ -9979,17 +10035,7 @@
               <a:buFont typeface="Wingdings 3" charset="2"/>
               <a:buChar char=""/>
             </a:pPr>
-            <a:r>
-              <a:rPr lang="de-DE" sz="2000" b="0" strike="noStrike" spc="-1">
-                <a:solidFill>
-                  <a:srgbClr val="404040"/>
-                </a:solidFill>
-                <a:latin typeface="Trebuchet MS"/>
-                <a:ea typeface="DejaVu Sans"/>
-              </a:rPr>
-              <a:t>…</a:t>
-            </a:r>
-            <a:endParaRPr lang="de-DE" sz="2000" b="0" strike="noStrike" spc="-1">
+            <a:endParaRPr lang="de-DE" sz="2000" b="0" strike="noStrike" spc="-1" dirty="0">
               <a:latin typeface="Arial"/>
             </a:endParaRPr>
           </a:p>
@@ -10158,16 +10204,56 @@
               <a:buChar char=""/>
             </a:pPr>
             <a:r>
-              <a:rPr lang="de-DE" sz="1800" b="0" strike="noStrike" spc="-1">
+              <a:rPr lang="de-DE" sz="1800" b="0" strike="noStrike" spc="-1" dirty="0" err="1">
                 <a:solidFill>
                   <a:srgbClr val="404040"/>
                 </a:solidFill>
                 <a:latin typeface="Trebuchet MS"/>
                 <a:ea typeface="DejaVu Sans"/>
               </a:rPr>
-              <a:t>tinyAVR, megaAVR und xmegaAVR</a:t>
-            </a:r>
-            <a:endParaRPr lang="de-DE" sz="1800" b="0" strike="noStrike" spc="-1">
+              <a:t>tinyAVR</a:t>
+            </a:r>
+            <a:r>
+              <a:rPr lang="de-DE" sz="1800" b="0" strike="noStrike" spc="-1" dirty="0">
+                <a:solidFill>
+                  <a:srgbClr val="404040"/>
+                </a:solidFill>
+                <a:latin typeface="Trebuchet MS"/>
+                <a:ea typeface="DejaVu Sans"/>
+              </a:rPr>
+              <a:t>, </a:t>
+            </a:r>
+            <a:r>
+              <a:rPr lang="de-DE" sz="1800" b="0" strike="noStrike" spc="-1" dirty="0" err="1">
+                <a:solidFill>
+                  <a:srgbClr val="404040"/>
+                </a:solidFill>
+                <a:latin typeface="Trebuchet MS"/>
+                <a:ea typeface="DejaVu Sans"/>
+              </a:rPr>
+              <a:t>megaAVR</a:t>
+            </a:r>
+            <a:r>
+              <a:rPr lang="de-DE" sz="1800" b="0" strike="noStrike" spc="-1" dirty="0">
+                <a:solidFill>
+                  <a:srgbClr val="404040"/>
+                </a:solidFill>
+                <a:latin typeface="Trebuchet MS"/>
+                <a:ea typeface="DejaVu Sans"/>
+              </a:rPr>
+              <a:t> und </a:t>
+            </a:r>
+            <a:r>
+              <a:rPr lang="de-DE" sz="1800" b="0" strike="noStrike" spc="-1" dirty="0" err="1">
+                <a:solidFill>
+                  <a:srgbClr val="404040"/>
+                </a:solidFill>
+                <a:latin typeface="Trebuchet MS"/>
+                <a:ea typeface="DejaVu Sans"/>
+              </a:rPr>
+              <a:t>xmegaAVR</a:t>
+            </a:r>
+            <a:endParaRPr lang="de-DE" sz="1800" b="0" strike="noStrike" spc="-1" dirty="0">
               <a:latin typeface="Arial"/>
             </a:endParaRPr>
           </a:p>
@@ -10187,16 +10273,26 @@
               <a:buChar char=""/>
             </a:pPr>
             <a:r>
-              <a:rPr lang="de-DE" sz="1800" b="0" strike="noStrike" spc="-1">
+              <a:rPr lang="de-DE" sz="1800" b="0" strike="noStrike" spc="-1" dirty="0">
                 <a:solidFill>
                   <a:srgbClr val="404040"/>
                 </a:solidFill>
                 <a:latin typeface="Trebuchet MS"/>
                 <a:ea typeface="DejaVu Sans"/>
               </a:rPr>
-              <a:t>8-bit AVR-Microcontroller</a:t>
-            </a:r>
-            <a:endParaRPr lang="de-DE" sz="1800" b="0" strike="noStrike" spc="-1">
+              <a:t>8-bit AVR-</a:t>
+            </a:r>
+            <a:r>
+              <a:rPr lang="de-DE" sz="1800" b="0" strike="noStrike" spc="-1" dirty="0" err="1">
+                <a:solidFill>
+                  <a:srgbClr val="404040"/>
+                </a:solidFill>
+                <a:latin typeface="Trebuchet MS"/>
+                <a:ea typeface="DejaVu Sans"/>
+              </a:rPr>
+              <a:t>Microcontroller</a:t>
+            </a:r>
+            <a:endParaRPr lang="de-DE" sz="1800" b="0" strike="noStrike" spc="-1" dirty="0">
               <a:latin typeface="Arial"/>
             </a:endParaRPr>
           </a:p>
@@ -10216,18 +10312,25 @@
               <a:buChar char=""/>
             </a:pPr>
             <a:r>
-              <a:rPr lang="de-DE" sz="1800" b="0" strike="noStrike" spc="-1">
+              <a:rPr lang="de-DE" sz="1800" b="0" strike="noStrike" spc="-1" dirty="0">
                 <a:solidFill>
                   <a:srgbClr val="404040"/>
                 </a:solidFill>
                 <a:latin typeface="Trebuchet MS"/>
                 <a:ea typeface="DejaVu Sans"/>
               </a:rPr>
-              <a:t>Spannung zwischen 1,8 – 5,5V</a:t>
-            </a:r>
-            <a:endParaRPr lang="de-DE" sz="1800" b="0" strike="noStrike" spc="-1">
-              <a:latin typeface="Arial"/>
-            </a:endParaRPr>
+              <a:t>Spannung zwischen 1,8 – </a:t>
+            </a:r>
+            <a:r>
+              <a:rPr lang="de-DE" sz="1800" b="0" strike="noStrike" spc="-1" dirty="0" smtClean="0">
+                <a:solidFill>
+                  <a:srgbClr val="404040"/>
+                </a:solidFill>
+                <a:latin typeface="Trebuchet MS"/>
+                <a:ea typeface="DejaVu Sans"/>
+              </a:rPr>
+              <a:t>5,5V</a:t>
+            </a:r>
           </a:p>
           <a:p>
             <a:pPr marL="343080" indent="-342000">
@@ -10245,16 +10348,15 @@
               <a:buChar char=""/>
             </a:pPr>
             <a:r>
-              <a:rPr lang="de-DE" sz="1800" b="0" strike="noStrike" spc="-1">
+              <a:rPr lang="de-DE" spc="-1" dirty="0" smtClean="0">
                 <a:solidFill>
                   <a:srgbClr val="404040"/>
                 </a:solidFill>
                 <a:latin typeface="Trebuchet MS"/>
-                <a:ea typeface="DejaVu Sans"/>
-              </a:rPr>
-              <a:t>32 KiB Flash-Speicher</a:t>
-            </a:r>
-            <a:endParaRPr lang="de-DE" sz="1800" b="0" strike="noStrike" spc="-1">
+              </a:rPr>
+              <a:t>Taktrate bis zu 20Mhz</a:t>
+            </a:r>
+            <a:endParaRPr lang="de-DE" sz="1800" b="0" strike="noStrike" spc="-1" dirty="0">
               <a:latin typeface="Arial"/>
             </a:endParaRPr>
           </a:p>
@@ -10274,16 +10376,65 @@
               <a:buChar char=""/>
             </a:pPr>
             <a:r>
-              <a:rPr lang="de-DE" sz="1800" b="0" strike="noStrike" spc="-1">
+              <a:rPr lang="de-DE" sz="1800" b="0" strike="noStrike" spc="-1" dirty="0">
                 <a:solidFill>
                   <a:srgbClr val="404040"/>
                 </a:solidFill>
                 <a:latin typeface="Trebuchet MS"/>
                 <a:ea typeface="DejaVu Sans"/>
               </a:rPr>
+              <a:t>32 </a:t>
+            </a:r>
+            <a:r>
+              <a:rPr lang="de-DE" sz="1800" b="0" strike="noStrike" spc="-1" dirty="0" err="1">
+                <a:solidFill>
+                  <a:srgbClr val="404040"/>
+                </a:solidFill>
+                <a:latin typeface="Trebuchet MS"/>
+                <a:ea typeface="DejaVu Sans"/>
+              </a:rPr>
+              <a:t>KiB</a:t>
+            </a:r>
+            <a:r>
+              <a:rPr lang="de-DE" sz="1800" b="0" strike="noStrike" spc="-1" dirty="0">
+                <a:solidFill>
+                  <a:srgbClr val="404040"/>
+                </a:solidFill>
+                <a:latin typeface="Trebuchet MS"/>
+                <a:ea typeface="DejaVu Sans"/>
+              </a:rPr>
+              <a:t> Flash-Speicher</a:t>
+            </a:r>
+            <a:endParaRPr lang="de-DE" sz="1800" b="0" strike="noStrike" spc="-1" dirty="0">
+              <a:latin typeface="Arial"/>
+            </a:endParaRPr>
+          </a:p>
+          <a:p>
+            <a:pPr marL="343080" indent="-342000">
+              <a:lnSpc>
+                <a:spcPct val="150000"/>
+              </a:lnSpc>
+              <a:spcBef>
+                <a:spcPts val="1001"/>
+              </a:spcBef>
+              <a:buClr>
+                <a:srgbClr val="5FCBEF"/>
+              </a:buClr>
+              <a:buSzPct val="80000"/>
+              <a:buFont typeface="Wingdings 3" charset="2"/>
+              <a:buChar char=""/>
+            </a:pPr>
+            <a:r>
+              <a:rPr lang="de-DE" sz="1800" b="0" strike="noStrike" spc="-1" dirty="0">
+                <a:solidFill>
+                  <a:srgbClr val="404040"/>
+                </a:solidFill>
+                <a:latin typeface="Trebuchet MS"/>
+                <a:ea typeface="DejaVu Sans"/>
+              </a:rPr>
               <a:t>Stromsparende Architektur</a:t>
             </a:r>
-            <a:endParaRPr lang="de-DE" sz="1800" b="0" strike="noStrike" spc="-1">
+            <a:endParaRPr lang="de-DE" sz="1800" b="0" strike="noStrike" spc="-1" dirty="0">
               <a:latin typeface="Arial"/>
             </a:endParaRPr>
           </a:p>
@@ -10303,16 +10454,26 @@
               <a:buChar char=""/>
             </a:pPr>
             <a:r>
-              <a:rPr lang="de-DE" sz="1600" b="0" strike="noStrike" spc="-1">
+              <a:rPr lang="de-DE" sz="1600" b="0" strike="noStrike" spc="-1" dirty="0" err="1">
                 <a:solidFill>
                   <a:srgbClr val="404040"/>
                 </a:solidFill>
                 <a:latin typeface="Trebuchet MS"/>
                 <a:ea typeface="DejaVu Sans"/>
               </a:rPr>
-              <a:t>Pico Power</a:t>
-            </a:r>
-            <a:endParaRPr lang="de-DE" sz="1600" b="0" strike="noStrike" spc="-1">
+              <a:t>Pico</a:t>
+            </a:r>
+            <a:r>
+              <a:rPr lang="de-DE" sz="1600" b="0" strike="noStrike" spc="-1" dirty="0">
+                <a:solidFill>
+                  <a:srgbClr val="404040"/>
+                </a:solidFill>
+                <a:latin typeface="Trebuchet MS"/>
+                <a:ea typeface="DejaVu Sans"/>
+              </a:rPr>
+              <a:t> Power</a:t>
+            </a:r>
+            <a:endParaRPr lang="de-DE" sz="1600" b="0" strike="noStrike" spc="-1" dirty="0">
               <a:latin typeface="Arial"/>
             </a:endParaRPr>
           </a:p>

--- a/5. Semester/IoT/iot/powerPoint.pptx
+++ b/5. Semester/IoT/iot/powerPoint.pptx
@@ -127,7 +127,7 @@
   </p:defaultTextStyle>
   <p:extLst>
     <p:ext uri="{EFAFB233-063F-42B5-8137-9DF3F51BA10A}">
-      <p15:sldGuideLst xmlns:p15="http://schemas.microsoft.com/office/powerpoint/2012/main" xmlns=""/>
+      <p15:sldGuideLst xmlns="" xmlns:p15="http://schemas.microsoft.com/office/powerpoint/2012/main"/>
     </p:ext>
   </p:extLst>
 </p:presentation>
@@ -7691,7 +7691,7 @@
           <p:cNvPr id="7" name="Grafik 6">
             <a:extLst>
               <a:ext uri="{FF2B5EF4-FFF2-40B4-BE49-F238E27FC236}">
-                <a16:creationId xmlns:a16="http://schemas.microsoft.com/office/drawing/2014/main" xmlns="" id="{1572E738-81D3-49DD-990F-C26F139DD79B}"/>
+                <a16:creationId xmlns="" xmlns:a16="http://schemas.microsoft.com/office/drawing/2014/main" id="{1572E738-81D3-49DD-990F-C26F139DD79B}"/>
               </a:ext>
             </a:extLst>
           </p:cNvPr>
@@ -8585,7 +8585,7 @@
           <p:cNvPr id="3" name="Grafik 2">
             <a:extLst>
               <a:ext uri="{FF2B5EF4-FFF2-40B4-BE49-F238E27FC236}">
-                <a16:creationId xmlns:a16="http://schemas.microsoft.com/office/drawing/2014/main" xmlns="" id="{53CD913E-EC6C-4B29-9BC5-19A9B5444B90}"/>
+                <a16:creationId xmlns="" xmlns:a16="http://schemas.microsoft.com/office/drawing/2014/main" id="{53CD913E-EC6C-4B29-9BC5-19A9B5444B90}"/>
               </a:ext>
             </a:extLst>
           </p:cNvPr>
@@ -8621,7 +8621,7 @@
           <p:cNvPr id="9" name="Pfeil: nach oben gebogen 8">
             <a:extLst>
               <a:ext uri="{FF2B5EF4-FFF2-40B4-BE49-F238E27FC236}">
-                <a16:creationId xmlns:a16="http://schemas.microsoft.com/office/drawing/2014/main" xmlns="" id="{055CB9A0-D220-4221-88CB-AE0B524D4955}"/>
+                <a16:creationId xmlns="" xmlns:a16="http://schemas.microsoft.com/office/drawing/2014/main" id="{055CB9A0-D220-4221-88CB-AE0B524D4955}"/>
               </a:ext>
             </a:extLst>
           </p:cNvPr>
@@ -8677,7 +8677,7 @@
           <p:cNvPr id="4" name="Grafik 3">
             <a:extLst>
               <a:ext uri="{FF2B5EF4-FFF2-40B4-BE49-F238E27FC236}">
-                <a16:creationId xmlns:a16="http://schemas.microsoft.com/office/drawing/2014/main" xmlns="" id="{5DB81916-3203-412A-9E05-ED85027269B5}"/>
+                <a16:creationId xmlns="" xmlns:a16="http://schemas.microsoft.com/office/drawing/2014/main" id="{5DB81916-3203-412A-9E05-ED85027269B5}"/>
               </a:ext>
             </a:extLst>
           </p:cNvPr>
@@ -9477,16 +9477,26 @@
               <a:buChar char=""/>
             </a:pPr>
             <a:r>
-              <a:rPr lang="de-DE" sz="1800" b="0" strike="noStrike" spc="-1">
+              <a:rPr lang="de-DE" sz="2000" b="0" strike="noStrike" spc="-1" dirty="0">
                 <a:solidFill>
                   <a:srgbClr val="404040"/>
                 </a:solidFill>
                 <a:latin typeface="Trebuchet MS"/>
                 <a:ea typeface="DejaVu Sans"/>
               </a:rPr>
-              <a:t>weiterer Sensor ???</a:t>
-            </a:r>
-            <a:endParaRPr lang="de-DE" sz="1800" b="0" strike="noStrike" spc="-1">
+              <a:t>weiterer </a:t>
+            </a:r>
+            <a:r>
+              <a:rPr lang="de-DE" sz="2000" b="0" strike="noStrike" spc="-1" dirty="0" smtClean="0">
+                <a:solidFill>
+                  <a:srgbClr val="404040"/>
+                </a:solidFill>
+                <a:latin typeface="Trebuchet MS"/>
+                <a:ea typeface="DejaVu Sans"/>
+              </a:rPr>
+              <a:t>Sensor?</a:t>
+            </a:r>
+            <a:endParaRPr lang="de-DE" sz="2000" b="0" strike="noStrike" spc="-1" dirty="0">
               <a:latin typeface="Arial"/>
             </a:endParaRPr>
           </a:p>
@@ -9506,16 +9516,36 @@
               <a:buChar char=""/>
             </a:pPr>
             <a:r>
-              <a:rPr lang="de-DE" sz="1800" b="0" strike="noStrike" spc="-1">
+              <a:rPr lang="de-DE" sz="2000" b="0" strike="noStrike" spc="-1" dirty="0">
                 <a:solidFill>
                   <a:srgbClr val="404040"/>
                 </a:solidFill>
                 <a:latin typeface="Trebuchet MS"/>
                 <a:ea typeface="DejaVu Sans"/>
               </a:rPr>
-              <a:t>Übertragung zur Station/Rasperry Pi</a:t>
-            </a:r>
-            <a:endParaRPr lang="de-DE" sz="1800" b="0" strike="noStrike" spc="-1">
+              <a:t>Übertragung zur Station/</a:t>
+            </a:r>
+            <a:r>
+              <a:rPr lang="de-DE" sz="2000" b="0" strike="noStrike" spc="-1" dirty="0" err="1">
+                <a:solidFill>
+                  <a:srgbClr val="404040"/>
+                </a:solidFill>
+                <a:latin typeface="Trebuchet MS"/>
+                <a:ea typeface="DejaVu Sans"/>
+              </a:rPr>
+              <a:t>Rasperry</a:t>
+            </a:r>
+            <a:r>
+              <a:rPr lang="de-DE" sz="2000" b="0" strike="noStrike" spc="-1" dirty="0">
+                <a:solidFill>
+                  <a:srgbClr val="404040"/>
+                </a:solidFill>
+                <a:latin typeface="Trebuchet MS"/>
+                <a:ea typeface="DejaVu Sans"/>
+              </a:rPr>
+              <a:t> Pi</a:t>
+            </a:r>
+            <a:endParaRPr lang="de-DE" sz="2000" b="0" strike="noStrike" spc="-1" dirty="0">
               <a:latin typeface="Arial"/>
             </a:endParaRPr>
           </a:p>
@@ -9535,7 +9565,7 @@
               <a:buChar char=""/>
             </a:pPr>
             <a:r>
-              <a:rPr lang="de-DE" sz="1800" b="0" strike="noStrike" spc="-1">
+              <a:rPr lang="de-DE" sz="2000" b="0" strike="noStrike" spc="-1" dirty="0">
                 <a:solidFill>
                   <a:srgbClr val="404040"/>
                 </a:solidFill>
@@ -9544,7 +9574,7 @@
               </a:rPr>
               <a:t>Stromversorgung</a:t>
             </a:r>
-            <a:endParaRPr lang="de-DE" sz="1800" b="0" strike="noStrike" spc="-1">
+            <a:endParaRPr lang="de-DE" sz="2000" b="0" strike="noStrike" spc="-1" dirty="0">
               <a:latin typeface="Arial"/>
             </a:endParaRPr>
           </a:p>
@@ -9564,7 +9594,7 @@
               <a:buChar char=""/>
             </a:pPr>
             <a:r>
-              <a:rPr lang="de-DE" sz="1800" b="0" strike="noStrike" spc="-1">
+              <a:rPr lang="de-DE" sz="2000" b="0" strike="noStrike" spc="-1" dirty="0">
                 <a:solidFill>
                   <a:srgbClr val="404040"/>
                 </a:solidFill>
@@ -9573,7 +9603,7 @@
               </a:rPr>
               <a:t>Platine</a:t>
             </a:r>
-            <a:endParaRPr lang="de-DE" sz="1800" b="0" strike="noStrike" spc="-1">
+            <a:endParaRPr lang="de-DE" sz="2000" b="0" strike="noStrike" spc="-1" dirty="0">
               <a:latin typeface="Arial"/>
             </a:endParaRPr>
           </a:p>
